--- a/00 - Presentacion/Data Divers - Presentacion v3.pptx
+++ b/00 - Presentacion/Data Divers - Presentacion v3.pptx
@@ -13,22 +13,22 @@
     <p:sldId id="303" r:id="rId4"/>
     <p:sldId id="318" r:id="rId5"/>
     <p:sldId id="319" r:id="rId6"/>
-    <p:sldId id="325" r:id="rId7"/>
-    <p:sldId id="320" r:id="rId8"/>
-    <p:sldId id="321" r:id="rId9"/>
-    <p:sldId id="322" r:id="rId10"/>
-    <p:sldId id="323" r:id="rId11"/>
-    <p:sldId id="324" r:id="rId12"/>
-    <p:sldId id="307" r:id="rId13"/>
-    <p:sldId id="316" r:id="rId14"/>
-    <p:sldId id="306" r:id="rId15"/>
-    <p:sldId id="326" r:id="rId16"/>
-    <p:sldId id="315" r:id="rId17"/>
-    <p:sldId id="327" r:id="rId18"/>
-    <p:sldId id="309" r:id="rId19"/>
-    <p:sldId id="328" r:id="rId20"/>
-    <p:sldId id="329" r:id="rId21"/>
-    <p:sldId id="310" r:id="rId22"/>
+    <p:sldId id="306" r:id="rId7"/>
+    <p:sldId id="315" r:id="rId8"/>
+    <p:sldId id="327" r:id="rId9"/>
+    <p:sldId id="325" r:id="rId10"/>
+    <p:sldId id="320" r:id="rId11"/>
+    <p:sldId id="321" r:id="rId12"/>
+    <p:sldId id="323" r:id="rId13"/>
+    <p:sldId id="324" r:id="rId14"/>
+    <p:sldId id="307" r:id="rId15"/>
+    <p:sldId id="316" r:id="rId16"/>
+    <p:sldId id="309" r:id="rId17"/>
+    <p:sldId id="328" r:id="rId18"/>
+    <p:sldId id="329" r:id="rId19"/>
+    <p:sldId id="310" r:id="rId20"/>
+    <p:sldId id="331" r:id="rId21"/>
+    <p:sldId id="332" r:id="rId22"/>
     <p:sldId id="311" r:id="rId23"/>
     <p:sldId id="313" r:id="rId24"/>
     <p:sldId id="317" r:id="rId25"/>
@@ -50,13 +50,6 @@
       <p:bold r:id="rId33"/>
       <p:italic r:id="rId34"/>
       <p:boldItalic r:id="rId35"/>
-    </p:embeddedFont>
-    <p:embeddedFont>
-      <p:font typeface="Verdana" panose="020B0604030504040204" pitchFamily="34" charset="0"/>
-      <p:regular r:id="rId36"/>
-      <p:bold r:id="rId37"/>
-      <p:italic r:id="rId38"/>
-      <p:boldItalic r:id="rId39"/>
     </p:embeddedFont>
   </p:embeddedFontLst>
   <p:defaultTextStyle>
@@ -996,7 +989,7 @@
               <a:buSzPts val="1100"/>
               <a:buNone/>
             </a:pPr>
-            <a:endParaRPr/>
+            <a:endParaRPr dirty="0"/>
           </a:p>
         </p:txBody>
       </p:sp>
@@ -1059,7 +1052,7 @@
               </a:spcAft>
               <a:buNone/>
             </a:pPr>
-            <a:endParaRPr/>
+            <a:endParaRPr dirty="0"/>
           </a:p>
         </p:txBody>
       </p:sp>
@@ -1107,7 +1100,7 @@
     </p:spTree>
     <p:extLst>
       <p:ext uri="{BB962C8B-B14F-4D97-AF65-F5344CB8AC3E}">
-        <p14:creationId xmlns:p14="http://schemas.microsoft.com/office/powerpoint/2010/main" val="1558781007"/>
+        <p14:creationId xmlns:p14="http://schemas.microsoft.com/office/powerpoint/2010/main" val="1907384357"/>
       </p:ext>
     </p:extLst>
   </p:cSld>
@@ -1168,7 +1161,7 @@
               </a:spcAft>
               <a:buNone/>
             </a:pPr>
-            <a:endParaRPr/>
+            <a:endParaRPr dirty="0"/>
           </a:p>
         </p:txBody>
       </p:sp>
@@ -1216,7 +1209,7 @@
     </p:spTree>
     <p:extLst>
       <p:ext uri="{BB962C8B-B14F-4D97-AF65-F5344CB8AC3E}">
-        <p14:creationId xmlns:p14="http://schemas.microsoft.com/office/powerpoint/2010/main" val="210648870"/>
+        <p14:creationId xmlns:p14="http://schemas.microsoft.com/office/powerpoint/2010/main" val="3937077658"/>
       </p:ext>
     </p:extLst>
   </p:cSld>
@@ -1277,7 +1270,7 @@
               </a:spcAft>
               <a:buNone/>
             </a:pPr>
-            <a:endParaRPr/>
+            <a:endParaRPr dirty="0"/>
           </a:p>
         </p:txBody>
       </p:sp>
@@ -1325,7 +1318,7 @@
     </p:spTree>
     <p:extLst>
       <p:ext uri="{BB962C8B-B14F-4D97-AF65-F5344CB8AC3E}">
-        <p14:creationId xmlns:p14="http://schemas.microsoft.com/office/powerpoint/2010/main" val="2591938948"/>
+        <p14:creationId xmlns:p14="http://schemas.microsoft.com/office/powerpoint/2010/main" val="1558781007"/>
       </p:ext>
     </p:extLst>
   </p:cSld>
@@ -1386,7 +1379,7 @@
               </a:spcAft>
               <a:buNone/>
             </a:pPr>
-            <a:endParaRPr/>
+            <a:endParaRPr dirty="0"/>
           </a:p>
         </p:txBody>
       </p:sp>
@@ -1434,7 +1427,7 @@
     </p:spTree>
     <p:extLst>
       <p:ext uri="{BB962C8B-B14F-4D97-AF65-F5344CB8AC3E}">
-        <p14:creationId xmlns:p14="http://schemas.microsoft.com/office/powerpoint/2010/main" val="2365067813"/>
+        <p14:creationId xmlns:p14="http://schemas.microsoft.com/office/powerpoint/2010/main" val="210648870"/>
       </p:ext>
     </p:extLst>
   </p:cSld>
@@ -1495,7 +1488,7 @@
               </a:spcAft>
               <a:buNone/>
             </a:pPr>
-            <a:endParaRPr/>
+            <a:endParaRPr dirty="0"/>
           </a:p>
         </p:txBody>
       </p:sp>
@@ -1543,7 +1536,7 @@
     </p:spTree>
     <p:extLst>
       <p:ext uri="{BB962C8B-B14F-4D97-AF65-F5344CB8AC3E}">
-        <p14:creationId xmlns:p14="http://schemas.microsoft.com/office/powerpoint/2010/main" val="1156188873"/>
+        <p14:creationId xmlns:p14="http://schemas.microsoft.com/office/powerpoint/2010/main" val="2591938948"/>
       </p:ext>
     </p:extLst>
   </p:cSld>
@@ -1604,7 +1597,7 @@
               </a:spcAft>
               <a:buNone/>
             </a:pPr>
-            <a:endParaRPr/>
+            <a:endParaRPr dirty="0"/>
           </a:p>
         </p:txBody>
       </p:sp>
@@ -1652,7 +1645,7 @@
     </p:spTree>
     <p:extLst>
       <p:ext uri="{BB962C8B-B14F-4D97-AF65-F5344CB8AC3E}">
-        <p14:creationId xmlns:p14="http://schemas.microsoft.com/office/powerpoint/2010/main" val="404406405"/>
+        <p14:creationId xmlns:p14="http://schemas.microsoft.com/office/powerpoint/2010/main" val="2365067813"/>
       </p:ext>
     </p:extLst>
   </p:cSld>
@@ -1713,7 +1706,7 @@
               </a:spcAft>
               <a:buNone/>
             </a:pPr>
-            <a:endParaRPr/>
+            <a:endParaRPr dirty="0"/>
           </a:p>
         </p:txBody>
       </p:sp>
@@ -1761,7 +1754,7 @@
     </p:spTree>
     <p:extLst>
       <p:ext uri="{BB962C8B-B14F-4D97-AF65-F5344CB8AC3E}">
-        <p14:creationId xmlns:p14="http://schemas.microsoft.com/office/powerpoint/2010/main" val="1098764093"/>
+        <p14:creationId xmlns:p14="http://schemas.microsoft.com/office/powerpoint/2010/main" val="571952320"/>
       </p:ext>
     </p:extLst>
   </p:cSld>
@@ -1822,7 +1815,7 @@
               </a:spcAft>
               <a:buNone/>
             </a:pPr>
-            <a:endParaRPr/>
+            <a:endParaRPr dirty="0"/>
           </a:p>
         </p:txBody>
       </p:sp>
@@ -1870,7 +1863,7 @@
     </p:spTree>
     <p:extLst>
       <p:ext uri="{BB962C8B-B14F-4D97-AF65-F5344CB8AC3E}">
-        <p14:creationId xmlns:p14="http://schemas.microsoft.com/office/powerpoint/2010/main" val="1451181250"/>
+        <p14:creationId xmlns:p14="http://schemas.microsoft.com/office/powerpoint/2010/main" val="2531831344"/>
       </p:ext>
     </p:extLst>
   </p:cSld>
@@ -1931,7 +1924,7 @@
               </a:spcAft>
               <a:buNone/>
             </a:pPr>
-            <a:endParaRPr/>
+            <a:endParaRPr dirty="0"/>
           </a:p>
         </p:txBody>
       </p:sp>
@@ -1979,7 +1972,7 @@
     </p:spTree>
     <p:extLst>
       <p:ext uri="{BB962C8B-B14F-4D97-AF65-F5344CB8AC3E}">
-        <p14:creationId xmlns:p14="http://schemas.microsoft.com/office/powerpoint/2010/main" val="571952320"/>
+        <p14:creationId xmlns:p14="http://schemas.microsoft.com/office/powerpoint/2010/main" val="262079087"/>
       </p:ext>
     </p:extLst>
   </p:cSld>
@@ -2040,7 +2033,7 @@
               </a:spcAft>
               <a:buNone/>
             </a:pPr>
-            <a:endParaRPr/>
+            <a:endParaRPr dirty="0"/>
           </a:p>
         </p:txBody>
       </p:sp>
@@ -2088,7 +2081,7 @@
     </p:spTree>
     <p:extLst>
       <p:ext uri="{BB962C8B-B14F-4D97-AF65-F5344CB8AC3E}">
-        <p14:creationId xmlns:p14="http://schemas.microsoft.com/office/powerpoint/2010/main" val="2531831344"/>
+        <p14:creationId xmlns:p14="http://schemas.microsoft.com/office/powerpoint/2010/main" val="1372754735"/>
       </p:ext>
     </p:extLst>
   </p:cSld>
@@ -2149,7 +2142,7 @@
               </a:spcAft>
               <a:buNone/>
             </a:pPr>
-            <a:endParaRPr/>
+            <a:endParaRPr dirty="0"/>
           </a:p>
         </p:txBody>
       </p:sp>
@@ -2253,7 +2246,7 @@
               </a:spcAft>
               <a:buNone/>
             </a:pPr>
-            <a:endParaRPr/>
+            <a:endParaRPr dirty="0"/>
           </a:p>
         </p:txBody>
       </p:sp>
@@ -2301,7 +2294,7 @@
     </p:spTree>
     <p:extLst>
       <p:ext uri="{BB962C8B-B14F-4D97-AF65-F5344CB8AC3E}">
-        <p14:creationId xmlns:p14="http://schemas.microsoft.com/office/powerpoint/2010/main" val="262079087"/>
+        <p14:creationId xmlns:p14="http://schemas.microsoft.com/office/powerpoint/2010/main" val="2060903882"/>
       </p:ext>
     </p:extLst>
   </p:cSld>
@@ -2362,7 +2355,7 @@
               </a:spcAft>
               <a:buNone/>
             </a:pPr>
-            <a:endParaRPr/>
+            <a:endParaRPr dirty="0"/>
           </a:p>
         </p:txBody>
       </p:sp>
@@ -2410,7 +2403,7 @@
     </p:spTree>
     <p:extLst>
       <p:ext uri="{BB962C8B-B14F-4D97-AF65-F5344CB8AC3E}">
-        <p14:creationId xmlns:p14="http://schemas.microsoft.com/office/powerpoint/2010/main" val="1372754735"/>
+        <p14:creationId xmlns:p14="http://schemas.microsoft.com/office/powerpoint/2010/main" val="2051865850"/>
       </p:ext>
     </p:extLst>
   </p:cSld>
@@ -2471,7 +2464,7 @@
               </a:spcAft>
               <a:buNone/>
             </a:pPr>
-            <a:endParaRPr/>
+            <a:endParaRPr dirty="0"/>
           </a:p>
         </p:txBody>
       </p:sp>
@@ -2580,7 +2573,7 @@
               </a:spcAft>
               <a:buNone/>
             </a:pPr>
-            <a:endParaRPr/>
+            <a:endParaRPr dirty="0"/>
           </a:p>
         </p:txBody>
       </p:sp>
@@ -2689,7 +2682,7 @@
               </a:spcAft>
               <a:buNone/>
             </a:pPr>
-            <a:endParaRPr/>
+            <a:endParaRPr dirty="0"/>
           </a:p>
         </p:txBody>
       </p:sp>
@@ -2857,7 +2850,7 @@
               <a:buSzPts val="1100"/>
               <a:buNone/>
             </a:pPr>
-            <a:endParaRPr/>
+            <a:endParaRPr dirty="0"/>
           </a:p>
         </p:txBody>
       </p:sp>
@@ -2920,7 +2913,7 @@
               </a:spcAft>
               <a:buNone/>
             </a:pPr>
-            <a:endParaRPr/>
+            <a:endParaRPr dirty="0"/>
           </a:p>
         </p:txBody>
       </p:sp>
@@ -3029,7 +3022,7 @@
               </a:spcAft>
               <a:buNone/>
             </a:pPr>
-            <a:endParaRPr/>
+            <a:endParaRPr dirty="0"/>
           </a:p>
         </p:txBody>
       </p:sp>
@@ -3138,7 +3131,7 @@
               </a:spcAft>
               <a:buNone/>
             </a:pPr>
-            <a:endParaRPr/>
+            <a:endParaRPr dirty="0"/>
           </a:p>
         </p:txBody>
       </p:sp>
@@ -3247,7 +3240,7 @@
               </a:spcAft>
               <a:buNone/>
             </a:pPr>
-            <a:endParaRPr/>
+            <a:endParaRPr dirty="0"/>
           </a:p>
         </p:txBody>
       </p:sp>
@@ -3295,7 +3288,7 @@
     </p:spTree>
     <p:extLst>
       <p:ext uri="{BB962C8B-B14F-4D97-AF65-F5344CB8AC3E}">
-        <p14:creationId xmlns:p14="http://schemas.microsoft.com/office/powerpoint/2010/main" val="3700698481"/>
+        <p14:creationId xmlns:p14="http://schemas.microsoft.com/office/powerpoint/2010/main" val="1156188873"/>
       </p:ext>
     </p:extLst>
   </p:cSld>
@@ -3356,7 +3349,7 @@
               </a:spcAft>
               <a:buNone/>
             </a:pPr>
-            <a:endParaRPr/>
+            <a:endParaRPr dirty="0"/>
           </a:p>
         </p:txBody>
       </p:sp>
@@ -3404,7 +3397,7 @@
     </p:spTree>
     <p:extLst>
       <p:ext uri="{BB962C8B-B14F-4D97-AF65-F5344CB8AC3E}">
-        <p14:creationId xmlns:p14="http://schemas.microsoft.com/office/powerpoint/2010/main" val="1907384357"/>
+        <p14:creationId xmlns:p14="http://schemas.microsoft.com/office/powerpoint/2010/main" val="1098764093"/>
       </p:ext>
     </p:extLst>
   </p:cSld>
@@ -3465,7 +3458,7 @@
               </a:spcAft>
               <a:buNone/>
             </a:pPr>
-            <a:endParaRPr/>
+            <a:endParaRPr dirty="0"/>
           </a:p>
         </p:txBody>
       </p:sp>
@@ -3513,7 +3506,7 @@
     </p:spTree>
     <p:extLst>
       <p:ext uri="{BB962C8B-B14F-4D97-AF65-F5344CB8AC3E}">
-        <p14:creationId xmlns:p14="http://schemas.microsoft.com/office/powerpoint/2010/main" val="3937077658"/>
+        <p14:creationId xmlns:p14="http://schemas.microsoft.com/office/powerpoint/2010/main" val="1451181250"/>
       </p:ext>
     </p:extLst>
   </p:cSld>
@@ -3574,7 +3567,7 @@
               </a:spcAft>
               <a:buNone/>
             </a:pPr>
-            <a:endParaRPr/>
+            <a:endParaRPr dirty="0"/>
           </a:p>
         </p:txBody>
       </p:sp>
@@ -3622,7 +3615,7 @@
     </p:spTree>
     <p:extLst>
       <p:ext uri="{BB962C8B-B14F-4D97-AF65-F5344CB8AC3E}">
-        <p14:creationId xmlns:p14="http://schemas.microsoft.com/office/powerpoint/2010/main" val="3603304281"/>
+        <p14:creationId xmlns:p14="http://schemas.microsoft.com/office/powerpoint/2010/main" val="3700698481"/>
       </p:ext>
     </p:extLst>
   </p:cSld>
@@ -4104,9 +4097,9 @@
             </a:pPr>
             <a:fld id="{00000000-1234-1234-1234-123412341234}" type="slidenum">
               <a:rPr lang="es-ES"/>
-              <a:t>‹#›</a:t>
+              <a:t>‹Nº›</a:t>
             </a:fld>
-            <a:endParaRPr/>
+            <a:endParaRPr dirty="0"/>
           </a:p>
         </p:txBody>
       </p:sp>
@@ -4410,9 +4403,9 @@
             </a:pPr>
             <a:fld id="{00000000-1234-1234-1234-123412341234}" type="slidenum">
               <a:rPr lang="es-ES"/>
-              <a:t>‹#›</a:t>
+              <a:t>‹Nº›</a:t>
             </a:fld>
-            <a:endParaRPr/>
+            <a:endParaRPr dirty="0"/>
           </a:p>
         </p:txBody>
       </p:sp>
@@ -5303,9 +5296,9 @@
             </a:pPr>
             <a:fld id="{00000000-1234-1234-1234-123412341234}" type="slidenum">
               <a:rPr lang="es-ES"/>
-              <a:t>‹#›</a:t>
+              <a:t>‹Nº›</a:t>
             </a:fld>
-            <a:endParaRPr/>
+            <a:endParaRPr dirty="0"/>
           </a:p>
         </p:txBody>
       </p:sp>
@@ -6122,7 +6115,27 @@
                 <a:effectLst/>
                 <a:latin typeface="gg sans"/>
               </a:rPr>
-              <a:t>Amado Martínez | Jorge Arrojo | Juan David Pardo | Rolando Rodriguez | Santiago Bedoya </a:t>
+              <a:t>Amado Martínez | Jorge Arrojo | Juan David Pardo | Rolando </a:t>
+            </a:r>
+            <a:r>
+              <a:rPr lang="es-UY" b="0" i="0" dirty="0" err="1">
+                <a:solidFill>
+                  <a:srgbClr val="DBDEE1"/>
+                </a:solidFill>
+                <a:effectLst/>
+                <a:latin typeface="gg sans"/>
+              </a:rPr>
+              <a:t>Rodriguez</a:t>
+            </a:r>
+            <a:r>
+              <a:rPr lang="es-UY" b="0" i="0" dirty="0">
+                <a:solidFill>
+                  <a:srgbClr val="DBDEE1"/>
+                </a:solidFill>
+                <a:effectLst/>
+                <a:latin typeface="gg sans"/>
+              </a:rPr>
+              <a:t> | Santiago Bedoya </a:t>
             </a:r>
             <a:endParaRPr lang="es-ES" sz="1400" b="0" i="0" u="none" strike="noStrike" cap="none" dirty="0">
               <a:solidFill>
@@ -6220,7 +6233,7 @@
         <p:spPr>
           <a:xfrm>
             <a:off x="662940" y="923699"/>
-            <a:ext cx="8016240" cy="2695600"/>
+            <a:ext cx="8016240" cy="3475300"/>
           </a:xfrm>
           <a:prstGeom prst="rect">
             <a:avLst/>
@@ -6245,19 +6258,41 @@
               </a:spcBef>
             </a:pPr>
             <a:r>
+              <a:rPr lang="es-MX" sz="1800" b="1" dirty="0">
+                <a:latin typeface="Helvetica Neue Light"/>
+              </a:rPr>
+              <a:t>Datos y Ficheros:</a:t>
+            </a:r>
+          </a:p>
+          <a:p>
+            <a:pPr marL="9525" marR="58579" algn="just">
+              <a:lnSpc>
+                <a:spcPct val="150000"/>
+              </a:lnSpc>
+              <a:spcBef>
+                <a:spcPts val="180"/>
+              </a:spcBef>
+            </a:pPr>
+            <a:r>
               <a:rPr lang="es-MX" sz="1600" b="1" dirty="0">
                 <a:latin typeface="Helvetica Neue Light"/>
               </a:rPr>
-              <a:t>Diseño y Estrategia del DAaaS:</a:t>
-            </a:r>
-          </a:p>
-          <a:p>
-            <a:pPr marL="742950" lvl="1" indent="-285750">
-              <a:buFont typeface="Arial" panose="020B0604020202020204" pitchFamily="34" charset="0"/>
-              <a:buChar char="•"/>
+              <a:t>Dividimos los datos y ficheros en dos categorías principales:</a:t>
+            </a:r>
+            <a:r>
+              <a:rPr lang="es-MX" sz="1800" b="1" dirty="0">
+                <a:latin typeface="Helvetica Neue Light"/>
+              </a:rPr>
+              <a:t> </a:t>
+            </a:r>
+          </a:p>
+          <a:p>
+            <a:pPr marL="342900" lvl="1" indent="-342900">
+              <a:buFont typeface="+mj-lt"/>
+              <a:buAutoNum type="arabicParenR"/>
             </a:pPr>
             <a:r>
-              <a:rPr lang="es-MX" b="0" i="0" dirty="0">
+              <a:rPr lang="es-MX" b="1" i="0" dirty="0">
                 <a:solidFill>
                   <a:srgbClr val="0D0D0D"/>
                 </a:solidFill>
@@ -6267,11 +6302,59 @@
                 </a:highlight>
                 <a:latin typeface="ui-sans-serif"/>
               </a:rPr>
-              <a:t>Creamos una arquitectura pensando en escalar el proyecto a un sistema que sea capaz de evolucionar en una solución que permita universalizar la informa que se trata en el ámbito de las Naciones Unidades y por eso diseñamos una arquitectura escalable.</a:t>
-            </a:r>
-          </a:p>
-          <a:p>
-            <a:pPr marL="742950" lvl="1" indent="-285750">
+              <a:t>Votaciones de la Asamblea General de la ONU:</a:t>
+            </a:r>
+            <a:endParaRPr lang="es-MX" b="0" i="0" dirty="0">
+              <a:solidFill>
+                <a:srgbClr val="0D0D0D"/>
+              </a:solidFill>
+              <a:effectLst/>
+              <a:highlight>
+                <a:srgbClr val="FFFFFF"/>
+              </a:highlight>
+              <a:latin typeface="ui-sans-serif"/>
+            </a:endParaRPr>
+          </a:p>
+          <a:p>
+            <a:pPr marL="742950" lvl="1" indent="-285750" algn="l">
+              <a:buFont typeface="Arial" panose="020B0604020202020204" pitchFamily="34" charset="0"/>
+              <a:buChar char="•"/>
+            </a:pPr>
+            <a:r>
+              <a:rPr lang="es-MX" b="0" i="0" dirty="0">
+                <a:solidFill>
+                  <a:srgbClr val="0D0D0D"/>
+                </a:solidFill>
+                <a:effectLst/>
+                <a:highlight>
+                  <a:srgbClr val="FFFFFF"/>
+                </a:highlight>
+                <a:latin typeface="ui-sans-serif"/>
+              </a:rPr>
+              <a:t>Datos desde 1946 hasta 2014 provienen del Harvard University Dataverse y el repositorio United Nations General Assembly Voting Data.</a:t>
+            </a:r>
+          </a:p>
+          <a:p>
+            <a:pPr marL="742950" lvl="1" indent="-285750" algn="l">
+              <a:buFont typeface="Arial" panose="020B0604020202020204" pitchFamily="34" charset="0"/>
+              <a:buChar char="•"/>
+            </a:pPr>
+            <a:r>
+              <a:rPr lang="es-MX" b="0" i="0" dirty="0">
+                <a:solidFill>
+                  <a:srgbClr val="0D0D0D"/>
+                </a:solidFill>
+                <a:effectLst/>
+                <a:highlight>
+                  <a:srgbClr val="FFFFFF"/>
+                </a:highlight>
+                <a:latin typeface="ui-sans-serif"/>
+              </a:rPr>
+              <a:t>Datos desde 2014 obtenidos mediante técnicas de Crawling y Scrapping de la Biblioteca Digital de la ONU (United Nations Digital Library).</a:t>
+            </a:r>
+          </a:p>
+          <a:p>
+            <a:pPr marL="742950" lvl="1" indent="-285750" algn="l">
               <a:buFont typeface="Arial" panose="020B0604020202020204" pitchFamily="34" charset="0"/>
               <a:buChar char="•"/>
             </a:pPr>
@@ -6287,7 +6370,25 @@
             </a:endParaRPr>
           </a:p>
           <a:p>
-            <a:pPr marL="742950" lvl="1" indent="-285750">
+            <a:pPr marL="342900" lvl="1" indent="-342900">
+              <a:buFont typeface="+mj-lt"/>
+              <a:buAutoNum type="arabicParenR" startAt="2"/>
+            </a:pPr>
+            <a:r>
+              <a:rPr lang="es-MX" b="1" dirty="0">
+                <a:solidFill>
+                  <a:srgbClr val="0D0D0D"/>
+                </a:solidFill>
+                <a:highlight>
+                  <a:srgbClr val="FFFFFF"/>
+                </a:highlight>
+                <a:latin typeface="ui-sans-serif"/>
+              </a:rPr>
+              <a:t>Modelo de NLP para la opinión consultiva de la CIJ:</a:t>
+            </a:r>
+          </a:p>
+          <a:p>
+            <a:pPr marL="742950" lvl="1" indent="-285750" algn="l">
               <a:buFont typeface="Arial" panose="020B0604020202020204" pitchFamily="34" charset="0"/>
               <a:buChar char="•"/>
             </a:pPr>
@@ -6302,34 +6403,14 @@
                 </a:highlight>
                 <a:latin typeface="ui-sans-serif"/>
               </a:rPr>
-              <a:t>Para </a:t>
-            </a:r>
-            <a:r>
-              <a:rPr lang="es-MX" dirty="0">
-                <a:solidFill>
-                  <a:srgbClr val="0D0D0D"/>
-                </a:solidFill>
-                <a:highlight>
-                  <a:srgbClr val="FFFFFF"/>
-                </a:highlight>
-                <a:latin typeface="ui-sans-serif"/>
-              </a:rPr>
-              <a:t>eso propusimos c</a:t>
-            </a:r>
-            <a:r>
-              <a:rPr lang="es-MX" b="0" i="0" dirty="0">
-                <a:solidFill>
-                  <a:srgbClr val="0D0D0D"/>
-                </a:solidFill>
-                <a:effectLst/>
-                <a:highlight>
-                  <a:srgbClr val="FFFFFF"/>
-                </a:highlight>
-                <a:latin typeface="ui-sans-serif"/>
-              </a:rPr>
-              <a:t>rear una aplicación web para mejorar el acceso y la difusión de información sobre asuntos tratados por la ONU, con capacidades de búsqueda, visualización, consulta y predicción de resoluciones basadas en documentos y recomendaciones. Incluir notificaciones en tiempo real sobre nuevas resoluciones, opiniones y votaciones. Además de un chat para realizar consultas sobre temas específicos que serán atendidos por IA Generativa</a:t>
-            </a:r>
-            <a:endParaRPr lang="es-MX" dirty="0">
+              <a:t>Datos de la Corte Internacional de Justicia, principalmente documentos en PDF de las opiniones consultivas de 2004 y 2023.</a:t>
+            </a:r>
+          </a:p>
+          <a:p>
+            <a:br>
+              <a:rPr lang="es-MX" dirty="0"/>
+            </a:br>
+            <a:endParaRPr lang="es-MX" sz="1800" dirty="0">
               <a:solidFill>
                 <a:srgbClr val="0D0D0D"/>
               </a:solidFill>
@@ -6339,18 +6420,6 @@
               <a:latin typeface="ui-sans-serif"/>
             </a:endParaRPr>
           </a:p>
-          <a:p>
-            <a:pPr marL="457200" lvl="1"/>
-            <a:endParaRPr lang="es-MX" dirty="0">
-              <a:solidFill>
-                <a:srgbClr val="0D0D0D"/>
-              </a:solidFill>
-              <a:highlight>
-                <a:srgbClr val="FFFFFF"/>
-              </a:highlight>
-              <a:latin typeface="ui-sans-serif"/>
-            </a:endParaRPr>
-          </a:p>
         </p:txBody>
       </p:sp>
       <p:sp>
@@ -6391,10 +6460,10 @@
               <a:buNone/>
             </a:pPr>
             <a:r>
-              <a:rPr lang="es-UY" sz="1600" b="1" dirty="0">
+              <a:rPr lang="es-MX" sz="1600" b="1" dirty="0">
                 <a:latin typeface="Helvetica Neue Light"/>
               </a:rPr>
-              <a:t>Arquitectura del DAaaS</a:t>
+              <a:t>Documentación de Archivos del Proyecto</a:t>
             </a:r>
             <a:endParaRPr sz="1600" b="1" dirty="0">
               <a:latin typeface="Helvetica Neue Light"/>
@@ -6406,7 +6475,7 @@
     </p:spTree>
     <p:extLst>
       <p:ext uri="{BB962C8B-B14F-4D97-AF65-F5344CB8AC3E}">
-        <p14:creationId xmlns:p14="http://schemas.microsoft.com/office/powerpoint/2010/main" val="1996770586"/>
+        <p14:creationId xmlns:p14="http://schemas.microsoft.com/office/powerpoint/2010/main" val="1361912114"/>
       </p:ext>
     </p:extLst>
   </p:cSld>
@@ -6441,6 +6510,544 @@
         </p:nvSpPr>
         <p:spPr>
           <a:xfrm>
+            <a:off x="662939" y="923699"/>
+            <a:ext cx="8072351" cy="3090580"/>
+          </a:xfrm>
+          <a:prstGeom prst="rect">
+            <a:avLst/>
+          </a:prstGeom>
+          <a:noFill/>
+          <a:ln>
+            <a:noFill/>
+          </a:ln>
+        </p:spPr>
+        <p:txBody>
+          <a:bodyPr spcFirstLastPara="1" wrap="square" lIns="0" tIns="22850" rIns="0" bIns="0" anchor="t" anchorCtr="0">
+            <a:spAutoFit/>
+          </a:bodyPr>
+          <a:lstStyle/>
+          <a:p>
+            <a:pPr marL="9525" marR="58579" algn="just">
+              <a:lnSpc>
+                <a:spcPct val="200000"/>
+              </a:lnSpc>
+              <a:spcBef>
+                <a:spcPts val="180"/>
+              </a:spcBef>
+            </a:pPr>
+            <a:r>
+              <a:rPr lang="es-MX" sz="1800" b="1" dirty="0">
+                <a:latin typeface="Helvetica Neue Light"/>
+              </a:rPr>
+              <a:t>Datos y Ficheros:</a:t>
+            </a:r>
+          </a:p>
+          <a:p>
+            <a:pPr marL="9525" marR="58579" algn="just">
+              <a:lnSpc>
+                <a:spcPct val="150000"/>
+              </a:lnSpc>
+              <a:spcBef>
+                <a:spcPts val="180"/>
+              </a:spcBef>
+            </a:pPr>
+            <a:r>
+              <a:rPr lang="es-MX" sz="1600" b="1" dirty="0">
+                <a:latin typeface="Helvetica Neue Light"/>
+              </a:rPr>
+              <a:t>Procesamiento y Estructuración de Datos: </a:t>
+            </a:r>
+          </a:p>
+          <a:p>
+            <a:pPr marL="742950" lvl="1" indent="-285750">
+              <a:buFont typeface="Arial" panose="020B0604020202020204" pitchFamily="34" charset="0"/>
+              <a:buChar char="•"/>
+            </a:pPr>
+            <a:r>
+              <a:rPr lang="es-MX" b="0" i="0" dirty="0">
+                <a:solidFill>
+                  <a:srgbClr val="0D0D0D"/>
+                </a:solidFill>
+                <a:effectLst/>
+                <a:highlight>
+                  <a:srgbClr val="FFFFFF"/>
+                </a:highlight>
+                <a:latin typeface="ui-sans-serif"/>
+              </a:rPr>
+              <a:t>Implementamos un sistema de </a:t>
+            </a:r>
+            <a:r>
+              <a:rPr lang="es-MX" b="0" i="0" dirty="0" err="1">
+                <a:solidFill>
+                  <a:srgbClr val="0D0D0D"/>
+                </a:solidFill>
+                <a:effectLst/>
+                <a:highlight>
+                  <a:srgbClr val="FFFFFF"/>
+                </a:highlight>
+                <a:latin typeface="ui-sans-serif"/>
+              </a:rPr>
+              <a:t>Crawling</a:t>
+            </a:r>
+            <a:r>
+              <a:rPr lang="es-MX" b="0" i="0" dirty="0">
+                <a:solidFill>
+                  <a:srgbClr val="0D0D0D"/>
+                </a:solidFill>
+                <a:effectLst/>
+                <a:highlight>
+                  <a:srgbClr val="FFFFFF"/>
+                </a:highlight>
+                <a:latin typeface="ui-sans-serif"/>
+              </a:rPr>
+              <a:t> con </a:t>
+            </a:r>
+            <a:r>
+              <a:rPr lang="es-MX" b="0" i="0" dirty="0" err="1">
+                <a:solidFill>
+                  <a:srgbClr val="0D0D0D"/>
+                </a:solidFill>
+                <a:effectLst/>
+                <a:highlight>
+                  <a:srgbClr val="FFFFFF"/>
+                </a:highlight>
+                <a:latin typeface="ui-sans-serif"/>
+              </a:rPr>
+              <a:t>Selenium</a:t>
+            </a:r>
+            <a:r>
+              <a:rPr lang="es-MX" b="0" i="0" dirty="0">
+                <a:solidFill>
+                  <a:srgbClr val="0D0D0D"/>
+                </a:solidFill>
+                <a:effectLst/>
+                <a:highlight>
+                  <a:srgbClr val="FFFFFF"/>
+                </a:highlight>
+                <a:latin typeface="ui-sans-serif"/>
+              </a:rPr>
+              <a:t> y WebDriver para extraer URLs y un sistema de Scrapping con lxml para procesar y almacenar los datos </a:t>
+            </a:r>
+            <a:r>
+              <a:rPr lang="es-MX" dirty="0">
+                <a:solidFill>
+                  <a:srgbClr val="0D0D0D"/>
+                </a:solidFill>
+                <a:highlight>
+                  <a:srgbClr val="FFFFFF"/>
+                </a:highlight>
+                <a:latin typeface="ui-sans-serif"/>
+              </a:rPr>
+              <a:t>para prepararlos en</a:t>
+            </a:r>
+            <a:r>
+              <a:rPr lang="es-MX" b="0" i="0" dirty="0">
+                <a:solidFill>
+                  <a:srgbClr val="0D0D0D"/>
+                </a:solidFill>
+                <a:effectLst/>
+                <a:highlight>
+                  <a:srgbClr val="FFFFFF"/>
+                </a:highlight>
+                <a:latin typeface="ui-sans-serif"/>
+              </a:rPr>
+              <a:t> formatos JSON y CSV.</a:t>
+            </a:r>
+          </a:p>
+          <a:p>
+            <a:pPr marL="742950" lvl="1" indent="-285750">
+              <a:buFont typeface="Arial" panose="020B0604020202020204" pitchFamily="34" charset="0"/>
+              <a:buChar char="•"/>
+            </a:pPr>
+            <a:endParaRPr lang="es-MX" b="0" i="0" dirty="0">
+              <a:solidFill>
+                <a:srgbClr val="0D0D0D"/>
+              </a:solidFill>
+              <a:effectLst/>
+              <a:highlight>
+                <a:srgbClr val="FFFFFF"/>
+              </a:highlight>
+              <a:latin typeface="ui-sans-serif"/>
+            </a:endParaRPr>
+          </a:p>
+          <a:p>
+            <a:pPr marL="742950" lvl="1" indent="-285750">
+              <a:buFont typeface="Arial" panose="020B0604020202020204" pitchFamily="34" charset="0"/>
+              <a:buChar char="•"/>
+            </a:pPr>
+            <a:r>
+              <a:rPr lang="es-MX" b="0" i="0" dirty="0">
+                <a:solidFill>
+                  <a:srgbClr val="0D0D0D"/>
+                </a:solidFill>
+                <a:effectLst/>
+                <a:highlight>
+                  <a:srgbClr val="FFFFFF"/>
+                </a:highlight>
+                <a:latin typeface="ui-sans-serif"/>
+              </a:rPr>
+              <a:t>Segmentamos y transformamos documentos PDF usando PyPDF2, permitiendo la organización de textos en formatos más manejables (texto plano y JSON).</a:t>
+            </a:r>
+          </a:p>
+          <a:p>
+            <a:pPr marL="742950" lvl="1" indent="-285750" algn="l">
+              <a:buFont typeface="Arial" panose="020B0604020202020204" pitchFamily="34" charset="0"/>
+              <a:buChar char="•"/>
+            </a:pPr>
+            <a:endParaRPr lang="es-MX" b="0" i="0" dirty="0">
+              <a:solidFill>
+                <a:srgbClr val="0D0D0D"/>
+              </a:solidFill>
+              <a:effectLst/>
+              <a:highlight>
+                <a:srgbClr val="FFFFFF"/>
+              </a:highlight>
+              <a:latin typeface="ui-sans-serif"/>
+            </a:endParaRPr>
+          </a:p>
+          <a:p>
+            <a:pPr lvl="1">
+              <a:lnSpc>
+                <a:spcPct val="150000"/>
+              </a:lnSpc>
+            </a:pPr>
+            <a:r>
+              <a:rPr lang="es-UY" sz="1600" b="1" dirty="0">
+                <a:latin typeface="Helvetica Neue Light"/>
+              </a:rPr>
+              <a:t>Dificultades: </a:t>
+            </a:r>
+          </a:p>
+          <a:p>
+            <a:pPr marL="742950" lvl="1" indent="-285750">
+              <a:buFont typeface="Arial" panose="020B0604020202020204" pitchFamily="34" charset="0"/>
+              <a:buChar char="•"/>
+            </a:pPr>
+            <a:r>
+              <a:rPr lang="es-MX" dirty="0">
+                <a:solidFill>
+                  <a:srgbClr val="0D0D0D"/>
+                </a:solidFill>
+                <a:highlight>
+                  <a:srgbClr val="FFFFFF"/>
+                </a:highlight>
+                <a:latin typeface="ui-sans-serif"/>
+              </a:rPr>
+              <a:t> Encontramos desafíos con los documentos de Oral Proceedings debido a la calidad de digitalización, lo que limitó el alcance inicial del dataset.</a:t>
+            </a:r>
+          </a:p>
+        </p:txBody>
+      </p:sp>
+      <p:sp>
+        <p:nvSpPr>
+          <p:cNvPr id="27" name="Google Shape;27;p6"/>
+          <p:cNvSpPr txBox="1"/>
+          <p:nvPr/>
+        </p:nvSpPr>
+        <p:spPr>
+          <a:xfrm>
+            <a:off x="662940" y="585145"/>
+            <a:ext cx="4572000" cy="338514"/>
+          </a:xfrm>
+          <a:prstGeom prst="rect">
+            <a:avLst/>
+          </a:prstGeom>
+          <a:noFill/>
+          <a:ln>
+            <a:noFill/>
+          </a:ln>
+        </p:spPr>
+        <p:txBody>
+          <a:bodyPr spcFirstLastPara="1" wrap="square" lIns="91425" tIns="45700" rIns="91425" bIns="45700" anchor="t" anchorCtr="0">
+            <a:spAutoFit/>
+          </a:bodyPr>
+          <a:lstStyle/>
+          <a:p>
+            <a:pPr marL="0" marR="0" lvl="0" indent="0" algn="l" rtl="0">
+              <a:lnSpc>
+                <a:spcPct val="100000"/>
+              </a:lnSpc>
+              <a:spcBef>
+                <a:spcPts val="0"/>
+              </a:spcBef>
+              <a:spcAft>
+                <a:spcPts val="0"/>
+              </a:spcAft>
+              <a:buNone/>
+            </a:pPr>
+            <a:r>
+              <a:rPr lang="es-MX" sz="1600" b="1" dirty="0">
+                <a:latin typeface="Helvetica Neue Light"/>
+              </a:rPr>
+              <a:t>Documentación de Archivos del Proyecto</a:t>
+            </a:r>
+            <a:endParaRPr sz="1600" b="1" dirty="0">
+              <a:latin typeface="Helvetica Neue Light"/>
+              <a:sym typeface="Helvetica Neue Light"/>
+            </a:endParaRPr>
+          </a:p>
+        </p:txBody>
+      </p:sp>
+    </p:spTree>
+    <p:extLst>
+      <p:ext uri="{BB962C8B-B14F-4D97-AF65-F5344CB8AC3E}">
+        <p14:creationId xmlns:p14="http://schemas.microsoft.com/office/powerpoint/2010/main" val="662395264"/>
+      </p:ext>
+    </p:extLst>
+  </p:cSld>
+  <p:clrMapOvr>
+    <a:masterClrMapping/>
+  </p:clrMapOvr>
+</p:sld>
+</file>
+
+<file path=ppt/slides/slide12.xml><?xml version="1.0" encoding="utf-8"?>
+<p:sld xmlns:a="http://schemas.openxmlformats.org/drawingml/2006/main" xmlns:r="http://schemas.openxmlformats.org/officeDocument/2006/relationships" xmlns:p="http://schemas.openxmlformats.org/presentationml/2006/main">
+  <p:cSld>
+    <p:spTree>
+      <p:nvGrpSpPr>
+        <p:cNvPr id="1" name="Shape 24"/>
+        <p:cNvGrpSpPr/>
+        <p:nvPr/>
+      </p:nvGrpSpPr>
+      <p:grpSpPr>
+        <a:xfrm>
+          <a:off x="0" y="0"/>
+          <a:ext cx="0" cy="0"/>
+          <a:chOff x="0" y="0"/>
+          <a:chExt cx="0" cy="0"/>
+        </a:xfrm>
+      </p:grpSpPr>
+      <p:sp>
+        <p:nvSpPr>
+          <p:cNvPr id="26" name="Google Shape;26;p6"/>
+          <p:cNvSpPr txBox="1"/>
+          <p:nvPr/>
+        </p:nvSpPr>
+        <p:spPr>
+          <a:xfrm>
+            <a:off x="662940" y="923699"/>
+            <a:ext cx="8016240" cy="2695600"/>
+          </a:xfrm>
+          <a:prstGeom prst="rect">
+            <a:avLst/>
+          </a:prstGeom>
+          <a:noFill/>
+          <a:ln>
+            <a:noFill/>
+          </a:ln>
+        </p:spPr>
+        <p:txBody>
+          <a:bodyPr spcFirstLastPara="1" wrap="square" lIns="0" tIns="22850" rIns="0" bIns="0" anchor="t" anchorCtr="0">
+            <a:spAutoFit/>
+          </a:bodyPr>
+          <a:lstStyle/>
+          <a:p>
+            <a:pPr marL="9525" marR="58579" algn="just">
+              <a:lnSpc>
+                <a:spcPct val="200000"/>
+              </a:lnSpc>
+              <a:spcBef>
+                <a:spcPts val="180"/>
+              </a:spcBef>
+            </a:pPr>
+            <a:r>
+              <a:rPr lang="es-MX" sz="1600" b="1" dirty="0">
+                <a:latin typeface="Helvetica Neue Light"/>
+              </a:rPr>
+              <a:t>Diseño y Estrategia del DAaaS:</a:t>
+            </a:r>
+          </a:p>
+          <a:p>
+            <a:pPr marL="742950" lvl="1" indent="-285750">
+              <a:buFont typeface="Arial" panose="020B0604020202020204" pitchFamily="34" charset="0"/>
+              <a:buChar char="•"/>
+            </a:pPr>
+            <a:r>
+              <a:rPr lang="es-MX" b="0" i="0" dirty="0">
+                <a:solidFill>
+                  <a:srgbClr val="0D0D0D"/>
+                </a:solidFill>
+                <a:effectLst/>
+                <a:highlight>
+                  <a:srgbClr val="FFFFFF"/>
+                </a:highlight>
+                <a:latin typeface="ui-sans-serif"/>
+              </a:rPr>
+              <a:t>Creamos una arquitectura pensando en escalar el proyecto a un sistema que sea capaz de evolucionar en una solución que permita universalizar la informa que se trata en el ámbito de las Naciones Unidades y por eso diseñamos una arquitectura escalable.</a:t>
+            </a:r>
+          </a:p>
+          <a:p>
+            <a:pPr marL="742950" lvl="1" indent="-285750">
+              <a:buFont typeface="Arial" panose="020B0604020202020204" pitchFamily="34" charset="0"/>
+              <a:buChar char="•"/>
+            </a:pPr>
+            <a:endParaRPr lang="es-MX" b="0" i="0" dirty="0">
+              <a:solidFill>
+                <a:srgbClr val="0D0D0D"/>
+              </a:solidFill>
+              <a:effectLst/>
+              <a:highlight>
+                <a:srgbClr val="FFFFFF"/>
+              </a:highlight>
+              <a:latin typeface="ui-sans-serif"/>
+            </a:endParaRPr>
+          </a:p>
+          <a:p>
+            <a:pPr marL="742950" lvl="1" indent="-285750">
+              <a:buFont typeface="Arial" panose="020B0604020202020204" pitchFamily="34" charset="0"/>
+              <a:buChar char="•"/>
+            </a:pPr>
+            <a:r>
+              <a:rPr lang="es-MX" b="0" i="0" dirty="0">
+                <a:solidFill>
+                  <a:srgbClr val="0D0D0D"/>
+                </a:solidFill>
+                <a:effectLst/>
+                <a:highlight>
+                  <a:srgbClr val="FFFFFF"/>
+                </a:highlight>
+                <a:latin typeface="ui-sans-serif"/>
+              </a:rPr>
+              <a:t>Para </a:t>
+            </a:r>
+            <a:r>
+              <a:rPr lang="es-MX" dirty="0">
+                <a:solidFill>
+                  <a:srgbClr val="0D0D0D"/>
+                </a:solidFill>
+                <a:highlight>
+                  <a:srgbClr val="FFFFFF"/>
+                </a:highlight>
+                <a:latin typeface="ui-sans-serif"/>
+              </a:rPr>
+              <a:t>eso propusimos c</a:t>
+            </a:r>
+            <a:r>
+              <a:rPr lang="es-MX" b="0" i="0" dirty="0">
+                <a:solidFill>
+                  <a:srgbClr val="0D0D0D"/>
+                </a:solidFill>
+                <a:effectLst/>
+                <a:highlight>
+                  <a:srgbClr val="FFFFFF"/>
+                </a:highlight>
+                <a:latin typeface="ui-sans-serif"/>
+              </a:rPr>
+              <a:t>rear una aplicación web para mejorar el acceso y la difusión de información sobre asuntos tratados por la ONU, con capacidades de búsqueda, visualización, consulta y predicción de resoluciones basadas en documentos y recomendaciones. Incluir notificaciones en tiempo real sobre nuevas resoluciones, opiniones y votaciones. Además de un chat para realizar consultas sobre temas específicos que serán atendidos por IA Generativa</a:t>
+            </a:r>
+            <a:endParaRPr lang="es-MX" dirty="0">
+              <a:solidFill>
+                <a:srgbClr val="0D0D0D"/>
+              </a:solidFill>
+              <a:highlight>
+                <a:srgbClr val="FFFFFF"/>
+              </a:highlight>
+              <a:latin typeface="ui-sans-serif"/>
+            </a:endParaRPr>
+          </a:p>
+          <a:p>
+            <a:pPr marL="457200" lvl="1"/>
+            <a:endParaRPr lang="es-MX" dirty="0">
+              <a:solidFill>
+                <a:srgbClr val="0D0D0D"/>
+              </a:solidFill>
+              <a:highlight>
+                <a:srgbClr val="FFFFFF"/>
+              </a:highlight>
+              <a:latin typeface="ui-sans-serif"/>
+            </a:endParaRPr>
+          </a:p>
+        </p:txBody>
+      </p:sp>
+      <p:sp>
+        <p:nvSpPr>
+          <p:cNvPr id="27" name="Google Shape;27;p6"/>
+          <p:cNvSpPr txBox="1"/>
+          <p:nvPr/>
+        </p:nvSpPr>
+        <p:spPr>
+          <a:xfrm>
+            <a:off x="662940" y="585145"/>
+            <a:ext cx="4572000" cy="338514"/>
+          </a:xfrm>
+          <a:prstGeom prst="rect">
+            <a:avLst/>
+          </a:prstGeom>
+          <a:noFill/>
+          <a:ln>
+            <a:noFill/>
+          </a:ln>
+        </p:spPr>
+        <p:txBody>
+          <a:bodyPr spcFirstLastPara="1" wrap="square" lIns="91425" tIns="45700" rIns="91425" bIns="45700" anchor="t" anchorCtr="0">
+            <a:spAutoFit/>
+          </a:bodyPr>
+          <a:lstStyle/>
+          <a:p>
+            <a:pPr marL="0" marR="0" lvl="0" indent="0" algn="l" rtl="0">
+              <a:lnSpc>
+                <a:spcPct val="100000"/>
+              </a:lnSpc>
+              <a:spcBef>
+                <a:spcPts val="0"/>
+              </a:spcBef>
+              <a:spcAft>
+                <a:spcPts val="0"/>
+              </a:spcAft>
+              <a:buNone/>
+            </a:pPr>
+            <a:r>
+              <a:rPr lang="es-UY" sz="1600" b="1" dirty="0">
+                <a:latin typeface="Helvetica Neue Light"/>
+              </a:rPr>
+              <a:t>Arquitectura del DAaaS</a:t>
+            </a:r>
+            <a:endParaRPr sz="1600" b="1" dirty="0">
+              <a:latin typeface="Helvetica Neue Light"/>
+              <a:sym typeface="Helvetica Neue Light"/>
+            </a:endParaRPr>
+          </a:p>
+        </p:txBody>
+      </p:sp>
+    </p:spTree>
+    <p:extLst>
+      <p:ext uri="{BB962C8B-B14F-4D97-AF65-F5344CB8AC3E}">
+        <p14:creationId xmlns:p14="http://schemas.microsoft.com/office/powerpoint/2010/main" val="1996770586"/>
+      </p:ext>
+    </p:extLst>
+  </p:cSld>
+  <p:clrMapOvr>
+    <a:masterClrMapping/>
+  </p:clrMapOvr>
+</p:sld>
+</file>
+
+<file path=ppt/slides/slide13.xml><?xml version="1.0" encoding="utf-8"?>
+<p:sld xmlns:a="http://schemas.openxmlformats.org/drawingml/2006/main" xmlns:r="http://schemas.openxmlformats.org/officeDocument/2006/relationships" xmlns:p="http://schemas.openxmlformats.org/presentationml/2006/main">
+  <p:cSld>
+    <p:spTree>
+      <p:nvGrpSpPr>
+        <p:cNvPr id="1" name="Shape 24"/>
+        <p:cNvGrpSpPr/>
+        <p:nvPr/>
+      </p:nvGrpSpPr>
+      <p:grpSpPr>
+        <a:xfrm>
+          <a:off x="0" y="0"/>
+          <a:ext cx="0" cy="0"/>
+          <a:chOff x="0" y="0"/>
+          <a:chExt cx="0" cy="0"/>
+        </a:xfrm>
+      </p:grpSpPr>
+      <p:sp>
+        <p:nvSpPr>
+          <p:cNvPr id="26" name="Google Shape;26;p6"/>
+          <p:cNvSpPr txBox="1"/>
+          <p:nvPr/>
+        </p:nvSpPr>
+        <p:spPr>
+          <a:xfrm>
             <a:off x="662940" y="923699"/>
             <a:ext cx="8016240" cy="3793336"/>
           </a:xfrm>
@@ -6768,7 +7375,7 @@
 </p:sld>
 </file>
 
-<file path=ppt/slides/slide12.xml><?xml version="1.0" encoding="utf-8"?>
+<file path=ppt/slides/slide14.xml><?xml version="1.0" encoding="utf-8"?>
 <p:sld xmlns:a="http://schemas.openxmlformats.org/drawingml/2006/main" xmlns:r="http://schemas.openxmlformats.org/officeDocument/2006/relationships" xmlns:p="http://schemas.openxmlformats.org/presentationml/2006/main">
   <p:cSld>
     <p:spTree>
@@ -7467,7 +8074,7 @@
           <a:lstStyle/>
           <a:p>
             <a:pPr algn="ctr"/>
-            <a:endParaRPr lang="es-UY"/>
+            <a:endParaRPr lang="es-UY" dirty="0"/>
           </a:p>
         </p:txBody>
       </p:sp>
@@ -7555,7 +8162,7 @@
           <a:lstStyle/>
           <a:p>
             <a:pPr algn="ctr"/>
-            <a:endParaRPr lang="es-UY"/>
+            <a:endParaRPr lang="es-UY" dirty="0"/>
           </a:p>
         </p:txBody>
       </p:sp>
@@ -7737,7 +8344,7 @@
           <a:lstStyle/>
           <a:p>
             <a:pPr algn="ctr"/>
-            <a:endParaRPr lang="es-UY"/>
+            <a:endParaRPr lang="es-UY" dirty="0"/>
           </a:p>
         </p:txBody>
       </p:sp>
@@ -7825,7 +8432,7 @@
           <a:lstStyle/>
           <a:p>
             <a:pPr algn="ctr"/>
-            <a:endParaRPr lang="es-UY"/>
+            <a:endParaRPr lang="es-UY" dirty="0"/>
           </a:p>
         </p:txBody>
       </p:sp>
@@ -7913,7 +8520,7 @@
           <a:lstStyle/>
           <a:p>
             <a:pPr algn="ctr"/>
-            <a:endParaRPr lang="es-UY"/>
+            <a:endParaRPr lang="es-UY" dirty="0"/>
           </a:p>
         </p:txBody>
       </p:sp>
@@ -8141,7 +8748,7 @@
           <a:lstStyle/>
           <a:p>
             <a:pPr algn="ctr"/>
-            <a:endParaRPr lang="es-UY"/>
+            <a:endParaRPr lang="es-UY" dirty="0"/>
           </a:p>
         </p:txBody>
       </p:sp>
@@ -8229,7 +8836,7 @@
           <a:lstStyle/>
           <a:p>
             <a:pPr algn="ctr"/>
-            <a:endParaRPr lang="es-UY"/>
+            <a:endParaRPr lang="es-UY" dirty="0"/>
           </a:p>
         </p:txBody>
       </p:sp>
@@ -8317,7 +8924,7 @@
           <a:lstStyle/>
           <a:p>
             <a:pPr algn="ctr"/>
-            <a:endParaRPr lang="es-UY"/>
+            <a:endParaRPr lang="es-UY" dirty="0"/>
           </a:p>
         </p:txBody>
       </p:sp>
@@ -8405,7 +9012,7 @@
           <a:lstStyle/>
           <a:p>
             <a:pPr algn="ctr"/>
-            <a:endParaRPr lang="es-UY"/>
+            <a:endParaRPr lang="es-UY" dirty="0"/>
           </a:p>
         </p:txBody>
       </p:sp>
@@ -8483,717 +9090,6 @@
     <p:extLst>
       <p:ext uri="{BB962C8B-B14F-4D97-AF65-F5344CB8AC3E}">
         <p14:creationId xmlns:p14="http://schemas.microsoft.com/office/powerpoint/2010/main" val="1153445324"/>
-      </p:ext>
-    </p:extLst>
-  </p:cSld>
-  <p:clrMapOvr>
-    <a:masterClrMapping/>
-  </p:clrMapOvr>
-</p:sld>
-</file>
-
-<file path=ppt/slides/slide13.xml><?xml version="1.0" encoding="utf-8"?>
-<p:sld xmlns:a="http://schemas.openxmlformats.org/drawingml/2006/main" xmlns:r="http://schemas.openxmlformats.org/officeDocument/2006/relationships" xmlns:p="http://schemas.openxmlformats.org/presentationml/2006/main">
-  <p:cSld>
-    <p:spTree>
-      <p:nvGrpSpPr>
-        <p:cNvPr id="1" name="Shape 24"/>
-        <p:cNvGrpSpPr/>
-        <p:nvPr/>
-      </p:nvGrpSpPr>
-      <p:grpSpPr>
-        <a:xfrm>
-          <a:off x="0" y="0"/>
-          <a:ext cx="0" cy="0"/>
-          <a:chOff x="0" y="0"/>
-          <a:chExt cx="0" cy="0"/>
-        </a:xfrm>
-      </p:grpSpPr>
-      <p:sp>
-        <p:nvSpPr>
-          <p:cNvPr id="27" name="Google Shape;27;p6"/>
-          <p:cNvSpPr txBox="1"/>
-          <p:nvPr/>
-        </p:nvSpPr>
-        <p:spPr>
-          <a:xfrm>
-            <a:off x="662939" y="585145"/>
-            <a:ext cx="5383899" cy="338514"/>
-          </a:xfrm>
-          <a:prstGeom prst="rect">
-            <a:avLst/>
-          </a:prstGeom>
-          <a:noFill/>
-          <a:ln>
-            <a:noFill/>
-          </a:ln>
-        </p:spPr>
-        <p:txBody>
-          <a:bodyPr spcFirstLastPara="1" wrap="square" lIns="91425" tIns="45700" rIns="91425" bIns="45700" anchor="t" anchorCtr="0">
-            <a:spAutoFit/>
-          </a:bodyPr>
-          <a:lstStyle/>
-          <a:p>
-            <a:pPr marL="0" marR="0" lvl="0" indent="0" algn="l" rtl="0">
-              <a:lnSpc>
-                <a:spcPct val="100000"/>
-              </a:lnSpc>
-              <a:spcBef>
-                <a:spcPts val="0"/>
-              </a:spcBef>
-              <a:spcAft>
-                <a:spcPts val="0"/>
-              </a:spcAft>
-              <a:buNone/>
-            </a:pPr>
-            <a:r>
-              <a:rPr lang="es-ES" sz="1600" b="1" i="0" u="none" strike="noStrike" cap="none" dirty="0">
-                <a:solidFill>
-                  <a:srgbClr val="000000"/>
-                </a:solidFill>
-                <a:latin typeface="Helvetica Neue Light"/>
-                <a:ea typeface="Helvetica Neue Light"/>
-                <a:cs typeface="Helvetica Neue Light"/>
-                <a:sym typeface="Helvetica Neue Light"/>
-              </a:rPr>
-              <a:t>Arquitectura </a:t>
-            </a:r>
-            <a:r>
-              <a:rPr lang="es-ES" sz="1600" b="1" i="0" u="none" strike="noStrike" cap="none" dirty="0">
-                <a:solidFill>
-                  <a:srgbClr val="FFC000"/>
-                </a:solidFill>
-                <a:latin typeface="Helvetica Neue Light"/>
-                <a:ea typeface="Helvetica Neue Light"/>
-                <a:cs typeface="Helvetica Neue Light"/>
-                <a:sym typeface="Helvetica Neue Light"/>
-              </a:rPr>
-              <a:t>|</a:t>
-            </a:r>
-            <a:r>
-              <a:rPr lang="es-ES" sz="1600" b="1" i="0" u="none" strike="noStrike" cap="none" dirty="0">
-                <a:solidFill>
-                  <a:srgbClr val="000000"/>
-                </a:solidFill>
-                <a:latin typeface="Helvetica Neue Light"/>
-                <a:ea typeface="Helvetica Neue Light"/>
-                <a:cs typeface="Helvetica Neue Light"/>
-                <a:sym typeface="Helvetica Neue Light"/>
-              </a:rPr>
-              <a:t> Almacenamiento de documentos</a:t>
-            </a:r>
-            <a:endParaRPr sz="1600" b="1" i="0" u="none" strike="noStrike" cap="none" dirty="0">
-              <a:solidFill>
-                <a:srgbClr val="000000"/>
-              </a:solidFill>
-              <a:latin typeface="Helvetica Neue Light"/>
-              <a:ea typeface="Helvetica Neue Light"/>
-              <a:cs typeface="Helvetica Neue Light"/>
-              <a:sym typeface="Helvetica Neue Light"/>
-            </a:endParaRPr>
-          </a:p>
-        </p:txBody>
-      </p:sp>
-      <p:pic>
-        <p:nvPicPr>
-          <p:cNvPr id="3" name="Picture 2">
-            <a:extLst>
-              <a:ext uri="{FF2B5EF4-FFF2-40B4-BE49-F238E27FC236}">
-                <a16:creationId xmlns:a16="http://schemas.microsoft.com/office/drawing/2014/main" id="{9F467939-A832-9AF3-DB23-F08E4CFD3911}"/>
-              </a:ext>
-            </a:extLst>
-          </p:cNvPr>
-          <p:cNvPicPr>
-            <a:picLocks noChangeAspect="1"/>
-          </p:cNvPicPr>
-          <p:nvPr/>
-        </p:nvPicPr>
-        <p:blipFill>
-          <a:blip r:embed="rId3"/>
-          <a:stretch>
-            <a:fillRect/>
-          </a:stretch>
-        </p:blipFill>
-        <p:spPr>
-          <a:xfrm>
-            <a:off x="792552" y="1258574"/>
-            <a:ext cx="7558895" cy="3066032"/>
-          </a:xfrm>
-          <a:prstGeom prst="rect">
-            <a:avLst/>
-          </a:prstGeom>
-        </p:spPr>
-      </p:pic>
-      <p:sp>
-        <p:nvSpPr>
-          <p:cNvPr id="6" name="TextBox 5">
-            <a:extLst>
-              <a:ext uri="{FF2B5EF4-FFF2-40B4-BE49-F238E27FC236}">
-                <a16:creationId xmlns:a16="http://schemas.microsoft.com/office/drawing/2014/main" id="{CE0EA75A-812C-0B5B-384D-0AD4B818E157}"/>
-              </a:ext>
-            </a:extLst>
-          </p:cNvPr>
-          <p:cNvSpPr txBox="1"/>
-          <p:nvPr/>
-        </p:nvSpPr>
-        <p:spPr>
-          <a:xfrm>
-            <a:off x="7125347" y="3140167"/>
-            <a:ext cx="894797" cy="246221"/>
-          </a:xfrm>
-          <a:prstGeom prst="rect">
-            <a:avLst/>
-          </a:prstGeom>
-          <a:noFill/>
-        </p:spPr>
-        <p:txBody>
-          <a:bodyPr wrap="none" rtlCol="0">
-            <a:spAutoFit/>
-          </a:bodyPr>
-          <a:lstStyle/>
-          <a:p>
-            <a:r>
-              <a:rPr lang="es-UY" sz="1000" dirty="0"/>
-              <a:t>BD Vectorial</a:t>
-            </a:r>
-          </a:p>
-        </p:txBody>
-      </p:sp>
-      <p:sp>
-        <p:nvSpPr>
-          <p:cNvPr id="7" name="TextBox 6">
-            <a:extLst>
-              <a:ext uri="{FF2B5EF4-FFF2-40B4-BE49-F238E27FC236}">
-                <a16:creationId xmlns:a16="http://schemas.microsoft.com/office/drawing/2014/main" id="{28D19EAB-2C19-63F4-321F-75BD19DC0853}"/>
-              </a:ext>
-            </a:extLst>
-          </p:cNvPr>
-          <p:cNvSpPr txBox="1"/>
-          <p:nvPr/>
-        </p:nvSpPr>
-        <p:spPr>
-          <a:xfrm>
-            <a:off x="5554643" y="3140166"/>
-            <a:ext cx="936475" cy="400110"/>
-          </a:xfrm>
-          <a:prstGeom prst="rect">
-            <a:avLst/>
-          </a:prstGeom>
-          <a:noFill/>
-        </p:spPr>
-        <p:txBody>
-          <a:bodyPr wrap="none" rtlCol="0">
-            <a:spAutoFit/>
-          </a:bodyPr>
-          <a:lstStyle/>
-          <a:p>
-            <a:r>
-              <a:rPr lang="es-UY" sz="1000" dirty="0"/>
-              <a:t>Conversión a</a:t>
-            </a:r>
-          </a:p>
-          <a:p>
-            <a:r>
-              <a:rPr lang="es-UY" sz="1000" dirty="0"/>
-              <a:t>embeddings</a:t>
-            </a:r>
-          </a:p>
-        </p:txBody>
-      </p:sp>
-      <p:sp>
-        <p:nvSpPr>
-          <p:cNvPr id="8" name="TextBox 7">
-            <a:extLst>
-              <a:ext uri="{FF2B5EF4-FFF2-40B4-BE49-F238E27FC236}">
-                <a16:creationId xmlns:a16="http://schemas.microsoft.com/office/drawing/2014/main" id="{A50DF8E8-49D4-BD2D-B297-60402C808A9A}"/>
-              </a:ext>
-            </a:extLst>
-          </p:cNvPr>
-          <p:cNvSpPr txBox="1"/>
-          <p:nvPr/>
-        </p:nvSpPr>
-        <p:spPr>
-          <a:xfrm>
-            <a:off x="3818830" y="3417165"/>
-            <a:ext cx="1101584" cy="246221"/>
-          </a:xfrm>
-          <a:prstGeom prst="rect">
-            <a:avLst/>
-          </a:prstGeom>
-          <a:noFill/>
-        </p:spPr>
-        <p:txBody>
-          <a:bodyPr wrap="none" rtlCol="0">
-            <a:spAutoFit/>
-          </a:bodyPr>
-          <a:lstStyle/>
-          <a:p>
-            <a:r>
-              <a:rPr lang="es-UY" sz="1000" dirty="0"/>
-              <a:t>Dividir en trozos</a:t>
-            </a:r>
-          </a:p>
-        </p:txBody>
-      </p:sp>
-      <p:sp>
-        <p:nvSpPr>
-          <p:cNvPr id="9" name="TextBox 8">
-            <a:extLst>
-              <a:ext uri="{FF2B5EF4-FFF2-40B4-BE49-F238E27FC236}">
-                <a16:creationId xmlns:a16="http://schemas.microsoft.com/office/drawing/2014/main" id="{82D107CB-7530-2E09-9CC2-442A83D0C4EB}"/>
-              </a:ext>
-            </a:extLst>
-          </p:cNvPr>
-          <p:cNvSpPr txBox="1"/>
-          <p:nvPr/>
-        </p:nvSpPr>
-        <p:spPr>
-          <a:xfrm>
-            <a:off x="2334159" y="3386388"/>
-            <a:ext cx="1184940" cy="246221"/>
-          </a:xfrm>
-          <a:prstGeom prst="rect">
-            <a:avLst/>
-          </a:prstGeom>
-          <a:noFill/>
-        </p:spPr>
-        <p:txBody>
-          <a:bodyPr wrap="none" rtlCol="0">
-            <a:spAutoFit/>
-          </a:bodyPr>
-          <a:lstStyle/>
-          <a:p>
-            <a:r>
-              <a:rPr lang="es-UY" sz="1000" dirty="0"/>
-              <a:t>Convertir a textos</a:t>
-            </a:r>
-          </a:p>
-        </p:txBody>
-      </p:sp>
-      <p:sp>
-        <p:nvSpPr>
-          <p:cNvPr id="10" name="TextBox 9">
-            <a:extLst>
-              <a:ext uri="{FF2B5EF4-FFF2-40B4-BE49-F238E27FC236}">
-                <a16:creationId xmlns:a16="http://schemas.microsoft.com/office/drawing/2014/main" id="{590589FD-FE85-60BA-F849-2A19111CED32}"/>
-              </a:ext>
-            </a:extLst>
-          </p:cNvPr>
-          <p:cNvSpPr txBox="1"/>
-          <p:nvPr/>
-        </p:nvSpPr>
-        <p:spPr>
-          <a:xfrm>
-            <a:off x="1087920" y="4078385"/>
-            <a:ext cx="901209" cy="246221"/>
-          </a:xfrm>
-          <a:prstGeom prst="rect">
-            <a:avLst/>
-          </a:prstGeom>
-          <a:noFill/>
-        </p:spPr>
-        <p:txBody>
-          <a:bodyPr wrap="none" rtlCol="0">
-            <a:spAutoFit/>
-          </a:bodyPr>
-          <a:lstStyle/>
-          <a:p>
-            <a:r>
-              <a:rPr lang="es-UY" sz="1000" dirty="0"/>
-              <a:t>Documentos</a:t>
-            </a:r>
-          </a:p>
-        </p:txBody>
-      </p:sp>
-    </p:spTree>
-    <p:extLst>
-      <p:ext uri="{BB962C8B-B14F-4D97-AF65-F5344CB8AC3E}">
-        <p14:creationId xmlns:p14="http://schemas.microsoft.com/office/powerpoint/2010/main" val="648062748"/>
-      </p:ext>
-    </p:extLst>
-  </p:cSld>
-  <p:clrMapOvr>
-    <a:masterClrMapping/>
-  </p:clrMapOvr>
-</p:sld>
-</file>
-
-<file path=ppt/slides/slide14.xml><?xml version="1.0" encoding="utf-8"?>
-<p:sld xmlns:a="http://schemas.openxmlformats.org/drawingml/2006/main" xmlns:r="http://schemas.openxmlformats.org/officeDocument/2006/relationships" xmlns:p="http://schemas.openxmlformats.org/presentationml/2006/main">
-  <p:cSld>
-    <p:spTree>
-      <p:nvGrpSpPr>
-        <p:cNvPr id="1" name="Shape 24"/>
-        <p:cNvGrpSpPr/>
-        <p:nvPr/>
-      </p:nvGrpSpPr>
-      <p:grpSpPr>
-        <a:xfrm>
-          <a:off x="0" y="0"/>
-          <a:ext cx="0" cy="0"/>
-          <a:chOff x="0" y="0"/>
-          <a:chExt cx="0" cy="0"/>
-        </a:xfrm>
-      </p:grpSpPr>
-      <p:sp>
-        <p:nvSpPr>
-          <p:cNvPr id="25" name="Google Shape;25;p6"/>
-          <p:cNvSpPr txBox="1"/>
-          <p:nvPr/>
-        </p:nvSpPr>
-        <p:spPr>
-          <a:xfrm>
-            <a:off x="1733475" y="375472"/>
-            <a:ext cx="4502944" cy="378950"/>
-          </a:xfrm>
-          <a:prstGeom prst="rect">
-            <a:avLst/>
-          </a:prstGeom>
-          <a:noFill/>
-          <a:ln>
-            <a:noFill/>
-          </a:ln>
-        </p:spPr>
-        <p:txBody>
-          <a:bodyPr spcFirstLastPara="1" wrap="square" lIns="0" tIns="9525" rIns="0" bIns="0" anchor="t" anchorCtr="0">
-            <a:spAutoFit/>
-          </a:bodyPr>
-          <a:lstStyle/>
-          <a:p>
-            <a:pPr marL="9525" marR="0" lvl="0" indent="0" algn="l" rtl="0">
-              <a:lnSpc>
-                <a:spcPct val="100000"/>
-              </a:lnSpc>
-              <a:spcBef>
-                <a:spcPts val="0"/>
-              </a:spcBef>
-              <a:spcAft>
-                <a:spcPts val="0"/>
-              </a:spcAft>
-              <a:buNone/>
-            </a:pPr>
-            <a:r>
-              <a:rPr lang="es-ES" sz="2400" b="0" i="0" u="none" strike="noStrike" cap="none">
-                <a:solidFill>
-                  <a:srgbClr val="FFFFFF"/>
-                </a:solidFill>
-                <a:latin typeface="Verdana"/>
-                <a:ea typeface="Verdana"/>
-                <a:cs typeface="Verdana"/>
-                <a:sym typeface="Verdana"/>
-              </a:rPr>
-              <a:t>PMI (Project Management Institute)</a:t>
-            </a:r>
-            <a:endParaRPr sz="2400" b="0" i="0" u="none" strike="noStrike" cap="none">
-              <a:solidFill>
-                <a:srgbClr val="000000"/>
-              </a:solidFill>
-              <a:latin typeface="Verdana"/>
-              <a:ea typeface="Verdana"/>
-              <a:cs typeface="Verdana"/>
-              <a:sym typeface="Verdana"/>
-            </a:endParaRPr>
-          </a:p>
-        </p:txBody>
-      </p:sp>
-      <p:sp>
-        <p:nvSpPr>
-          <p:cNvPr id="27" name="Google Shape;27;p6"/>
-          <p:cNvSpPr txBox="1"/>
-          <p:nvPr/>
-        </p:nvSpPr>
-        <p:spPr>
-          <a:xfrm>
-            <a:off x="662940" y="585145"/>
-            <a:ext cx="4572000" cy="338554"/>
-          </a:xfrm>
-          <a:prstGeom prst="rect">
-            <a:avLst/>
-          </a:prstGeom>
-          <a:noFill/>
-          <a:ln>
-            <a:noFill/>
-          </a:ln>
-        </p:spPr>
-        <p:txBody>
-          <a:bodyPr spcFirstLastPara="1" wrap="square" lIns="91425" tIns="45700" rIns="91425" bIns="45700" anchor="t" anchorCtr="0">
-            <a:spAutoFit/>
-          </a:bodyPr>
-          <a:lstStyle/>
-          <a:p>
-            <a:pPr marL="0" marR="0" lvl="0" indent="0" algn="l" rtl="0">
-              <a:lnSpc>
-                <a:spcPct val="100000"/>
-              </a:lnSpc>
-              <a:spcBef>
-                <a:spcPts val="0"/>
-              </a:spcBef>
-              <a:spcAft>
-                <a:spcPts val="0"/>
-              </a:spcAft>
-              <a:buNone/>
-            </a:pPr>
-            <a:r>
-              <a:rPr lang="es-ES" sz="1600" b="1" i="0" u="none" strike="noStrike" cap="none" dirty="0">
-                <a:solidFill>
-                  <a:srgbClr val="000000"/>
-                </a:solidFill>
-                <a:latin typeface="Helvetica Neue Light"/>
-                <a:ea typeface="Helvetica Neue Light"/>
-                <a:cs typeface="Helvetica Neue Light"/>
-                <a:sym typeface="Helvetica Neue Light"/>
-              </a:rPr>
-              <a:t>Análisis exploratorio</a:t>
-            </a:r>
-            <a:endParaRPr sz="1600" b="1" i="0" u="none" strike="noStrike" cap="none" dirty="0">
-              <a:solidFill>
-                <a:srgbClr val="000000"/>
-              </a:solidFill>
-              <a:latin typeface="Helvetica Neue Light"/>
-              <a:ea typeface="Helvetica Neue Light"/>
-              <a:cs typeface="Helvetica Neue Light"/>
-              <a:sym typeface="Helvetica Neue Light"/>
-            </a:endParaRPr>
-          </a:p>
-        </p:txBody>
-      </p:sp>
-      <p:sp>
-        <p:nvSpPr>
-          <p:cNvPr id="2" name="Google Shape;26;p6">
-            <a:extLst>
-              <a:ext uri="{FF2B5EF4-FFF2-40B4-BE49-F238E27FC236}">
-                <a16:creationId xmlns:a16="http://schemas.microsoft.com/office/drawing/2014/main" id="{B239A515-A45F-1C9A-EA40-54CA06C20188}"/>
-              </a:ext>
-            </a:extLst>
-          </p:cNvPr>
-          <p:cNvSpPr txBox="1"/>
-          <p:nvPr/>
-        </p:nvSpPr>
-        <p:spPr>
-          <a:xfrm>
-            <a:off x="670314" y="923699"/>
-            <a:ext cx="8016240" cy="3362449"/>
-          </a:xfrm>
-          <a:prstGeom prst="rect">
-            <a:avLst/>
-          </a:prstGeom>
-          <a:noFill/>
-          <a:ln>
-            <a:noFill/>
-          </a:ln>
-        </p:spPr>
-        <p:txBody>
-          <a:bodyPr spcFirstLastPara="1" wrap="square" lIns="0" tIns="22850" rIns="0" bIns="0" anchor="t" anchorCtr="0">
-            <a:spAutoFit/>
-          </a:bodyPr>
-          <a:lstStyle/>
-          <a:p>
-            <a:pPr marL="9525" marR="58579" algn="just">
-              <a:lnSpc>
-                <a:spcPct val="200000"/>
-              </a:lnSpc>
-              <a:spcBef>
-                <a:spcPts val="180"/>
-              </a:spcBef>
-            </a:pPr>
-            <a:r>
-              <a:rPr lang="es-UY" sz="1600" b="1" dirty="0">
-                <a:latin typeface="Helvetica Neue Light"/>
-              </a:rPr>
-              <a:t>Descripción general</a:t>
-            </a:r>
-            <a:r>
-              <a:rPr lang="es-MX" sz="1600" b="1" dirty="0">
-                <a:latin typeface="Helvetica Neue Light"/>
-              </a:rPr>
-              <a:t>:</a:t>
-            </a:r>
-          </a:p>
-          <a:p>
-            <a:pPr marL="742950" lvl="1" indent="-285750">
-              <a:buFont typeface="Arial" panose="020B0604020202020204" pitchFamily="34" charset="0"/>
-              <a:buChar char="•"/>
-            </a:pPr>
-            <a:r>
-              <a:rPr lang="es-MX" b="0" i="0" dirty="0">
-                <a:solidFill>
-                  <a:srgbClr val="0D0D0D"/>
-                </a:solidFill>
-                <a:effectLst/>
-                <a:highlight>
-                  <a:srgbClr val="FFFFFF"/>
-                </a:highlight>
-                <a:latin typeface="ui-sans-serif"/>
-              </a:rPr>
-              <a:t>Utilizamos Tableau para realizar un análisis exploratorio de las votaciones de la Asamblea General de la ONU, partiendo de datos preprocesados almacenados en la carpeta '</a:t>
-            </a:r>
-            <a:r>
-              <a:rPr lang="es-MX" b="0" i="0" dirty="0" err="1">
-                <a:solidFill>
-                  <a:srgbClr val="0D0D0D"/>
-                </a:solidFill>
-                <a:effectLst/>
-                <a:highlight>
-                  <a:srgbClr val="FFFFFF"/>
-                </a:highlight>
-                <a:latin typeface="ui-sans-serif"/>
-              </a:rPr>
-              <a:t>dataverse_files</a:t>
-            </a:r>
-            <a:r>
-              <a:rPr lang="es-MX" b="0" i="0" dirty="0">
-                <a:solidFill>
-                  <a:srgbClr val="0D0D0D"/>
-                </a:solidFill>
-                <a:effectLst/>
-                <a:highlight>
-                  <a:srgbClr val="FFFFFF"/>
-                </a:highlight>
-                <a:latin typeface="ui-sans-serif"/>
-              </a:rPr>
-              <a:t>’.</a:t>
-            </a:r>
-          </a:p>
-          <a:p>
-            <a:pPr marL="9525" marR="58579" algn="just">
-              <a:lnSpc>
-                <a:spcPct val="150000"/>
-              </a:lnSpc>
-              <a:spcBef>
-                <a:spcPts val="180"/>
-              </a:spcBef>
-            </a:pPr>
-            <a:r>
-              <a:rPr lang="es-MX" sz="1600" b="1" dirty="0">
-                <a:latin typeface="Helvetica Neue Light"/>
-              </a:rPr>
-              <a:t>Proceso de Procesamiento:</a:t>
-            </a:r>
-          </a:p>
-          <a:p>
-            <a:pPr marL="742950" lvl="1" indent="-285750">
-              <a:buFont typeface="Arial" panose="020B0604020202020204" pitchFamily="34" charset="0"/>
-              <a:buChar char="•"/>
-            </a:pPr>
-            <a:r>
-              <a:rPr lang="es-MX" dirty="0">
-                <a:solidFill>
-                  <a:srgbClr val="0D0D0D"/>
-                </a:solidFill>
-                <a:highlight>
-                  <a:srgbClr val="FFFFFF"/>
-                </a:highlight>
-                <a:latin typeface="ui-sans-serif"/>
-              </a:rPr>
-              <a:t>Archivo: ProcesamientoDatasetUNVote.ipynb</a:t>
-            </a:r>
-          </a:p>
-          <a:p>
-            <a:pPr marL="742950" lvl="1" indent="-285750">
-              <a:buFont typeface="Arial" panose="020B0604020202020204" pitchFamily="34" charset="0"/>
-              <a:buChar char="•"/>
-            </a:pPr>
-            <a:r>
-              <a:rPr lang="es-MX" dirty="0">
-                <a:solidFill>
-                  <a:srgbClr val="0D0D0D"/>
-                </a:solidFill>
-                <a:highlight>
-                  <a:srgbClr val="FFFFFF"/>
-                </a:highlight>
-                <a:latin typeface="ui-sans-serif"/>
-              </a:rPr>
-              <a:t>Ajustes realizados: Unificación de nombres de países, unificación de formatos de votaciones y generación de registros para la resolución de 2024.</a:t>
-            </a:r>
-          </a:p>
-          <a:p>
-            <a:pPr marL="457200" lvl="1"/>
-            <a:endParaRPr lang="es-MX" dirty="0">
-              <a:solidFill>
-                <a:srgbClr val="0D0D0D"/>
-              </a:solidFill>
-              <a:highlight>
-                <a:srgbClr val="FFFFFF"/>
-              </a:highlight>
-              <a:latin typeface="ui-sans-serif"/>
-            </a:endParaRPr>
-          </a:p>
-          <a:p>
-            <a:pPr marL="9525" marR="58579" algn="just">
-              <a:lnSpc>
-                <a:spcPct val="150000"/>
-              </a:lnSpc>
-              <a:spcBef>
-                <a:spcPts val="180"/>
-              </a:spcBef>
-            </a:pPr>
-            <a:r>
-              <a:rPr lang="es-UY" sz="1600" b="1" dirty="0">
-                <a:latin typeface="Helvetica Neue Light"/>
-              </a:rPr>
-              <a:t>Estruc</a:t>
-            </a:r>
-            <a:r>
-              <a:rPr lang="es-MX" sz="1600" b="1" dirty="0">
-                <a:latin typeface="Helvetica Neue Light"/>
-              </a:rPr>
-              <a:t>tura del Archivo de Tableau:</a:t>
-            </a:r>
-          </a:p>
-          <a:p>
-            <a:pPr marL="742950" lvl="1" indent="-285750">
-              <a:buFont typeface="Arial" panose="020B0604020202020204" pitchFamily="34" charset="0"/>
-              <a:buChar char="•"/>
-            </a:pPr>
-            <a:r>
-              <a:rPr lang="es-MX" dirty="0">
-                <a:solidFill>
-                  <a:srgbClr val="0D0D0D"/>
-                </a:solidFill>
-                <a:highlight>
-                  <a:srgbClr val="FFFFFF"/>
-                </a:highlight>
-                <a:latin typeface="ui-sans-serif"/>
-              </a:rPr>
-              <a:t>Botones desplegables permiten seleccionar temas y resoluciones.</a:t>
-            </a:r>
-          </a:p>
-          <a:p>
-            <a:pPr marL="742950" lvl="1" indent="-285750">
-              <a:buFont typeface="Arial" panose="020B0604020202020204" pitchFamily="34" charset="0"/>
-              <a:buChar char="•"/>
-            </a:pPr>
-            <a:r>
-              <a:rPr lang="es-MX" dirty="0">
-                <a:solidFill>
-                  <a:srgbClr val="0D0D0D"/>
-                </a:solidFill>
-                <a:highlight>
-                  <a:srgbClr val="FFFFFF"/>
-                </a:highlight>
-                <a:latin typeface="ui-sans-serif"/>
-              </a:rPr>
-              <a:t>Visualizaciones en un mapamundi reflejan las votaciones por país para la resolución seleccionada.</a:t>
-            </a:r>
-          </a:p>
-          <a:p>
-            <a:pPr marL="457200" lvl="1"/>
-            <a:endParaRPr lang="es-MX" dirty="0">
-              <a:solidFill>
-                <a:srgbClr val="0D0D0D"/>
-              </a:solidFill>
-              <a:highlight>
-                <a:srgbClr val="FFFFFF"/>
-              </a:highlight>
-              <a:latin typeface="ui-sans-serif"/>
-            </a:endParaRPr>
-          </a:p>
-        </p:txBody>
-      </p:sp>
-    </p:spTree>
-    <p:extLst>
-      <p:ext uri="{BB962C8B-B14F-4D97-AF65-F5344CB8AC3E}">
-        <p14:creationId xmlns:p14="http://schemas.microsoft.com/office/powerpoint/2010/main" val="367763377"/>
       </p:ext>
     </p:extLst>
   </p:cSld>
@@ -9222,14 +9118,14 @@
       </p:grpSpPr>
       <p:sp>
         <p:nvSpPr>
-          <p:cNvPr id="25" name="Google Shape;25;p6"/>
+          <p:cNvPr id="27" name="Google Shape;27;p6"/>
           <p:cNvSpPr txBox="1"/>
           <p:nvPr/>
         </p:nvSpPr>
         <p:spPr>
           <a:xfrm>
-            <a:off x="1733475" y="375472"/>
-            <a:ext cx="4502944" cy="378950"/>
+            <a:off x="662939" y="585145"/>
+            <a:ext cx="5383899" cy="338514"/>
           </a:xfrm>
           <a:prstGeom prst="rect">
             <a:avLst/>
@@ -9240,67 +9136,6 @@
           </a:ln>
         </p:spPr>
         <p:txBody>
-          <a:bodyPr spcFirstLastPara="1" wrap="square" lIns="0" tIns="9525" rIns="0" bIns="0" anchor="t" anchorCtr="0">
-            <a:spAutoFit/>
-          </a:bodyPr>
-          <a:lstStyle/>
-          <a:p>
-            <a:pPr marL="9525" marR="0" lvl="0" indent="0" algn="l" rtl="0">
-              <a:lnSpc>
-                <a:spcPct val="100000"/>
-              </a:lnSpc>
-              <a:spcBef>
-                <a:spcPts val="0"/>
-              </a:spcBef>
-              <a:spcAft>
-                <a:spcPts val="0"/>
-              </a:spcAft>
-              <a:buNone/>
-            </a:pPr>
-            <a:r>
-              <a:rPr lang="es-ES" sz="2400" b="0" i="0" u="none" strike="noStrike" cap="none">
-                <a:solidFill>
-                  <a:srgbClr val="FFFFFF"/>
-                </a:solidFill>
-                <a:latin typeface="Verdana"/>
-                <a:ea typeface="Verdana"/>
-                <a:cs typeface="Verdana"/>
-                <a:sym typeface="Verdana"/>
-              </a:rPr>
-              <a:t>PMI (Project Management Institute)</a:t>
-            </a:r>
-            <a:endParaRPr sz="2400" b="0" i="0" u="none" strike="noStrike" cap="none">
-              <a:solidFill>
-                <a:srgbClr val="000000"/>
-              </a:solidFill>
-              <a:latin typeface="Verdana"/>
-              <a:ea typeface="Verdana"/>
-              <a:cs typeface="Verdana"/>
-              <a:sym typeface="Verdana"/>
-            </a:endParaRPr>
-          </a:p>
-        </p:txBody>
-      </p:sp>
-      <p:sp>
-        <p:nvSpPr>
-          <p:cNvPr id="27" name="Google Shape;27;p6"/>
-          <p:cNvSpPr txBox="1"/>
-          <p:nvPr/>
-        </p:nvSpPr>
-        <p:spPr>
-          <a:xfrm>
-            <a:off x="662940" y="585145"/>
-            <a:ext cx="4572000" cy="338554"/>
-          </a:xfrm>
-          <a:prstGeom prst="rect">
-            <a:avLst/>
-          </a:prstGeom>
-          <a:noFill/>
-          <a:ln>
-            <a:noFill/>
-          </a:ln>
-        </p:spPr>
-        <p:txBody>
           <a:bodyPr spcFirstLastPara="1" wrap="square" lIns="91425" tIns="45700" rIns="91425" bIns="45700" anchor="t" anchorCtr="0">
             <a:spAutoFit/>
           </a:bodyPr>
@@ -9328,7 +9163,31 @@
                 <a:cs typeface="Helvetica Neue Light"/>
                 <a:sym typeface="Helvetica Neue Light"/>
               </a:rPr>
-              <a:t>Análisis exploratorio</a:t>
+              <a:t>Arquitectura </a:t>
+            </a:r>
+            <a:r>
+              <a:rPr lang="es-ES" sz="1600" b="1" i="0" u="none" strike="noStrike" cap="none" dirty="0">
+                <a:solidFill>
+                  <a:srgbClr val="FFC000"/>
+                </a:solidFill>
+                <a:latin typeface="Helvetica Neue Light"/>
+                <a:ea typeface="Helvetica Neue Light"/>
+                <a:cs typeface="Helvetica Neue Light"/>
+                <a:sym typeface="Helvetica Neue Light"/>
+              </a:rPr>
+              <a:t>|</a:t>
+            </a:r>
+            <a:r>
+              <a:rPr lang="es-ES" sz="1600" b="1" i="0" u="none" strike="noStrike" cap="none" dirty="0">
+                <a:solidFill>
+                  <a:srgbClr val="000000"/>
+                </a:solidFill>
+                <a:latin typeface="Helvetica Neue Light"/>
+                <a:ea typeface="Helvetica Neue Light"/>
+                <a:cs typeface="Helvetica Neue Light"/>
+                <a:sym typeface="Helvetica Neue Light"/>
+              </a:rPr>
+              <a:t> Almacenamiento de documentos</a:t>
             </a:r>
             <a:endParaRPr sz="1600" b="1" i="0" u="none" strike="noStrike" cap="none" dirty="0">
               <a:solidFill>
@@ -9342,12 +9201,42 @@
           </a:p>
         </p:txBody>
       </p:sp>
+      <p:pic>
+        <p:nvPicPr>
+          <p:cNvPr id="3" name="Picture 2">
+            <a:extLst>
+              <a:ext uri="{FF2B5EF4-FFF2-40B4-BE49-F238E27FC236}">
+                <a16:creationId xmlns:a16="http://schemas.microsoft.com/office/drawing/2014/main" id="{9F467939-A832-9AF3-DB23-F08E4CFD3911}"/>
+              </a:ext>
+            </a:extLst>
+          </p:cNvPr>
+          <p:cNvPicPr>
+            <a:picLocks noChangeAspect="1"/>
+          </p:cNvPicPr>
+          <p:nvPr/>
+        </p:nvPicPr>
+        <p:blipFill>
+          <a:blip r:embed="rId3"/>
+          <a:stretch>
+            <a:fillRect/>
+          </a:stretch>
+        </p:blipFill>
+        <p:spPr>
+          <a:xfrm>
+            <a:off x="792552" y="1258574"/>
+            <a:ext cx="7558895" cy="3066032"/>
+          </a:xfrm>
+          <a:prstGeom prst="rect">
+            <a:avLst/>
+          </a:prstGeom>
+        </p:spPr>
+      </p:pic>
       <p:sp>
         <p:nvSpPr>
-          <p:cNvPr id="2" name="Google Shape;26;p6">
+          <p:cNvPr id="6" name="TextBox 5">
             <a:extLst>
               <a:ext uri="{FF2B5EF4-FFF2-40B4-BE49-F238E27FC236}">
-                <a16:creationId xmlns:a16="http://schemas.microsoft.com/office/drawing/2014/main" id="{B239A515-A45F-1C9A-EA40-54CA06C20188}"/>
+                <a16:creationId xmlns:a16="http://schemas.microsoft.com/office/drawing/2014/main" id="{CE0EA75A-812C-0B5B-384D-0AD4B818E157}"/>
               </a:ext>
             </a:extLst>
           </p:cNvPr>
@@ -9356,214 +9245,177 @@
         </p:nvSpPr>
         <p:spPr>
           <a:xfrm>
-            <a:off x="670314" y="923699"/>
-            <a:ext cx="8016240" cy="3947224"/>
+            <a:off x="7125347" y="3140167"/>
+            <a:ext cx="894797" cy="246221"/>
           </a:xfrm>
           <a:prstGeom prst="rect">
             <a:avLst/>
           </a:prstGeom>
           <a:noFill/>
-          <a:ln>
-            <a:noFill/>
-          </a:ln>
         </p:spPr>
         <p:txBody>
-          <a:bodyPr spcFirstLastPara="1" wrap="square" lIns="0" tIns="22850" rIns="0" bIns="0" anchor="t" anchorCtr="0">
+          <a:bodyPr wrap="none" rtlCol="0">
             <a:spAutoFit/>
           </a:bodyPr>
           <a:lstStyle/>
           <a:p>
-            <a:pPr marL="9525" marR="58579" algn="just">
-              <a:lnSpc>
-                <a:spcPct val="200000"/>
-              </a:lnSpc>
-              <a:spcBef>
-                <a:spcPts val="180"/>
-              </a:spcBef>
-            </a:pPr>
-            <a:r>
-              <a:rPr lang="es-MX" sz="1600" b="1" dirty="0">
-                <a:latin typeface="Helvetica Neue Light"/>
-              </a:rPr>
-              <a:t>Indicadores de Votaciones:</a:t>
-            </a:r>
-          </a:p>
-          <a:p>
-            <a:pPr marL="742950" lvl="1" indent="-285750">
-              <a:buFont typeface="Arial" panose="020B0604020202020204" pitchFamily="34" charset="0"/>
-              <a:buChar char="•"/>
-            </a:pPr>
-            <a:r>
-              <a:rPr lang="es-MX" dirty="0">
-                <a:solidFill>
-                  <a:srgbClr val="0D0D0D"/>
-                </a:solidFill>
-                <a:highlight>
-                  <a:srgbClr val="FFFFFF"/>
-                </a:highlight>
-                <a:latin typeface="ui-sans-serif"/>
-              </a:rPr>
-              <a:t>Indicadores centrales muestran votos de miembros permanentes y no permanentes del Consejo de Seguridad.</a:t>
-            </a:r>
-          </a:p>
-          <a:p>
-            <a:pPr marL="742950" lvl="1" indent="-285750">
-              <a:buFont typeface="Arial" panose="020B0604020202020204" pitchFamily="34" charset="0"/>
-              <a:buChar char="•"/>
-            </a:pPr>
-            <a:r>
-              <a:rPr lang="es-MX" dirty="0">
-                <a:solidFill>
-                  <a:srgbClr val="0D0D0D"/>
-                </a:solidFill>
-                <a:highlight>
-                  <a:srgbClr val="FFFFFF"/>
-                </a:highlight>
-                <a:latin typeface="ui-sans-serif"/>
-              </a:rPr>
-              <a:t>Visualización de votaciones de todos los estados miembros de la ONU.</a:t>
-            </a:r>
-          </a:p>
-          <a:p>
-            <a:pPr marL="9525" marR="58579" algn="just">
-              <a:lnSpc>
-                <a:spcPct val="200000"/>
-              </a:lnSpc>
-              <a:spcBef>
-                <a:spcPts val="180"/>
-              </a:spcBef>
-            </a:pPr>
-            <a:r>
-              <a:rPr lang="es-MX" sz="1600" b="1" dirty="0">
-                <a:latin typeface="Helvetica Neue Light"/>
-              </a:rPr>
-              <a:t>Tablas de Distribución de Votaciones:</a:t>
-            </a:r>
-          </a:p>
-          <a:p>
-            <a:pPr marL="742950" lvl="1" indent="-285750">
-              <a:buFont typeface="Arial" panose="020B0604020202020204" pitchFamily="34" charset="0"/>
-              <a:buChar char="•"/>
-            </a:pPr>
-            <a:r>
-              <a:rPr lang="es-MX" dirty="0">
-                <a:solidFill>
-                  <a:srgbClr val="0D0D0D"/>
-                </a:solidFill>
-                <a:highlight>
-                  <a:srgbClr val="FFFFFF"/>
-                </a:highlight>
-                <a:latin typeface="ui-sans-serif"/>
-              </a:rPr>
-              <a:t>Una tabla muestra la distribución global de votaciones por tema.</a:t>
-            </a:r>
-          </a:p>
-          <a:p>
-            <a:pPr marL="742950" lvl="1" indent="-285750">
-              <a:buFont typeface="Arial" panose="020B0604020202020204" pitchFamily="34" charset="0"/>
-              <a:buChar char="•"/>
-            </a:pPr>
-            <a:r>
-              <a:rPr lang="es-MX" dirty="0">
-                <a:solidFill>
-                  <a:srgbClr val="0D0D0D"/>
-                </a:solidFill>
-                <a:highlight>
-                  <a:srgbClr val="FFFFFF"/>
-                </a:highlight>
-                <a:latin typeface="ui-sans-serif"/>
-              </a:rPr>
-              <a:t>Otra tabla ofrece detalles sobre cómo votaron los miembros permanentes en relación a ese tema.</a:t>
-            </a:r>
-          </a:p>
-          <a:p>
-            <a:pPr marL="9525" marR="58579" algn="just">
-              <a:lnSpc>
-                <a:spcPct val="200000"/>
-              </a:lnSpc>
-              <a:spcBef>
-                <a:spcPts val="180"/>
-              </a:spcBef>
-            </a:pPr>
-            <a:r>
-              <a:rPr lang="es-MX" sz="1600" b="1" dirty="0">
-                <a:latin typeface="Helvetica Neue Light"/>
-              </a:rPr>
-              <a:t>Caso de Estudio:</a:t>
-            </a:r>
-          </a:p>
-          <a:p>
-            <a:pPr marL="742950" lvl="1" indent="-285750">
-              <a:buFont typeface="Arial" panose="020B0604020202020204" pitchFamily="34" charset="0"/>
-              <a:buChar char="•"/>
-            </a:pPr>
-            <a:r>
-              <a:rPr lang="es-MX" dirty="0">
-                <a:solidFill>
-                  <a:srgbClr val="0D0D0D"/>
-                </a:solidFill>
-                <a:highlight>
-                  <a:srgbClr val="FFFFFF"/>
-                </a:highlight>
-                <a:latin typeface="ui-sans-serif"/>
-              </a:rPr>
-              <a:t>Análisis de votaciones para las opiniones consultivas seleccionadas, incluyendo la respuesta de la corte y la distribución de votos de los miembros permanentes del Consejo de Seguridad.</a:t>
-            </a:r>
-          </a:p>
-          <a:p>
-            <a:pPr marL="742950" lvl="1" indent="-285750">
-              <a:buFont typeface="Arial" panose="020B0604020202020204" pitchFamily="34" charset="0"/>
-              <a:buChar char="•"/>
-            </a:pPr>
-            <a:r>
-              <a:rPr lang="es-MX" dirty="0">
-                <a:solidFill>
-                  <a:srgbClr val="0D0D0D"/>
-                </a:solidFill>
-                <a:highlight>
-                  <a:srgbClr val="FFFFFF"/>
-                </a:highlight>
-                <a:latin typeface="ui-sans-serif"/>
-              </a:rPr>
-              <a:t>Este análisis facilita una comprensión detallada de las dinámicas de votación y su impacto en decisiones internacionales.</a:t>
-            </a:r>
-          </a:p>
-          <a:p>
-            <a:pPr marL="742950" lvl="1" indent="-285750">
-              <a:buFont typeface="Arial" panose="020B0604020202020204" pitchFamily="34" charset="0"/>
-              <a:buChar char="•"/>
-            </a:pPr>
-            <a:r>
-              <a:rPr lang="es-MX" dirty="0">
-                <a:solidFill>
-                  <a:srgbClr val="0D0D0D"/>
-                </a:solidFill>
-                <a:highlight>
-                  <a:srgbClr val="FFFFFF"/>
-                </a:highlight>
-                <a:latin typeface="ui-sans-serif"/>
-              </a:rPr>
-              <a:t>Este contenido proporciona una visión integral de las votaciones de la ONU.</a:t>
-            </a:r>
-          </a:p>
-          <a:p>
-            <a:pPr marL="457200" lvl="1"/>
-            <a:endParaRPr lang="es-MX" dirty="0">
-              <a:solidFill>
-                <a:srgbClr val="0D0D0D"/>
-              </a:solidFill>
-              <a:highlight>
-                <a:srgbClr val="FFFFFF"/>
-              </a:highlight>
-              <a:latin typeface="ui-sans-serif"/>
-            </a:endParaRPr>
+            <a:r>
+              <a:rPr lang="es-UY" sz="1000" dirty="0"/>
+              <a:t>BD Vectorial</a:t>
+            </a:r>
+          </a:p>
+        </p:txBody>
+      </p:sp>
+      <p:sp>
+        <p:nvSpPr>
+          <p:cNvPr id="7" name="TextBox 6">
+            <a:extLst>
+              <a:ext uri="{FF2B5EF4-FFF2-40B4-BE49-F238E27FC236}">
+                <a16:creationId xmlns:a16="http://schemas.microsoft.com/office/drawing/2014/main" id="{28D19EAB-2C19-63F4-321F-75BD19DC0853}"/>
+              </a:ext>
+            </a:extLst>
+          </p:cNvPr>
+          <p:cNvSpPr txBox="1"/>
+          <p:nvPr/>
+        </p:nvSpPr>
+        <p:spPr>
+          <a:xfrm>
+            <a:off x="5554643" y="3140166"/>
+            <a:ext cx="936475" cy="400110"/>
+          </a:xfrm>
+          <a:prstGeom prst="rect">
+            <a:avLst/>
+          </a:prstGeom>
+          <a:noFill/>
+        </p:spPr>
+        <p:txBody>
+          <a:bodyPr wrap="none" rtlCol="0">
+            <a:spAutoFit/>
+          </a:bodyPr>
+          <a:lstStyle/>
+          <a:p>
+            <a:r>
+              <a:rPr lang="es-UY" sz="1000" dirty="0"/>
+              <a:t>Conversión a</a:t>
+            </a:r>
+          </a:p>
+          <a:p>
+            <a:r>
+              <a:rPr lang="es-UY" sz="1000" dirty="0"/>
+              <a:t>embeddings</a:t>
+            </a:r>
+          </a:p>
+        </p:txBody>
+      </p:sp>
+      <p:sp>
+        <p:nvSpPr>
+          <p:cNvPr id="8" name="TextBox 7">
+            <a:extLst>
+              <a:ext uri="{FF2B5EF4-FFF2-40B4-BE49-F238E27FC236}">
+                <a16:creationId xmlns:a16="http://schemas.microsoft.com/office/drawing/2014/main" id="{A50DF8E8-49D4-BD2D-B297-60402C808A9A}"/>
+              </a:ext>
+            </a:extLst>
+          </p:cNvPr>
+          <p:cNvSpPr txBox="1"/>
+          <p:nvPr/>
+        </p:nvSpPr>
+        <p:spPr>
+          <a:xfrm>
+            <a:off x="3818830" y="3417165"/>
+            <a:ext cx="1101584" cy="246221"/>
+          </a:xfrm>
+          <a:prstGeom prst="rect">
+            <a:avLst/>
+          </a:prstGeom>
+          <a:noFill/>
+        </p:spPr>
+        <p:txBody>
+          <a:bodyPr wrap="none" rtlCol="0">
+            <a:spAutoFit/>
+          </a:bodyPr>
+          <a:lstStyle/>
+          <a:p>
+            <a:r>
+              <a:rPr lang="es-UY" sz="1000" dirty="0"/>
+              <a:t>Dividir en trozos</a:t>
+            </a:r>
+          </a:p>
+        </p:txBody>
+      </p:sp>
+      <p:sp>
+        <p:nvSpPr>
+          <p:cNvPr id="9" name="TextBox 8">
+            <a:extLst>
+              <a:ext uri="{FF2B5EF4-FFF2-40B4-BE49-F238E27FC236}">
+                <a16:creationId xmlns:a16="http://schemas.microsoft.com/office/drawing/2014/main" id="{82D107CB-7530-2E09-9CC2-442A83D0C4EB}"/>
+              </a:ext>
+            </a:extLst>
+          </p:cNvPr>
+          <p:cNvSpPr txBox="1"/>
+          <p:nvPr/>
+        </p:nvSpPr>
+        <p:spPr>
+          <a:xfrm>
+            <a:off x="2334159" y="3386388"/>
+            <a:ext cx="1184940" cy="246221"/>
+          </a:xfrm>
+          <a:prstGeom prst="rect">
+            <a:avLst/>
+          </a:prstGeom>
+          <a:noFill/>
+        </p:spPr>
+        <p:txBody>
+          <a:bodyPr wrap="none" rtlCol="0">
+            <a:spAutoFit/>
+          </a:bodyPr>
+          <a:lstStyle/>
+          <a:p>
+            <a:r>
+              <a:rPr lang="es-UY" sz="1000" dirty="0"/>
+              <a:t>Convertir a textos</a:t>
+            </a:r>
+          </a:p>
+        </p:txBody>
+      </p:sp>
+      <p:sp>
+        <p:nvSpPr>
+          <p:cNvPr id="10" name="TextBox 9">
+            <a:extLst>
+              <a:ext uri="{FF2B5EF4-FFF2-40B4-BE49-F238E27FC236}">
+                <a16:creationId xmlns:a16="http://schemas.microsoft.com/office/drawing/2014/main" id="{590589FD-FE85-60BA-F849-2A19111CED32}"/>
+              </a:ext>
+            </a:extLst>
+          </p:cNvPr>
+          <p:cNvSpPr txBox="1"/>
+          <p:nvPr/>
+        </p:nvSpPr>
+        <p:spPr>
+          <a:xfrm>
+            <a:off x="1087920" y="4078385"/>
+            <a:ext cx="901209" cy="246221"/>
+          </a:xfrm>
+          <a:prstGeom prst="rect">
+            <a:avLst/>
+          </a:prstGeom>
+          <a:noFill/>
+        </p:spPr>
+        <p:txBody>
+          <a:bodyPr wrap="none" rtlCol="0">
+            <a:spAutoFit/>
+          </a:bodyPr>
+          <a:lstStyle/>
+          <a:p>
+            <a:r>
+              <a:rPr lang="es-UY" sz="1000" dirty="0"/>
+              <a:t>Documentos</a:t>
+            </a:r>
           </a:p>
         </p:txBody>
       </p:sp>
     </p:spTree>
     <p:extLst>
       <p:ext uri="{BB962C8B-B14F-4D97-AF65-F5344CB8AC3E}">
-        <p14:creationId xmlns:p14="http://schemas.microsoft.com/office/powerpoint/2010/main" val="2847644316"/>
+        <p14:creationId xmlns:p14="http://schemas.microsoft.com/office/powerpoint/2010/main" val="648062748"/>
       </p:ext>
     </p:extLst>
   </p:cSld>
@@ -9592,14 +9444,14 @@
       </p:grpSpPr>
       <p:sp>
         <p:nvSpPr>
-          <p:cNvPr id="25" name="Google Shape;25;p6"/>
+          <p:cNvPr id="27" name="Google Shape;27;p6"/>
           <p:cNvSpPr txBox="1"/>
           <p:nvPr/>
         </p:nvSpPr>
         <p:spPr>
           <a:xfrm>
-            <a:off x="1733475" y="375472"/>
-            <a:ext cx="4502944" cy="378950"/>
+            <a:off x="670314" y="446600"/>
+            <a:ext cx="4572000" cy="338554"/>
           </a:xfrm>
           <a:prstGeom prst="rect">
             <a:avLst/>
@@ -9610,96 +9462,23 @@
           </a:ln>
         </p:spPr>
         <p:txBody>
-          <a:bodyPr spcFirstLastPara="1" wrap="square" lIns="0" tIns="9525" rIns="0" bIns="0" anchor="t" anchorCtr="0">
-            <a:spAutoFit/>
-          </a:bodyPr>
-          <a:lstStyle/>
-          <a:p>
-            <a:pPr marL="9525" marR="0" lvl="0" indent="0" algn="l" rtl="0">
-              <a:lnSpc>
-                <a:spcPct val="100000"/>
-              </a:lnSpc>
-              <a:spcBef>
-                <a:spcPts val="0"/>
-              </a:spcBef>
-              <a:spcAft>
-                <a:spcPts val="0"/>
-              </a:spcAft>
-              <a:buNone/>
-            </a:pPr>
-            <a:r>
-              <a:rPr lang="es-ES" sz="2400" b="0" i="0" u="none" strike="noStrike" cap="none" dirty="0">
-                <a:solidFill>
-                  <a:srgbClr val="FFFFFF"/>
-                </a:solidFill>
-                <a:latin typeface="Verdana"/>
-                <a:ea typeface="Verdana"/>
-                <a:cs typeface="Verdana"/>
-                <a:sym typeface="Verdana"/>
-              </a:rPr>
-              <a:t>PMI (Project Management </a:t>
-            </a:r>
-            <a:r>
-              <a:rPr lang="es-ES" sz="2400" b="0" i="0" u="none" strike="noStrike" cap="none" dirty="0" err="1">
-                <a:solidFill>
-                  <a:srgbClr val="FFFFFF"/>
-                </a:solidFill>
-                <a:latin typeface="Verdana"/>
-                <a:ea typeface="Verdana"/>
-                <a:cs typeface="Verdana"/>
-                <a:sym typeface="Verdana"/>
-              </a:rPr>
-              <a:t>Institute</a:t>
-            </a:r>
-            <a:r>
-              <a:rPr lang="es-ES" sz="2400" b="0" i="0" u="none" strike="noStrike" cap="none" dirty="0">
-                <a:solidFill>
-                  <a:srgbClr val="FFFFFF"/>
-                </a:solidFill>
-                <a:latin typeface="Verdana"/>
-                <a:ea typeface="Verdana"/>
-                <a:cs typeface="Verdana"/>
-                <a:sym typeface="Verdana"/>
-              </a:rPr>
-              <a:t>)</a:t>
-            </a:r>
-            <a:endParaRPr sz="2400" b="0" i="0" u="none" strike="noStrike" cap="none" dirty="0">
-              <a:solidFill>
-                <a:srgbClr val="000000"/>
-              </a:solidFill>
-              <a:latin typeface="Verdana"/>
-              <a:ea typeface="Verdana"/>
-              <a:cs typeface="Verdana"/>
-              <a:sym typeface="Verdana"/>
-            </a:endParaRPr>
-          </a:p>
-        </p:txBody>
-      </p:sp>
-      <p:sp>
-        <p:nvSpPr>
-          <p:cNvPr id="27" name="Google Shape;27;p6"/>
-          <p:cNvSpPr txBox="1"/>
-          <p:nvPr/>
-        </p:nvSpPr>
-        <p:spPr>
-          <a:xfrm>
-            <a:off x="662940" y="585145"/>
-            <a:ext cx="4572000" cy="338514"/>
-          </a:xfrm>
-          <a:prstGeom prst="rect">
-            <a:avLst/>
-          </a:prstGeom>
-          <a:noFill/>
-          <a:ln>
-            <a:noFill/>
-          </a:ln>
-        </p:spPr>
-        <p:txBody>
           <a:bodyPr spcFirstLastPara="1" wrap="square" lIns="91425" tIns="45700" rIns="91425" bIns="45700" anchor="t" anchorCtr="0">
             <a:spAutoFit/>
           </a:bodyPr>
           <a:lstStyle/>
           <a:p>
+            <a:pPr marL="0" marR="0" lvl="0" indent="0" algn="l" rtl="0">
+              <a:lnSpc>
+                <a:spcPct val="100000"/>
+              </a:lnSpc>
+              <a:spcBef>
+                <a:spcPts val="0"/>
+              </a:spcBef>
+              <a:spcAft>
+                <a:spcPts val="0"/>
+              </a:spcAft>
+              <a:buNone/>
+            </a:pPr>
             <a:r>
               <a:rPr lang="es-ES" sz="1600" b="1" i="0" u="none" strike="noStrike" cap="none" dirty="0">
                 <a:solidFill>
@@ -9710,31 +9489,7 @@
                 <a:cs typeface="Helvetica Neue Light"/>
                 <a:sym typeface="Helvetica Neue Light"/>
               </a:rPr>
-              <a:t>Análisis exploratorio </a:t>
-            </a:r>
-            <a:r>
-              <a:rPr lang="es-ES" sz="1600" b="1" i="0" u="none" strike="noStrike" cap="none" dirty="0">
-                <a:solidFill>
-                  <a:srgbClr val="FFC000"/>
-                </a:solidFill>
-                <a:latin typeface="Helvetica Neue Light"/>
-                <a:ea typeface="Helvetica Neue Light"/>
-                <a:cs typeface="Helvetica Neue Light"/>
-                <a:sym typeface="Helvetica Neue Light"/>
-              </a:rPr>
-              <a:t>|</a:t>
-            </a:r>
-            <a:r>
-              <a:rPr lang="es-ES" sz="1600" b="1" i="0" u="none" strike="noStrike" cap="none" dirty="0">
-                <a:solidFill>
-                  <a:srgbClr val="000000"/>
-                </a:solidFill>
-                <a:latin typeface="Helvetica Neue Light"/>
-                <a:ea typeface="Helvetica Neue Light"/>
-                <a:cs typeface="Helvetica Neue Light"/>
-                <a:sym typeface="Helvetica Neue Light"/>
-              </a:rPr>
-              <a:t> Visualizaciones</a:t>
+              <a:t>Modelado</a:t>
             </a:r>
             <a:endParaRPr sz="1600" b="1" i="0" u="none" strike="noStrike" cap="none" dirty="0">
               <a:solidFill>
@@ -9748,100 +9503,228 @@
           </a:p>
         </p:txBody>
       </p:sp>
-      <p:pic>
-        <p:nvPicPr>
-          <p:cNvPr id="6" name="Picture 5">
+      <p:sp>
+        <p:nvSpPr>
+          <p:cNvPr id="2" name="Google Shape;26;p6">
             <a:extLst>
               <a:ext uri="{FF2B5EF4-FFF2-40B4-BE49-F238E27FC236}">
-                <a16:creationId xmlns:a16="http://schemas.microsoft.com/office/drawing/2014/main" id="{9A0C76E7-4D72-72EE-33A6-BE4CEABE4847}"/>
+                <a16:creationId xmlns:a16="http://schemas.microsoft.com/office/drawing/2014/main" id="{760DE103-6E6E-8BC0-9DF6-7993C9336394}"/>
               </a:ext>
             </a:extLst>
           </p:cNvPr>
-          <p:cNvPicPr>
-            <a:picLocks noChangeAspect="1"/>
-          </p:cNvPicPr>
+          <p:cNvSpPr txBox="1"/>
           <p:nvPr/>
-        </p:nvPicPr>
-        <p:blipFill>
-          <a:blip r:embed="rId3"/>
-          <a:stretch>
-            <a:fillRect/>
-          </a:stretch>
-        </p:blipFill>
-        <p:spPr>
-          <a:xfrm>
-            <a:off x="874058" y="1133372"/>
-            <a:ext cx="5099040" cy="3241518"/>
+        </p:nvSpPr>
+        <p:spPr>
+          <a:xfrm>
+            <a:off x="670314" y="729736"/>
+            <a:ext cx="8016240" cy="4126761"/>
           </a:xfrm>
           <a:prstGeom prst="rect">
             <a:avLst/>
           </a:prstGeom>
-        </p:spPr>
-      </p:pic>
-      <p:pic>
-        <p:nvPicPr>
-          <p:cNvPr id="3" name="Picture 2">
-            <a:extLst>
-              <a:ext uri="{FF2B5EF4-FFF2-40B4-BE49-F238E27FC236}">
-                <a16:creationId xmlns:a16="http://schemas.microsoft.com/office/drawing/2014/main" id="{86FC571C-AFC7-F897-F41A-07F17C44B7B6}"/>
-              </a:ext>
-            </a:extLst>
-          </p:cNvPr>
-          <p:cNvPicPr>
-            <a:picLocks noChangeAspect="1"/>
-          </p:cNvPicPr>
-          <p:nvPr/>
-        </p:nvPicPr>
-        <p:blipFill>
-          <a:blip r:embed="rId4"/>
-          <a:stretch>
-            <a:fillRect/>
-          </a:stretch>
-        </p:blipFill>
-        <p:spPr>
-          <a:xfrm>
-            <a:off x="5973098" y="923659"/>
-            <a:ext cx="1151826" cy="3556615"/>
-          </a:xfrm>
-          <a:prstGeom prst="rect">
-            <a:avLst/>
-          </a:prstGeom>
-        </p:spPr>
-      </p:pic>
-      <p:pic>
-        <p:nvPicPr>
-          <p:cNvPr id="5" name="Picture 4">
-            <a:extLst>
-              <a:ext uri="{FF2B5EF4-FFF2-40B4-BE49-F238E27FC236}">
-                <a16:creationId xmlns:a16="http://schemas.microsoft.com/office/drawing/2014/main" id="{B9C6DA16-9AC8-3E41-EFAF-6ED2DF204030}"/>
-              </a:ext>
-            </a:extLst>
-          </p:cNvPr>
-          <p:cNvPicPr>
-            <a:picLocks noChangeAspect="1"/>
-          </p:cNvPicPr>
-          <p:nvPr/>
-        </p:nvPicPr>
-        <p:blipFill>
-          <a:blip r:embed="rId4"/>
-          <a:stretch>
-            <a:fillRect/>
-          </a:stretch>
-        </p:blipFill>
-        <p:spPr>
-          <a:xfrm>
-            <a:off x="7271918" y="887333"/>
-            <a:ext cx="1209142" cy="3733596"/>
-          </a:xfrm>
-          <a:prstGeom prst="rect">
-            <a:avLst/>
-          </a:prstGeom>
-        </p:spPr>
-      </p:pic>
+          <a:noFill/>
+          <a:ln>
+            <a:noFill/>
+          </a:ln>
+        </p:spPr>
+        <p:txBody>
+          <a:bodyPr spcFirstLastPara="1" wrap="square" lIns="0" tIns="22850" rIns="0" bIns="0" anchor="t" anchorCtr="0">
+            <a:spAutoFit/>
+          </a:bodyPr>
+          <a:lstStyle/>
+          <a:p>
+            <a:pPr marL="9525" marR="58579" algn="just">
+              <a:lnSpc>
+                <a:spcPct val="200000"/>
+              </a:lnSpc>
+              <a:spcBef>
+                <a:spcPts val="180"/>
+              </a:spcBef>
+            </a:pPr>
+            <a:r>
+              <a:rPr lang="es-MX" sz="1600" b="1" dirty="0">
+                <a:latin typeface="Helvetica Neue Light"/>
+              </a:rPr>
+              <a:t>Análisis de Cardinalidad y Balanceo de Datos:</a:t>
+            </a:r>
+          </a:p>
+          <a:p>
+            <a:pPr marL="742950" lvl="1" indent="-285750">
+              <a:buFont typeface="Arial" panose="020B0604020202020204" pitchFamily="34" charset="0"/>
+              <a:buChar char="•"/>
+            </a:pPr>
+            <a:r>
+              <a:rPr lang="es-MX" dirty="0">
+                <a:solidFill>
+                  <a:srgbClr val="0D0D0D"/>
+                </a:solidFill>
+                <a:highlight>
+                  <a:srgbClr val="FFFFFF"/>
+                </a:highlight>
+                <a:latin typeface="ui-sans-serif"/>
+              </a:rPr>
+              <a:t>Utilización de funciones y gráficos para evaluar la diversidad y distribución de las clases en el dataset, asegurando un balance adecuado para un análisis efectivo.</a:t>
+            </a:r>
+          </a:p>
+          <a:p>
+            <a:pPr marL="9525" marR="58579" algn="just">
+              <a:lnSpc>
+                <a:spcPct val="200000"/>
+              </a:lnSpc>
+              <a:spcBef>
+                <a:spcPts val="180"/>
+              </a:spcBef>
+            </a:pPr>
+            <a:r>
+              <a:rPr lang="es-MX" sz="1600" b="1" dirty="0">
+                <a:latin typeface="Helvetica Neue Light"/>
+              </a:rPr>
+              <a:t>Ngramas y Nube de Palabras:</a:t>
+            </a:r>
+          </a:p>
+          <a:p>
+            <a:pPr marL="742950" lvl="1" indent="-285750">
+              <a:buFont typeface="Arial" panose="020B0604020202020204" pitchFamily="34" charset="0"/>
+              <a:buChar char="•"/>
+            </a:pPr>
+            <a:r>
+              <a:rPr lang="es-MX" dirty="0">
+                <a:solidFill>
+                  <a:srgbClr val="0D0D0D"/>
+                </a:solidFill>
+                <a:highlight>
+                  <a:srgbClr val="FFFFFF"/>
+                </a:highlight>
+                <a:latin typeface="ui-sans-serif"/>
+              </a:rPr>
+              <a:t>Herramientas: Ngrams y Wordclouds.</a:t>
+            </a:r>
+          </a:p>
+          <a:p>
+            <a:pPr marL="742950" lvl="1" indent="-285750">
+              <a:buFont typeface="Arial" panose="020B0604020202020204" pitchFamily="34" charset="0"/>
+              <a:buChar char="•"/>
+            </a:pPr>
+            <a:r>
+              <a:rPr lang="es-MX" dirty="0">
+                <a:solidFill>
+                  <a:srgbClr val="0D0D0D"/>
+                </a:solidFill>
+                <a:highlight>
+                  <a:srgbClr val="FFFFFF"/>
+                </a:highlight>
+                <a:latin typeface="ui-sans-serif"/>
+              </a:rPr>
+              <a:t>Objetivos: Identificar patrones de palabras y frases clave, verificar la calidad de la data para iteraciones de preprocesamiento, y facilitar la comprensión de los temas predominantes.</a:t>
+            </a:r>
+          </a:p>
+          <a:p>
+            <a:pPr marL="9525" marR="58579" algn="just">
+              <a:lnSpc>
+                <a:spcPct val="200000"/>
+              </a:lnSpc>
+              <a:spcBef>
+                <a:spcPts val="180"/>
+              </a:spcBef>
+            </a:pPr>
+            <a:r>
+              <a:rPr lang="es-MX" sz="1600" b="1" dirty="0">
+                <a:latin typeface="Helvetica Neue Light"/>
+              </a:rPr>
+              <a:t>Word Embeddings con Word2Vec:</a:t>
+            </a:r>
+          </a:p>
+          <a:p>
+            <a:pPr marL="238125" marR="58579" indent="-228600" algn="just">
+              <a:lnSpc>
+                <a:spcPct val="200000"/>
+              </a:lnSpc>
+              <a:spcBef>
+                <a:spcPts val="180"/>
+              </a:spcBef>
+              <a:buFont typeface="+mj-lt"/>
+              <a:buAutoNum type="arabicPeriod"/>
+            </a:pPr>
+            <a:r>
+              <a:rPr lang="es-MX" sz="1200" b="1" dirty="0">
+                <a:latin typeface="Helvetica Neue Light"/>
+              </a:rPr>
+              <a:t>Inicialización y Entrenamiento:</a:t>
+            </a:r>
+          </a:p>
+          <a:p>
+            <a:pPr marL="742950" lvl="1" indent="-285750">
+              <a:buFont typeface="Arial" panose="020B0604020202020204" pitchFamily="34" charset="0"/>
+              <a:buChar char="•"/>
+            </a:pPr>
+            <a:r>
+              <a:rPr lang="es-MX" dirty="0">
+                <a:solidFill>
+                  <a:srgbClr val="0D0D0D"/>
+                </a:solidFill>
+                <a:highlight>
+                  <a:srgbClr val="FFFFFF"/>
+                </a:highlight>
+                <a:latin typeface="ui-sans-serif"/>
+              </a:rPr>
+              <a:t>Definición de Parámetros: Tamaño de vector, contexto de ventana, frecuencia mínima de palabras.</a:t>
+            </a:r>
+          </a:p>
+          <a:p>
+            <a:pPr marL="742950" lvl="1" indent="-285750">
+              <a:buFont typeface="Arial" panose="020B0604020202020204" pitchFamily="34" charset="0"/>
+              <a:buChar char="•"/>
+            </a:pPr>
+            <a:r>
+              <a:rPr lang="es-MX" dirty="0">
+                <a:solidFill>
+                  <a:srgbClr val="0D0D0D"/>
+                </a:solidFill>
+                <a:highlight>
+                  <a:srgbClr val="FFFFFF"/>
+                </a:highlight>
+                <a:latin typeface="ui-sans-serif"/>
+              </a:rPr>
+              <a:t>Construcción del Vocabulario: A partir de un corpus preprocesado y tokenizado.</a:t>
+            </a:r>
+          </a:p>
+          <a:p>
+            <a:pPr marL="742950" lvl="1" indent="-285750">
+              <a:buFont typeface="Arial" panose="020B0604020202020204" pitchFamily="34" charset="0"/>
+              <a:buChar char="•"/>
+            </a:pPr>
+            <a:r>
+              <a:rPr lang="es-MX" dirty="0">
+                <a:solidFill>
+                  <a:srgbClr val="0D0D0D"/>
+                </a:solidFill>
+                <a:highlight>
+                  <a:srgbClr val="FFFFFF"/>
+                </a:highlight>
+                <a:latin typeface="ui-sans-serif"/>
+              </a:rPr>
+              <a:t>Entrenamiento del Modelo: Realizado durante 10 épocas para optimizar la representación vectorial del texto.</a:t>
+            </a:r>
+          </a:p>
+          <a:p>
+            <a:pPr marL="457200" lvl="1"/>
+            <a:endParaRPr lang="es-MX" dirty="0">
+              <a:solidFill>
+                <a:srgbClr val="0D0D0D"/>
+              </a:solidFill>
+              <a:highlight>
+                <a:srgbClr val="FFFFFF"/>
+              </a:highlight>
+              <a:latin typeface="ui-sans-serif"/>
+            </a:endParaRPr>
+          </a:p>
+        </p:txBody>
+      </p:sp>
     </p:spTree>
     <p:extLst>
       <p:ext uri="{BB962C8B-B14F-4D97-AF65-F5344CB8AC3E}">
-        <p14:creationId xmlns:p14="http://schemas.microsoft.com/office/powerpoint/2010/main" val="3938546513"/>
+        <p14:creationId xmlns:p14="http://schemas.microsoft.com/office/powerpoint/2010/main" val="2574155853"/>
       </p:ext>
     </p:extLst>
   </p:cSld>
@@ -9877,7 +9760,7 @@
         <p:spPr>
           <a:xfrm>
             <a:off x="662940" y="585145"/>
-            <a:ext cx="4572000" cy="338514"/>
+            <a:ext cx="4572000" cy="338554"/>
           </a:xfrm>
           <a:prstGeom prst="rect">
             <a:avLst/>
@@ -9893,6 +9776,18 @@
           </a:bodyPr>
           <a:lstStyle/>
           <a:p>
+            <a:pPr marL="0" marR="0" lvl="0" indent="0" algn="l" rtl="0">
+              <a:lnSpc>
+                <a:spcPct val="100000"/>
+              </a:lnSpc>
+              <a:spcBef>
+                <a:spcPts val="0"/>
+              </a:spcBef>
+              <a:spcAft>
+                <a:spcPts val="0"/>
+              </a:spcAft>
+              <a:buNone/>
+            </a:pPr>
             <a:r>
               <a:rPr lang="es-ES" sz="1600" b="1" i="0" u="none" strike="noStrike" cap="none" dirty="0">
                 <a:solidFill>
@@ -9903,31 +9798,7 @@
                 <a:cs typeface="Helvetica Neue Light"/>
                 <a:sym typeface="Helvetica Neue Light"/>
               </a:rPr>
-              <a:t>Análisis exploratorio </a:t>
-            </a:r>
-            <a:r>
-              <a:rPr lang="es-ES" sz="1600" b="1" i="0" u="none" strike="noStrike" cap="none" dirty="0">
-                <a:solidFill>
-                  <a:srgbClr val="FFC000"/>
-                </a:solidFill>
-                <a:latin typeface="Helvetica Neue Light"/>
-                <a:ea typeface="Helvetica Neue Light"/>
-                <a:cs typeface="Helvetica Neue Light"/>
-                <a:sym typeface="Helvetica Neue Light"/>
-              </a:rPr>
-              <a:t>|</a:t>
-            </a:r>
-            <a:r>
-              <a:rPr lang="es-ES" sz="1600" b="1" i="0" u="none" strike="noStrike" cap="none" dirty="0">
-                <a:solidFill>
-                  <a:srgbClr val="000000"/>
-                </a:solidFill>
-                <a:latin typeface="Helvetica Neue Light"/>
-                <a:ea typeface="Helvetica Neue Light"/>
-                <a:cs typeface="Helvetica Neue Light"/>
-                <a:sym typeface="Helvetica Neue Light"/>
-              </a:rPr>
-              <a:t> Visualizaciones</a:t>
+              <a:t>Modelado</a:t>
             </a:r>
             <a:endParaRPr sz="1600" b="1" i="0" u="none" strike="noStrike" cap="none" dirty="0">
               <a:solidFill>
@@ -9941,40 +9812,187 @@
           </a:p>
         </p:txBody>
       </p:sp>
-      <p:pic>
-        <p:nvPicPr>
-          <p:cNvPr id="14" name="Picture 13">
+      <p:sp>
+        <p:nvSpPr>
+          <p:cNvPr id="2" name="Google Shape;26;p6">
             <a:extLst>
               <a:ext uri="{FF2B5EF4-FFF2-40B4-BE49-F238E27FC236}">
-                <a16:creationId xmlns:a16="http://schemas.microsoft.com/office/drawing/2014/main" id="{1DE490F0-20D8-18D2-2CD9-B9D61B107A94}"/>
+                <a16:creationId xmlns:a16="http://schemas.microsoft.com/office/drawing/2014/main" id="{760DE103-6E6E-8BC0-9DF6-7993C9336394}"/>
               </a:ext>
             </a:extLst>
           </p:cNvPr>
-          <p:cNvPicPr>
-            <a:picLocks noChangeAspect="1"/>
-          </p:cNvPicPr>
+          <p:cNvSpPr txBox="1"/>
           <p:nvPr/>
-        </p:nvPicPr>
-        <p:blipFill>
-          <a:blip r:embed="rId3"/>
-          <a:stretch>
-            <a:fillRect/>
-          </a:stretch>
-        </p:blipFill>
-        <p:spPr>
-          <a:xfrm>
-            <a:off x="1762972" y="1182882"/>
-            <a:ext cx="5925119" cy="3375473"/>
+        </p:nvSpPr>
+        <p:spPr>
+          <a:xfrm>
+            <a:off x="670314" y="923699"/>
+            <a:ext cx="8016240" cy="3054672"/>
           </a:xfrm>
           <a:prstGeom prst="rect">
             <a:avLst/>
           </a:prstGeom>
-        </p:spPr>
-      </p:pic>
+          <a:noFill/>
+          <a:ln>
+            <a:noFill/>
+          </a:ln>
+        </p:spPr>
+        <p:txBody>
+          <a:bodyPr spcFirstLastPara="1" wrap="square" lIns="0" tIns="22850" rIns="0" bIns="0" anchor="t" anchorCtr="0">
+            <a:spAutoFit/>
+          </a:bodyPr>
+          <a:lstStyle/>
+          <a:p>
+            <a:pPr marL="9525" marR="58579" algn="just">
+              <a:lnSpc>
+                <a:spcPct val="200000"/>
+              </a:lnSpc>
+              <a:spcBef>
+                <a:spcPts val="180"/>
+              </a:spcBef>
+            </a:pPr>
+            <a:r>
+              <a:rPr lang="es-MX" sz="1600" b="1" dirty="0">
+                <a:latin typeface="Helvetica Neue Light"/>
+              </a:rPr>
+              <a:t>Word Embeddings con Word2Vec:</a:t>
+            </a:r>
+          </a:p>
+          <a:p>
+            <a:pPr marL="238125" marR="58579" indent="-228600" algn="just">
+              <a:lnSpc>
+                <a:spcPct val="200000"/>
+              </a:lnSpc>
+              <a:spcBef>
+                <a:spcPts val="180"/>
+              </a:spcBef>
+              <a:buFont typeface="+mj-lt"/>
+              <a:buAutoNum type="arabicPeriod" startAt="2"/>
+            </a:pPr>
+            <a:r>
+              <a:rPr lang="es-MX" sz="1200" b="1" dirty="0">
+                <a:latin typeface="Helvetica Neue Light"/>
+              </a:rPr>
+              <a:t>O</a:t>
+            </a:r>
+            <a:r>
+              <a:rPr lang="es-UY" sz="1200" b="1" dirty="0">
+                <a:latin typeface="Helvetica Neue Light"/>
+              </a:rPr>
+              <a:t>peraciones Post-Entrenamiento</a:t>
+            </a:r>
+            <a:r>
+              <a:rPr lang="es-MX" sz="1200" b="1" dirty="0">
+                <a:latin typeface="Helvetica Neue Light"/>
+              </a:rPr>
+              <a:t>:</a:t>
+            </a:r>
+          </a:p>
+          <a:p>
+            <a:pPr marL="742950" lvl="1" indent="-285750">
+              <a:buFont typeface="Arial" panose="020B0604020202020204" pitchFamily="34" charset="0"/>
+              <a:buChar char="•"/>
+            </a:pPr>
+            <a:r>
+              <a:rPr lang="es-MX" dirty="0">
+                <a:solidFill>
+                  <a:srgbClr val="0D0D0D"/>
+                </a:solidFill>
+                <a:highlight>
+                  <a:srgbClr val="FFFFFF"/>
+                </a:highlight>
+                <a:latin typeface="ui-sans-serif"/>
+              </a:rPr>
+              <a:t>Guardado y Carga: Modelo guardado como w2v_sg_model.pkl para reutilización futura sin reentrenamiento.</a:t>
+            </a:r>
+          </a:p>
+          <a:p>
+            <a:pPr marL="742950" lvl="1" indent="-285750">
+              <a:buFont typeface="Arial" panose="020B0604020202020204" pitchFamily="34" charset="0"/>
+              <a:buChar char="•"/>
+            </a:pPr>
+            <a:r>
+              <a:rPr lang="es-MX" dirty="0">
+                <a:solidFill>
+                  <a:srgbClr val="0D0D0D"/>
+                </a:solidFill>
+                <a:highlight>
+                  <a:srgbClr val="FFFFFF"/>
+                </a:highlight>
+                <a:latin typeface="ui-sans-serif"/>
+              </a:rPr>
+              <a:t>Validación: Función print_sim_words para mostrar palabras semánticamente similares y validar la efectividad del modelo.</a:t>
+            </a:r>
+          </a:p>
+          <a:p>
+            <a:pPr marL="742950" lvl="1" indent="-285750">
+              <a:buFont typeface="Arial" panose="020B0604020202020204" pitchFamily="34" charset="0"/>
+              <a:buChar char="•"/>
+            </a:pPr>
+            <a:endParaRPr lang="es-MX" dirty="0">
+              <a:solidFill>
+                <a:srgbClr val="0D0D0D"/>
+              </a:solidFill>
+              <a:highlight>
+                <a:srgbClr val="FFFFFF"/>
+              </a:highlight>
+              <a:latin typeface="ui-sans-serif"/>
+            </a:endParaRPr>
+          </a:p>
+          <a:p>
+            <a:pPr marL="238125" marR="58579" indent="-228600" algn="just">
+              <a:lnSpc>
+                <a:spcPct val="200000"/>
+              </a:lnSpc>
+              <a:spcBef>
+                <a:spcPts val="180"/>
+              </a:spcBef>
+              <a:buFont typeface="+mj-lt"/>
+              <a:buAutoNum type="arabicPeriod" startAt="2"/>
+            </a:pPr>
+            <a:r>
+              <a:rPr lang="es-MX" sz="1200" b="1" dirty="0">
+                <a:latin typeface="Helvetica Neue Light"/>
+              </a:rPr>
+              <a:t>Visualización de Embeddings:</a:t>
+            </a:r>
+          </a:p>
+          <a:p>
+            <a:pPr marL="742950" lvl="1" indent="-285750">
+              <a:buFont typeface="Arial" panose="020B0604020202020204" pitchFamily="34" charset="0"/>
+              <a:buChar char="•"/>
+            </a:pPr>
+            <a:r>
+              <a:rPr lang="es-MX" dirty="0">
+                <a:solidFill>
+                  <a:srgbClr val="0D0D0D"/>
+                </a:solidFill>
+                <a:highlight>
+                  <a:srgbClr val="FFFFFF"/>
+                </a:highlight>
+                <a:latin typeface="ui-sans-serif"/>
+              </a:rPr>
+              <a:t>Representación en 2D: Gráfica que muestra la agrupación semántica de palabras clave y sus similares para una interpretación visual clara de la semántica.</a:t>
+            </a:r>
+          </a:p>
+          <a:p>
+            <a:pPr marL="457200" lvl="1"/>
+            <a:endParaRPr lang="es-MX" dirty="0">
+              <a:solidFill>
+                <a:srgbClr val="0D0D0D"/>
+              </a:solidFill>
+              <a:highlight>
+                <a:srgbClr val="FFFFFF"/>
+              </a:highlight>
+              <a:latin typeface="ui-sans-serif"/>
+            </a:endParaRPr>
+          </a:p>
+        </p:txBody>
+      </p:sp>
     </p:spTree>
     <p:extLst>
       <p:ext uri="{BB962C8B-B14F-4D97-AF65-F5344CB8AC3E}">
-        <p14:creationId xmlns:p14="http://schemas.microsoft.com/office/powerpoint/2010/main" val="3739564209"/>
+        <p14:creationId xmlns:p14="http://schemas.microsoft.com/office/powerpoint/2010/main" val="475667956"/>
       </p:ext>
     </p:extLst>
   </p:cSld>
@@ -10003,74 +10021,13 @@
       </p:grpSpPr>
       <p:sp>
         <p:nvSpPr>
-          <p:cNvPr id="25" name="Google Shape;25;p6"/>
-          <p:cNvSpPr txBox="1"/>
-          <p:nvPr/>
-        </p:nvSpPr>
-        <p:spPr>
-          <a:xfrm>
-            <a:off x="1733475" y="375472"/>
-            <a:ext cx="4502944" cy="378950"/>
-          </a:xfrm>
-          <a:prstGeom prst="rect">
-            <a:avLst/>
-          </a:prstGeom>
-          <a:noFill/>
-          <a:ln>
-            <a:noFill/>
-          </a:ln>
-        </p:spPr>
-        <p:txBody>
-          <a:bodyPr spcFirstLastPara="1" wrap="square" lIns="0" tIns="9525" rIns="0" bIns="0" anchor="t" anchorCtr="0">
-            <a:spAutoFit/>
-          </a:bodyPr>
-          <a:lstStyle/>
-          <a:p>
-            <a:pPr marL="9525" marR="0" lvl="0" indent="0" algn="l" rtl="0">
-              <a:lnSpc>
-                <a:spcPct val="100000"/>
-              </a:lnSpc>
-              <a:spcBef>
-                <a:spcPts val="0"/>
-              </a:spcBef>
-              <a:spcAft>
-                <a:spcPts val="0"/>
-              </a:spcAft>
-              <a:buNone/>
-            </a:pPr>
-            <a:r>
-              <a:rPr lang="es-ES" sz="2400" b="0" i="0" u="none" strike="noStrike" cap="none">
-                <a:solidFill>
-                  <a:srgbClr val="FFFFFF"/>
-                </a:solidFill>
-                <a:latin typeface="Verdana"/>
-                <a:ea typeface="Verdana"/>
-                <a:cs typeface="Verdana"/>
-                <a:sym typeface="Verdana"/>
-              </a:rPr>
-              <a:t>PMI (Project Management Institute)</a:t>
-            </a:r>
-            <a:endParaRPr sz="2400" b="0" i="0" u="none" strike="noStrike" cap="none">
-              <a:solidFill>
-                <a:srgbClr val="000000"/>
-              </a:solidFill>
-              <a:latin typeface="Verdana"/>
-              <a:ea typeface="Verdana"/>
-              <a:cs typeface="Verdana"/>
-              <a:sym typeface="Verdana"/>
-            </a:endParaRPr>
-          </a:p>
-        </p:txBody>
-      </p:sp>
-      <p:sp>
-        <p:nvSpPr>
           <p:cNvPr id="27" name="Google Shape;27;p6"/>
           <p:cNvSpPr txBox="1"/>
           <p:nvPr/>
         </p:nvSpPr>
         <p:spPr>
           <a:xfrm>
-            <a:off x="662940" y="585145"/>
+            <a:off x="670313" y="407229"/>
             <a:ext cx="4572000" cy="338554"/>
           </a:xfrm>
           <a:prstGeom prst="rect">
@@ -10137,8 +10094,8 @@
         </p:nvSpPr>
         <p:spPr>
           <a:xfrm>
-            <a:off x="670314" y="923699"/>
-            <a:ext cx="8016240" cy="4126761"/>
+            <a:off x="545623" y="745783"/>
+            <a:ext cx="8377821" cy="3812572"/>
           </a:xfrm>
           <a:prstGeom prst="rect">
             <a:avLst/>
@@ -10154,206 +10111,347 @@
           </a:bodyPr>
           <a:lstStyle/>
           <a:p>
-            <a:pPr marL="9525" marR="58579" algn="just">
+            <a:pPr marR="58579" lvl="1" algn="just">
               <a:lnSpc>
-                <a:spcPct val="200000"/>
+                <a:spcPct val="150000"/>
               </a:lnSpc>
               <a:spcBef>
                 <a:spcPts val="180"/>
               </a:spcBef>
             </a:pPr>
             <a:r>
-              <a:rPr lang="es-MX" sz="1600" b="1" dirty="0">
+              <a:rPr lang="es-MX" sz="1050" dirty="0">
                 <a:latin typeface="Helvetica Neue Light"/>
               </a:rPr>
-              <a:t>Análisis de Cardinalidad y Balanceo de Datos:</a:t>
-            </a:r>
-          </a:p>
-          <a:p>
-            <a:pPr marL="742950" lvl="1" indent="-285750">
-              <a:buFont typeface="Arial" panose="020B0604020202020204" pitchFamily="34" charset="0"/>
-              <a:buChar char="•"/>
+              <a:t>Implementación de diferentes modelos de NLP.</a:t>
+            </a:r>
+          </a:p>
+          <a:p>
+            <a:pPr marR="58579" lvl="1" algn="just">
+              <a:lnSpc>
+                <a:spcPct val="150000"/>
+              </a:lnSpc>
+              <a:spcBef>
+                <a:spcPts val="180"/>
+              </a:spcBef>
             </a:pPr>
             <a:r>
-              <a:rPr lang="es-MX" dirty="0">
-                <a:solidFill>
-                  <a:srgbClr val="0D0D0D"/>
-                </a:solidFill>
-                <a:highlight>
-                  <a:srgbClr val="FFFFFF"/>
-                </a:highlight>
-                <a:latin typeface="ui-sans-serif"/>
-              </a:rPr>
-              <a:t>Utilización de funciones y gráficos para evaluar la diversidad y distribución de las clases en el dataset, asegurando un balance adecuado para un análisis efectivo.</a:t>
-            </a:r>
-          </a:p>
-          <a:p>
-            <a:pPr marL="9525" marR="58579" algn="just">
+              <a:rPr lang="es-MX" sz="1050" dirty="0">
+                <a:latin typeface="Helvetica Neue Light"/>
+              </a:rPr>
+              <a:t>A. </a:t>
+            </a:r>
+            <a:r>
+              <a:rPr lang="es-MX" sz="1050" b="1" dirty="0">
+                <a:latin typeface="Helvetica Neue Light"/>
+              </a:rPr>
+              <a:t>Modelo de Regresión Logística (</a:t>
+            </a:r>
+            <a:r>
+              <a:rPr lang="es-MX" sz="1050" b="1" dirty="0" err="1">
+                <a:latin typeface="Helvetica Neue Light"/>
+              </a:rPr>
+              <a:t>Logistic</a:t>
+            </a:r>
+            <a:r>
+              <a:rPr lang="es-MX" sz="1050" b="1" dirty="0">
+                <a:latin typeface="Helvetica Neue Light"/>
+              </a:rPr>
+              <a:t> </a:t>
+            </a:r>
+            <a:r>
+              <a:rPr lang="es-MX" sz="1050" b="1" dirty="0" err="1">
+                <a:latin typeface="Helvetica Neue Light"/>
+              </a:rPr>
+              <a:t>Regression</a:t>
+            </a:r>
+            <a:r>
+              <a:rPr lang="es-MX" sz="1050" b="1" dirty="0">
+                <a:latin typeface="Helvetica Neue Light"/>
+              </a:rPr>
+              <a:t>)</a:t>
+            </a:r>
+            <a:r>
+              <a:rPr lang="es-MX" sz="1050" dirty="0">
+                <a:latin typeface="Helvetica Neue Light"/>
+              </a:rPr>
+              <a:t> El modelo de Regresión Logística se utiliza para la clasificación binaria. Calcula la probabilidad de que una observación pertenezca a una clase utilizando una función logística.</a:t>
+            </a:r>
+          </a:p>
+          <a:p>
+            <a:pPr marR="58579" lvl="1" algn="just">
               <a:lnSpc>
-                <a:spcPct val="200000"/>
+                <a:spcPct val="150000"/>
               </a:lnSpc>
               <a:spcBef>
                 <a:spcPts val="180"/>
               </a:spcBef>
             </a:pPr>
             <a:r>
-              <a:rPr lang="es-MX" sz="1600" b="1" dirty="0">
+              <a:rPr lang="es-MX" sz="1050" dirty="0">
                 <a:latin typeface="Helvetica Neue Light"/>
               </a:rPr>
-              <a:t>Ngramas y Nube de Palabras:</a:t>
-            </a:r>
-          </a:p>
-          <a:p>
-            <a:pPr marL="742950" lvl="1" indent="-285750">
-              <a:buFont typeface="Arial" panose="020B0604020202020204" pitchFamily="34" charset="0"/>
-              <a:buChar char="•"/>
+              <a:t>B. </a:t>
+            </a:r>
+            <a:r>
+              <a:rPr lang="es-MX" sz="1050" b="1" dirty="0">
+                <a:latin typeface="Helvetica Neue Light"/>
+              </a:rPr>
+              <a:t>Modelo de Clasificación </a:t>
+            </a:r>
+            <a:r>
+              <a:rPr lang="es-MX" sz="1050" b="1" dirty="0" err="1">
+                <a:latin typeface="Helvetica Neue Light"/>
+              </a:rPr>
+              <a:t>Gradient</a:t>
+            </a:r>
+            <a:r>
+              <a:rPr lang="es-MX" sz="1050" b="1" dirty="0">
+                <a:latin typeface="Helvetica Neue Light"/>
+              </a:rPr>
+              <a:t> </a:t>
+            </a:r>
+            <a:r>
+              <a:rPr lang="es-MX" sz="1050" b="1" dirty="0" err="1">
+                <a:latin typeface="Helvetica Neue Light"/>
+              </a:rPr>
+              <a:t>Boosting</a:t>
+            </a:r>
+            <a:r>
+              <a:rPr lang="es-MX" sz="1050" b="1" dirty="0">
+                <a:latin typeface="Helvetica Neue Light"/>
+              </a:rPr>
+              <a:t> </a:t>
+            </a:r>
+            <a:r>
+              <a:rPr lang="es-MX" sz="1050" dirty="0">
+                <a:latin typeface="Helvetica Neue Light"/>
+              </a:rPr>
+              <a:t>El modelo de Clasificación </a:t>
+            </a:r>
+            <a:r>
+              <a:rPr lang="es-MX" sz="1050" dirty="0" err="1">
+                <a:latin typeface="Helvetica Neue Light"/>
+              </a:rPr>
+              <a:t>Gradient</a:t>
+            </a:r>
+            <a:r>
+              <a:rPr lang="es-MX" sz="1050" dirty="0">
+                <a:latin typeface="Helvetica Neue Light"/>
+              </a:rPr>
+              <a:t> </a:t>
+            </a:r>
+            <a:r>
+              <a:rPr lang="es-MX" sz="1050" dirty="0" err="1">
+                <a:latin typeface="Helvetica Neue Light"/>
+              </a:rPr>
+              <a:t>Boosting</a:t>
+            </a:r>
+            <a:r>
+              <a:rPr lang="es-MX" sz="1050" dirty="0">
+                <a:latin typeface="Helvetica Neue Light"/>
+              </a:rPr>
+              <a:t> es un algoritmo de conjunto que combina múltiples árboles de decisión más débiles para construir un modelo predictivo más fuerte.</a:t>
+            </a:r>
+          </a:p>
+          <a:p>
+            <a:pPr marR="58579" lvl="1" algn="just">
+              <a:lnSpc>
+                <a:spcPct val="150000"/>
+              </a:lnSpc>
+              <a:spcBef>
+                <a:spcPts val="180"/>
+              </a:spcBef>
             </a:pPr>
             <a:r>
-              <a:rPr lang="es-MX" dirty="0">
-                <a:solidFill>
-                  <a:srgbClr val="0D0D0D"/>
-                </a:solidFill>
-                <a:highlight>
-                  <a:srgbClr val="FFFFFF"/>
-                </a:highlight>
-                <a:latin typeface="ui-sans-serif"/>
-              </a:rPr>
-              <a:t>Herramientas: Ngrams y Wordclouds.</a:t>
-            </a:r>
-          </a:p>
-          <a:p>
-            <a:pPr marL="742950" lvl="1" indent="-285750">
-              <a:buFont typeface="Arial" panose="020B0604020202020204" pitchFamily="34" charset="0"/>
-              <a:buChar char="•"/>
+              <a:rPr lang="es-MX" sz="1050" dirty="0">
+                <a:latin typeface="Helvetica Neue Light"/>
+              </a:rPr>
+              <a:t>C. </a:t>
+            </a:r>
+            <a:r>
+              <a:rPr lang="es-MX" sz="1050" b="1" dirty="0">
+                <a:latin typeface="Helvetica Neue Light"/>
+              </a:rPr>
+              <a:t>Modelo de Deep </a:t>
+            </a:r>
+            <a:r>
+              <a:rPr lang="es-MX" sz="1050" b="1" dirty="0" err="1">
+                <a:latin typeface="Helvetica Neue Light"/>
+              </a:rPr>
+              <a:t>Learning</a:t>
+            </a:r>
+            <a:r>
+              <a:rPr lang="es-MX" sz="1050" b="1" dirty="0">
+                <a:latin typeface="Helvetica Neue Light"/>
+              </a:rPr>
+              <a:t> RNN </a:t>
+            </a:r>
+            <a:r>
+              <a:rPr lang="es-MX" sz="1050" dirty="0">
+                <a:latin typeface="Helvetica Neue Light"/>
+              </a:rPr>
+              <a:t>El modelo utiliza una red neuronal recurrente LSTM para procesar secuencias de texto, seguido de una capa densa de salida con activación sigmoide para clasificación binaria, y se compila con la función de pérdida de entropía cruzada binaria y el optimizador Adam.</a:t>
+            </a:r>
+          </a:p>
+          <a:p>
+            <a:pPr marR="58579" lvl="1" algn="just">
+              <a:lnSpc>
+                <a:spcPct val="150000"/>
+              </a:lnSpc>
+              <a:spcBef>
+                <a:spcPts val="180"/>
+              </a:spcBef>
             </a:pPr>
             <a:r>
-              <a:rPr lang="es-MX" dirty="0">
-                <a:solidFill>
-                  <a:srgbClr val="0D0D0D"/>
-                </a:solidFill>
-                <a:highlight>
-                  <a:srgbClr val="FFFFFF"/>
-                </a:highlight>
-                <a:latin typeface="ui-sans-serif"/>
-              </a:rPr>
-              <a:t>Objetivos: Identificar patrones de palabras y frases clave, verificar la calidad de la data para iteraciones de preprocesamiento, y facilitar la comprensión de los temas predominantes.</a:t>
-            </a:r>
-          </a:p>
-          <a:p>
-            <a:pPr marL="9525" marR="58579" algn="just">
+              <a:rPr lang="es-MX" sz="1050" dirty="0">
+                <a:latin typeface="Helvetica Neue Light"/>
+              </a:rPr>
+              <a:t>D. </a:t>
+            </a:r>
+            <a:r>
+              <a:rPr lang="es-MX" sz="1050" b="1" dirty="0">
+                <a:latin typeface="Helvetica Neue Light"/>
+              </a:rPr>
+              <a:t>Modelo de Regresión Logística TF-IDF: </a:t>
+            </a:r>
+            <a:r>
+              <a:rPr lang="es-MX" sz="1050" dirty="0">
+                <a:latin typeface="Helvetica Neue Light"/>
+              </a:rPr>
+              <a:t>En este caso, implementaremos la técnica de TF-IDF (</a:t>
+            </a:r>
+            <a:r>
+              <a:rPr lang="es-MX" sz="1050" dirty="0" err="1">
+                <a:latin typeface="Helvetica Neue Light"/>
+              </a:rPr>
+              <a:t>Term</a:t>
+            </a:r>
+            <a:r>
+              <a:rPr lang="es-MX" sz="1050" dirty="0">
+                <a:latin typeface="Helvetica Neue Light"/>
+              </a:rPr>
+              <a:t> </a:t>
+            </a:r>
+            <a:r>
+              <a:rPr lang="es-MX" sz="1050" dirty="0" err="1">
+                <a:latin typeface="Helvetica Neue Light"/>
+              </a:rPr>
+              <a:t>Frequency</a:t>
+            </a:r>
+            <a:r>
+              <a:rPr lang="es-MX" sz="1050" dirty="0">
+                <a:latin typeface="Helvetica Neue Light"/>
+              </a:rPr>
+              <a:t>-Inverse </a:t>
+            </a:r>
+            <a:r>
+              <a:rPr lang="es-MX" sz="1050" dirty="0" err="1">
+                <a:latin typeface="Helvetica Neue Light"/>
+              </a:rPr>
+              <a:t>Document</a:t>
+            </a:r>
+            <a:r>
+              <a:rPr lang="es-MX" sz="1050" dirty="0">
+                <a:latin typeface="Helvetica Neue Light"/>
+              </a:rPr>
+              <a:t> </a:t>
+            </a:r>
+            <a:r>
+              <a:rPr lang="es-MX" sz="1050" dirty="0" err="1">
+                <a:latin typeface="Helvetica Neue Light"/>
+              </a:rPr>
+              <a:t>Frequency</a:t>
+            </a:r>
+            <a:r>
+              <a:rPr lang="es-MX" sz="1050" dirty="0">
+                <a:latin typeface="Helvetica Neue Light"/>
+              </a:rPr>
+              <a:t>) en el modelo de regresión logística. TF-IDF asigna pesos a palabras según su frecuencia en un documento y su rareza en el conjunto de documentos, destacando términos importantes en el análisis de texto.</a:t>
+            </a:r>
+          </a:p>
+          <a:p>
+            <a:pPr marR="58579" lvl="1" algn="just">
               <a:lnSpc>
-                <a:spcPct val="200000"/>
+                <a:spcPct val="150000"/>
               </a:lnSpc>
               <a:spcBef>
                 <a:spcPts val="180"/>
               </a:spcBef>
             </a:pPr>
             <a:r>
-              <a:rPr lang="es-MX" sz="1600" b="1" dirty="0">
+              <a:rPr lang="es-MX" sz="1050" dirty="0">
                 <a:latin typeface="Helvetica Neue Light"/>
               </a:rPr>
-              <a:t>Word Embeddings con Word2Vec:</a:t>
-            </a:r>
-          </a:p>
-          <a:p>
-            <a:pPr marL="238125" marR="58579" indent="-228600" algn="just">
-              <a:lnSpc>
-                <a:spcPct val="200000"/>
-              </a:lnSpc>
-              <a:spcBef>
-                <a:spcPts val="180"/>
-              </a:spcBef>
-              <a:buFont typeface="+mj-lt"/>
-              <a:buAutoNum type="arabicPeriod"/>
-            </a:pPr>
-            <a:r>
-              <a:rPr lang="es-MX" sz="1200" b="1" dirty="0">
+              <a:t>E. </a:t>
+            </a:r>
+            <a:r>
+              <a:rPr lang="es-MX" sz="1050" b="1" dirty="0">
                 <a:latin typeface="Helvetica Neue Light"/>
               </a:rPr>
-              <a:t>Inicialización y Entrenamiento:</a:t>
-            </a:r>
-          </a:p>
-          <a:p>
-            <a:pPr marL="742950" lvl="1" indent="-285750">
-              <a:buFont typeface="Arial" panose="020B0604020202020204" pitchFamily="34" charset="0"/>
-              <a:buChar char="•"/>
-            </a:pPr>
-            <a:r>
-              <a:rPr lang="es-MX" dirty="0">
-                <a:solidFill>
-                  <a:srgbClr val="0D0D0D"/>
-                </a:solidFill>
-                <a:highlight>
-                  <a:srgbClr val="FFFFFF"/>
-                </a:highlight>
-                <a:latin typeface="ui-sans-serif"/>
-              </a:rPr>
-              <a:t>Definición de Parámetros: Tamaño de vector, contexto de ventana, frecuencia mínima de palabras.</a:t>
-            </a:r>
-          </a:p>
-          <a:p>
-            <a:pPr marL="742950" lvl="1" indent="-285750">
-              <a:buFont typeface="Arial" panose="020B0604020202020204" pitchFamily="34" charset="0"/>
-              <a:buChar char="•"/>
-            </a:pPr>
-            <a:r>
-              <a:rPr lang="es-MX" dirty="0">
-                <a:solidFill>
-                  <a:srgbClr val="0D0D0D"/>
-                </a:solidFill>
-                <a:highlight>
-                  <a:srgbClr val="FFFFFF"/>
-                </a:highlight>
-                <a:latin typeface="ui-sans-serif"/>
-              </a:rPr>
-              <a:t>Construcción del Vocabulario: A partir de un corpus preprocesado y </a:t>
-            </a:r>
-            <a:r>
-              <a:rPr lang="es-MX" dirty="0" err="1">
-                <a:solidFill>
-                  <a:srgbClr val="0D0D0D"/>
-                </a:solidFill>
-                <a:highlight>
-                  <a:srgbClr val="FFFFFF"/>
-                </a:highlight>
-                <a:latin typeface="ui-sans-serif"/>
-              </a:rPr>
-              <a:t>tokenizado</a:t>
-            </a:r>
-            <a:r>
-              <a:rPr lang="es-MX" dirty="0">
-                <a:solidFill>
-                  <a:srgbClr val="0D0D0D"/>
-                </a:solidFill>
-                <a:highlight>
-                  <a:srgbClr val="FFFFFF"/>
-                </a:highlight>
-                <a:latin typeface="ui-sans-serif"/>
-              </a:rPr>
-              <a:t>.</a:t>
-            </a:r>
-          </a:p>
-          <a:p>
-            <a:pPr marL="742950" lvl="1" indent="-285750">
-              <a:buFont typeface="Arial" panose="020B0604020202020204" pitchFamily="34" charset="0"/>
-              <a:buChar char="•"/>
-            </a:pPr>
-            <a:r>
-              <a:rPr lang="es-MX" dirty="0">
-                <a:solidFill>
-                  <a:srgbClr val="0D0D0D"/>
-                </a:solidFill>
-                <a:highlight>
-                  <a:srgbClr val="FFFFFF"/>
-                </a:highlight>
-                <a:latin typeface="ui-sans-serif"/>
-              </a:rPr>
-              <a:t>Entrenamiento del Modelo: Realizado durante 10 épocas para optimizar la representación vectorial del texto.</a:t>
-            </a:r>
-          </a:p>
-          <a:p>
-            <a:pPr marL="457200" lvl="1"/>
-            <a:endParaRPr lang="es-MX" dirty="0">
+              <a:t>Modelo Basado en BERT </a:t>
+            </a:r>
+            <a:r>
+              <a:rPr lang="es-MX" sz="1050" dirty="0" err="1">
+                <a:latin typeface="Helvetica Neue Light"/>
+              </a:rPr>
+              <a:t>Bidirectional</a:t>
+            </a:r>
+            <a:r>
+              <a:rPr lang="es-MX" sz="1050" dirty="0">
+                <a:latin typeface="Helvetica Neue Light"/>
+              </a:rPr>
+              <a:t> </a:t>
+            </a:r>
+            <a:r>
+              <a:rPr lang="es-MX" sz="1050" dirty="0" err="1">
+                <a:latin typeface="Helvetica Neue Light"/>
+              </a:rPr>
+              <a:t>Encoder</a:t>
+            </a:r>
+            <a:r>
+              <a:rPr lang="es-MX" sz="1050" dirty="0">
+                <a:latin typeface="Helvetica Neue Light"/>
+              </a:rPr>
+              <a:t> </a:t>
+            </a:r>
+            <a:r>
+              <a:rPr lang="es-MX" sz="1050" dirty="0" err="1">
+                <a:latin typeface="Helvetica Neue Light"/>
+              </a:rPr>
+              <a:t>Representations</a:t>
+            </a:r>
+            <a:r>
+              <a:rPr lang="es-MX" sz="1050" dirty="0">
+                <a:latin typeface="Helvetica Neue Light"/>
+              </a:rPr>
+              <a:t> </a:t>
+            </a:r>
+            <a:r>
+              <a:rPr lang="es-MX" sz="1050" dirty="0" err="1">
+                <a:latin typeface="Helvetica Neue Light"/>
+              </a:rPr>
+              <a:t>from</a:t>
+            </a:r>
+            <a:r>
+              <a:rPr lang="es-MX" sz="1050" dirty="0">
+                <a:latin typeface="Helvetica Neue Light"/>
+              </a:rPr>
+              <a:t> Transformers (BERT) es un modelo de lenguaje basado en transformadores que </a:t>
+            </a:r>
+            <a:r>
+              <a:rPr lang="es-MX" sz="1050" dirty="0" err="1">
+                <a:latin typeface="Helvetica Neue Light"/>
+              </a:rPr>
+              <a:t>preentrena</a:t>
+            </a:r>
+            <a:r>
+              <a:rPr lang="es-MX" sz="1050" dirty="0">
+                <a:latin typeface="Helvetica Neue Light"/>
+              </a:rPr>
+              <a:t> representaciones de texto bidireccionales para comprender mejor el contexto de las palabras en una oración. Este modelo es especialmente interesante para nosotros, dado el alto nivel técnico de las sentencias de la corte, ya que su tipo de análisis podría generar una representación más fiable del caso de estudio.</a:t>
+            </a:r>
+            <a:endParaRPr lang="es-MX" sz="1050" dirty="0">
               <a:solidFill>
                 <a:srgbClr val="0D0D0D"/>
               </a:solidFill>
@@ -10368,7 +10466,7 @@
     </p:spTree>
     <p:extLst>
       <p:ext uri="{BB962C8B-B14F-4D97-AF65-F5344CB8AC3E}">
-        <p14:creationId xmlns:p14="http://schemas.microsoft.com/office/powerpoint/2010/main" val="2574155853"/>
+        <p14:creationId xmlns:p14="http://schemas.microsoft.com/office/powerpoint/2010/main" val="1686361473"/>
       </p:ext>
     </p:extLst>
   </p:cSld>
@@ -10397,14 +10495,14 @@
       </p:grpSpPr>
       <p:sp>
         <p:nvSpPr>
-          <p:cNvPr id="25" name="Google Shape;25;p6"/>
+          <p:cNvPr id="26" name="Google Shape;26;p6"/>
           <p:cNvSpPr txBox="1"/>
           <p:nvPr/>
         </p:nvSpPr>
         <p:spPr>
           <a:xfrm>
-            <a:off x="1733475" y="375472"/>
-            <a:ext cx="4502944" cy="378950"/>
+            <a:off x="662940" y="1519444"/>
+            <a:ext cx="8016240" cy="1638900"/>
           </a:xfrm>
           <a:prstGeom prst="rect">
             <a:avLst/>
@@ -10415,14 +10513,14 @@
           </a:ln>
         </p:spPr>
         <p:txBody>
-          <a:bodyPr spcFirstLastPara="1" wrap="square" lIns="0" tIns="9525" rIns="0" bIns="0" anchor="t" anchorCtr="0">
+          <a:bodyPr spcFirstLastPara="1" wrap="square" lIns="0" tIns="22850" rIns="0" bIns="0" anchor="t" anchorCtr="0">
             <a:spAutoFit/>
           </a:bodyPr>
           <a:lstStyle/>
           <a:p>
-            <a:pPr marL="9525" marR="0" lvl="0" indent="0" algn="l" rtl="0">
+            <a:pPr marL="9525" marR="58579" lvl="0" indent="0" algn="just" rtl="0">
               <a:lnSpc>
-                <a:spcPct val="100000"/>
+                <a:spcPct val="150000"/>
               </a:lnSpc>
               <a:spcBef>
                 <a:spcPts val="0"/>
@@ -10433,26 +10531,25 @@
               <a:buNone/>
             </a:pPr>
             <a:r>
-              <a:rPr lang="es-ES" sz="2400" b="0" i="0" u="none" strike="noStrike" cap="none">
-                <a:solidFill>
-                  <a:srgbClr val="FFFFFF"/>
-                </a:solidFill>
-                <a:latin typeface="Verdana"/>
-                <a:ea typeface="Verdana"/>
-                <a:cs typeface="Verdana"/>
-                <a:sym typeface="Verdana"/>
-              </a:rPr>
-              <a:t>PMI (Project Management Institute)</a:t>
-            </a:r>
-            <a:endParaRPr sz="2400" b="0" i="0" u="none" strike="noStrike" cap="none">
-              <a:solidFill>
-                <a:srgbClr val="000000"/>
-              </a:solidFill>
-              <a:latin typeface="Verdana"/>
-              <a:ea typeface="Verdana"/>
-              <a:cs typeface="Verdana"/>
-              <a:sym typeface="Verdana"/>
-            </a:endParaRPr>
+              <a:rPr lang="es-MX" dirty="0"/>
+              <a:t>Conjunto al modelo BERT que usamos para clasificación de secuencias en un conjunto de datos judiciales, pudimos hacer el montaje de un modelo de </a:t>
+            </a:r>
+            <a:r>
+              <a:rPr lang="es-MX" dirty="0" err="1"/>
+              <a:t>Question</a:t>
+            </a:r>
+            <a:r>
+              <a:rPr lang="es-MX" dirty="0"/>
+              <a:t> &amp; </a:t>
+            </a:r>
+            <a:r>
+              <a:rPr lang="es-MX" dirty="0" err="1"/>
+              <a:t>Answering</a:t>
+            </a:r>
+            <a:r>
+              <a:rPr lang="es-MX" dirty="0"/>
+              <a:t> (Q&amp;A) para responder preguntas específicas relacionadas con las opiniones consultivas de la Corte Internacional de Justicia (CIJ). Los resultados fueron satisfactorios para todos nosotros puesto que cumplimos con nuestro objetivo principal</a:t>
+            </a:r>
           </a:p>
         </p:txBody>
       </p:sp>
@@ -10503,7 +10600,7 @@
                 <a:cs typeface="Helvetica Neue Light"/>
                 <a:sym typeface="Helvetica Neue Light"/>
               </a:rPr>
-              <a:t>Modelado</a:t>
+              <a:t>Informe</a:t>
             </a:r>
             <a:endParaRPr sz="1600" b="1" i="0" u="none" strike="noStrike" cap="none" dirty="0">
               <a:solidFill>
@@ -10517,211 +10614,10 @@
           </a:p>
         </p:txBody>
       </p:sp>
-      <p:sp>
-        <p:nvSpPr>
-          <p:cNvPr id="2" name="Google Shape;26;p6">
-            <a:extLst>
-              <a:ext uri="{FF2B5EF4-FFF2-40B4-BE49-F238E27FC236}">
-                <a16:creationId xmlns:a16="http://schemas.microsoft.com/office/drawing/2014/main" id="{760DE103-6E6E-8BC0-9DF6-7993C9336394}"/>
-              </a:ext>
-            </a:extLst>
-          </p:cNvPr>
-          <p:cNvSpPr txBox="1"/>
-          <p:nvPr/>
-        </p:nvSpPr>
-        <p:spPr>
-          <a:xfrm>
-            <a:off x="670314" y="923699"/>
-            <a:ext cx="8016240" cy="3054672"/>
-          </a:xfrm>
-          <a:prstGeom prst="rect">
-            <a:avLst/>
-          </a:prstGeom>
-          <a:noFill/>
-          <a:ln>
-            <a:noFill/>
-          </a:ln>
-        </p:spPr>
-        <p:txBody>
-          <a:bodyPr spcFirstLastPara="1" wrap="square" lIns="0" tIns="22850" rIns="0" bIns="0" anchor="t" anchorCtr="0">
-            <a:spAutoFit/>
-          </a:bodyPr>
-          <a:lstStyle/>
-          <a:p>
-            <a:pPr marL="9525" marR="58579" algn="just">
-              <a:lnSpc>
-                <a:spcPct val="200000"/>
-              </a:lnSpc>
-              <a:spcBef>
-                <a:spcPts val="180"/>
-              </a:spcBef>
-            </a:pPr>
-            <a:r>
-              <a:rPr lang="es-MX" sz="1600" b="1" dirty="0">
-                <a:latin typeface="Helvetica Neue Light"/>
-              </a:rPr>
-              <a:t>Word Embeddings con Word2Vec:</a:t>
-            </a:r>
-          </a:p>
-          <a:p>
-            <a:pPr marL="238125" marR="58579" indent="-228600" algn="just">
-              <a:lnSpc>
-                <a:spcPct val="200000"/>
-              </a:lnSpc>
-              <a:spcBef>
-                <a:spcPts val="180"/>
-              </a:spcBef>
-              <a:buFont typeface="+mj-lt"/>
-              <a:buAutoNum type="arabicPeriod" startAt="2"/>
-            </a:pPr>
-            <a:r>
-              <a:rPr lang="es-MX" sz="1200" b="1" dirty="0">
-                <a:latin typeface="Helvetica Neue Light"/>
-              </a:rPr>
-              <a:t>O</a:t>
-            </a:r>
-            <a:r>
-              <a:rPr lang="es-UY" sz="1200" b="1" dirty="0">
-                <a:latin typeface="Helvetica Neue Light"/>
-              </a:rPr>
-              <a:t>peraciones Post-Entrenamiento</a:t>
-            </a:r>
-            <a:r>
-              <a:rPr lang="es-MX" sz="1200" b="1" dirty="0">
-                <a:latin typeface="Helvetica Neue Light"/>
-              </a:rPr>
-              <a:t>:</a:t>
-            </a:r>
-          </a:p>
-          <a:p>
-            <a:pPr marL="742950" lvl="1" indent="-285750">
-              <a:buFont typeface="Arial" panose="020B0604020202020204" pitchFamily="34" charset="0"/>
-              <a:buChar char="•"/>
-            </a:pPr>
-            <a:r>
-              <a:rPr lang="es-MX" dirty="0">
-                <a:solidFill>
-                  <a:srgbClr val="0D0D0D"/>
-                </a:solidFill>
-                <a:highlight>
-                  <a:srgbClr val="FFFFFF"/>
-                </a:highlight>
-                <a:latin typeface="ui-sans-serif"/>
-              </a:rPr>
-              <a:t>Guardado y Carga: Modelo guardado como w2v_sg_model.pkl para reutilización futura sin reentrenamiento.</a:t>
-            </a:r>
-          </a:p>
-          <a:p>
-            <a:pPr marL="742950" lvl="1" indent="-285750">
-              <a:buFont typeface="Arial" panose="020B0604020202020204" pitchFamily="34" charset="0"/>
-              <a:buChar char="•"/>
-            </a:pPr>
-            <a:r>
-              <a:rPr lang="es-MX" dirty="0">
-                <a:solidFill>
-                  <a:srgbClr val="0D0D0D"/>
-                </a:solidFill>
-                <a:highlight>
-                  <a:srgbClr val="FFFFFF"/>
-                </a:highlight>
-                <a:latin typeface="ui-sans-serif"/>
-              </a:rPr>
-              <a:t>Validación: Función </a:t>
-            </a:r>
-            <a:r>
-              <a:rPr lang="es-MX" dirty="0" err="1">
-                <a:solidFill>
-                  <a:srgbClr val="0D0D0D"/>
-                </a:solidFill>
-                <a:highlight>
-                  <a:srgbClr val="FFFFFF"/>
-                </a:highlight>
-                <a:latin typeface="ui-sans-serif"/>
-              </a:rPr>
-              <a:t>print_sim_words</a:t>
-            </a:r>
-            <a:r>
-              <a:rPr lang="es-MX" dirty="0">
-                <a:solidFill>
-                  <a:srgbClr val="0D0D0D"/>
-                </a:solidFill>
-                <a:highlight>
-                  <a:srgbClr val="FFFFFF"/>
-                </a:highlight>
-                <a:latin typeface="ui-sans-serif"/>
-              </a:rPr>
-              <a:t> para mostrar palabras semánticamente similares y validar la efectividad del modelo.</a:t>
-            </a:r>
-          </a:p>
-          <a:p>
-            <a:pPr marL="742950" lvl="1" indent="-285750">
-              <a:buFont typeface="Arial" panose="020B0604020202020204" pitchFamily="34" charset="0"/>
-              <a:buChar char="•"/>
-            </a:pPr>
-            <a:endParaRPr lang="es-MX" dirty="0">
-              <a:solidFill>
-                <a:srgbClr val="0D0D0D"/>
-              </a:solidFill>
-              <a:highlight>
-                <a:srgbClr val="FFFFFF"/>
-              </a:highlight>
-              <a:latin typeface="ui-sans-serif"/>
-            </a:endParaRPr>
-          </a:p>
-          <a:p>
-            <a:pPr marL="238125" marR="58579" indent="-228600" algn="just">
-              <a:lnSpc>
-                <a:spcPct val="200000"/>
-              </a:lnSpc>
-              <a:spcBef>
-                <a:spcPts val="180"/>
-              </a:spcBef>
-              <a:buFont typeface="+mj-lt"/>
-              <a:buAutoNum type="arabicPeriod" startAt="2"/>
-            </a:pPr>
-            <a:r>
-              <a:rPr lang="es-MX" sz="1200" b="1" dirty="0">
-                <a:latin typeface="Helvetica Neue Light"/>
-              </a:rPr>
-              <a:t>Visualización de Embeddings:</a:t>
-            </a:r>
-          </a:p>
-          <a:p>
-            <a:pPr marL="742950" lvl="1" indent="-285750">
-              <a:buFont typeface="Arial" panose="020B0604020202020204" pitchFamily="34" charset="0"/>
-              <a:buChar char="•"/>
-            </a:pPr>
-            <a:r>
-              <a:rPr lang="es-MX" dirty="0">
-                <a:solidFill>
-                  <a:srgbClr val="0D0D0D"/>
-                </a:solidFill>
-                <a:highlight>
-                  <a:srgbClr val="FFFFFF"/>
-                </a:highlight>
-                <a:latin typeface="ui-sans-serif"/>
-              </a:rPr>
-              <a:t>Representación en 2D: Gráfica que muestra la agrupación semántica de palabras clave y sus similares para una interpretación visual clara de la semántica.</a:t>
-            </a:r>
-          </a:p>
-          <a:p>
-            <a:pPr marL="457200" lvl="1"/>
-            <a:endParaRPr lang="es-MX" dirty="0">
-              <a:solidFill>
-                <a:srgbClr val="0D0D0D"/>
-              </a:solidFill>
-              <a:highlight>
-                <a:srgbClr val="FFFFFF"/>
-              </a:highlight>
-              <a:latin typeface="ui-sans-serif"/>
-            </a:endParaRPr>
-          </a:p>
-        </p:txBody>
-      </p:sp>
     </p:spTree>
     <p:extLst>
       <p:ext uri="{BB962C8B-B14F-4D97-AF65-F5344CB8AC3E}">
-        <p14:creationId xmlns:p14="http://schemas.microsoft.com/office/powerpoint/2010/main" val="475667956"/>
+        <p14:creationId xmlns:p14="http://schemas.microsoft.com/office/powerpoint/2010/main" val="32837543"/>
       </p:ext>
     </p:extLst>
   </p:cSld>
@@ -10756,8 +10652,8 @@
         </p:nvSpPr>
         <p:spPr>
           <a:xfrm>
-            <a:off x="662940" y="1309393"/>
-            <a:ext cx="8016240" cy="2282666"/>
+            <a:off x="3306733" y="2081369"/>
+            <a:ext cx="2530533" cy="490381"/>
           </a:xfrm>
           <a:prstGeom prst="rect">
             <a:avLst/>
@@ -10778,7 +10674,7 @@
                 <a:spcPct val="204642"/>
               </a:lnSpc>
               <a:spcBef>
-                <a:spcPts val="0"/>
+                <a:spcPts val="180"/>
               </a:spcBef>
               <a:spcAft>
                 <a:spcPts val="0"/>
@@ -10786,66 +10682,8 @@
               <a:buNone/>
             </a:pPr>
             <a:r>
-              <a:rPr lang="es-ES" sz="1400" b="0" i="0" u="none" strike="noStrike" cap="none" dirty="0">
-                <a:solidFill>
-                  <a:srgbClr val="000000"/>
-                </a:solidFill>
-                <a:latin typeface="Helvetica Neue Light"/>
-                <a:ea typeface="Helvetica Neue Light"/>
-                <a:cs typeface="Helvetica Neue Light"/>
-                <a:sym typeface="Helvetica Neue Light"/>
-              </a:rPr>
-              <a:t>En esta clase, nos centraremos en conocer el lenguaje de Scala, para ello nos apoyaremos en todo lo aprendido en la clase de Fundamentos de Java y veremos específicamente los conceptos esenciales de programación en Scala.</a:t>
-            </a:r>
-            <a:endParaRPr dirty="0"/>
-          </a:p>
-          <a:p>
-            <a:pPr marL="9525" marR="58579" lvl="0" indent="0" algn="just" rtl="0">
-              <a:lnSpc>
-                <a:spcPct val="204642"/>
-              </a:lnSpc>
-              <a:spcBef>
-                <a:spcPts val="180"/>
-              </a:spcBef>
-              <a:spcAft>
-                <a:spcPts val="0"/>
-              </a:spcAft>
-              <a:buNone/>
-            </a:pPr>
-            <a:endParaRPr sz="1400" b="0" i="0" u="none" strike="noStrike" cap="none" dirty="0">
-              <a:solidFill>
-                <a:srgbClr val="000000"/>
-              </a:solidFill>
-              <a:latin typeface="Helvetica Neue Light"/>
-              <a:ea typeface="Helvetica Neue Light"/>
-              <a:cs typeface="Helvetica Neue Light"/>
-              <a:sym typeface="Helvetica Neue Light"/>
-            </a:endParaRPr>
-          </a:p>
-          <a:p>
-            <a:pPr marL="9525" marR="58579" lvl="0" indent="0" algn="just" rtl="0">
-              <a:lnSpc>
-                <a:spcPct val="204642"/>
-              </a:lnSpc>
-              <a:spcBef>
-                <a:spcPts val="180"/>
-              </a:spcBef>
-              <a:spcAft>
-                <a:spcPts val="0"/>
-              </a:spcAft>
-              <a:buNone/>
-            </a:pPr>
-            <a:r>
-              <a:rPr lang="es-ES" sz="1400" b="0" i="0" u="none" strike="noStrike" cap="none" dirty="0">
-                <a:solidFill>
-                  <a:srgbClr val="000000"/>
-                </a:solidFill>
-                <a:latin typeface="Helvetica Neue Light"/>
-                <a:ea typeface="Helvetica Neue Light"/>
-                <a:cs typeface="Helvetica Neue Light"/>
-                <a:sym typeface="Helvetica Neue Light"/>
-              </a:rPr>
-              <a:t>Iniciemos! </a:t>
+              <a:rPr lang="es-MX" dirty="0"/>
+              <a:t>Primero un poco de contexto…</a:t>
             </a:r>
             <a:endParaRPr dirty="0"/>
           </a:p>
@@ -10939,14 +10777,14 @@
       </p:grpSpPr>
       <p:sp>
         <p:nvSpPr>
-          <p:cNvPr id="25" name="Google Shape;25;p6"/>
+          <p:cNvPr id="26" name="Google Shape;26;p6"/>
           <p:cNvSpPr txBox="1"/>
           <p:nvPr/>
         </p:nvSpPr>
         <p:spPr>
           <a:xfrm>
-            <a:off x="1733475" y="375472"/>
-            <a:ext cx="4502944" cy="378950"/>
+            <a:off x="563880" y="836664"/>
+            <a:ext cx="8016240" cy="3470171"/>
           </a:xfrm>
           <a:prstGeom prst="rect">
             <a:avLst/>
@@ -10957,15 +10795,12 @@
           </a:ln>
         </p:spPr>
         <p:txBody>
-          <a:bodyPr spcFirstLastPara="1" wrap="square" lIns="0" tIns="9525" rIns="0" bIns="0" anchor="t" anchorCtr="0">
+          <a:bodyPr spcFirstLastPara="1" wrap="square" lIns="0" tIns="22850" rIns="0" bIns="0" anchor="t" anchorCtr="0">
             <a:spAutoFit/>
           </a:bodyPr>
           <a:lstStyle/>
           <a:p>
-            <a:pPr marL="9525" marR="0" lvl="0" indent="0" algn="l" rtl="0">
-              <a:lnSpc>
-                <a:spcPct val="100000"/>
-              </a:lnSpc>
+            <a:pPr marL="9525" marR="58579" lvl="0" indent="0" algn="just" rtl="0">
               <a:spcBef>
                 <a:spcPts val="0"/>
               </a:spcBef>
@@ -10975,26 +10810,113 @@
               <a:buNone/>
             </a:pPr>
             <a:r>
-              <a:rPr lang="es-ES" sz="2400" b="0" i="0" u="none" strike="noStrike" cap="none">
-                <a:solidFill>
-                  <a:srgbClr val="FFFFFF"/>
-                </a:solidFill>
-                <a:latin typeface="Verdana"/>
-                <a:ea typeface="Verdana"/>
-                <a:cs typeface="Verdana"/>
-                <a:sym typeface="Verdana"/>
-              </a:rPr>
-              <a:t>PMI (Project Management Institute)</a:t>
-            </a:r>
-            <a:endParaRPr sz="2400" b="0" i="0" u="none" strike="noStrike" cap="none">
-              <a:solidFill>
-                <a:srgbClr val="000000"/>
-              </a:solidFill>
-              <a:latin typeface="Verdana"/>
-              <a:ea typeface="Verdana"/>
-              <a:cs typeface="Verdana"/>
-              <a:sym typeface="Verdana"/>
-            </a:endParaRPr>
+              <a:rPr lang="en-US" b="1" dirty="0" err="1"/>
+              <a:t>Pregunta</a:t>
+            </a:r>
+            <a:r>
+              <a:rPr lang="en-US" b="1" dirty="0"/>
+              <a:t>: </a:t>
+            </a:r>
+            <a:r>
+              <a:rPr lang="en-US" dirty="0"/>
+              <a:t>What are the legal consequences arising from the construction of the wall being built by Israel, the occupying Power, in the Occupied Palestinian Territory, including in and around East Jerusalem, as described in the report of the Secretary-General, considering the rules and principles of international law, including the Fourth Geneva Convention of 1949, and relevant Security Council and General Assembly resolutions?</a:t>
+            </a:r>
+          </a:p>
+          <a:p>
+            <a:pPr marL="9525" marR="58579" lvl="0" indent="0" algn="just" rtl="0">
+              <a:spcBef>
+                <a:spcPts val="0"/>
+              </a:spcBef>
+              <a:spcAft>
+                <a:spcPts val="0"/>
+              </a:spcAft>
+              <a:buNone/>
+            </a:pPr>
+            <a:endParaRPr lang="en-US" dirty="0"/>
+          </a:p>
+          <a:p>
+            <a:pPr marL="9525" marR="58579" lvl="0" indent="0" algn="just" rtl="0">
+              <a:spcBef>
+                <a:spcPts val="0"/>
+              </a:spcBef>
+              <a:spcAft>
+                <a:spcPts val="0"/>
+              </a:spcAft>
+              <a:buNone/>
+            </a:pPr>
+            <a:r>
+              <a:rPr lang="en-US" b="1" dirty="0"/>
+              <a:t>Respuesta: </a:t>
+            </a:r>
+            <a:r>
+              <a:rPr lang="en-US" dirty="0"/>
+              <a:t>[CLS] what are the legal consequences arising from the construction of the wall being built by </a:t>
+            </a:r>
+            <a:r>
+              <a:rPr lang="en-US" dirty="0" err="1"/>
+              <a:t>israel</a:t>
+            </a:r>
+            <a:r>
+              <a:rPr lang="en-US" dirty="0"/>
+              <a:t> , the occupying power , in the occupied </a:t>
+            </a:r>
+            <a:r>
+              <a:rPr lang="en-US" dirty="0" err="1"/>
+              <a:t>palestinian</a:t>
+            </a:r>
+            <a:r>
+              <a:rPr lang="en-US" dirty="0"/>
+              <a:t> territory , including in and around east </a:t>
+            </a:r>
+            <a:r>
+              <a:rPr lang="en-US" dirty="0" err="1"/>
+              <a:t>jerusalem</a:t>
+            </a:r>
+            <a:r>
+              <a:rPr lang="en-US" dirty="0"/>
+              <a:t> , as described in the report of the secretary - general , considering the rules and principles of international law , including the fourth </a:t>
+            </a:r>
+            <a:r>
+              <a:rPr lang="en-US" dirty="0" err="1"/>
+              <a:t>geneva</a:t>
+            </a:r>
+            <a:r>
+              <a:rPr lang="en-US" dirty="0"/>
+              <a:t> convention of 1949 , and relevant security council and general assembly resolutions ? [SEP] have raised the further argument that the court should decline to exercise its jurisdiction because it does not have at its disposal the requisite facts and evidence to enable it to reach its conclusions . in particular , </a:t>
+            </a:r>
+            <a:r>
+              <a:rPr lang="en-US" dirty="0" err="1"/>
+              <a:t>israel</a:t>
+            </a:r>
+            <a:r>
+              <a:rPr lang="en-US" dirty="0"/>
+              <a:t> has contended , referring to the advisory opinion on t he interpretation of peace treaties with </a:t>
+            </a:r>
+            <a:r>
+              <a:rPr lang="en-US" dirty="0" err="1"/>
+              <a:t>bulgaria</a:t>
+            </a:r>
+            <a:r>
+              <a:rPr lang="en-US" dirty="0"/>
+              <a:t> , </a:t>
+            </a:r>
+            <a:r>
+              <a:rPr lang="en-US" dirty="0" err="1"/>
+              <a:t>hungary</a:t>
+            </a:r>
+            <a:r>
+              <a:rPr lang="en-US" dirty="0"/>
+              <a:t> and </a:t>
+            </a:r>
+            <a:r>
+              <a:rPr lang="en-US" dirty="0" err="1"/>
+              <a:t>romania</a:t>
+            </a:r>
+            <a:r>
+              <a:rPr lang="en-US" dirty="0"/>
+              <a:t> , that the court could not give an opinion on issues which raise questions of fact that cannot be elucidated without hearing all parties to the conflict . accord [SEP] </a:t>
+            </a:r>
+            <a:endParaRPr lang="es-MX" dirty="0"/>
           </a:p>
         </p:txBody>
       </p:sp>
@@ -11006,7 +10928,7 @@
         </p:nvSpPr>
         <p:spPr>
           <a:xfrm>
-            <a:off x="662940" y="585145"/>
+            <a:off x="510540" y="349617"/>
             <a:ext cx="4572000" cy="338554"/>
           </a:xfrm>
           <a:prstGeom prst="rect">
@@ -11045,7 +10967,16 @@
                 <a:cs typeface="Helvetica Neue Light"/>
                 <a:sym typeface="Helvetica Neue Light"/>
               </a:rPr>
-              <a:t>Modelado</a:t>
+              <a:t>Informe</a:t>
+            </a:r>
+            <a:r>
+              <a:rPr lang="es-ES" sz="1600" b="1" dirty="0">
+                <a:latin typeface="Helvetica Neue Light"/>
+                <a:ea typeface="Helvetica Neue Light"/>
+                <a:cs typeface="Helvetica Neue Light"/>
+                <a:sym typeface="Helvetica Neue Light"/>
+              </a:rPr>
+              <a:t> – Respuesta 1 Q&amp;A</a:t>
             </a:r>
             <a:endParaRPr sz="1600" b="1" i="0" u="none" strike="noStrike" cap="none" dirty="0">
               <a:solidFill>
@@ -11059,302 +10990,10 @@
           </a:p>
         </p:txBody>
       </p:sp>
-      <p:sp>
-        <p:nvSpPr>
-          <p:cNvPr id="2" name="Google Shape;26;p6">
-            <a:extLst>
-              <a:ext uri="{FF2B5EF4-FFF2-40B4-BE49-F238E27FC236}">
-                <a16:creationId xmlns:a16="http://schemas.microsoft.com/office/drawing/2014/main" id="{760DE103-6E6E-8BC0-9DF6-7993C9336394}"/>
-              </a:ext>
-            </a:extLst>
-          </p:cNvPr>
-          <p:cNvSpPr txBox="1"/>
-          <p:nvPr/>
-        </p:nvSpPr>
-        <p:spPr>
-          <a:xfrm>
-            <a:off x="670313" y="923699"/>
-            <a:ext cx="8377821" cy="4157538"/>
-          </a:xfrm>
-          <a:prstGeom prst="rect">
-            <a:avLst/>
-          </a:prstGeom>
-          <a:noFill/>
-          <a:ln>
-            <a:noFill/>
-          </a:ln>
-        </p:spPr>
-        <p:txBody>
-          <a:bodyPr spcFirstLastPara="1" wrap="square" lIns="0" tIns="22850" rIns="0" bIns="0" anchor="t" anchorCtr="0">
-            <a:spAutoFit/>
-          </a:bodyPr>
-          <a:lstStyle/>
-          <a:p>
-            <a:pPr marR="58579" lvl="1" algn="just">
-              <a:lnSpc>
-                <a:spcPct val="150000"/>
-              </a:lnSpc>
-              <a:spcBef>
-                <a:spcPts val="180"/>
-              </a:spcBef>
-            </a:pPr>
-            <a:r>
-              <a:rPr lang="es-MX" sz="1600" b="1" dirty="0">
-                <a:latin typeface="Helvetica Neue Light"/>
-              </a:rPr>
-              <a:t>Preprocesamiento con NLTK:</a:t>
-            </a:r>
-            <a:endParaRPr lang="es-MX" dirty="0">
-              <a:solidFill>
-                <a:srgbClr val="0D0D0D"/>
-              </a:solidFill>
-              <a:highlight>
-                <a:srgbClr val="FFFFFF"/>
-              </a:highlight>
-              <a:latin typeface="ui-sans-serif"/>
-            </a:endParaRPr>
-          </a:p>
-          <a:p>
-            <a:pPr marL="238125" marR="58579" lvl="3" indent="-228600" algn="just">
-              <a:lnSpc>
-                <a:spcPct val="200000"/>
-              </a:lnSpc>
-              <a:spcBef>
-                <a:spcPts val="180"/>
-              </a:spcBef>
-              <a:buFont typeface="Arial" panose="020B0604020202020204" pitchFamily="34" charset="0"/>
-              <a:buChar char="•"/>
-            </a:pPr>
-            <a:r>
-              <a:rPr lang="es-MX" sz="1200" b="1" dirty="0">
-                <a:latin typeface="Helvetica Neue Light"/>
-              </a:rPr>
-              <a:t>Herramientas de Procesamiento Inicializadas:</a:t>
-            </a:r>
-          </a:p>
-          <a:p>
-            <a:pPr marL="742950" lvl="3" indent="-285750">
-              <a:buFont typeface="Arial" panose="020B0604020202020204" pitchFamily="34" charset="0"/>
-              <a:buChar char="•"/>
-            </a:pPr>
-            <a:r>
-              <a:rPr lang="es-MX" dirty="0">
-                <a:solidFill>
-                  <a:srgbClr val="0D0D0D"/>
-                </a:solidFill>
-                <a:highlight>
-                  <a:srgbClr val="FFFFFF"/>
-                </a:highlight>
-                <a:latin typeface="ui-sans-serif"/>
-              </a:rPr>
-              <a:t>Tokenizador: RegexpTokenizer para seleccionar caracteres alfanuméricos.</a:t>
-            </a:r>
-          </a:p>
-          <a:p>
-            <a:pPr marL="742950" lvl="3" indent="-285750">
-              <a:buFont typeface="Arial" panose="020B0604020202020204" pitchFamily="34" charset="0"/>
-              <a:buChar char="•"/>
-            </a:pPr>
-            <a:r>
-              <a:rPr lang="es-MX" dirty="0">
-                <a:solidFill>
-                  <a:srgbClr val="0D0D0D"/>
-                </a:solidFill>
-                <a:highlight>
-                  <a:srgbClr val="FFFFFF"/>
-                </a:highlight>
-                <a:latin typeface="ui-sans-serif"/>
-              </a:rPr>
-              <a:t>Stop-</a:t>
-            </a:r>
-            <a:r>
-              <a:rPr lang="es-MX" dirty="0" err="1">
-                <a:solidFill>
-                  <a:srgbClr val="0D0D0D"/>
-                </a:solidFill>
-                <a:highlight>
-                  <a:srgbClr val="FFFFFF"/>
-                </a:highlight>
-                <a:latin typeface="ui-sans-serif"/>
-              </a:rPr>
-              <a:t>Words</a:t>
-            </a:r>
-            <a:r>
-              <a:rPr lang="es-MX" dirty="0">
-                <a:solidFill>
-                  <a:srgbClr val="0D0D0D"/>
-                </a:solidFill>
-                <a:highlight>
-                  <a:srgbClr val="FFFFFF"/>
-                </a:highlight>
-                <a:latin typeface="ui-sans-serif"/>
-              </a:rPr>
-              <a:t>: Carga de lista de stopwords del inglés.</a:t>
-            </a:r>
-          </a:p>
-          <a:p>
-            <a:pPr marL="742950" lvl="3" indent="-285750">
-              <a:buFont typeface="Arial" panose="020B0604020202020204" pitchFamily="34" charset="0"/>
-              <a:buChar char="•"/>
-            </a:pPr>
-            <a:r>
-              <a:rPr lang="es-MX" dirty="0">
-                <a:solidFill>
-                  <a:srgbClr val="0D0D0D"/>
-                </a:solidFill>
-                <a:highlight>
-                  <a:srgbClr val="FFFFFF"/>
-                </a:highlight>
-                <a:latin typeface="ui-sans-serif"/>
-              </a:rPr>
-              <a:t>Lematización: WordNetLemmatizer para normalización a la forma base de las palabras.</a:t>
-            </a:r>
-          </a:p>
-          <a:p>
-            <a:pPr marL="238125" marR="58579" lvl="1" indent="-228600" algn="just">
-              <a:lnSpc>
-                <a:spcPct val="200000"/>
-              </a:lnSpc>
-              <a:spcBef>
-                <a:spcPts val="180"/>
-              </a:spcBef>
-              <a:buFont typeface="Arial" panose="020B0604020202020204" pitchFamily="34" charset="0"/>
-              <a:buChar char="•"/>
-            </a:pPr>
-            <a:r>
-              <a:rPr lang="es-MX" sz="1200" b="1" dirty="0">
-                <a:latin typeface="Helvetica Neue Light"/>
-              </a:rPr>
-              <a:t>Funciones de Preprocesamiento (nltk_cleaner):</a:t>
-            </a:r>
-          </a:p>
-          <a:p>
-            <a:pPr marL="742950" lvl="1" indent="-285750">
-              <a:buFont typeface="Arial" panose="020B0604020202020204" pitchFamily="34" charset="0"/>
-              <a:buChar char="•"/>
-            </a:pPr>
-            <a:r>
-              <a:rPr lang="es-MX" dirty="0">
-                <a:solidFill>
-                  <a:srgbClr val="0D0D0D"/>
-                </a:solidFill>
-                <a:highlight>
-                  <a:srgbClr val="FFFFFF"/>
-                </a:highlight>
-                <a:latin typeface="ui-sans-serif"/>
-              </a:rPr>
-              <a:t>Manejo de texto nulo, normalización Unicode, tokenización, eliminación de stopwords, y conversión de números a palabras mediante num2words.</a:t>
-            </a:r>
-          </a:p>
-          <a:p>
-            <a:pPr marR="58579" lvl="1" algn="just">
-              <a:lnSpc>
-                <a:spcPct val="150000"/>
-              </a:lnSpc>
-              <a:spcBef>
-                <a:spcPts val="180"/>
-              </a:spcBef>
-            </a:pPr>
-            <a:r>
-              <a:rPr lang="es-MX" sz="1600" b="1" dirty="0">
-                <a:latin typeface="Helvetica Neue Light"/>
-              </a:rPr>
-              <a:t>Modelo de Deep Learning:</a:t>
-            </a:r>
-            <a:endParaRPr lang="es-MX" dirty="0">
-              <a:solidFill>
-                <a:srgbClr val="0D0D0D"/>
-              </a:solidFill>
-              <a:highlight>
-                <a:srgbClr val="FFFFFF"/>
-              </a:highlight>
-              <a:latin typeface="ui-sans-serif"/>
-            </a:endParaRPr>
-          </a:p>
-          <a:p>
-            <a:pPr marL="457200" lvl="1"/>
-            <a:endParaRPr lang="es-MX" sz="1200" b="1" dirty="0">
-              <a:latin typeface="Helvetica Neue Light"/>
-            </a:endParaRPr>
-          </a:p>
-          <a:p>
-            <a:pPr marL="742950" lvl="1" indent="-285750">
-              <a:buFont typeface="Arial" panose="020B0604020202020204" pitchFamily="34" charset="0"/>
-              <a:buChar char="•"/>
-            </a:pPr>
-            <a:r>
-              <a:rPr lang="es-MX" dirty="0">
-                <a:solidFill>
-                  <a:srgbClr val="0D0D0D"/>
-                </a:solidFill>
-                <a:highlight>
-                  <a:srgbClr val="FFFFFF"/>
-                </a:highlight>
-                <a:latin typeface="ui-sans-serif"/>
-              </a:rPr>
-              <a:t>En desarrollo: Preparación para integrar un modelo avanzado de </a:t>
-            </a:r>
-            <a:r>
-              <a:rPr lang="es-MX" dirty="0" err="1">
-                <a:solidFill>
-                  <a:srgbClr val="0D0D0D"/>
-                </a:solidFill>
-                <a:highlight>
-                  <a:srgbClr val="FFFFFF"/>
-                </a:highlight>
-                <a:latin typeface="ui-sans-serif"/>
-              </a:rPr>
-              <a:t>deep</a:t>
-            </a:r>
-            <a:r>
-              <a:rPr lang="es-MX" dirty="0">
-                <a:solidFill>
-                  <a:srgbClr val="0D0D0D"/>
-                </a:solidFill>
-                <a:highlight>
-                  <a:srgbClr val="FFFFFF"/>
-                </a:highlight>
-                <a:latin typeface="ui-sans-serif"/>
-              </a:rPr>
-              <a:t> learning para análisis y predicción basados en los datos procesados y estructurados.</a:t>
-            </a:r>
-          </a:p>
-          <a:p>
-            <a:pPr marL="742950" lvl="1" indent="-285750">
-              <a:buFont typeface="Arial" panose="020B0604020202020204" pitchFamily="34" charset="0"/>
-              <a:buChar char="•"/>
-            </a:pPr>
-            <a:r>
-              <a:rPr lang="es-MX" dirty="0">
-                <a:solidFill>
-                  <a:srgbClr val="0D0D0D"/>
-                </a:solidFill>
-                <a:highlight>
-                  <a:srgbClr val="FFFFFF"/>
-                </a:highlight>
-                <a:latin typeface="ui-sans-serif"/>
-              </a:rPr>
-              <a:t>Este resumen proporciona una vista integral de las técnicas y procesos utilizados para analizar y preparar el dataset de la ICJ, asegurando la adecuada preparación para el análisis NLP avanzado y futuras predicciones mediante modelos de Deep learning.</a:t>
-            </a:r>
-          </a:p>
-          <a:p>
-            <a:pPr marL="457200" lvl="1"/>
-            <a:endParaRPr lang="es-MX" dirty="0">
-              <a:solidFill>
-                <a:srgbClr val="0D0D0D"/>
-              </a:solidFill>
-              <a:highlight>
-                <a:srgbClr val="FFFFFF"/>
-              </a:highlight>
-              <a:latin typeface="ui-sans-serif"/>
-            </a:endParaRPr>
-          </a:p>
-        </p:txBody>
-      </p:sp>
     </p:spTree>
     <p:extLst>
       <p:ext uri="{BB962C8B-B14F-4D97-AF65-F5344CB8AC3E}">
-        <p14:creationId xmlns:p14="http://schemas.microsoft.com/office/powerpoint/2010/main" val="1686361473"/>
+        <p14:creationId xmlns:p14="http://schemas.microsoft.com/office/powerpoint/2010/main" val="324133137"/>
       </p:ext>
     </p:extLst>
   </p:cSld>
@@ -11383,14 +11022,14 @@
       </p:grpSpPr>
       <p:sp>
         <p:nvSpPr>
-          <p:cNvPr id="25" name="Google Shape;25;p6"/>
+          <p:cNvPr id="26" name="Google Shape;26;p6"/>
           <p:cNvSpPr txBox="1"/>
           <p:nvPr/>
         </p:nvSpPr>
         <p:spPr>
           <a:xfrm>
-            <a:off x="1733475" y="375472"/>
-            <a:ext cx="4502944" cy="378950"/>
+            <a:off x="563880" y="836664"/>
+            <a:ext cx="8016240" cy="2823840"/>
           </a:xfrm>
           <a:prstGeom prst="rect">
             <a:avLst/>
@@ -11401,76 +11040,12 @@
           </a:ln>
         </p:spPr>
         <p:txBody>
-          <a:bodyPr spcFirstLastPara="1" wrap="square" lIns="0" tIns="9525" rIns="0" bIns="0" anchor="t" anchorCtr="0">
-            <a:spAutoFit/>
-          </a:bodyPr>
-          <a:lstStyle/>
-          <a:p>
-            <a:pPr marL="9525" marR="0" lvl="0" indent="0" algn="l" rtl="0">
-              <a:lnSpc>
-                <a:spcPct val="100000"/>
-              </a:lnSpc>
-              <a:spcBef>
-                <a:spcPts val="0"/>
-              </a:spcBef>
-              <a:spcAft>
-                <a:spcPts val="0"/>
-              </a:spcAft>
-              <a:buNone/>
-            </a:pPr>
-            <a:r>
-              <a:rPr lang="es-ES" sz="2400" b="0" i="0" u="none" strike="noStrike" cap="none">
-                <a:solidFill>
-                  <a:srgbClr val="FFFFFF"/>
-                </a:solidFill>
-                <a:latin typeface="Verdana"/>
-                <a:ea typeface="Verdana"/>
-                <a:cs typeface="Verdana"/>
-                <a:sym typeface="Verdana"/>
-              </a:rPr>
-              <a:t>PMI (Project Management Institute)</a:t>
-            </a:r>
-            <a:endParaRPr sz="2400" b="0" i="0" u="none" strike="noStrike" cap="none">
-              <a:solidFill>
-                <a:srgbClr val="000000"/>
-              </a:solidFill>
-              <a:latin typeface="Verdana"/>
-              <a:ea typeface="Verdana"/>
-              <a:cs typeface="Verdana"/>
-              <a:sym typeface="Verdana"/>
-            </a:endParaRPr>
-          </a:p>
-        </p:txBody>
-      </p:sp>
-      <p:sp>
-        <p:nvSpPr>
-          <p:cNvPr id="26" name="Google Shape;26;p6"/>
-          <p:cNvSpPr txBox="1"/>
-          <p:nvPr/>
-        </p:nvSpPr>
-        <p:spPr>
-          <a:xfrm>
-            <a:off x="662940" y="1309393"/>
-            <a:ext cx="8016240" cy="2749973"/>
-          </a:xfrm>
-          <a:prstGeom prst="rect">
-            <a:avLst/>
-          </a:prstGeom>
-          <a:noFill/>
-          <a:ln>
-            <a:noFill/>
-          </a:ln>
-        </p:spPr>
-        <p:txBody>
           <a:bodyPr spcFirstLastPara="1" wrap="square" lIns="0" tIns="22850" rIns="0" bIns="0" anchor="t" anchorCtr="0">
             <a:spAutoFit/>
           </a:bodyPr>
           <a:lstStyle/>
           <a:p>
             <a:pPr marL="9525" marR="58579" lvl="0" indent="0" algn="just" rtl="0">
-              <a:lnSpc>
-                <a:spcPct val="204642"/>
-              </a:lnSpc>
               <a:spcBef>
                 <a:spcPts val="0"/>
               </a:spcBef>
@@ -11480,56 +11055,34 @@
               <a:buNone/>
             </a:pPr>
             <a:r>
-              <a:rPr lang="es-ES" sz="1400" b="0" i="0" u="none" strike="noStrike" cap="none" dirty="0">
-                <a:solidFill>
-                  <a:srgbClr val="000000"/>
-                </a:solidFill>
-                <a:highlight>
-                  <a:srgbClr val="FFFF00"/>
-                </a:highlight>
-                <a:latin typeface="Helvetica Neue Light"/>
-                <a:ea typeface="Helvetica Neue Light"/>
-                <a:cs typeface="Helvetica Neue Light"/>
-                <a:sym typeface="Helvetica Neue Light"/>
-              </a:rPr>
-              <a:t>En esta clase, nos centraremos en conocer el lenguaje de Scala, para ello nos apoyaremos en todo lo aprendido en la clase de Fundamentos de Java y veremos específicamente los conceptos esenciales de programación en Scala.</a:t>
-            </a:r>
-            <a:endParaRPr dirty="0">
-              <a:highlight>
-                <a:srgbClr val="FFFF00"/>
-              </a:highlight>
-            </a:endParaRPr>
+              <a:rPr lang="en-US" b="1" dirty="0" err="1"/>
+              <a:t>Pregunta</a:t>
+            </a:r>
+            <a:r>
+              <a:rPr lang="en-US" b="1" dirty="0"/>
+              <a:t>: </a:t>
+            </a:r>
+            <a:r>
+              <a:rPr lang="en-US" dirty="0"/>
+              <a:t>What are the legal consequences arising from the construction of the wall being built by Israel, the occupying Power, in the Occupied Palestinian Territory, including in and around East Jerusalem, as described in the report of the Secretary-General, considering the rules and principles of international law, including the Fourth Geneva Convention of 1949, and relevant Security Council and General Assembly resolutions?</a:t>
+            </a:r>
           </a:p>
           <a:p>
             <a:pPr marL="9525" marR="58579" lvl="0" indent="0" algn="just" rtl="0">
-              <a:lnSpc>
-                <a:spcPct val="204642"/>
-              </a:lnSpc>
-              <a:spcBef>
-                <a:spcPts val="180"/>
+              <a:spcBef>
+                <a:spcPts val="0"/>
               </a:spcBef>
               <a:spcAft>
                 <a:spcPts val="0"/>
               </a:spcAft>
               <a:buNone/>
             </a:pPr>
-            <a:endParaRPr sz="1400" b="0" i="0" u="none" strike="noStrike" cap="none" dirty="0">
-              <a:solidFill>
-                <a:srgbClr val="000000"/>
-              </a:solidFill>
-              <a:latin typeface="Helvetica Neue Light"/>
-              <a:ea typeface="Helvetica Neue Light"/>
-              <a:cs typeface="Helvetica Neue Light"/>
-              <a:sym typeface="Helvetica Neue Light"/>
-            </a:endParaRPr>
+            <a:endParaRPr lang="en-US" dirty="0"/>
           </a:p>
           <a:p>
             <a:pPr marL="9525" marR="58579" lvl="0" indent="0" algn="just" rtl="0">
-              <a:lnSpc>
-                <a:spcPct val="204642"/>
-              </a:lnSpc>
-              <a:spcBef>
-                <a:spcPts val="180"/>
+              <a:spcBef>
+                <a:spcPts val="0"/>
               </a:spcBef>
               <a:spcAft>
                 <a:spcPts val="0"/>
@@ -11537,41 +11090,62 @@
               <a:buNone/>
             </a:pPr>
             <a:r>
-              <a:rPr lang="es-ES" sz="1400" b="0" i="0" u="none" strike="noStrike" cap="none" dirty="0">
-                <a:solidFill>
-                  <a:srgbClr val="000000"/>
-                </a:solidFill>
-                <a:latin typeface="Helvetica Neue Light"/>
-                <a:ea typeface="Helvetica Neue Light"/>
-                <a:cs typeface="Helvetica Neue Light"/>
-                <a:sym typeface="Helvetica Neue Light"/>
-              </a:rPr>
-              <a:t>Iniciemos! </a:t>
-            </a:r>
-            <a:endParaRPr dirty="0"/>
-          </a:p>
-          <a:p>
-            <a:pPr marL="9525" marR="58579" lvl="0" indent="0" algn="just" rtl="0">
-              <a:lnSpc>
-                <a:spcPct val="204642"/>
-              </a:lnSpc>
-              <a:spcBef>
-                <a:spcPts val="180"/>
-              </a:spcBef>
-              <a:spcAft>
-                <a:spcPts val="0"/>
-              </a:spcAft>
-              <a:buNone/>
-            </a:pPr>
-            <a:endParaRPr sz="1400" b="0" i="0" u="none" strike="noStrike" cap="none" dirty="0">
-              <a:solidFill>
-                <a:srgbClr val="000000"/>
-              </a:solidFill>
-              <a:latin typeface="Helvetica Neue Light"/>
-              <a:ea typeface="Helvetica Neue Light"/>
-              <a:cs typeface="Helvetica Neue Light"/>
-              <a:sym typeface="Helvetica Neue Light"/>
-            </a:endParaRPr>
+              <a:rPr lang="en-US" b="1" dirty="0"/>
+              <a:t>Respuesta: </a:t>
+            </a:r>
+            <a:r>
+              <a:rPr lang="en-US" dirty="0"/>
+              <a:t>the rules and principles of international law , including the fourth </a:t>
+            </a:r>
+            <a:r>
+              <a:rPr lang="en-US" dirty="0" err="1"/>
+              <a:t>geneva</a:t>
+            </a:r>
+            <a:r>
+              <a:rPr lang="en-US" dirty="0"/>
+              <a:t> convention of 1949 , and relevant security council and general assembly resolutions ? k in time , the latest provisions relating thereto having been incorporated into article 62 of the treaty of berlin of 13 </a:t>
+            </a:r>
+            <a:r>
+              <a:rPr lang="en-US" dirty="0" err="1"/>
+              <a:t>july</a:t>
+            </a:r>
+            <a:r>
+              <a:rPr lang="en-US" dirty="0"/>
+              <a:t> 1878 . the mandate for </a:t>
+            </a:r>
+            <a:r>
+              <a:rPr lang="en-US" dirty="0" err="1"/>
+              <a:t>palestine</a:t>
+            </a:r>
+            <a:r>
+              <a:rPr lang="en-US" dirty="0"/>
+              <a:t> given to the </a:t>
+            </a:r>
+            <a:r>
+              <a:rPr lang="en-US" dirty="0" err="1"/>
+              <a:t>british</a:t>
+            </a:r>
+            <a:r>
+              <a:rPr lang="en-US" dirty="0"/>
+              <a:t> government on 24 </a:t>
+            </a:r>
+            <a:r>
+              <a:rPr lang="en-US" dirty="0" err="1"/>
+              <a:t>july</a:t>
+            </a:r>
+            <a:r>
+              <a:rPr lang="en-US" dirty="0"/>
+              <a:t> 1922 included an article 13 , under which : all responsibility in connection with the holy places and religious buildings or sites in </a:t>
+            </a:r>
+            <a:r>
+              <a:rPr lang="en-US" dirty="0" err="1"/>
+              <a:t>palestine</a:t>
+            </a:r>
+            <a:r>
+              <a:rPr lang="en-US" dirty="0"/>
+              <a:t> , including that of preserving existing rights and of securing free access to the holy places , religious buildings and sites and the free exercise of worship</a:t>
+            </a:r>
+            <a:endParaRPr lang="es-MX" dirty="0"/>
           </a:p>
         </p:txBody>
       </p:sp>
@@ -11583,7 +11157,7 @@
         </p:nvSpPr>
         <p:spPr>
           <a:xfrm>
-            <a:off x="662940" y="585145"/>
+            <a:off x="510540" y="349617"/>
             <a:ext cx="4572000" cy="338554"/>
           </a:xfrm>
           <a:prstGeom prst="rect">
@@ -11623,6 +11197,15 @@
                 <a:sym typeface="Helvetica Neue Light"/>
               </a:rPr>
               <a:t>Informe</a:t>
+            </a:r>
+            <a:r>
+              <a:rPr lang="es-ES" sz="1600" b="1" dirty="0">
+                <a:latin typeface="Helvetica Neue Light"/>
+                <a:ea typeface="Helvetica Neue Light"/>
+                <a:cs typeface="Helvetica Neue Light"/>
+                <a:sym typeface="Helvetica Neue Light"/>
+              </a:rPr>
+              <a:t> – Respuesta 2 Q&amp;A</a:t>
             </a:r>
             <a:endParaRPr sz="1600" b="1" i="0" u="none" strike="noStrike" cap="none" dirty="0">
               <a:solidFill>
@@ -11639,7 +11222,7 @@
     </p:spTree>
     <p:extLst>
       <p:ext uri="{BB962C8B-B14F-4D97-AF65-F5344CB8AC3E}">
-        <p14:creationId xmlns:p14="http://schemas.microsoft.com/office/powerpoint/2010/main" val="32837543"/>
+        <p14:creationId xmlns:p14="http://schemas.microsoft.com/office/powerpoint/2010/main" val="3867588320"/>
       </p:ext>
     </p:extLst>
   </p:cSld>
@@ -11668,14 +11251,14 @@
       </p:grpSpPr>
       <p:sp>
         <p:nvSpPr>
-          <p:cNvPr id="25" name="Google Shape;25;p6"/>
+          <p:cNvPr id="26" name="Google Shape;26;p6"/>
           <p:cNvSpPr txBox="1"/>
           <p:nvPr/>
         </p:nvSpPr>
         <p:spPr>
           <a:xfrm>
-            <a:off x="1733475" y="375472"/>
-            <a:ext cx="4502944" cy="378950"/>
+            <a:off x="662940" y="1441012"/>
+            <a:ext cx="8016240" cy="1373699"/>
           </a:xfrm>
           <a:prstGeom prst="rect">
             <a:avLst/>
@@ -11686,67 +11269,6 @@
           </a:ln>
         </p:spPr>
         <p:txBody>
-          <a:bodyPr spcFirstLastPara="1" wrap="square" lIns="0" tIns="9525" rIns="0" bIns="0" anchor="t" anchorCtr="0">
-            <a:spAutoFit/>
-          </a:bodyPr>
-          <a:lstStyle/>
-          <a:p>
-            <a:pPr marL="9525" marR="0" lvl="0" indent="0" algn="l" rtl="0">
-              <a:lnSpc>
-                <a:spcPct val="100000"/>
-              </a:lnSpc>
-              <a:spcBef>
-                <a:spcPts val="0"/>
-              </a:spcBef>
-              <a:spcAft>
-                <a:spcPts val="0"/>
-              </a:spcAft>
-              <a:buNone/>
-            </a:pPr>
-            <a:r>
-              <a:rPr lang="es-ES" sz="2400" b="0" i="0" u="none" strike="noStrike" cap="none">
-                <a:solidFill>
-                  <a:srgbClr val="FFFFFF"/>
-                </a:solidFill>
-                <a:latin typeface="Verdana"/>
-                <a:ea typeface="Verdana"/>
-                <a:cs typeface="Verdana"/>
-                <a:sym typeface="Verdana"/>
-              </a:rPr>
-              <a:t>PMI (Project Management Institute)</a:t>
-            </a:r>
-            <a:endParaRPr sz="2400" b="0" i="0" u="none" strike="noStrike" cap="none">
-              <a:solidFill>
-                <a:srgbClr val="000000"/>
-              </a:solidFill>
-              <a:latin typeface="Verdana"/>
-              <a:ea typeface="Verdana"/>
-              <a:cs typeface="Verdana"/>
-              <a:sym typeface="Verdana"/>
-            </a:endParaRPr>
-          </a:p>
-        </p:txBody>
-      </p:sp>
-      <p:sp>
-        <p:nvSpPr>
-          <p:cNvPr id="26" name="Google Shape;26;p6"/>
-          <p:cNvSpPr txBox="1"/>
-          <p:nvPr/>
-        </p:nvSpPr>
-        <p:spPr>
-          <a:xfrm>
-            <a:off x="662940" y="1309393"/>
-            <a:ext cx="8016240" cy="2749973"/>
-          </a:xfrm>
-          <a:prstGeom prst="rect">
-            <a:avLst/>
-          </a:prstGeom>
-          <a:noFill/>
-          <a:ln>
-            <a:noFill/>
-          </a:ln>
-        </p:spPr>
-        <p:txBody>
           <a:bodyPr spcFirstLastPara="1" wrap="square" lIns="0" tIns="22850" rIns="0" bIns="0" anchor="t" anchorCtr="0">
             <a:spAutoFit/>
           </a:bodyPr>
@@ -11757,7 +11279,7 @@
                 <a:spcPct val="204642"/>
               </a:lnSpc>
               <a:spcBef>
-                <a:spcPts val="0"/>
+                <a:spcPts val="180"/>
               </a:spcBef>
               <a:spcAft>
                 <a:spcPts val="0"/>
@@ -11765,92 +11287,17 @@
               <a:buNone/>
             </a:pPr>
             <a:r>
-              <a:rPr lang="es-ES" sz="1400" b="0" i="0" u="none" strike="noStrike" cap="none" dirty="0">
-                <a:solidFill>
-                  <a:srgbClr val="FF0000"/>
-                </a:solidFill>
-                <a:highlight>
-                  <a:srgbClr val="FFFF00"/>
-                </a:highlight>
+              <a:rPr lang="es-MX" sz="1400" b="0" i="0" u="none" strike="noStrike" cap="none" dirty="0">
+                <a:solidFill>
+                  <a:srgbClr val="000000"/>
+                </a:solidFill>
                 <a:latin typeface="Helvetica Neue Light"/>
                 <a:ea typeface="Helvetica Neue Light"/>
                 <a:cs typeface="Helvetica Neue Light"/>
                 <a:sym typeface="Helvetica Neue Light"/>
               </a:rPr>
-              <a:t>En esta clase, nos centraremos en conocer el lenguaje de Scala, para ello nos apoyaremos en todo lo aprendido en la clase de Fundamentos de Java y veremos específicamente los conceptos esenciales de programación en Scala.</a:t>
-            </a:r>
-            <a:endParaRPr dirty="0">
-              <a:solidFill>
-                <a:srgbClr val="FF0000"/>
-              </a:solidFill>
-              <a:highlight>
-                <a:srgbClr val="FFFF00"/>
-              </a:highlight>
-            </a:endParaRPr>
-          </a:p>
-          <a:p>
-            <a:pPr marL="9525" marR="58579" lvl="0" indent="0" algn="just" rtl="0">
-              <a:lnSpc>
-                <a:spcPct val="204642"/>
-              </a:lnSpc>
-              <a:spcBef>
-                <a:spcPts val="180"/>
-              </a:spcBef>
-              <a:spcAft>
-                <a:spcPts val="0"/>
-              </a:spcAft>
-              <a:buNone/>
-            </a:pPr>
-            <a:endParaRPr sz="1400" b="0" i="0" u="none" strike="noStrike" cap="none" dirty="0">
-              <a:solidFill>
-                <a:srgbClr val="000000"/>
-              </a:solidFill>
-              <a:latin typeface="Helvetica Neue Light"/>
-              <a:ea typeface="Helvetica Neue Light"/>
-              <a:cs typeface="Helvetica Neue Light"/>
-              <a:sym typeface="Helvetica Neue Light"/>
-            </a:endParaRPr>
-          </a:p>
-          <a:p>
-            <a:pPr marL="9525" marR="58579" lvl="0" indent="0" algn="just" rtl="0">
-              <a:lnSpc>
-                <a:spcPct val="204642"/>
-              </a:lnSpc>
-              <a:spcBef>
-                <a:spcPts val="180"/>
-              </a:spcBef>
-              <a:spcAft>
-                <a:spcPts val="0"/>
-              </a:spcAft>
-              <a:buNone/>
-            </a:pPr>
-            <a:r>
-              <a:rPr lang="es-ES" sz="1400" b="0" i="0" u="none" strike="noStrike" cap="none" dirty="0">
-                <a:solidFill>
-                  <a:srgbClr val="000000"/>
-                </a:solidFill>
-                <a:latin typeface="Helvetica Neue Light"/>
-                <a:ea typeface="Helvetica Neue Light"/>
-                <a:cs typeface="Helvetica Neue Light"/>
-                <a:sym typeface="Helvetica Neue Light"/>
-              </a:rPr>
-              <a:t>Iniciemos! </a:t>
-            </a:r>
-            <a:endParaRPr dirty="0"/>
-          </a:p>
-          <a:p>
-            <a:pPr marL="9525" marR="58579" lvl="0" indent="0" algn="just" rtl="0">
-              <a:lnSpc>
-                <a:spcPct val="204642"/>
-              </a:lnSpc>
-              <a:spcBef>
-                <a:spcPts val="180"/>
-              </a:spcBef>
-              <a:spcAft>
-                <a:spcPts val="0"/>
-              </a:spcAft>
-              <a:buNone/>
-            </a:pPr>
+              <a:t>En términos generales, el modelo cumplió con nuestras expectativas para el análisis de los datos judiciales. Sin embargo, reconocemos la necesidad de enriquecerlo con una mayor cantidad de datos para asegurar que pueda generalizar de manera más precisa los casos negativos.</a:t>
+            </a:r>
             <a:endParaRPr sz="1400" b="0" i="0" u="none" strike="noStrike" cap="none" dirty="0">
               <a:solidFill>
                 <a:srgbClr val="000000"/>
@@ -11956,67 +11403,6 @@
       </p:grpSpPr>
       <p:sp>
         <p:nvSpPr>
-          <p:cNvPr id="25" name="Google Shape;25;p6"/>
-          <p:cNvSpPr txBox="1"/>
-          <p:nvPr/>
-        </p:nvSpPr>
-        <p:spPr>
-          <a:xfrm>
-            <a:off x="1733475" y="375472"/>
-            <a:ext cx="4502944" cy="378950"/>
-          </a:xfrm>
-          <a:prstGeom prst="rect">
-            <a:avLst/>
-          </a:prstGeom>
-          <a:noFill/>
-          <a:ln>
-            <a:noFill/>
-          </a:ln>
-        </p:spPr>
-        <p:txBody>
-          <a:bodyPr spcFirstLastPara="1" wrap="square" lIns="0" tIns="9525" rIns="0" bIns="0" anchor="t" anchorCtr="0">
-            <a:spAutoFit/>
-          </a:bodyPr>
-          <a:lstStyle/>
-          <a:p>
-            <a:pPr marL="9525" marR="0" lvl="0" indent="0" algn="l" rtl="0">
-              <a:lnSpc>
-                <a:spcPct val="100000"/>
-              </a:lnSpc>
-              <a:spcBef>
-                <a:spcPts val="0"/>
-              </a:spcBef>
-              <a:spcAft>
-                <a:spcPts val="0"/>
-              </a:spcAft>
-              <a:buNone/>
-            </a:pPr>
-            <a:r>
-              <a:rPr lang="es-ES" sz="2400" b="0" i="0" u="none" strike="noStrike" cap="none">
-                <a:solidFill>
-                  <a:srgbClr val="FFFFFF"/>
-                </a:solidFill>
-                <a:latin typeface="Verdana"/>
-                <a:ea typeface="Verdana"/>
-                <a:cs typeface="Verdana"/>
-                <a:sym typeface="Verdana"/>
-              </a:rPr>
-              <a:t>PMI (Project Management Institute)</a:t>
-            </a:r>
-            <a:endParaRPr sz="2400" b="0" i="0" u="none" strike="noStrike" cap="none">
-              <a:solidFill>
-                <a:srgbClr val="000000"/>
-              </a:solidFill>
-              <a:latin typeface="Verdana"/>
-              <a:ea typeface="Verdana"/>
-              <a:cs typeface="Verdana"/>
-              <a:sym typeface="Verdana"/>
-            </a:endParaRPr>
-          </a:p>
-        </p:txBody>
-      </p:sp>
-      <p:sp>
-        <p:nvSpPr>
           <p:cNvPr id="26" name="Google Shape;26;p6"/>
           <p:cNvSpPr txBox="1"/>
           <p:nvPr/>
@@ -12263,67 +11649,6 @@
       </p:grpSpPr>
       <p:sp>
         <p:nvSpPr>
-          <p:cNvPr id="25" name="Google Shape;25;p6"/>
-          <p:cNvSpPr txBox="1"/>
-          <p:nvPr/>
-        </p:nvSpPr>
-        <p:spPr>
-          <a:xfrm>
-            <a:off x="1733475" y="375472"/>
-            <a:ext cx="4502944" cy="378950"/>
-          </a:xfrm>
-          <a:prstGeom prst="rect">
-            <a:avLst/>
-          </a:prstGeom>
-          <a:noFill/>
-          <a:ln>
-            <a:noFill/>
-          </a:ln>
-        </p:spPr>
-        <p:txBody>
-          <a:bodyPr spcFirstLastPara="1" wrap="square" lIns="0" tIns="9525" rIns="0" bIns="0" anchor="t" anchorCtr="0">
-            <a:spAutoFit/>
-          </a:bodyPr>
-          <a:lstStyle/>
-          <a:p>
-            <a:pPr marL="9525" marR="0" lvl="0" indent="0" algn="l" rtl="0">
-              <a:lnSpc>
-                <a:spcPct val="100000"/>
-              </a:lnSpc>
-              <a:spcBef>
-                <a:spcPts val="0"/>
-              </a:spcBef>
-              <a:spcAft>
-                <a:spcPts val="0"/>
-              </a:spcAft>
-              <a:buNone/>
-            </a:pPr>
-            <a:r>
-              <a:rPr lang="es-ES" sz="2400" b="0" i="0" u="none" strike="noStrike" cap="none">
-                <a:solidFill>
-                  <a:srgbClr val="FFFFFF"/>
-                </a:solidFill>
-                <a:latin typeface="Verdana"/>
-                <a:ea typeface="Verdana"/>
-                <a:cs typeface="Verdana"/>
-                <a:sym typeface="Verdana"/>
-              </a:rPr>
-              <a:t>PMI (Project Management Institute)</a:t>
-            </a:r>
-            <a:endParaRPr sz="2400" b="0" i="0" u="none" strike="noStrike" cap="none">
-              <a:solidFill>
-                <a:srgbClr val="000000"/>
-              </a:solidFill>
-              <a:latin typeface="Verdana"/>
-              <a:ea typeface="Verdana"/>
-              <a:cs typeface="Verdana"/>
-              <a:sym typeface="Verdana"/>
-            </a:endParaRPr>
-          </a:p>
-        </p:txBody>
-      </p:sp>
-      <p:sp>
-        <p:nvSpPr>
           <p:cNvPr id="27" name="Google Shape;27;p6"/>
           <p:cNvSpPr txBox="1"/>
           <p:nvPr/>
@@ -12465,136 +11790,6 @@
           <a:chExt cx="0" cy="0"/>
         </a:xfrm>
       </p:grpSpPr>
-      <p:sp>
-        <p:nvSpPr>
-          <p:cNvPr id="296" name="Google Shape;296;p51"/>
-          <p:cNvSpPr/>
-          <p:nvPr/>
-        </p:nvSpPr>
-        <p:spPr>
-          <a:xfrm>
-            <a:off x="550875" y="3900350"/>
-            <a:ext cx="56700" cy="794700"/>
-          </a:xfrm>
-          <a:prstGeom prst="roundRect">
-            <a:avLst>
-              <a:gd name="adj" fmla="val 16667"/>
-            </a:avLst>
-          </a:prstGeom>
-          <a:solidFill>
-            <a:schemeClr val="lt2"/>
-          </a:solidFill>
-          <a:ln w="9525" cap="flat" cmpd="sng">
-            <a:solidFill>
-              <a:schemeClr val="dk2"/>
-            </a:solidFill>
-            <a:prstDash val="solid"/>
-            <a:round/>
-            <a:headEnd type="none" w="sm" len="sm"/>
-            <a:tailEnd type="none" w="sm" len="sm"/>
-          </a:ln>
-        </p:spPr>
-        <p:txBody>
-          <a:bodyPr spcFirstLastPara="1" wrap="square" lIns="91425" tIns="91425" rIns="91425" bIns="91425" anchor="ctr" anchorCtr="0">
-            <a:noAutofit/>
-          </a:bodyPr>
-          <a:lstStyle/>
-          <a:p>
-            <a:pPr marL="0" marR="0" lvl="0" indent="0" algn="l" rtl="0">
-              <a:lnSpc>
-                <a:spcPct val="100000"/>
-              </a:lnSpc>
-              <a:spcBef>
-                <a:spcPts val="0"/>
-              </a:spcBef>
-              <a:spcAft>
-                <a:spcPts val="0"/>
-              </a:spcAft>
-              <a:buClr>
-                <a:srgbClr val="000000"/>
-              </a:buClr>
-              <a:buSzPts val="1400"/>
-              <a:buFont typeface="Arial"/>
-              <a:buNone/>
-            </a:pPr>
-            <a:endParaRPr sz="1400" b="0" i="0" u="none" strike="noStrike" cap="none">
-              <a:solidFill>
-                <a:srgbClr val="000000"/>
-              </a:solidFill>
-              <a:latin typeface="Arial"/>
-              <a:ea typeface="Arial"/>
-              <a:cs typeface="Arial"/>
-              <a:sym typeface="Arial"/>
-            </a:endParaRPr>
-          </a:p>
-        </p:txBody>
-      </p:sp>
-      <p:sp>
-        <p:nvSpPr>
-          <p:cNvPr id="297" name="Google Shape;297;p51"/>
-          <p:cNvSpPr txBox="1"/>
-          <p:nvPr/>
-        </p:nvSpPr>
-        <p:spPr>
-          <a:xfrm>
-            <a:off x="698500" y="3824150"/>
-            <a:ext cx="3224700" cy="400200"/>
-          </a:xfrm>
-          <a:prstGeom prst="rect">
-            <a:avLst/>
-          </a:prstGeom>
-          <a:noFill/>
-          <a:ln>
-            <a:noFill/>
-          </a:ln>
-        </p:spPr>
-        <p:txBody>
-          <a:bodyPr spcFirstLastPara="1" wrap="square" lIns="91425" tIns="91425" rIns="91425" bIns="91425" anchor="t" anchorCtr="0">
-            <a:spAutoFit/>
-          </a:bodyPr>
-          <a:lstStyle/>
-          <a:p>
-            <a:pPr marL="0" marR="0" lvl="0" indent="0" algn="l" rtl="0">
-              <a:lnSpc>
-                <a:spcPct val="100000"/>
-              </a:lnSpc>
-              <a:spcBef>
-                <a:spcPts val="0"/>
-              </a:spcBef>
-              <a:spcAft>
-                <a:spcPts val="0"/>
-              </a:spcAft>
-              <a:buClr>
-                <a:srgbClr val="000000"/>
-              </a:buClr>
-              <a:buSzPts val="1400"/>
-              <a:buFont typeface="Arial"/>
-              <a:buNone/>
-            </a:pPr>
-            <a:r>
-              <a:rPr lang="es-ES" sz="1400" b="1" i="0" u="none" strike="noStrike" cap="none">
-                <a:solidFill>
-                  <a:srgbClr val="FFFFFF"/>
-                </a:solidFill>
-                <a:latin typeface="Roboto"/>
-                <a:ea typeface="Roboto"/>
-                <a:cs typeface="Roboto"/>
-                <a:sym typeface="Roboto"/>
-              </a:rPr>
-              <a:t>Datos de contacto</a:t>
-            </a:r>
-            <a:endParaRPr sz="1400" b="1" i="0" u="none" strike="noStrike" cap="none">
-              <a:solidFill>
-                <a:srgbClr val="FFFFFF"/>
-              </a:solidFill>
-              <a:latin typeface="Roboto"/>
-              <a:ea typeface="Roboto"/>
-              <a:cs typeface="Roboto"/>
-              <a:sym typeface="Roboto"/>
-            </a:endParaRPr>
-          </a:p>
-        </p:txBody>
-      </p:sp>
     </p:spTree>
   </p:cSld>
   <p:clrMapOvr>
@@ -12628,8 +11823,8 @@
         </p:nvSpPr>
         <p:spPr>
           <a:xfrm>
-            <a:off x="662940" y="923699"/>
-            <a:ext cx="8016240" cy="3826166"/>
+            <a:off x="662940" y="671491"/>
+            <a:ext cx="8016240" cy="3800517"/>
           </a:xfrm>
           <a:prstGeom prst="rect">
             <a:avLst/>
@@ -12644,6 +11839,87 @@
             <a:spAutoFit/>
           </a:bodyPr>
           <a:lstStyle/>
+          <a:p>
+            <a:pPr marL="9525" marR="58579" algn="just">
+              <a:lnSpc>
+                <a:spcPct val="204642"/>
+              </a:lnSpc>
+            </a:pPr>
+            <a:r>
+              <a:rPr lang="es-UY" sz="1800" b="1" dirty="0">
+                <a:latin typeface="Helvetica Neue Light"/>
+              </a:rPr>
+              <a:t>Base de Datos: </a:t>
+            </a:r>
+          </a:p>
+          <a:p>
+            <a:pPr marL="9525" marR="58579" lvl="0" indent="0" algn="just" rtl="0">
+              <a:spcBef>
+                <a:spcPts val="180"/>
+              </a:spcBef>
+              <a:spcAft>
+                <a:spcPts val="0"/>
+              </a:spcAft>
+              <a:buNone/>
+            </a:pPr>
+            <a:r>
+              <a:rPr lang="es-UY" sz="1800" dirty="0">
+                <a:solidFill>
+                  <a:srgbClr val="0D0D0D"/>
+                </a:solidFill>
+                <a:highlight>
+                  <a:srgbClr val="FFFFFF"/>
+                </a:highlight>
+                <a:latin typeface="ui-sans-serif"/>
+              </a:rPr>
+              <a:t>Utilizamos el dataset de Harvard University Dataverse, </a:t>
+            </a:r>
+          </a:p>
+          <a:p>
+            <a:pPr marL="9525" marR="58579" lvl="0" indent="0" algn="just" rtl="0">
+              <a:spcBef>
+                <a:spcPts val="180"/>
+              </a:spcBef>
+              <a:spcAft>
+                <a:spcPts val="0"/>
+              </a:spcAft>
+              <a:buNone/>
+            </a:pPr>
+            <a:r>
+              <a:rPr lang="es-UY" sz="1800" dirty="0">
+                <a:solidFill>
+                  <a:srgbClr val="0D0D0D"/>
+                </a:solidFill>
+                <a:highlight>
+                  <a:srgbClr val="FFFFFF"/>
+                </a:highlight>
+                <a:latin typeface="ui-sans-serif"/>
+              </a:rPr>
+              <a:t>Específicamente, United Nations General Assembly Voting Data</a:t>
+            </a:r>
+            <a:r>
+              <a:rPr lang="es-UY" sz="1800" b="0" i="0" dirty="0">
+                <a:solidFill>
+                  <a:srgbClr val="0D0D0D"/>
+                </a:solidFill>
+                <a:effectLst/>
+                <a:highlight>
+                  <a:srgbClr val="FFFFFF"/>
+                </a:highlight>
+                <a:latin typeface="ui-sans-serif"/>
+              </a:rPr>
+              <a:t>.</a:t>
+            </a:r>
+            <a:endParaRPr lang="es-ES" sz="1800" b="1" i="0" u="none" strike="noStrike" cap="none" dirty="0">
+              <a:solidFill>
+                <a:srgbClr val="000000"/>
+              </a:solidFill>
+              <a:latin typeface="Helvetica Neue Light"/>
+              <a:ea typeface="Helvetica Neue Light"/>
+              <a:cs typeface="Helvetica Neue Light"/>
+              <a:sym typeface="Helvetica Neue Light"/>
+            </a:endParaRPr>
+          </a:p>
           <a:p>
             <a:pPr marL="9525" marR="58579" lvl="0" indent="0" algn="just" rtl="0">
               <a:lnSpc>
@@ -12813,64 +12089,6 @@
               <a:t> Desarrollo económico (9%)</a:t>
             </a:r>
           </a:p>
-          <a:p>
-            <a:pPr marL="9525" marR="58579" algn="just">
-              <a:lnSpc>
-                <a:spcPct val="204642"/>
-              </a:lnSpc>
-            </a:pPr>
-            <a:r>
-              <a:rPr lang="es-UY" sz="1800" b="1" dirty="0">
-                <a:latin typeface="Helvetica Neue Light"/>
-              </a:rPr>
-              <a:t>Base de Datos: </a:t>
-            </a:r>
-          </a:p>
-          <a:p>
-            <a:pPr marL="9525" marR="58579" lvl="0" indent="0" algn="just" rtl="0">
-              <a:spcBef>
-                <a:spcPts val="180"/>
-              </a:spcBef>
-              <a:spcAft>
-                <a:spcPts val="0"/>
-              </a:spcAft>
-              <a:buNone/>
-            </a:pPr>
-            <a:r>
-              <a:rPr lang="es-UY" sz="1800" dirty="0">
-                <a:solidFill>
-                  <a:srgbClr val="0D0D0D"/>
-                </a:solidFill>
-                <a:highlight>
-                  <a:srgbClr val="FFFFFF"/>
-                </a:highlight>
-                <a:latin typeface="ui-sans-serif"/>
-              </a:rPr>
-              <a:t>Utilizamos el dataset de Harvard University DataVerse, específicamente el United Nations General Assembly Voting Data</a:t>
-            </a:r>
-            <a:r>
-              <a:rPr lang="es-UY" b="0" i="0" dirty="0">
-                <a:solidFill>
-                  <a:srgbClr val="0D0D0D"/>
-                </a:solidFill>
-                <a:effectLst/>
-                <a:highlight>
-                  <a:srgbClr val="FFFFFF"/>
-                </a:highlight>
-                <a:latin typeface="ui-sans-serif"/>
-              </a:rPr>
-              <a:t>.</a:t>
-            </a:r>
-            <a:endParaRPr sz="1400" b="0" i="0" u="none" strike="noStrike" cap="none" dirty="0">
-              <a:solidFill>
-                <a:srgbClr val="000000"/>
-              </a:solidFill>
-              <a:latin typeface="Helvetica Neue Light"/>
-              <a:ea typeface="Helvetica Neue Light"/>
-              <a:cs typeface="Helvetica Neue Light"/>
-              <a:sym typeface="Helvetica Neue Light"/>
-            </a:endParaRPr>
-          </a:p>
         </p:txBody>
       </p:sp>
       <p:sp>
@@ -12881,7 +12099,7 @@
         </p:nvSpPr>
         <p:spPr>
           <a:xfrm>
-            <a:off x="662940" y="585145"/>
+            <a:off x="662940" y="419284"/>
             <a:ext cx="4572000" cy="338554"/>
           </a:xfrm>
           <a:prstGeom prst="rect">
@@ -13017,7 +12235,31 @@
                 </a:highlight>
                 <a:latin typeface="ui-sans-serif"/>
               </a:rPr>
-              <a:t>Nos centramos en las votaciones sobre el conflicto palestino y las opiniones consultivas relacionadas, en particular la opinión de 2004 (A/ES-10/273) sobre las consecuencias jurídicas de la construcción del muro israelí en territorio palestino.</a:t>
+              <a:t>Nos centramos en las votaciones sobre el conflicto palestino y las opiniones consultivas relacionadas, </a:t>
+            </a:r>
+            <a:r>
+              <a:rPr lang="es-MX" sz="1800" b="1" dirty="0">
+                <a:solidFill>
+                  <a:srgbClr val="0D0D0D"/>
+                </a:solidFill>
+                <a:highlight>
+                  <a:srgbClr val="FFFFFF"/>
+                </a:highlight>
+                <a:latin typeface="ui-sans-serif"/>
+              </a:rPr>
+              <a:t>en particular la opinión de 2004 (A/ES-10/273) </a:t>
+            </a:r>
+            <a:r>
+              <a:rPr lang="es-MX" sz="1800" dirty="0">
+                <a:solidFill>
+                  <a:srgbClr val="0D0D0D"/>
+                </a:solidFill>
+                <a:highlight>
+                  <a:srgbClr val="FFFFFF"/>
+                </a:highlight>
+                <a:latin typeface="ui-sans-serif"/>
+              </a:rPr>
+              <a:t>sobre las consecuencias jurídicas de la construcción del muro israelí en territorio palestino.</a:t>
             </a:r>
           </a:p>
           <a:p>
@@ -13045,20 +12287,53 @@
                 </a:highlight>
                 <a:latin typeface="ui-sans-serif"/>
               </a:rPr>
-              <a:t>Aplicamos NLP a documentos legales y opiniones consultivas, utilizando BERT para el análisis de sentimientos y un modelo de Preguntas y Respuestas para inferir resultados de votaciones futuras, como la opinión consultiva en curso (A/Res/77/247).</a:t>
+              <a:t>Aplicamos NLP a documentos legales y opiniones consultivas, eligiendo el modelo BERT para el análisis de sentimientos.</a:t>
+            </a:r>
+          </a:p>
+          <a:p>
+            <a:pPr algn="l"/>
+            <a:r>
+              <a:rPr lang="es-MX" sz="1800" dirty="0">
+                <a:solidFill>
+                  <a:srgbClr val="0D0D0D"/>
+                </a:solidFill>
+                <a:highlight>
+                  <a:srgbClr val="FFFFFF"/>
+                </a:highlight>
+                <a:latin typeface="ui-sans-serif"/>
+              </a:rPr>
+              <a:t>Además de un modelo de Preguntas y Respuestas para inferir resultados de votaciones futuras, como la </a:t>
+            </a:r>
+            <a:r>
+              <a:rPr lang="es-MX" sz="1800" b="1" dirty="0">
+                <a:solidFill>
+                  <a:srgbClr val="0D0D0D"/>
+                </a:solidFill>
+                <a:highlight>
+                  <a:srgbClr val="FFFFFF"/>
+                </a:highlight>
+                <a:latin typeface="ui-sans-serif"/>
+              </a:rPr>
+              <a:t>opinión consultiva en curso (A/Res/77/247).</a:t>
             </a:r>
           </a:p>
         </p:txBody>
       </p:sp>
       <p:sp>
         <p:nvSpPr>
-          <p:cNvPr id="27" name="Google Shape;27;p6"/>
+          <p:cNvPr id="2" name="Google Shape;27;p6">
+            <a:extLst>
+              <a:ext uri="{FF2B5EF4-FFF2-40B4-BE49-F238E27FC236}">
+                <a16:creationId xmlns:a16="http://schemas.microsoft.com/office/drawing/2014/main" id="{39F1E113-2290-BE4E-733F-25C3D1C6B09B}"/>
+              </a:ext>
+            </a:extLst>
+          </p:cNvPr>
           <p:cNvSpPr txBox="1"/>
           <p:nvPr/>
         </p:nvSpPr>
         <p:spPr>
           <a:xfrm>
-            <a:off x="662940" y="585145"/>
+            <a:off x="662940" y="419284"/>
             <a:ext cx="4572000" cy="338554"/>
           </a:xfrm>
           <a:prstGeom prst="rect">
@@ -13146,7 +12421,7 @@
         </p:nvSpPr>
         <p:spPr>
           <a:xfrm>
-            <a:off x="662940" y="923699"/>
+            <a:off x="658796" y="653212"/>
             <a:ext cx="8016240" cy="602719"/>
           </a:xfrm>
           <a:prstGeom prst="rect">
@@ -13177,64 +12452,6 @@
               </a:rPr>
               <a:t>Diagrama del proceso de opinión consultiva desde la solicitud de UN </a:t>
             </a:r>
-          </a:p>
-        </p:txBody>
-      </p:sp>
-      <p:sp>
-        <p:nvSpPr>
-          <p:cNvPr id="27" name="Google Shape;27;p6"/>
-          <p:cNvSpPr txBox="1"/>
-          <p:nvPr/>
-        </p:nvSpPr>
-        <p:spPr>
-          <a:xfrm>
-            <a:off x="662940" y="585145"/>
-            <a:ext cx="4572000" cy="338554"/>
-          </a:xfrm>
-          <a:prstGeom prst="rect">
-            <a:avLst/>
-          </a:prstGeom>
-          <a:noFill/>
-          <a:ln>
-            <a:noFill/>
-          </a:ln>
-        </p:spPr>
-        <p:txBody>
-          <a:bodyPr spcFirstLastPara="1" wrap="square" lIns="91425" tIns="45700" rIns="91425" bIns="45700" anchor="t" anchorCtr="0">
-            <a:spAutoFit/>
-          </a:bodyPr>
-          <a:lstStyle/>
-          <a:p>
-            <a:pPr marL="0" marR="0" lvl="0" indent="0" algn="l" rtl="0">
-              <a:lnSpc>
-                <a:spcPct val="100000"/>
-              </a:lnSpc>
-              <a:spcBef>
-                <a:spcPts val="0"/>
-              </a:spcBef>
-              <a:spcAft>
-                <a:spcPts val="0"/>
-              </a:spcAft>
-              <a:buNone/>
-            </a:pPr>
-            <a:r>
-              <a:rPr lang="es-ES" sz="1600" b="1" dirty="0">
-                <a:latin typeface="Helvetica Neue Light"/>
-                <a:ea typeface="Helvetica Neue Light"/>
-                <a:cs typeface="Helvetica Neue Light"/>
-                <a:sym typeface="Helvetica Neue Light"/>
-              </a:rPr>
-              <a:t>Presentación</a:t>
-            </a:r>
-            <a:endParaRPr sz="1600" b="1" i="0" u="none" strike="noStrike" cap="none" dirty="0">
-              <a:solidFill>
-                <a:srgbClr val="000000"/>
-              </a:solidFill>
-              <a:latin typeface="Helvetica Neue Light"/>
-              <a:ea typeface="Helvetica Neue Light"/>
-              <a:cs typeface="Helvetica Neue Light"/>
-              <a:sym typeface="Helvetica Neue Light"/>
-            </a:endParaRPr>
           </a:p>
         </p:txBody>
       </p:sp>
@@ -13252,7 +12469,7 @@
         </p:nvSpPr>
         <p:spPr>
           <a:xfrm>
-            <a:off x="1270591" y="1653378"/>
+            <a:off x="1270591" y="1473267"/>
             <a:ext cx="1522026" cy="337398"/>
           </a:xfrm>
           <a:prstGeom prst="roundRect">
@@ -13286,7 +12503,7 @@
           <a:lstStyle/>
           <a:p>
             <a:pPr algn="ctr"/>
-            <a:endParaRPr lang="es-UY"/>
+            <a:endParaRPr lang="es-UY" dirty="0"/>
           </a:p>
         </p:txBody>
       </p:sp>
@@ -13304,7 +12521,7 @@
         </p:nvSpPr>
         <p:spPr>
           <a:xfrm>
-            <a:off x="2792617" y="2412870"/>
+            <a:off x="2792617" y="2232759"/>
             <a:ext cx="1086971" cy="337399"/>
           </a:xfrm>
           <a:prstGeom prst="roundRect">
@@ -13338,7 +12555,7 @@
           <a:lstStyle/>
           <a:p>
             <a:pPr algn="ctr"/>
-            <a:endParaRPr lang="es-UY"/>
+            <a:endParaRPr lang="es-UY" dirty="0"/>
           </a:p>
         </p:txBody>
       </p:sp>
@@ -13356,7 +12573,7 @@
         </p:nvSpPr>
         <p:spPr>
           <a:xfrm>
-            <a:off x="420668" y="3455580"/>
+            <a:off x="420668" y="3275469"/>
             <a:ext cx="1086971" cy="369429"/>
           </a:xfrm>
           <a:prstGeom prst="roundRect">
@@ -13390,7 +12607,7 @@
           <a:lstStyle/>
           <a:p>
             <a:pPr algn="ctr"/>
-            <a:endParaRPr lang="es-UY"/>
+            <a:endParaRPr lang="es-UY" dirty="0"/>
           </a:p>
         </p:txBody>
       </p:sp>
@@ -13408,7 +12625,7 @@
         </p:nvSpPr>
         <p:spPr>
           <a:xfrm>
-            <a:off x="1724136" y="2273730"/>
+            <a:off x="1724136" y="2093619"/>
             <a:ext cx="605118" cy="596040"/>
           </a:xfrm>
           <a:prstGeom prst="diamond">
@@ -13442,7 +12659,7 @@
           <a:lstStyle/>
           <a:p>
             <a:pPr algn="ctr"/>
-            <a:endParaRPr lang="es-UY"/>
+            <a:endParaRPr lang="es-UY" dirty="0"/>
           </a:p>
         </p:txBody>
       </p:sp>
@@ -13460,7 +12677,7 @@
         </p:nvSpPr>
         <p:spPr>
           <a:xfrm>
-            <a:off x="6270351" y="3321260"/>
+            <a:off x="6270351" y="3141149"/>
             <a:ext cx="605118" cy="596040"/>
           </a:xfrm>
           <a:prstGeom prst="diamond">
@@ -13494,7 +12711,7 @@
           <a:lstStyle/>
           <a:p>
             <a:pPr algn="ctr"/>
-            <a:endParaRPr lang="es-UY"/>
+            <a:endParaRPr lang="es-UY" dirty="0"/>
           </a:p>
         </p:txBody>
       </p:sp>
@@ -13512,7 +12729,7 @@
         </p:nvSpPr>
         <p:spPr>
           <a:xfrm>
-            <a:off x="2785893" y="3455582"/>
+            <a:off x="2785893" y="3275471"/>
             <a:ext cx="1086971" cy="887818"/>
           </a:xfrm>
           <a:prstGeom prst="roundRect">
@@ -13546,7 +12763,7 @@
           <a:lstStyle/>
           <a:p>
             <a:pPr algn="ctr"/>
-            <a:endParaRPr lang="es-UY"/>
+            <a:endParaRPr lang="es-UY" dirty="0"/>
           </a:p>
         </p:txBody>
       </p:sp>
@@ -13564,7 +12781,7 @@
         </p:nvSpPr>
         <p:spPr>
           <a:xfrm>
-            <a:off x="5905052" y="1811888"/>
+            <a:off x="5905052" y="1631777"/>
             <a:ext cx="1335720" cy="649708"/>
           </a:xfrm>
           <a:prstGeom prst="roundRect">
@@ -13598,7 +12815,7 @@
           <a:lstStyle/>
           <a:p>
             <a:pPr algn="ctr"/>
-            <a:endParaRPr lang="es-UY"/>
+            <a:endParaRPr lang="es-UY" dirty="0"/>
           </a:p>
         </p:txBody>
       </p:sp>
@@ -13616,7 +12833,7 @@
         </p:nvSpPr>
         <p:spPr>
           <a:xfrm>
-            <a:off x="5905051" y="2716271"/>
+            <a:off x="5905051" y="2536160"/>
             <a:ext cx="1335721" cy="349389"/>
           </a:xfrm>
           <a:prstGeom prst="roundRect">
@@ -13650,7 +12867,7 @@
           <a:lstStyle/>
           <a:p>
             <a:pPr algn="ctr"/>
-            <a:endParaRPr lang="es-UY"/>
+            <a:endParaRPr lang="es-UY" dirty="0"/>
           </a:p>
         </p:txBody>
       </p:sp>
@@ -13668,7 +12885,7 @@
         </p:nvSpPr>
         <p:spPr>
           <a:xfrm>
-            <a:off x="5968921" y="4124657"/>
+            <a:off x="5968921" y="3944546"/>
             <a:ext cx="1207977" cy="368057"/>
           </a:xfrm>
           <a:prstGeom prst="roundRect">
@@ -13702,7 +12919,7 @@
           <a:lstStyle/>
           <a:p>
             <a:pPr algn="ctr"/>
-            <a:endParaRPr lang="es-UY"/>
+            <a:endParaRPr lang="es-UY" dirty="0"/>
           </a:p>
         </p:txBody>
       </p:sp>
@@ -13720,7 +12937,7 @@
         </p:nvSpPr>
         <p:spPr>
           <a:xfrm>
-            <a:off x="7430232" y="3411897"/>
+            <a:off x="7430232" y="3231786"/>
             <a:ext cx="1080247" cy="410371"/>
           </a:xfrm>
           <a:prstGeom prst="roundRect">
@@ -13754,7 +12971,7 @@
           <a:lstStyle/>
           <a:p>
             <a:pPr algn="ctr"/>
-            <a:endParaRPr lang="es-UY"/>
+            <a:endParaRPr lang="es-UY" dirty="0"/>
           </a:p>
         </p:txBody>
       </p:sp>
@@ -13776,7 +12993,7 @@
         </p:nvCxnSpPr>
         <p:spPr>
           <a:xfrm>
-            <a:off x="2329254" y="2571750"/>
+            <a:off x="2329254" y="2391639"/>
             <a:ext cx="463363" cy="9820"/>
           </a:xfrm>
           <a:prstGeom prst="straightConnector1">
@@ -13821,7 +13038,7 @@
         </p:nvCxnSpPr>
         <p:spPr>
           <a:xfrm>
-            <a:off x="2026695" y="2869770"/>
+            <a:off x="2026695" y="2689659"/>
             <a:ext cx="0" cy="320482"/>
           </a:xfrm>
           <a:prstGeom prst="straightConnector1">
@@ -13866,7 +13083,7 @@
         </p:nvCxnSpPr>
         <p:spPr>
           <a:xfrm>
-            <a:off x="2026695" y="1990776"/>
+            <a:off x="2026695" y="1810665"/>
             <a:ext cx="0" cy="282954"/>
           </a:xfrm>
           <a:prstGeom prst="straightConnector1">
@@ -13907,7 +13124,7 @@
         </p:nvCxnSpPr>
         <p:spPr>
           <a:xfrm>
-            <a:off x="3329378" y="3203292"/>
+            <a:off x="3329378" y="3023181"/>
             <a:ext cx="0" cy="252289"/>
           </a:xfrm>
           <a:prstGeom prst="straightConnector1">
@@ -13951,7 +13168,7 @@
         </p:nvCxnSpPr>
         <p:spPr>
           <a:xfrm>
-            <a:off x="964153" y="3203292"/>
+            <a:off x="964153" y="3023181"/>
             <a:ext cx="0" cy="239249"/>
           </a:xfrm>
           <a:prstGeom prst="straightConnector1">
@@ -13995,7 +13212,7 @@
         </p:nvCxnSpPr>
         <p:spPr>
           <a:xfrm flipH="1">
-            <a:off x="964153" y="3203292"/>
+            <a:off x="964153" y="3023181"/>
             <a:ext cx="2365225" cy="0"/>
           </a:xfrm>
           <a:prstGeom prst="straightConnector1">
@@ -14041,7 +13258,7 @@
         </p:nvCxnSpPr>
         <p:spPr>
           <a:xfrm flipH="1">
-            <a:off x="6572910" y="3065660"/>
+            <a:off x="6572910" y="2885549"/>
             <a:ext cx="2" cy="255600"/>
           </a:xfrm>
           <a:prstGeom prst="straightConnector1">
@@ -14087,7 +13304,7 @@
         </p:nvCxnSpPr>
         <p:spPr>
           <a:xfrm>
-            <a:off x="6572912" y="2461596"/>
+            <a:off x="6572912" y="2281485"/>
             <a:ext cx="0" cy="254675"/>
           </a:xfrm>
           <a:prstGeom prst="straightConnector1">
@@ -14131,7 +13348,7 @@
         </p:nvCxnSpPr>
         <p:spPr>
           <a:xfrm flipH="1">
-            <a:off x="6572910" y="3899491"/>
+            <a:off x="6572910" y="3719380"/>
             <a:ext cx="1" cy="225166"/>
           </a:xfrm>
           <a:prstGeom prst="straightConnector1">
@@ -14177,7 +13394,7 @@
         </p:nvCxnSpPr>
         <p:spPr>
           <a:xfrm flipV="1">
-            <a:off x="6875469" y="3617083"/>
+            <a:off x="6875469" y="3436972"/>
             <a:ext cx="554763" cy="2197"/>
           </a:xfrm>
           <a:prstGeom prst="straightConnector1">
@@ -14219,7 +13436,7 @@
         </p:nvSpPr>
         <p:spPr>
           <a:xfrm>
-            <a:off x="1305985" y="1678405"/>
+            <a:off x="1305985" y="1498294"/>
             <a:ext cx="1441420" cy="276999"/>
           </a:xfrm>
           <a:prstGeom prst="rect">
@@ -14260,7 +13477,7 @@
         </p:nvSpPr>
         <p:spPr>
           <a:xfrm>
-            <a:off x="2887864" y="2494685"/>
+            <a:off x="2887864" y="2314574"/>
             <a:ext cx="967928" cy="184666"/>
           </a:xfrm>
           <a:prstGeom prst="rect">
@@ -14295,7 +13512,7 @@
         </p:nvSpPr>
         <p:spPr>
           <a:xfrm>
-            <a:off x="414172" y="3461669"/>
+            <a:off x="414172" y="3281558"/>
             <a:ext cx="1061569" cy="369332"/>
           </a:xfrm>
           <a:prstGeom prst="rect">
@@ -14336,7 +13553,7 @@
         </p:nvSpPr>
         <p:spPr>
           <a:xfrm>
-            <a:off x="2851776" y="3656316"/>
+            <a:off x="2851776" y="3476205"/>
             <a:ext cx="955204" cy="369332"/>
           </a:xfrm>
           <a:prstGeom prst="rect">
@@ -14371,7 +13588,7 @@
         </p:nvSpPr>
         <p:spPr>
           <a:xfrm>
-            <a:off x="3888401" y="3018115"/>
+            <a:off x="3888401" y="2838004"/>
             <a:ext cx="1218434" cy="812884"/>
           </a:xfrm>
           <a:custGeom>
@@ -14457,7 +13674,7 @@
           <a:lstStyle/>
           <a:p>
             <a:pPr algn="ctr"/>
-            <a:endParaRPr lang="es-UY"/>
+            <a:endParaRPr lang="es-UY" dirty="0"/>
           </a:p>
         </p:txBody>
       </p:sp>
@@ -14475,7 +13692,7 @@
         </p:nvSpPr>
         <p:spPr>
           <a:xfrm>
-            <a:off x="658796" y="2479417"/>
+            <a:off x="658796" y="2299306"/>
             <a:ext cx="1122423" cy="184666"/>
           </a:xfrm>
           <a:prstGeom prst="rect">
@@ -14510,7 +13727,7 @@
         </p:nvSpPr>
         <p:spPr>
           <a:xfrm>
-            <a:off x="3317656" y="3190252"/>
+            <a:off x="3317656" y="3010141"/>
             <a:ext cx="253596" cy="184666"/>
           </a:xfrm>
           <a:prstGeom prst="rect">
@@ -14545,7 +13762,7 @@
         </p:nvSpPr>
         <p:spPr>
           <a:xfrm>
-            <a:off x="683298" y="3190252"/>
+            <a:off x="683298" y="3010141"/>
             <a:ext cx="253596" cy="184666"/>
           </a:xfrm>
           <a:prstGeom prst="rect">
@@ -14580,7 +13797,7 @@
         </p:nvSpPr>
         <p:spPr>
           <a:xfrm>
-            <a:off x="2367390" y="2396429"/>
+            <a:off x="2367390" y="2216318"/>
             <a:ext cx="284052" cy="184666"/>
           </a:xfrm>
           <a:prstGeom prst="rect">
@@ -14617,7 +13834,7 @@
         </p:nvCxnSpPr>
         <p:spPr>
           <a:xfrm flipH="1" flipV="1">
-            <a:off x="2792617" y="1802375"/>
+            <a:off x="2792617" y="1622264"/>
             <a:ext cx="1311550" cy="9513"/>
           </a:xfrm>
           <a:prstGeom prst="straightConnector1">
@@ -14662,7 +13879,7 @@
         </p:nvCxnSpPr>
         <p:spPr>
           <a:xfrm flipH="1">
-            <a:off x="4080223" y="1811888"/>
+            <a:off x="4080223" y="1631777"/>
             <a:ext cx="23944" cy="2760112"/>
           </a:xfrm>
           <a:prstGeom prst="straightConnector1">
@@ -14706,7 +13923,7 @@
         </p:nvCxnSpPr>
         <p:spPr>
           <a:xfrm flipH="1">
-            <a:off x="3329378" y="4572000"/>
+            <a:off x="3329378" y="4391889"/>
             <a:ext cx="747211" cy="0"/>
           </a:xfrm>
           <a:prstGeom prst="straightConnector1">
@@ -14751,7 +13968,7 @@
         </p:nvCxnSpPr>
         <p:spPr>
           <a:xfrm flipH="1">
-            <a:off x="3329378" y="4343400"/>
+            <a:off x="3329378" y="4163289"/>
             <a:ext cx="1" cy="228600"/>
           </a:xfrm>
           <a:prstGeom prst="straightConnector1">
@@ -14793,7 +14010,7 @@
         </p:nvSpPr>
         <p:spPr>
           <a:xfrm>
-            <a:off x="5349508" y="1535367"/>
+            <a:off x="5349508" y="1355256"/>
             <a:ext cx="3107232" cy="184666"/>
           </a:xfrm>
           <a:prstGeom prst="rect">
@@ -14829,7 +14046,7 @@
         </p:nvSpPr>
         <p:spPr>
           <a:xfrm>
-            <a:off x="5987792" y="1955618"/>
+            <a:off x="5987792" y="1775507"/>
             <a:ext cx="1170239" cy="369332"/>
           </a:xfrm>
           <a:prstGeom prst="rect">
@@ -14849,7 +14066,7 @@
             </a:pPr>
             <a:r>
               <a:rPr lang="es-UY" sz="600" dirty="0"/>
-              <a:t>Written Proceedings</a:t>
+              <a:t>Resolution UN</a:t>
             </a:r>
           </a:p>
           <a:p>
@@ -14859,7 +14076,7 @@
             </a:pPr>
             <a:r>
               <a:rPr lang="es-UY" sz="600" dirty="0"/>
-              <a:t>Oral Proceedings</a:t>
+              <a:t>Written Proceedings</a:t>
             </a:r>
           </a:p>
           <a:p>
@@ -14869,7 +14086,7 @@
             </a:pPr>
             <a:r>
               <a:rPr lang="es-UY" sz="600" dirty="0"/>
-              <a:t>Rosolution UN</a:t>
+              <a:t>Oral Proceedings</a:t>
             </a:r>
           </a:p>
         </p:txBody>
@@ -14888,7 +14105,7 @@
         </p:nvSpPr>
         <p:spPr>
           <a:xfrm>
-            <a:off x="6596696" y="3899491"/>
+            <a:off x="6596696" y="3719380"/>
             <a:ext cx="253596" cy="184666"/>
           </a:xfrm>
           <a:prstGeom prst="rect">
@@ -14923,7 +14140,7 @@
         </p:nvSpPr>
         <p:spPr>
           <a:xfrm>
-            <a:off x="6929674" y="3442540"/>
+            <a:off x="6929674" y="3262429"/>
             <a:ext cx="284052" cy="184666"/>
           </a:xfrm>
           <a:prstGeom prst="rect">
@@ -14958,7 +14175,7 @@
         </p:nvSpPr>
         <p:spPr>
           <a:xfrm>
-            <a:off x="5277904" y="3507596"/>
+            <a:off x="5277904" y="3327485"/>
             <a:ext cx="1063112" cy="184666"/>
           </a:xfrm>
           <a:prstGeom prst="rect">
@@ -14993,7 +14210,7 @@
         </p:nvSpPr>
         <p:spPr>
           <a:xfrm>
-            <a:off x="5968921" y="2725220"/>
+            <a:off x="5968921" y="2545109"/>
             <a:ext cx="1228637" cy="369332"/>
           </a:xfrm>
           <a:prstGeom prst="rect">
@@ -15028,7 +14245,7 @@
         </p:nvSpPr>
         <p:spPr>
           <a:xfrm>
-            <a:off x="7536757" y="3524749"/>
+            <a:off x="7536757" y="3344638"/>
             <a:ext cx="967928" cy="184666"/>
           </a:xfrm>
           <a:prstGeom prst="rect">
@@ -15063,7 +14280,7 @@
         </p:nvSpPr>
         <p:spPr>
           <a:xfrm>
-            <a:off x="5998121" y="4126199"/>
+            <a:off x="5998121" y="3946088"/>
             <a:ext cx="1170235" cy="369332"/>
           </a:xfrm>
           <a:prstGeom prst="rect">
@@ -15098,8 +14315,8 @@
         </p:nvSpPr>
         <p:spPr>
           <a:xfrm>
-            <a:off x="5112629" y="1528270"/>
-            <a:ext cx="3578273" cy="3132210"/>
+            <a:off x="5112629" y="1284470"/>
+            <a:ext cx="3578273" cy="3195899"/>
           </a:xfrm>
           <a:prstGeom prst="roundRect">
             <a:avLst/>
@@ -15132,7 +14349,71 @@
           <a:lstStyle/>
           <a:p>
             <a:pPr algn="ctr"/>
-            <a:endParaRPr lang="es-UY"/>
+            <a:endParaRPr lang="es-UY" dirty="0"/>
+          </a:p>
+        </p:txBody>
+      </p:sp>
+      <p:sp>
+        <p:nvSpPr>
+          <p:cNvPr id="5" name="Google Shape;27;p6">
+            <a:extLst>
+              <a:ext uri="{FF2B5EF4-FFF2-40B4-BE49-F238E27FC236}">
+                <a16:creationId xmlns:a16="http://schemas.microsoft.com/office/drawing/2014/main" id="{B9B09138-5FAD-79EB-1CBD-8D88EB847C7B}"/>
+              </a:ext>
+            </a:extLst>
+          </p:cNvPr>
+          <p:cNvSpPr txBox="1"/>
+          <p:nvPr/>
+        </p:nvSpPr>
+        <p:spPr>
+          <a:xfrm>
+            <a:off x="662940" y="419284"/>
+            <a:ext cx="4572000" cy="338554"/>
+          </a:xfrm>
+          <a:prstGeom prst="rect">
+            <a:avLst/>
+          </a:prstGeom>
+          <a:noFill/>
+          <a:ln>
+            <a:noFill/>
+          </a:ln>
+        </p:spPr>
+        <p:txBody>
+          <a:bodyPr spcFirstLastPara="1" wrap="square" lIns="91425" tIns="45700" rIns="91425" bIns="45700" anchor="t" anchorCtr="0">
+            <a:spAutoFit/>
+          </a:bodyPr>
+          <a:lstStyle/>
+          <a:p>
+            <a:pPr marL="0" marR="0" lvl="0" indent="0" algn="l" rtl="0">
+              <a:lnSpc>
+                <a:spcPct val="100000"/>
+              </a:lnSpc>
+              <a:spcBef>
+                <a:spcPts val="0"/>
+              </a:spcBef>
+              <a:spcAft>
+                <a:spcPts val="0"/>
+              </a:spcAft>
+              <a:buNone/>
+            </a:pPr>
+            <a:r>
+              <a:rPr lang="es-ES" sz="1600" b="1" dirty="0">
+                <a:latin typeface="Helvetica Neue Light"/>
+                <a:ea typeface="Helvetica Neue Light"/>
+                <a:cs typeface="Helvetica Neue Light"/>
+                <a:sym typeface="Helvetica Neue Light"/>
+              </a:rPr>
+              <a:t>Presentación</a:t>
+            </a:r>
+            <a:endParaRPr sz="1600" b="1" i="0" u="none" strike="noStrike" cap="none" dirty="0">
+              <a:solidFill>
+                <a:srgbClr val="000000"/>
+              </a:solidFill>
+              <a:latin typeface="Helvetica Neue Light"/>
+              <a:ea typeface="Helvetica Neue Light"/>
+              <a:cs typeface="Helvetica Neue Light"/>
+              <a:sym typeface="Helvetica Neue Light"/>
+            </a:endParaRPr>
           </a:p>
         </p:txBody>
       </p:sp>
@@ -15168,14 +14449,14 @@
       </p:grpSpPr>
       <p:sp>
         <p:nvSpPr>
-          <p:cNvPr id="26" name="Google Shape;26;p6"/>
+          <p:cNvPr id="27" name="Google Shape;27;p6"/>
           <p:cNvSpPr txBox="1"/>
           <p:nvPr/>
         </p:nvSpPr>
         <p:spPr>
           <a:xfrm>
-            <a:off x="662940" y="923699"/>
-            <a:ext cx="8016240" cy="1485012"/>
+            <a:off x="607969" y="359831"/>
+            <a:ext cx="4572000" cy="338554"/>
           </a:xfrm>
           <a:prstGeom prst="rect">
             <a:avLst/>
@@ -15186,83 +14467,6 @@
           </a:ln>
         </p:spPr>
         <p:txBody>
-          <a:bodyPr spcFirstLastPara="1" wrap="square" lIns="0" tIns="22850" rIns="0" bIns="0" anchor="t" anchorCtr="0">
-            <a:spAutoFit/>
-          </a:bodyPr>
-          <a:lstStyle/>
-          <a:p>
-            <a:pPr marL="9525" marR="58579" algn="just">
-              <a:lnSpc>
-                <a:spcPct val="200000"/>
-              </a:lnSpc>
-              <a:spcBef>
-                <a:spcPts val="180"/>
-              </a:spcBef>
-            </a:pPr>
-            <a:r>
-              <a:rPr lang="es-MX" sz="1800" b="1" dirty="0">
-                <a:latin typeface="Helvetica Neue Light"/>
-              </a:rPr>
-              <a:t>Objetivo del Modelo: </a:t>
-            </a:r>
-          </a:p>
-          <a:p>
-            <a:pPr marL="9525" marR="58579" algn="just">
-              <a:spcBef>
-                <a:spcPts val="180"/>
-              </a:spcBef>
-            </a:pPr>
-            <a:r>
-              <a:rPr lang="es-MX" sz="1800" dirty="0">
-                <a:solidFill>
-                  <a:srgbClr val="0D0D0D"/>
-                </a:solidFill>
-                <a:highlight>
-                  <a:srgbClr val="FFFFFF"/>
-                </a:highlight>
-                <a:latin typeface="ui-sans-serif"/>
-              </a:rPr>
-              <a:t>Predecir el resultado de futuras votaciones relacionadas con el conflicto palestino, basándonos en análisis de sentimiento y respuestas a preguntas legales específicas.</a:t>
-            </a:r>
-          </a:p>
-          <a:p>
-            <a:pPr marL="9525" marR="58579" algn="just">
-              <a:spcBef>
-                <a:spcPts val="180"/>
-              </a:spcBef>
-            </a:pPr>
-            <a:endParaRPr lang="es-MX" sz="1800" dirty="0">
-              <a:solidFill>
-                <a:srgbClr val="0D0D0D"/>
-              </a:solidFill>
-              <a:highlight>
-                <a:srgbClr val="FFFFFF"/>
-              </a:highlight>
-              <a:latin typeface="ui-sans-serif"/>
-            </a:endParaRPr>
-          </a:p>
-        </p:txBody>
-      </p:sp>
-      <p:sp>
-        <p:nvSpPr>
-          <p:cNvPr id="27" name="Google Shape;27;p6"/>
-          <p:cNvSpPr txBox="1"/>
-          <p:nvPr/>
-        </p:nvSpPr>
-        <p:spPr>
-          <a:xfrm>
-            <a:off x="662940" y="585145"/>
-            <a:ext cx="4572000" cy="338554"/>
-          </a:xfrm>
-          <a:prstGeom prst="rect">
-            <a:avLst/>
-          </a:prstGeom>
-          <a:noFill/>
-          <a:ln>
-            <a:noFill/>
-          </a:ln>
-        </p:spPr>
-        <p:txBody>
           <a:bodyPr spcFirstLastPara="1" wrap="square" lIns="91425" tIns="45700" rIns="91425" bIns="45700" anchor="t" anchorCtr="0">
             <a:spAutoFit/>
           </a:bodyPr>
@@ -15281,13 +14485,16 @@
               <a:buNone/>
             </a:pPr>
             <a:r>
-              <a:rPr lang="es-ES" sz="1600" b="1" dirty="0">
+              <a:rPr lang="es-ES" sz="1600" b="1" i="0" u="none" strike="noStrike" cap="none" dirty="0">
+                <a:solidFill>
+                  <a:srgbClr val="000000"/>
+                </a:solidFill>
                 <a:latin typeface="Helvetica Neue Light"/>
                 <a:ea typeface="Helvetica Neue Light"/>
                 <a:cs typeface="Helvetica Neue Light"/>
                 <a:sym typeface="Helvetica Neue Light"/>
               </a:rPr>
-              <a:t>Presentación</a:t>
+              <a:t>Análisis exploratorio</a:t>
             </a:r>
             <a:endParaRPr sz="1600" b="1" i="0" u="none" strike="noStrike" cap="none" dirty="0">
               <a:solidFill>
@@ -15301,89 +14508,12 @@
           </a:p>
         </p:txBody>
       </p:sp>
-      <p:pic>
-        <p:nvPicPr>
-          <p:cNvPr id="2" name="Picture 1">
+      <p:sp>
+        <p:nvSpPr>
+          <p:cNvPr id="2" name="Google Shape;26;p6">
             <a:extLst>
               <a:ext uri="{FF2B5EF4-FFF2-40B4-BE49-F238E27FC236}">
-                <a16:creationId xmlns:a16="http://schemas.microsoft.com/office/drawing/2014/main" id="{E1CBC166-AC20-15C1-827B-0C4CCAA1F1B4}"/>
-              </a:ext>
-            </a:extLst>
-          </p:cNvPr>
-          <p:cNvPicPr>
-            <a:picLocks noChangeAspect="1"/>
-          </p:cNvPicPr>
-          <p:nvPr/>
-        </p:nvPicPr>
-        <p:blipFill>
-          <a:blip r:embed="rId3"/>
-          <a:stretch>
-            <a:fillRect/>
-          </a:stretch>
-        </p:blipFill>
-        <p:spPr>
-          <a:xfrm>
-            <a:off x="1302808" y="2877809"/>
-            <a:ext cx="2195675" cy="805556"/>
-          </a:xfrm>
-          <a:prstGeom prst="rect">
-            <a:avLst/>
-          </a:prstGeom>
-        </p:spPr>
-      </p:pic>
-      <p:pic>
-        <p:nvPicPr>
-          <p:cNvPr id="3" name="Picture 4" descr="Home">
-            <a:extLst>
-              <a:ext uri="{FF2B5EF4-FFF2-40B4-BE49-F238E27FC236}">
-                <a16:creationId xmlns:a16="http://schemas.microsoft.com/office/drawing/2014/main" id="{D87FB89B-2AAC-E618-0214-EE4B68A163A8}"/>
-              </a:ext>
-            </a:extLst>
-          </p:cNvPr>
-          <p:cNvPicPr>
-            <a:picLocks noChangeAspect="1" noChangeArrowheads="1"/>
-          </p:cNvPicPr>
-          <p:nvPr/>
-        </p:nvPicPr>
-        <p:blipFill>
-          <a:blip r:embed="rId4">
-            <a:extLst>
-              <a:ext uri="{28A0092B-C50C-407E-A947-70E740481C1C}">
-                <a14:useLocalDpi xmlns:a14="http://schemas.microsoft.com/office/drawing/2010/main" val="0"/>
-              </a:ext>
-            </a:extLst>
-          </a:blip>
-          <a:srcRect/>
-          <a:stretch>
-            <a:fillRect/>
-          </a:stretch>
-        </p:blipFill>
-        <p:spPr bwMode="auto">
-          <a:xfrm>
-            <a:off x="4608030" y="2829266"/>
-            <a:ext cx="854099" cy="854099"/>
-          </a:xfrm>
-          <a:prstGeom prst="rect">
-            <a:avLst/>
-          </a:prstGeom>
-          <a:noFill/>
-          <a:extLst>
-            <a:ext uri="{909E8E84-426E-40DD-AFC4-6F175D3DCCD1}">
-              <a14:hiddenFill xmlns:a14="http://schemas.microsoft.com/office/drawing/2010/main">
-                <a:solidFill>
-                  <a:srgbClr val="FFFFFF"/>
-                </a:solidFill>
-              </a14:hiddenFill>
-            </a:ext>
-          </a:extLst>
-        </p:spPr>
-      </p:pic>
-      <p:sp>
-        <p:nvSpPr>
-          <p:cNvPr id="4" name="TextBox 3">
-            <a:extLst>
-              <a:ext uri="{FF2B5EF4-FFF2-40B4-BE49-F238E27FC236}">
-                <a16:creationId xmlns:a16="http://schemas.microsoft.com/office/drawing/2014/main" id="{B4F8288C-B60D-C98D-D42E-C203DBF853A0}"/>
+                <a16:creationId xmlns:a16="http://schemas.microsoft.com/office/drawing/2014/main" id="{B239A515-A45F-1C9A-EA40-54CA06C20188}"/>
               </a:ext>
             </a:extLst>
           </p:cNvPr>
@@ -15392,37 +14522,245 @@
         </p:nvSpPr>
         <p:spPr>
           <a:xfrm>
-            <a:off x="5462129" y="2933149"/>
-            <a:ext cx="2442761" cy="646331"/>
+            <a:off x="607969" y="598118"/>
+            <a:ext cx="8016240" cy="3300894"/>
           </a:xfrm>
           <a:prstGeom prst="rect">
             <a:avLst/>
           </a:prstGeom>
           <a:noFill/>
+          <a:ln>
+            <a:noFill/>
+          </a:ln>
         </p:spPr>
         <p:txBody>
-          <a:bodyPr wrap="square" rtlCol="0">
+          <a:bodyPr spcFirstLastPara="1" wrap="square" lIns="0" tIns="22850" rIns="0" bIns="0" anchor="t" anchorCtr="0">
             <a:spAutoFit/>
           </a:bodyPr>
           <a:lstStyle/>
           <a:p>
-            <a:r>
-              <a:rPr lang="es-UY" sz="1800" b="1" dirty="0">
-                <a:latin typeface="+mj-lt"/>
-                <a:ea typeface="Sans Serif Collection" panose="020B0502040504020204" pitchFamily="34" charset="0"/>
-                <a:cs typeface="Sans Serif Collection" panose="020B0502040504020204" pitchFamily="34" charset="0"/>
-              </a:rPr>
-              <a:t>Corte Internacional</a:t>
-            </a:r>
-          </a:p>
-          <a:p>
-            <a:r>
-              <a:rPr lang="es-UY" sz="1800" b="1" dirty="0">
-                <a:latin typeface="+mj-lt"/>
-                <a:ea typeface="Sans Serif Collection" panose="020B0502040504020204" pitchFamily="34" charset="0"/>
-                <a:cs typeface="Sans Serif Collection" panose="020B0502040504020204" pitchFamily="34" charset="0"/>
-              </a:rPr>
-              <a:t>Justicia</a:t>
+            <a:pPr marL="9525" marR="58579" algn="just">
+              <a:lnSpc>
+                <a:spcPct val="150000"/>
+              </a:lnSpc>
+              <a:spcBef>
+                <a:spcPts val="180"/>
+              </a:spcBef>
+            </a:pPr>
+            <a:r>
+              <a:rPr lang="es-UY" sz="1600" b="1" dirty="0">
+                <a:latin typeface="Helvetica Neue Light"/>
+              </a:rPr>
+              <a:t>Descripción general</a:t>
+            </a:r>
+            <a:r>
+              <a:rPr lang="es-MX" sz="1600" b="1" dirty="0">
+                <a:latin typeface="Helvetica Neue Light"/>
+              </a:rPr>
+              <a:t>:</a:t>
+            </a:r>
+          </a:p>
+          <a:p>
+            <a:pPr marL="9525" marR="58579" algn="just">
+              <a:spcBef>
+                <a:spcPts val="180"/>
+              </a:spcBef>
+            </a:pPr>
+            <a:r>
+              <a:rPr lang="es-MX" b="0" i="0" dirty="0">
+                <a:solidFill>
+                  <a:srgbClr val="0D0D0D"/>
+                </a:solidFill>
+                <a:effectLst/>
+                <a:highlight>
+                  <a:srgbClr val="FFFFFF"/>
+                </a:highlight>
+                <a:latin typeface="ui-sans-serif"/>
+              </a:rPr>
+              <a:t>Utilizamos Tableau para realizar un análisis exploratorio de las votaciones de la Asamblea General de la ONU, partiendo de datos almacenados en la carpeta </a:t>
+            </a:r>
+            <a:r>
+              <a:rPr lang="es-MX" dirty="0">
+                <a:solidFill>
+                  <a:srgbClr val="0D0D0D"/>
+                </a:solidFill>
+                <a:highlight>
+                  <a:srgbClr val="FFFFFF"/>
+                </a:highlight>
+                <a:latin typeface="ui-sans-serif"/>
+              </a:rPr>
+              <a:t>D</a:t>
+            </a:r>
+            <a:r>
+              <a:rPr lang="es-MX" b="0" i="0" dirty="0">
+                <a:solidFill>
+                  <a:srgbClr val="0D0D0D"/>
+                </a:solidFill>
+                <a:effectLst/>
+                <a:highlight>
+                  <a:srgbClr val="FFFFFF"/>
+                </a:highlight>
+                <a:latin typeface="ui-sans-serif"/>
+              </a:rPr>
+              <a:t>ataverse</a:t>
+            </a:r>
+            <a:r>
+              <a:rPr lang="es-MX" dirty="0">
+                <a:solidFill>
+                  <a:srgbClr val="0D0D0D"/>
+                </a:solidFill>
+                <a:highlight>
+                  <a:srgbClr val="FFFFFF"/>
+                </a:highlight>
+                <a:latin typeface="ui-sans-serif"/>
+              </a:rPr>
+              <a:t> F</a:t>
+            </a:r>
+            <a:r>
+              <a:rPr lang="es-MX" b="0" i="0" dirty="0">
+                <a:solidFill>
+                  <a:srgbClr val="0D0D0D"/>
+                </a:solidFill>
+                <a:effectLst/>
+                <a:highlight>
+                  <a:srgbClr val="FFFFFF"/>
+                </a:highlight>
+                <a:latin typeface="ui-sans-serif"/>
+              </a:rPr>
+              <a:t>iles.</a:t>
+            </a:r>
+          </a:p>
+          <a:p>
+            <a:pPr marL="9525" marR="58579">
+              <a:lnSpc>
+                <a:spcPct val="150000"/>
+              </a:lnSpc>
+              <a:spcBef>
+                <a:spcPts val="180"/>
+              </a:spcBef>
+            </a:pPr>
+            <a:r>
+              <a:rPr lang="es-MX" sz="1600" b="1" dirty="0">
+                <a:latin typeface="Helvetica Neue Light"/>
+              </a:rPr>
+              <a:t>¿Qué procesamiento pudimos hacer gracias al análisis?</a:t>
+            </a:r>
+          </a:p>
+          <a:p>
+            <a:pPr marL="9525" marR="58579">
+              <a:spcBef>
+                <a:spcPts val="180"/>
+              </a:spcBef>
+            </a:pPr>
+            <a:r>
+              <a:rPr lang="es-MX" dirty="0">
+                <a:solidFill>
+                  <a:srgbClr val="0D0D0D"/>
+                </a:solidFill>
+                <a:highlight>
+                  <a:srgbClr val="FFFFFF"/>
+                </a:highlight>
+                <a:latin typeface="ui-sans-serif"/>
+              </a:rPr>
+              <a:t>Unificación de nombres de países, unificación de formatos de votaciones y generación de registros para la resolución de 2024.</a:t>
+            </a:r>
+          </a:p>
+          <a:p>
+            <a:pPr marL="9525" marR="58579" algn="just">
+              <a:lnSpc>
+                <a:spcPct val="150000"/>
+              </a:lnSpc>
+              <a:spcBef>
+                <a:spcPts val="180"/>
+              </a:spcBef>
+            </a:pPr>
+            <a:r>
+              <a:rPr lang="es-MX" sz="1600" b="1" dirty="0">
+                <a:latin typeface="Helvetica Neue Light"/>
+              </a:rPr>
+              <a:t>Caso de Estudio:</a:t>
+            </a:r>
+          </a:p>
+          <a:p>
+            <a:pPr marL="9525" marR="58579" algn="just">
+              <a:spcBef>
+                <a:spcPts val="180"/>
+              </a:spcBef>
+            </a:pPr>
+            <a:r>
+              <a:rPr lang="es-MX" dirty="0">
+                <a:solidFill>
+                  <a:srgbClr val="0D0D0D"/>
+                </a:solidFill>
+                <a:highlight>
+                  <a:srgbClr val="FFFFFF"/>
+                </a:highlight>
+                <a:latin typeface="ui-sans-serif"/>
+              </a:rPr>
+              <a:t>Análisis discriminativo de votaciones globales frente a votaciones de países miembro de CIJ</a:t>
+            </a:r>
+            <a:endParaRPr lang="es-MX" dirty="0">
+              <a:highlight>
+                <a:srgbClr val="FFFFFF"/>
+              </a:highlight>
+              <a:latin typeface="Helvetica Neue Light"/>
+            </a:endParaRPr>
+          </a:p>
+          <a:p>
+            <a:pPr marL="9525" marR="58579" algn="just">
+              <a:spcBef>
+                <a:spcPts val="180"/>
+              </a:spcBef>
+            </a:pPr>
+            <a:r>
+              <a:rPr lang="es-MX" dirty="0">
+                <a:solidFill>
+                  <a:srgbClr val="0D0D0D"/>
+                </a:solidFill>
+                <a:highlight>
+                  <a:srgbClr val="FFFFFF"/>
+                </a:highlight>
+                <a:latin typeface="ui-sans-serif"/>
+              </a:rPr>
+              <a:t>Análisis de votaciones para las opiniones consultivas del conflicto palestino</a:t>
+            </a:r>
+          </a:p>
+          <a:p>
+            <a:pPr marL="9525" marR="58579" algn="just">
+              <a:spcBef>
+                <a:spcPts val="180"/>
+              </a:spcBef>
+            </a:pPr>
+            <a:r>
+              <a:rPr lang="es-MX" dirty="0">
+                <a:solidFill>
+                  <a:srgbClr val="0D0D0D"/>
+                </a:solidFill>
+                <a:highlight>
+                  <a:srgbClr val="FFFFFF"/>
+                </a:highlight>
+                <a:latin typeface="ui-sans-serif"/>
+              </a:rPr>
+              <a:t>Este análisis facilita una comprensión detallada de las dinámicas de votación y su impacto en decisiones internacionales.</a:t>
+            </a:r>
+          </a:p>
+          <a:p>
+            <a:pPr marL="9525" marR="58579" algn="just">
+              <a:spcBef>
+                <a:spcPts val="180"/>
+              </a:spcBef>
+            </a:pPr>
+            <a:r>
+              <a:rPr lang="es-MX" dirty="0">
+                <a:solidFill>
+                  <a:srgbClr val="0D0D0D"/>
+                </a:solidFill>
+                <a:highlight>
+                  <a:srgbClr val="FFFFFF"/>
+                </a:highlight>
+                <a:latin typeface="ui-sans-serif"/>
+              </a:rPr>
+              <a:t>Este contenido proporciona una visión integral de las votaciones de la ONU.</a:t>
             </a:r>
           </a:p>
         </p:txBody>
@@ -15430,7 +14768,7 @@
     </p:spTree>
     <p:extLst>
       <p:ext uri="{BB962C8B-B14F-4D97-AF65-F5344CB8AC3E}">
-        <p14:creationId xmlns:p14="http://schemas.microsoft.com/office/powerpoint/2010/main" val="3133752816"/>
+        <p14:creationId xmlns:p14="http://schemas.microsoft.com/office/powerpoint/2010/main" val="367763377"/>
       </p:ext>
     </p:extLst>
   </p:cSld>
@@ -15459,14 +14797,14 @@
       </p:grpSpPr>
       <p:sp>
         <p:nvSpPr>
-          <p:cNvPr id="26" name="Google Shape;26;p6"/>
+          <p:cNvPr id="27" name="Google Shape;27;p6"/>
           <p:cNvSpPr txBox="1"/>
           <p:nvPr/>
         </p:nvSpPr>
         <p:spPr>
           <a:xfrm>
-            <a:off x="662940" y="923699"/>
-            <a:ext cx="8016240" cy="3475300"/>
+            <a:off x="662940" y="585145"/>
+            <a:ext cx="4572000" cy="338514"/>
           </a:xfrm>
           <a:prstGeom prst="rect">
             <a:avLst/>
@@ -15477,238 +14815,153 @@
           </a:ln>
         </p:spPr>
         <p:txBody>
-          <a:bodyPr spcFirstLastPara="1" wrap="square" lIns="0" tIns="22850" rIns="0" bIns="0" anchor="t" anchorCtr="0">
-            <a:spAutoFit/>
-          </a:bodyPr>
-          <a:lstStyle/>
-          <a:p>
-            <a:pPr marL="9525" marR="58579" algn="just">
-              <a:lnSpc>
-                <a:spcPct val="200000"/>
-              </a:lnSpc>
-              <a:spcBef>
-                <a:spcPts val="180"/>
-              </a:spcBef>
-            </a:pPr>
-            <a:r>
-              <a:rPr lang="es-MX" sz="1800" b="1" dirty="0">
-                <a:latin typeface="Helvetica Neue Light"/>
-              </a:rPr>
-              <a:t>Datos y Ficheros:</a:t>
-            </a:r>
-          </a:p>
-          <a:p>
-            <a:pPr marL="9525" marR="58579" algn="just">
-              <a:lnSpc>
-                <a:spcPct val="150000"/>
-              </a:lnSpc>
-              <a:spcBef>
-                <a:spcPts val="180"/>
-              </a:spcBef>
-            </a:pPr>
-            <a:r>
-              <a:rPr lang="es-MX" sz="1600" b="1" dirty="0">
-                <a:latin typeface="Helvetica Neue Light"/>
-              </a:rPr>
-              <a:t>Dividimos los datos y ficheros en dos categorías principales:</a:t>
-            </a:r>
-            <a:r>
-              <a:rPr lang="es-MX" sz="1800" b="1" dirty="0">
-                <a:latin typeface="Helvetica Neue Light"/>
-              </a:rPr>
-              <a:t> </a:t>
-            </a:r>
-          </a:p>
-          <a:p>
-            <a:pPr marL="342900" lvl="1" indent="-342900">
-              <a:buFont typeface="+mj-lt"/>
-              <a:buAutoNum type="arabicParenR"/>
-            </a:pPr>
-            <a:r>
-              <a:rPr lang="es-MX" b="1" i="0" dirty="0">
-                <a:solidFill>
-                  <a:srgbClr val="0D0D0D"/>
-                </a:solidFill>
-                <a:effectLst/>
-                <a:highlight>
-                  <a:srgbClr val="FFFFFF"/>
-                </a:highlight>
-                <a:latin typeface="ui-sans-serif"/>
-              </a:rPr>
-              <a:t>Votaciones de la Asamblea General de la ONU:</a:t>
-            </a:r>
-            <a:endParaRPr lang="es-MX" b="0" i="0" dirty="0">
-              <a:solidFill>
-                <a:srgbClr val="0D0D0D"/>
-              </a:solidFill>
-              <a:effectLst/>
-              <a:highlight>
-                <a:srgbClr val="FFFFFF"/>
-              </a:highlight>
-              <a:latin typeface="ui-sans-serif"/>
-            </a:endParaRPr>
-          </a:p>
-          <a:p>
-            <a:pPr marL="742950" lvl="1" indent="-285750" algn="l">
-              <a:buFont typeface="Arial" panose="020B0604020202020204" pitchFamily="34" charset="0"/>
-              <a:buChar char="•"/>
-            </a:pPr>
-            <a:r>
-              <a:rPr lang="es-MX" b="0" i="0" dirty="0">
-                <a:solidFill>
-                  <a:srgbClr val="0D0D0D"/>
-                </a:solidFill>
-                <a:effectLst/>
-                <a:highlight>
-                  <a:srgbClr val="FFFFFF"/>
-                </a:highlight>
-                <a:latin typeface="ui-sans-serif"/>
-              </a:rPr>
-              <a:t>Datos desde 1946 hasta 2014 provienen del Harvard University DataVerse y el repositorio United Nations General Assembly Voting Data.</a:t>
-            </a:r>
-          </a:p>
-          <a:p>
-            <a:pPr marL="742950" lvl="1" indent="-285750" algn="l">
-              <a:buFont typeface="Arial" panose="020B0604020202020204" pitchFamily="34" charset="0"/>
-              <a:buChar char="•"/>
-            </a:pPr>
-            <a:r>
-              <a:rPr lang="es-MX" b="0" i="0" dirty="0">
-                <a:solidFill>
-                  <a:srgbClr val="0D0D0D"/>
-                </a:solidFill>
-                <a:effectLst/>
-                <a:highlight>
-                  <a:srgbClr val="FFFFFF"/>
-                </a:highlight>
-                <a:latin typeface="ui-sans-serif"/>
-              </a:rPr>
-              <a:t>Datos desde 2014 obtenidos mediante técnicas de Crawling y Scrapping de la Biblioteca Digital de la ONU (United Nations Digital Library).</a:t>
-            </a:r>
-          </a:p>
-          <a:p>
-            <a:pPr marL="742950" lvl="1" indent="-285750" algn="l">
-              <a:buFont typeface="Arial" panose="020B0604020202020204" pitchFamily="34" charset="0"/>
-              <a:buChar char="•"/>
-            </a:pPr>
-            <a:endParaRPr lang="es-MX" b="0" i="0" dirty="0">
-              <a:solidFill>
-                <a:srgbClr val="0D0D0D"/>
-              </a:solidFill>
-              <a:effectLst/>
-              <a:highlight>
-                <a:srgbClr val="FFFFFF"/>
-              </a:highlight>
-              <a:latin typeface="ui-sans-serif"/>
-            </a:endParaRPr>
-          </a:p>
-          <a:p>
-            <a:pPr marL="342900" lvl="1" indent="-342900">
-              <a:buFont typeface="+mj-lt"/>
-              <a:buAutoNum type="arabicParenR" startAt="2"/>
-            </a:pPr>
-            <a:r>
-              <a:rPr lang="es-MX" b="1" dirty="0">
-                <a:solidFill>
-                  <a:srgbClr val="0D0D0D"/>
-                </a:solidFill>
-                <a:highlight>
-                  <a:srgbClr val="FFFFFF"/>
-                </a:highlight>
-                <a:latin typeface="ui-sans-serif"/>
-              </a:rPr>
-              <a:t>Modelo de NLP para la opinión consultiva de la CIJ:</a:t>
-            </a:r>
-          </a:p>
-          <a:p>
-            <a:pPr marL="742950" lvl="1" indent="-285750" algn="l">
-              <a:buFont typeface="Arial" panose="020B0604020202020204" pitchFamily="34" charset="0"/>
-              <a:buChar char="•"/>
-            </a:pPr>
-            <a:r>
-              <a:rPr lang="es-MX" b="0" i="0" dirty="0">
-                <a:solidFill>
-                  <a:srgbClr val="0D0D0D"/>
-                </a:solidFill>
-                <a:effectLst/>
-                <a:highlight>
-                  <a:srgbClr val="FFFFFF"/>
-                </a:highlight>
-                <a:latin typeface="ui-sans-serif"/>
-              </a:rPr>
-              <a:t>Datos de la Corte Internacional de Justicia, principalmente documentos en PDF de las opiniones consultivas de 2004 y 2023.</a:t>
-            </a:r>
-          </a:p>
-          <a:p>
-            <a:br>
-              <a:rPr lang="es-MX" dirty="0"/>
-            </a:br>
-            <a:endParaRPr lang="es-MX" sz="1800" dirty="0">
-              <a:solidFill>
-                <a:srgbClr val="0D0D0D"/>
-              </a:solidFill>
-              <a:highlight>
-                <a:srgbClr val="FFFFFF"/>
-              </a:highlight>
-              <a:latin typeface="ui-sans-serif"/>
-            </a:endParaRPr>
-          </a:p>
-        </p:txBody>
-      </p:sp>
-      <p:sp>
-        <p:nvSpPr>
-          <p:cNvPr id="27" name="Google Shape;27;p6"/>
-          <p:cNvSpPr txBox="1"/>
-          <p:nvPr/>
-        </p:nvSpPr>
-        <p:spPr>
-          <a:xfrm>
-            <a:off x="662940" y="585145"/>
-            <a:ext cx="4572000" cy="338514"/>
-          </a:xfrm>
-          <a:prstGeom prst="rect">
-            <a:avLst/>
-          </a:prstGeom>
-          <a:noFill/>
-          <a:ln>
-            <a:noFill/>
-          </a:ln>
-        </p:spPr>
-        <p:txBody>
           <a:bodyPr spcFirstLastPara="1" wrap="square" lIns="91425" tIns="45700" rIns="91425" bIns="45700" anchor="t" anchorCtr="0">
             <a:spAutoFit/>
           </a:bodyPr>
           <a:lstStyle/>
           <a:p>
-            <a:pPr marL="0" marR="0" lvl="0" indent="0" algn="l" rtl="0">
-              <a:lnSpc>
-                <a:spcPct val="100000"/>
-              </a:lnSpc>
-              <a:spcBef>
-                <a:spcPts val="0"/>
-              </a:spcBef>
-              <a:spcAft>
-                <a:spcPts val="0"/>
-              </a:spcAft>
-              <a:buNone/>
-            </a:pPr>
-            <a:r>
-              <a:rPr lang="es-MX" sz="1600" b="1" dirty="0">
+            <a:r>
+              <a:rPr lang="es-ES" sz="1600" b="1" i="0" u="none" strike="noStrike" cap="none" dirty="0">
+                <a:solidFill>
+                  <a:srgbClr val="000000"/>
+                </a:solidFill>
                 <a:latin typeface="Helvetica Neue Light"/>
-              </a:rPr>
-              <a:t>Documentación de Archivos del Proyecto</a:t>
-            </a:r>
-            <a:endParaRPr sz="1600" b="1" dirty="0">
+                <a:ea typeface="Helvetica Neue Light"/>
+                <a:cs typeface="Helvetica Neue Light"/>
+                <a:sym typeface="Helvetica Neue Light"/>
+              </a:rPr>
+              <a:t>Análisis exploratorio </a:t>
+            </a:r>
+            <a:r>
+              <a:rPr lang="es-ES" sz="1600" b="1" i="0" u="none" strike="noStrike" cap="none" dirty="0">
+                <a:solidFill>
+                  <a:srgbClr val="FFC000"/>
+                </a:solidFill>
+                <a:latin typeface="Helvetica Neue Light"/>
+                <a:ea typeface="Helvetica Neue Light"/>
+                <a:cs typeface="Helvetica Neue Light"/>
+                <a:sym typeface="Helvetica Neue Light"/>
+              </a:rPr>
+              <a:t>|</a:t>
+            </a:r>
+            <a:r>
+              <a:rPr lang="es-ES" sz="1600" b="1" i="0" u="none" strike="noStrike" cap="none" dirty="0">
+                <a:solidFill>
+                  <a:srgbClr val="000000"/>
+                </a:solidFill>
+                <a:latin typeface="Helvetica Neue Light"/>
+                <a:ea typeface="Helvetica Neue Light"/>
+                <a:cs typeface="Helvetica Neue Light"/>
+                <a:sym typeface="Helvetica Neue Light"/>
+              </a:rPr>
+              <a:t> Visualizaciones</a:t>
+            </a:r>
+            <a:endParaRPr sz="1600" b="1" i="0" u="none" strike="noStrike" cap="none" dirty="0">
+              <a:solidFill>
+                <a:srgbClr val="000000"/>
+              </a:solidFill>
               <a:latin typeface="Helvetica Neue Light"/>
+              <a:ea typeface="Helvetica Neue Light"/>
+              <a:cs typeface="Helvetica Neue Light"/>
               <a:sym typeface="Helvetica Neue Light"/>
             </a:endParaRPr>
           </a:p>
         </p:txBody>
       </p:sp>
+      <p:pic>
+        <p:nvPicPr>
+          <p:cNvPr id="6" name="Picture 5">
+            <a:extLst>
+              <a:ext uri="{FF2B5EF4-FFF2-40B4-BE49-F238E27FC236}">
+                <a16:creationId xmlns:a16="http://schemas.microsoft.com/office/drawing/2014/main" id="{9A0C76E7-4D72-72EE-33A6-BE4CEABE4847}"/>
+              </a:ext>
+            </a:extLst>
+          </p:cNvPr>
+          <p:cNvPicPr>
+            <a:picLocks noChangeAspect="1"/>
+          </p:cNvPicPr>
+          <p:nvPr/>
+        </p:nvPicPr>
+        <p:blipFill>
+          <a:blip r:embed="rId3"/>
+          <a:stretch>
+            <a:fillRect/>
+          </a:stretch>
+        </p:blipFill>
+        <p:spPr>
+          <a:xfrm>
+            <a:off x="874058" y="1133372"/>
+            <a:ext cx="5099040" cy="3241518"/>
+          </a:xfrm>
+          <a:prstGeom prst="rect">
+            <a:avLst/>
+          </a:prstGeom>
+        </p:spPr>
+      </p:pic>
+      <p:pic>
+        <p:nvPicPr>
+          <p:cNvPr id="3" name="Picture 2">
+            <a:extLst>
+              <a:ext uri="{FF2B5EF4-FFF2-40B4-BE49-F238E27FC236}">
+                <a16:creationId xmlns:a16="http://schemas.microsoft.com/office/drawing/2014/main" id="{86FC571C-AFC7-F897-F41A-07F17C44B7B6}"/>
+              </a:ext>
+            </a:extLst>
+          </p:cNvPr>
+          <p:cNvPicPr>
+            <a:picLocks noChangeAspect="1"/>
+          </p:cNvPicPr>
+          <p:nvPr/>
+        </p:nvPicPr>
+        <p:blipFill>
+          <a:blip r:embed="rId4"/>
+          <a:stretch>
+            <a:fillRect/>
+          </a:stretch>
+        </p:blipFill>
+        <p:spPr>
+          <a:xfrm>
+            <a:off x="5973098" y="923659"/>
+            <a:ext cx="1151826" cy="3556615"/>
+          </a:xfrm>
+          <a:prstGeom prst="rect">
+            <a:avLst/>
+          </a:prstGeom>
+        </p:spPr>
+      </p:pic>
+      <p:pic>
+        <p:nvPicPr>
+          <p:cNvPr id="5" name="Picture 4">
+            <a:extLst>
+              <a:ext uri="{FF2B5EF4-FFF2-40B4-BE49-F238E27FC236}">
+                <a16:creationId xmlns:a16="http://schemas.microsoft.com/office/drawing/2014/main" id="{B9C6DA16-9AC8-3E41-EFAF-6ED2DF204030}"/>
+              </a:ext>
+            </a:extLst>
+          </p:cNvPr>
+          <p:cNvPicPr>
+            <a:picLocks noChangeAspect="1"/>
+          </p:cNvPicPr>
+          <p:nvPr/>
+        </p:nvPicPr>
+        <p:blipFill>
+          <a:blip r:embed="rId4"/>
+          <a:stretch>
+            <a:fillRect/>
+          </a:stretch>
+        </p:blipFill>
+        <p:spPr>
+          <a:xfrm>
+            <a:off x="7271918" y="887333"/>
+            <a:ext cx="1209142" cy="3733596"/>
+          </a:xfrm>
+          <a:prstGeom prst="rect">
+            <a:avLst/>
+          </a:prstGeom>
+        </p:spPr>
+      </p:pic>
     </p:spTree>
     <p:extLst>
       <p:ext uri="{BB962C8B-B14F-4D97-AF65-F5344CB8AC3E}">
-        <p14:creationId xmlns:p14="http://schemas.microsoft.com/office/powerpoint/2010/main" val="1361912114"/>
+        <p14:creationId xmlns:p14="http://schemas.microsoft.com/office/powerpoint/2010/main" val="3938546513"/>
       </p:ext>
     </p:extLst>
   </p:cSld>
@@ -15737,14 +14990,14 @@
       </p:grpSpPr>
       <p:sp>
         <p:nvSpPr>
-          <p:cNvPr id="26" name="Google Shape;26;p6"/>
+          <p:cNvPr id="27" name="Google Shape;27;p6"/>
           <p:cNvSpPr txBox="1"/>
           <p:nvPr/>
         </p:nvSpPr>
         <p:spPr>
           <a:xfrm>
-            <a:off x="662940" y="923699"/>
-            <a:ext cx="8016240" cy="3090580"/>
+            <a:off x="635231" y="467381"/>
+            <a:ext cx="4572000" cy="338514"/>
           </a:xfrm>
           <a:prstGeom prst="rect">
             <a:avLst/>
@@ -15755,199 +15008,93 @@
           </a:ln>
         </p:spPr>
         <p:txBody>
-          <a:bodyPr spcFirstLastPara="1" wrap="square" lIns="0" tIns="22850" rIns="0" bIns="0" anchor="t" anchorCtr="0">
-            <a:spAutoFit/>
-          </a:bodyPr>
-          <a:lstStyle/>
-          <a:p>
-            <a:pPr marL="9525" marR="58579" algn="just">
-              <a:lnSpc>
-                <a:spcPct val="200000"/>
-              </a:lnSpc>
-              <a:spcBef>
-                <a:spcPts val="180"/>
-              </a:spcBef>
-            </a:pPr>
-            <a:r>
-              <a:rPr lang="es-MX" sz="1800" b="1" dirty="0">
-                <a:latin typeface="Helvetica Neue Light"/>
-              </a:rPr>
-              <a:t>Datos y Ficheros:</a:t>
-            </a:r>
-          </a:p>
-          <a:p>
-            <a:pPr marL="9525" marR="58579" algn="just">
-              <a:lnSpc>
-                <a:spcPct val="150000"/>
-              </a:lnSpc>
-              <a:spcBef>
-                <a:spcPts val="180"/>
-              </a:spcBef>
-            </a:pPr>
-            <a:r>
-              <a:rPr lang="es-MX" sz="1600" b="1" dirty="0">
-                <a:latin typeface="Helvetica Neue Light"/>
-              </a:rPr>
-              <a:t>Procesamiento y Estructuración de Datos: </a:t>
-            </a:r>
-          </a:p>
-          <a:p>
-            <a:pPr marL="742950" lvl="1" indent="-285750">
-              <a:buFont typeface="Arial" panose="020B0604020202020204" pitchFamily="34" charset="0"/>
-              <a:buChar char="•"/>
-            </a:pPr>
-            <a:r>
-              <a:rPr lang="es-MX" b="0" i="0" dirty="0">
-                <a:solidFill>
-                  <a:srgbClr val="0D0D0D"/>
-                </a:solidFill>
-                <a:effectLst/>
-                <a:highlight>
-                  <a:srgbClr val="FFFFFF"/>
-                </a:highlight>
-                <a:latin typeface="ui-sans-serif"/>
-              </a:rPr>
-              <a:t>Implementamos un sistema de Crawling con Selenium y WebDriver para extraer URLs y un sistema de Scrapping con lxml para procesar y almacenar los datos en formatos JSON y CSV.</a:t>
-            </a:r>
-          </a:p>
-          <a:p>
-            <a:pPr marL="742950" lvl="1" indent="-285750">
-              <a:buFont typeface="Arial" panose="020B0604020202020204" pitchFamily="34" charset="0"/>
-              <a:buChar char="•"/>
-            </a:pPr>
-            <a:endParaRPr lang="es-MX" b="0" i="0" dirty="0">
-              <a:solidFill>
-                <a:srgbClr val="0D0D0D"/>
-              </a:solidFill>
-              <a:effectLst/>
-              <a:highlight>
-                <a:srgbClr val="FFFFFF"/>
-              </a:highlight>
-              <a:latin typeface="ui-sans-serif"/>
-            </a:endParaRPr>
-          </a:p>
-          <a:p>
-            <a:pPr marL="742950" lvl="1" indent="-285750">
-              <a:buFont typeface="Arial" panose="020B0604020202020204" pitchFamily="34" charset="0"/>
-              <a:buChar char="•"/>
-            </a:pPr>
-            <a:r>
-              <a:rPr lang="es-MX" b="0" i="0" dirty="0">
-                <a:solidFill>
-                  <a:srgbClr val="0D0D0D"/>
-                </a:solidFill>
-                <a:effectLst/>
-                <a:highlight>
-                  <a:srgbClr val="FFFFFF"/>
-                </a:highlight>
-                <a:latin typeface="ui-sans-serif"/>
-              </a:rPr>
-              <a:t>Segmentamos y transformamos documentos PDF usando PyPDF2, permitiendo la organización de textos en formatos más manejables (texto plano y JSON).</a:t>
-            </a:r>
-          </a:p>
-          <a:p>
-            <a:pPr marL="742950" lvl="1" indent="-285750" algn="l">
-              <a:buFont typeface="Arial" panose="020B0604020202020204" pitchFamily="34" charset="0"/>
-              <a:buChar char="•"/>
-            </a:pPr>
-            <a:endParaRPr lang="es-MX" b="0" i="0" dirty="0">
-              <a:solidFill>
-                <a:srgbClr val="0D0D0D"/>
-              </a:solidFill>
-              <a:effectLst/>
-              <a:highlight>
-                <a:srgbClr val="FFFFFF"/>
-              </a:highlight>
-              <a:latin typeface="ui-sans-serif"/>
-            </a:endParaRPr>
-          </a:p>
-          <a:p>
-            <a:pPr lvl="1">
-              <a:lnSpc>
-                <a:spcPct val="150000"/>
-              </a:lnSpc>
-            </a:pPr>
-            <a:r>
-              <a:rPr lang="es-UY" sz="1600" b="1" dirty="0">
-                <a:latin typeface="Helvetica Neue Light"/>
-              </a:rPr>
-              <a:t>Dificultades: </a:t>
-            </a:r>
-          </a:p>
-          <a:p>
-            <a:pPr marL="742950" lvl="1" indent="-285750">
-              <a:buFont typeface="Arial" panose="020B0604020202020204" pitchFamily="34" charset="0"/>
-              <a:buChar char="•"/>
-            </a:pPr>
-            <a:r>
-              <a:rPr lang="es-MX" dirty="0">
-                <a:solidFill>
-                  <a:srgbClr val="0D0D0D"/>
-                </a:solidFill>
-                <a:highlight>
-                  <a:srgbClr val="FFFFFF"/>
-                </a:highlight>
-                <a:latin typeface="ui-sans-serif"/>
-              </a:rPr>
-              <a:t> Encontramos desafíos con los documentos de Oral Proceedings debido a la calidad de digitalización, lo que limitó el alcance inicial del dataset.</a:t>
-            </a:r>
-          </a:p>
-        </p:txBody>
-      </p:sp>
-      <p:sp>
-        <p:nvSpPr>
-          <p:cNvPr id="27" name="Google Shape;27;p6"/>
-          <p:cNvSpPr txBox="1"/>
-          <p:nvPr/>
-        </p:nvSpPr>
-        <p:spPr>
-          <a:xfrm>
-            <a:off x="662940" y="585145"/>
-            <a:ext cx="4572000" cy="338514"/>
-          </a:xfrm>
-          <a:prstGeom prst="rect">
-            <a:avLst/>
-          </a:prstGeom>
-          <a:noFill/>
-          <a:ln>
-            <a:noFill/>
-          </a:ln>
-        </p:spPr>
-        <p:txBody>
           <a:bodyPr spcFirstLastPara="1" wrap="square" lIns="91425" tIns="45700" rIns="91425" bIns="45700" anchor="t" anchorCtr="0">
             <a:spAutoFit/>
           </a:bodyPr>
           <a:lstStyle/>
           <a:p>
-            <a:pPr marL="0" marR="0" lvl="0" indent="0" algn="l" rtl="0">
-              <a:lnSpc>
-                <a:spcPct val="100000"/>
-              </a:lnSpc>
-              <a:spcBef>
-                <a:spcPts val="0"/>
-              </a:spcBef>
-              <a:spcAft>
-                <a:spcPts val="0"/>
-              </a:spcAft>
-              <a:buNone/>
-            </a:pPr>
-            <a:r>
-              <a:rPr lang="es-MX" sz="1600" b="1" dirty="0">
+            <a:r>
+              <a:rPr lang="es-ES" sz="1600" b="1" i="0" u="none" strike="noStrike" cap="none" dirty="0">
+                <a:solidFill>
+                  <a:srgbClr val="000000"/>
+                </a:solidFill>
                 <a:latin typeface="Helvetica Neue Light"/>
-              </a:rPr>
-              <a:t>Documentación de Archivos del Proyecto</a:t>
-            </a:r>
-            <a:endParaRPr sz="1600" b="1" dirty="0">
+                <a:ea typeface="Helvetica Neue Light"/>
+                <a:cs typeface="Helvetica Neue Light"/>
+                <a:sym typeface="Helvetica Neue Light"/>
+              </a:rPr>
+              <a:t>Análisis exploratorio </a:t>
+            </a:r>
+            <a:r>
+              <a:rPr lang="es-ES" sz="1600" b="1" i="0" u="none" strike="noStrike" cap="none" dirty="0">
+                <a:solidFill>
+                  <a:srgbClr val="FFC000"/>
+                </a:solidFill>
+                <a:latin typeface="Helvetica Neue Light"/>
+                <a:ea typeface="Helvetica Neue Light"/>
+                <a:cs typeface="Helvetica Neue Light"/>
+                <a:sym typeface="Helvetica Neue Light"/>
+              </a:rPr>
+              <a:t>|</a:t>
+            </a:r>
+            <a:r>
+              <a:rPr lang="es-ES" sz="1600" b="1" i="0" u="none" strike="noStrike" cap="none" dirty="0">
+                <a:solidFill>
+                  <a:srgbClr val="000000"/>
+                </a:solidFill>
+                <a:latin typeface="Helvetica Neue Light"/>
+                <a:ea typeface="Helvetica Neue Light"/>
+                <a:cs typeface="Helvetica Neue Light"/>
+                <a:sym typeface="Helvetica Neue Light"/>
+              </a:rPr>
+              <a:t> Visualizaciones</a:t>
+            </a:r>
+            <a:endParaRPr sz="1600" b="1" i="0" u="none" strike="noStrike" cap="none" dirty="0">
+              <a:solidFill>
+                <a:srgbClr val="000000"/>
+              </a:solidFill>
               <a:latin typeface="Helvetica Neue Light"/>
+              <a:ea typeface="Helvetica Neue Light"/>
+              <a:cs typeface="Helvetica Neue Light"/>
               <a:sym typeface="Helvetica Neue Light"/>
             </a:endParaRPr>
           </a:p>
         </p:txBody>
       </p:sp>
+      <p:pic>
+        <p:nvPicPr>
+          <p:cNvPr id="14" name="Picture 13">
+            <a:extLst>
+              <a:ext uri="{FF2B5EF4-FFF2-40B4-BE49-F238E27FC236}">
+                <a16:creationId xmlns:a16="http://schemas.microsoft.com/office/drawing/2014/main" id="{1DE490F0-20D8-18D2-2CD9-B9D61B107A94}"/>
+              </a:ext>
+            </a:extLst>
+          </p:cNvPr>
+          <p:cNvPicPr>
+            <a:picLocks noChangeAspect="1"/>
+          </p:cNvPicPr>
+          <p:nvPr/>
+        </p:nvPicPr>
+        <p:blipFill>
+          <a:blip r:embed="rId3"/>
+          <a:stretch>
+            <a:fillRect/>
+          </a:stretch>
+        </p:blipFill>
+        <p:spPr>
+          <a:xfrm>
+            <a:off x="1609440" y="1044336"/>
+            <a:ext cx="5925119" cy="3375473"/>
+          </a:xfrm>
+          <a:prstGeom prst="rect">
+            <a:avLst/>
+          </a:prstGeom>
+        </p:spPr>
+      </p:pic>
     </p:spTree>
     <p:extLst>
       <p:ext uri="{BB962C8B-B14F-4D97-AF65-F5344CB8AC3E}">
-        <p14:creationId xmlns:p14="http://schemas.microsoft.com/office/powerpoint/2010/main" val="662395264"/>
+        <p14:creationId xmlns:p14="http://schemas.microsoft.com/office/powerpoint/2010/main" val="3739564209"/>
       </p:ext>
     </p:extLst>
   </p:cSld>
@@ -15983,7 +15130,7 @@
         <p:spPr>
           <a:xfrm>
             <a:off x="662940" y="923699"/>
-            <a:ext cx="8016240" cy="2469897"/>
+            <a:ext cx="8016240" cy="1485012"/>
           </a:xfrm>
           <a:prstGeom prst="rect">
             <a:avLst/>
@@ -16011,32 +15158,17 @@
               <a:rPr lang="es-MX" sz="1800" b="1" dirty="0">
                 <a:latin typeface="Helvetica Neue Light"/>
               </a:rPr>
-              <a:t>Datos y Ficheros:</a:t>
+              <a:t>Objetivo del Modelo: </a:t>
             </a:r>
           </a:p>
           <a:p>
             <a:pPr marL="9525" marR="58579" algn="just">
-              <a:lnSpc>
-                <a:spcPct val="150000"/>
-              </a:lnSpc>
               <a:spcBef>
                 <a:spcPts val="180"/>
               </a:spcBef>
             </a:pPr>
             <a:r>
-              <a:rPr lang="es-MX" sz="1600" b="1" dirty="0">
-                <a:latin typeface="Helvetica Neue Light"/>
-              </a:rPr>
-              <a:t>Archivos Clave:</a:t>
-            </a:r>
-          </a:p>
-          <a:p>
-            <a:pPr marL="742950" lvl="1" indent="-285750">
-              <a:buFont typeface="Arial" panose="020B0604020202020204" pitchFamily="34" charset="0"/>
-              <a:buChar char="•"/>
-            </a:pPr>
-            <a:r>
-              <a:rPr lang="es-MX" dirty="0">
+              <a:rPr lang="es-MX" sz="1800" dirty="0">
                 <a:solidFill>
                   <a:srgbClr val="0D0D0D"/>
                 </a:solidFill>
@@ -16045,42 +15177,24 @@
                 </a:highlight>
                 <a:latin typeface="ui-sans-serif"/>
               </a:rPr>
-              <a:t>Diversos archivos JSON y de texto plano consolidan la información de las opiniones consultivas y procedimientos, facilitando el manejo y análisis para el modelo de NLP.</a:t>
+              <a:t>Predecir el resultado de futuras votaciones relacionadas con el conflicto palestino, basándonos en análisis de sentimiento y respuestas a preguntas legales específicas.</a:t>
             </a:r>
           </a:p>
           <a:p>
             <a:pPr marL="9525" marR="58579" algn="just">
-              <a:lnSpc>
-                <a:spcPct val="150000"/>
-              </a:lnSpc>
               <a:spcBef>
                 <a:spcPts val="180"/>
               </a:spcBef>
             </a:pPr>
-            <a:r>
-              <a:rPr lang="es-MX" sz="1600" b="1" dirty="0">
-                <a:latin typeface="Helvetica Neue Light"/>
-              </a:rPr>
-              <a:t>Esquema de Consolidación de Datos:</a:t>
-            </a:r>
-          </a:p>
-          <a:p>
-            <a:pPr marL="742950" lvl="1" indent="-285750">
-              <a:buFont typeface="Arial" panose="020B0604020202020204" pitchFamily="34" charset="0"/>
-              <a:buChar char="•"/>
-            </a:pPr>
-            <a:r>
-              <a:rPr lang="es-MX" dirty="0">
-                <a:solidFill>
-                  <a:srgbClr val="0D0D0D"/>
-                </a:solidFill>
-                <a:highlight>
-                  <a:srgbClr val="FFFFFF"/>
-                </a:highlight>
-                <a:latin typeface="ui-sans-serif"/>
-              </a:rPr>
-              <a:t>Los documentos están organizados de manera que se pueda acceder y analizar eficientemente, considerando el objetivo de alimentar nuestro modelo de NLP para predecir resultados de votaciones futuras en la Asamblea General.</a:t>
-            </a:r>
+            <a:endParaRPr lang="es-MX" sz="1800" dirty="0">
+              <a:solidFill>
+                <a:srgbClr val="0D0D0D"/>
+              </a:solidFill>
+              <a:highlight>
+                <a:srgbClr val="FFFFFF"/>
+              </a:highlight>
+              <a:latin typeface="ui-sans-serif"/>
+            </a:endParaRPr>
           </a:p>
         </p:txBody>
       </p:sp>
@@ -16093,7 +15207,7 @@
         <p:spPr>
           <a:xfrm>
             <a:off x="662940" y="585145"/>
-            <a:ext cx="4572000" cy="338514"/>
+            <a:ext cx="4572000" cy="338554"/>
           </a:xfrm>
           <a:prstGeom prst="rect">
             <a:avLst/>
@@ -16122,22 +15236,156 @@
               <a:buNone/>
             </a:pPr>
             <a:r>
-              <a:rPr lang="es-MX" sz="1600" b="1" dirty="0">
+              <a:rPr lang="es-ES" sz="1600" b="1" dirty="0">
                 <a:latin typeface="Helvetica Neue Light"/>
-              </a:rPr>
-              <a:t>Documentación de Archivos del Proyecto</a:t>
-            </a:r>
-            <a:endParaRPr sz="1600" b="1" dirty="0">
+                <a:ea typeface="Helvetica Neue Light"/>
+                <a:cs typeface="Helvetica Neue Light"/>
+                <a:sym typeface="Helvetica Neue Light"/>
+              </a:rPr>
+              <a:t>Presentación</a:t>
+            </a:r>
+            <a:endParaRPr sz="1600" b="1" i="0" u="none" strike="noStrike" cap="none" dirty="0">
+              <a:solidFill>
+                <a:srgbClr val="000000"/>
+              </a:solidFill>
               <a:latin typeface="Helvetica Neue Light"/>
+              <a:ea typeface="Helvetica Neue Light"/>
+              <a:cs typeface="Helvetica Neue Light"/>
               <a:sym typeface="Helvetica Neue Light"/>
             </a:endParaRPr>
+          </a:p>
+        </p:txBody>
+      </p:sp>
+      <p:pic>
+        <p:nvPicPr>
+          <p:cNvPr id="2" name="Picture 1">
+            <a:extLst>
+              <a:ext uri="{FF2B5EF4-FFF2-40B4-BE49-F238E27FC236}">
+                <a16:creationId xmlns:a16="http://schemas.microsoft.com/office/drawing/2014/main" id="{E1CBC166-AC20-15C1-827B-0C4CCAA1F1B4}"/>
+              </a:ext>
+            </a:extLst>
+          </p:cNvPr>
+          <p:cNvPicPr>
+            <a:picLocks noChangeAspect="1"/>
+          </p:cNvPicPr>
+          <p:nvPr/>
+        </p:nvPicPr>
+        <p:blipFill>
+          <a:blip r:embed="rId3"/>
+          <a:stretch>
+            <a:fillRect/>
+          </a:stretch>
+        </p:blipFill>
+        <p:spPr>
+          <a:xfrm>
+            <a:off x="1302808" y="2877809"/>
+            <a:ext cx="2195675" cy="805556"/>
+          </a:xfrm>
+          <a:prstGeom prst="rect">
+            <a:avLst/>
+          </a:prstGeom>
+        </p:spPr>
+      </p:pic>
+      <p:pic>
+        <p:nvPicPr>
+          <p:cNvPr id="3" name="Picture 4" descr="Home">
+            <a:extLst>
+              <a:ext uri="{FF2B5EF4-FFF2-40B4-BE49-F238E27FC236}">
+                <a16:creationId xmlns:a16="http://schemas.microsoft.com/office/drawing/2014/main" id="{D87FB89B-2AAC-E618-0214-EE4B68A163A8}"/>
+              </a:ext>
+            </a:extLst>
+          </p:cNvPr>
+          <p:cNvPicPr>
+            <a:picLocks noChangeAspect="1" noChangeArrowheads="1"/>
+          </p:cNvPicPr>
+          <p:nvPr/>
+        </p:nvPicPr>
+        <p:blipFill>
+          <a:blip r:embed="rId4">
+            <a:extLst>
+              <a:ext uri="{28A0092B-C50C-407E-A947-70E740481C1C}">
+                <a14:useLocalDpi xmlns:a14="http://schemas.microsoft.com/office/drawing/2010/main" val="0"/>
+              </a:ext>
+            </a:extLst>
+          </a:blip>
+          <a:srcRect/>
+          <a:stretch>
+            <a:fillRect/>
+          </a:stretch>
+        </p:blipFill>
+        <p:spPr bwMode="auto">
+          <a:xfrm>
+            <a:off x="4608030" y="2829266"/>
+            <a:ext cx="854099" cy="854099"/>
+          </a:xfrm>
+          <a:prstGeom prst="rect">
+            <a:avLst/>
+          </a:prstGeom>
+          <a:noFill/>
+          <a:extLst>
+            <a:ext uri="{909E8E84-426E-40DD-AFC4-6F175D3DCCD1}">
+              <a14:hiddenFill xmlns:a14="http://schemas.microsoft.com/office/drawing/2010/main">
+                <a:solidFill>
+                  <a:srgbClr val="FFFFFF"/>
+                </a:solidFill>
+              </a14:hiddenFill>
+            </a:ext>
+          </a:extLst>
+        </p:spPr>
+      </p:pic>
+      <p:sp>
+        <p:nvSpPr>
+          <p:cNvPr id="4" name="TextBox 3">
+            <a:extLst>
+              <a:ext uri="{FF2B5EF4-FFF2-40B4-BE49-F238E27FC236}">
+                <a16:creationId xmlns:a16="http://schemas.microsoft.com/office/drawing/2014/main" id="{B4F8288C-B60D-C98D-D42E-C203DBF853A0}"/>
+              </a:ext>
+            </a:extLst>
+          </p:cNvPr>
+          <p:cNvSpPr txBox="1"/>
+          <p:nvPr/>
+        </p:nvSpPr>
+        <p:spPr>
+          <a:xfrm>
+            <a:off x="5462129" y="2933149"/>
+            <a:ext cx="2442761" cy="646331"/>
+          </a:xfrm>
+          <a:prstGeom prst="rect">
+            <a:avLst/>
+          </a:prstGeom>
+          <a:noFill/>
+        </p:spPr>
+        <p:txBody>
+          <a:bodyPr wrap="square" rtlCol="0">
+            <a:spAutoFit/>
+          </a:bodyPr>
+          <a:lstStyle/>
+          <a:p>
+            <a:r>
+              <a:rPr lang="es-UY" sz="1800" b="1" dirty="0">
+                <a:latin typeface="+mj-lt"/>
+                <a:ea typeface="Sans Serif Collection" panose="020B0502040504020204" pitchFamily="34" charset="0"/>
+                <a:cs typeface="Sans Serif Collection" panose="020B0502040504020204" pitchFamily="34" charset="0"/>
+              </a:rPr>
+              <a:t>Corte Internacional</a:t>
+            </a:r>
+          </a:p>
+          <a:p>
+            <a:r>
+              <a:rPr lang="es-UY" sz="1800" b="1" dirty="0">
+                <a:latin typeface="+mj-lt"/>
+                <a:ea typeface="Sans Serif Collection" panose="020B0502040504020204" pitchFamily="34" charset="0"/>
+                <a:cs typeface="Sans Serif Collection" panose="020B0502040504020204" pitchFamily="34" charset="0"/>
+              </a:rPr>
+              <a:t>Justicia</a:t>
+            </a:r>
           </a:p>
         </p:txBody>
       </p:sp>
     </p:spTree>
     <p:extLst>
       <p:ext uri="{BB962C8B-B14F-4D97-AF65-F5344CB8AC3E}">
-        <p14:creationId xmlns:p14="http://schemas.microsoft.com/office/powerpoint/2010/main" val="3336849738"/>
+        <p14:creationId xmlns:p14="http://schemas.microsoft.com/office/powerpoint/2010/main" val="3133752816"/>
       </p:ext>
     </p:extLst>
   </p:cSld>

--- a/00 - Presentacion/Data Divers - Presentacion v3.pptx
+++ b/00 - Presentacion/Data Divers - Presentacion v3.pptx
@@ -5,7 +5,7 @@
     <p:sldMasterId id="2147483651" r:id="rId1"/>
   </p:sldMasterIdLst>
   <p:notesMasterIdLst>
-    <p:notesMasterId r:id="rId27"/>
+    <p:notesMasterId r:id="rId28"/>
   </p:notesMasterIdLst>
   <p:sldIdLst>
     <p:sldId id="256" r:id="rId2"/>
@@ -24,32 +24,33 @@
     <p:sldId id="307" r:id="rId15"/>
     <p:sldId id="316" r:id="rId16"/>
     <p:sldId id="309" r:id="rId17"/>
-    <p:sldId id="328" r:id="rId18"/>
-    <p:sldId id="329" r:id="rId19"/>
-    <p:sldId id="310" r:id="rId20"/>
-    <p:sldId id="331" r:id="rId21"/>
-    <p:sldId id="332" r:id="rId22"/>
-    <p:sldId id="311" r:id="rId23"/>
-    <p:sldId id="313" r:id="rId24"/>
-    <p:sldId id="317" r:id="rId25"/>
-    <p:sldId id="302" r:id="rId26"/>
+    <p:sldId id="329" r:id="rId18"/>
+    <p:sldId id="333" r:id="rId19"/>
+    <p:sldId id="334" r:id="rId20"/>
+    <p:sldId id="310" r:id="rId21"/>
+    <p:sldId id="331" r:id="rId22"/>
+    <p:sldId id="332" r:id="rId23"/>
+    <p:sldId id="311" r:id="rId24"/>
+    <p:sldId id="313" r:id="rId25"/>
+    <p:sldId id="317" r:id="rId26"/>
+    <p:sldId id="302" r:id="rId27"/>
   </p:sldIdLst>
   <p:sldSz cx="9144000" cy="5143500" type="screen16x9"/>
   <p:notesSz cx="6858000" cy="9144000"/>
   <p:embeddedFontLst>
     <p:embeddedFont>
       <p:font typeface="Helvetica Neue Light" panose="020B0604020202020204" charset="0"/>
-      <p:regular r:id="rId28"/>
-      <p:bold r:id="rId29"/>
-      <p:italic r:id="rId30"/>
-      <p:boldItalic r:id="rId31"/>
+      <p:regular r:id="rId29"/>
+      <p:bold r:id="rId30"/>
+      <p:italic r:id="rId31"/>
+      <p:boldItalic r:id="rId32"/>
     </p:embeddedFont>
     <p:embeddedFont>
       <p:font typeface="Roboto" panose="02000000000000000000" pitchFamily="2" charset="0"/>
-      <p:regular r:id="rId32"/>
-      <p:bold r:id="rId33"/>
-      <p:italic r:id="rId34"/>
-      <p:boldItalic r:id="rId35"/>
+      <p:regular r:id="rId33"/>
+      <p:bold r:id="rId34"/>
+      <p:italic r:id="rId35"/>
+      <p:boldItalic r:id="rId36"/>
     </p:embeddedFont>
   </p:embeddedFontLst>
   <p:defaultTextStyle>
@@ -1863,7 +1864,7 @@
     </p:spTree>
     <p:extLst>
       <p:ext uri="{BB962C8B-B14F-4D97-AF65-F5344CB8AC3E}">
-        <p14:creationId xmlns:p14="http://schemas.microsoft.com/office/powerpoint/2010/main" val="2531831344"/>
+        <p14:creationId xmlns:p14="http://schemas.microsoft.com/office/powerpoint/2010/main" val="262079087"/>
       </p:ext>
     </p:extLst>
   </p:cSld>
@@ -1972,7 +1973,7 @@
     </p:spTree>
     <p:extLst>
       <p:ext uri="{BB962C8B-B14F-4D97-AF65-F5344CB8AC3E}">
-        <p14:creationId xmlns:p14="http://schemas.microsoft.com/office/powerpoint/2010/main" val="262079087"/>
+        <p14:creationId xmlns:p14="http://schemas.microsoft.com/office/powerpoint/2010/main" val="1279055423"/>
       </p:ext>
     </p:extLst>
   </p:cSld>
@@ -2081,7 +2082,7 @@
     </p:spTree>
     <p:extLst>
       <p:ext uri="{BB962C8B-B14F-4D97-AF65-F5344CB8AC3E}">
-        <p14:creationId xmlns:p14="http://schemas.microsoft.com/office/powerpoint/2010/main" val="1372754735"/>
+        <p14:creationId xmlns:p14="http://schemas.microsoft.com/office/powerpoint/2010/main" val="3362047615"/>
       </p:ext>
     </p:extLst>
   </p:cSld>
@@ -2294,7 +2295,7 @@
     </p:spTree>
     <p:extLst>
       <p:ext uri="{BB962C8B-B14F-4D97-AF65-F5344CB8AC3E}">
-        <p14:creationId xmlns:p14="http://schemas.microsoft.com/office/powerpoint/2010/main" val="2060903882"/>
+        <p14:creationId xmlns:p14="http://schemas.microsoft.com/office/powerpoint/2010/main" val="1372754735"/>
       </p:ext>
     </p:extLst>
   </p:cSld>
@@ -2403,7 +2404,7 @@
     </p:spTree>
     <p:extLst>
       <p:ext uri="{BB962C8B-B14F-4D97-AF65-F5344CB8AC3E}">
-        <p14:creationId xmlns:p14="http://schemas.microsoft.com/office/powerpoint/2010/main" val="2051865850"/>
+        <p14:creationId xmlns:p14="http://schemas.microsoft.com/office/powerpoint/2010/main" val="2060903882"/>
       </p:ext>
     </p:extLst>
   </p:cSld>
@@ -2512,7 +2513,7 @@
     </p:spTree>
     <p:extLst>
       <p:ext uri="{BB962C8B-B14F-4D97-AF65-F5344CB8AC3E}">
-        <p14:creationId xmlns:p14="http://schemas.microsoft.com/office/powerpoint/2010/main" val="2558417195"/>
+        <p14:creationId xmlns:p14="http://schemas.microsoft.com/office/powerpoint/2010/main" val="2051865850"/>
       </p:ext>
     </p:extLst>
   </p:cSld>
@@ -2621,7 +2622,7 @@
     </p:spTree>
     <p:extLst>
       <p:ext uri="{BB962C8B-B14F-4D97-AF65-F5344CB8AC3E}">
-        <p14:creationId xmlns:p14="http://schemas.microsoft.com/office/powerpoint/2010/main" val="3511361781"/>
+        <p14:creationId xmlns:p14="http://schemas.microsoft.com/office/powerpoint/2010/main" val="2558417195"/>
       </p:ext>
     </p:extLst>
   </p:cSld>
@@ -2730,6 +2731,115 @@
     </p:spTree>
     <p:extLst>
       <p:ext uri="{BB962C8B-B14F-4D97-AF65-F5344CB8AC3E}">
+        <p14:creationId xmlns:p14="http://schemas.microsoft.com/office/powerpoint/2010/main" val="3511361781"/>
+      </p:ext>
+    </p:extLst>
+  </p:cSld>
+  <p:clrMapOvr>
+    <a:masterClrMapping/>
+  </p:clrMapOvr>
+</p:notes>
+</file>
+
+<file path=ppt/notesSlides/notesSlide25.xml><?xml version="1.0" encoding="utf-8"?>
+<p:notes xmlns:a="http://schemas.openxmlformats.org/drawingml/2006/main" xmlns:r="http://schemas.openxmlformats.org/officeDocument/2006/relationships" xmlns:p="http://schemas.openxmlformats.org/presentationml/2006/main" showMasterSp="0" showMasterPhAnim="0">
+  <p:cSld>
+    <p:spTree>
+      <p:nvGrpSpPr>
+        <p:cNvPr id="1" name="Shape 21"/>
+        <p:cNvGrpSpPr/>
+        <p:nvPr/>
+      </p:nvGrpSpPr>
+      <p:grpSpPr>
+        <a:xfrm>
+          <a:off x="0" y="0"/>
+          <a:ext cx="0" cy="0"/>
+          <a:chOff x="0" y="0"/>
+          <a:chExt cx="0" cy="0"/>
+        </a:xfrm>
+      </p:grpSpPr>
+      <p:sp>
+        <p:nvSpPr>
+          <p:cNvPr id="22" name="Google Shape;22;p2:notes"/>
+          <p:cNvSpPr txBox="1">
+            <a:spLocks noGrp="1"/>
+          </p:cNvSpPr>
+          <p:nvPr>
+            <p:ph type="body" idx="1"/>
+          </p:nvPr>
+        </p:nvSpPr>
+        <p:spPr>
+          <a:xfrm>
+            <a:off x="685800" y="4343400"/>
+            <a:ext cx="5486400" cy="4114800"/>
+          </a:xfrm>
+          <a:prstGeom prst="rect">
+            <a:avLst/>
+          </a:prstGeom>
+        </p:spPr>
+        <p:txBody>
+          <a:bodyPr spcFirstLastPara="1" wrap="square" lIns="91425" tIns="91425" rIns="91425" bIns="91425" anchor="t" anchorCtr="0">
+            <a:noAutofit/>
+          </a:bodyPr>
+          <a:lstStyle/>
+          <a:p>
+            <a:pPr marL="0" lvl="0" indent="0" algn="l" rtl="0">
+              <a:spcBef>
+                <a:spcPts val="0"/>
+              </a:spcBef>
+              <a:spcAft>
+                <a:spcPts val="0"/>
+              </a:spcAft>
+              <a:buNone/>
+            </a:pPr>
+            <a:endParaRPr dirty="0"/>
+          </a:p>
+        </p:txBody>
+      </p:sp>
+      <p:sp>
+        <p:nvSpPr>
+          <p:cNvPr id="23" name="Google Shape;23;p2:notes"/>
+          <p:cNvSpPr>
+            <a:spLocks noGrp="1" noRot="1" noChangeAspect="1"/>
+          </p:cNvSpPr>
+          <p:nvPr>
+            <p:ph type="sldImg" idx="2"/>
+          </p:nvPr>
+        </p:nvSpPr>
+        <p:spPr>
+          <a:xfrm>
+            <a:off x="381000" y="685800"/>
+            <a:ext cx="6096000" cy="3429000"/>
+          </a:xfrm>
+          <a:custGeom>
+            <a:avLst/>
+            <a:gdLst/>
+            <a:ahLst/>
+            <a:cxnLst/>
+            <a:rect l="l" t="t" r="r" b="b"/>
+            <a:pathLst>
+              <a:path w="120000" h="120000" extrusionOk="0">
+                <a:moveTo>
+                  <a:pt x="0" y="0"/>
+                </a:moveTo>
+                <a:lnTo>
+                  <a:pt x="120000" y="0"/>
+                </a:lnTo>
+                <a:lnTo>
+                  <a:pt x="120000" y="120000"/>
+                </a:lnTo>
+                <a:lnTo>
+                  <a:pt x="0" y="120000"/>
+                </a:lnTo>
+                <a:close/>
+              </a:path>
+            </a:pathLst>
+          </a:custGeom>
+        </p:spPr>
+      </p:sp>
+    </p:spTree>
+    <p:extLst>
+      <p:ext uri="{BB962C8B-B14F-4D97-AF65-F5344CB8AC3E}">
         <p14:creationId xmlns:p14="http://schemas.microsoft.com/office/powerpoint/2010/main" val="2014265877"/>
       </p:ext>
     </p:extLst>
@@ -2740,7 +2850,7 @@
 </p:notes>
 </file>
 
-<file path=ppt/notesSlides/notesSlide25.xml><?xml version="1.0" encoding="utf-8"?>
+<file path=ppt/notesSlides/notesSlide26.xml><?xml version="1.0" encoding="utf-8"?>
 <p:notes xmlns:a="http://schemas.openxmlformats.org/drawingml/2006/main" xmlns:r="http://schemas.openxmlformats.org/officeDocument/2006/relationships" xmlns:p="http://schemas.openxmlformats.org/presentationml/2006/main" showMasterSp="0" showMasterPhAnim="0">
   <p:cSld>
     <p:spTree>
@@ -9518,7 +9628,7 @@
         <p:spPr>
           <a:xfrm>
             <a:off x="670314" y="729736"/>
-            <a:ext cx="8016240" cy="4126761"/>
+            <a:ext cx="8016240" cy="3085450"/>
           </a:xfrm>
           <a:prstGeom prst="rect">
             <a:avLst/>
@@ -9636,24 +9746,6 @@
             </a:r>
           </a:p>
           <a:p>
-            <a:pPr marL="238125" marR="58579" indent="-228600" algn="just">
-              <a:lnSpc>
-                <a:spcPct val="200000"/>
-              </a:lnSpc>
-              <a:spcBef>
-                <a:spcPts val="180"/>
-              </a:spcBef>
-              <a:buFont typeface="+mj-lt"/>
-              <a:buAutoNum type="arabicPeriod"/>
-            </a:pPr>
-            <a:r>
-              <a:rPr lang="es-MX" sz="1200" b="1" dirty="0">
-                <a:latin typeface="Helvetica Neue Light"/>
-              </a:rPr>
-              <a:t>Inicialización y Entrenamiento:</a:t>
-            </a:r>
-          </a:p>
-          <a:p>
             <a:pPr marL="742950" lvl="1" indent="-285750">
               <a:buFont typeface="Arial" panose="020B0604020202020204" pitchFamily="34" charset="0"/>
               <a:buChar char="•"/>
@@ -9668,56 +9760,8 @@
                 </a:highlight>
                 <a:latin typeface="ui-sans-serif"/>
               </a:rPr>
-              <a:t>Definición de Parámetros: Tamaño de vector, contexto de ventana, frecuencia mínima de palabras.</a:t>
-            </a:r>
-          </a:p>
-          <a:p>
-            <a:pPr marL="742950" lvl="1" indent="-285750">
-              <a:buFont typeface="Arial" panose="020B0604020202020204" pitchFamily="34" charset="0"/>
-              <a:buChar char="•"/>
-            </a:pPr>
-            <a:r>
-              <a:rPr lang="es-MX" dirty="0">
-                <a:solidFill>
-                  <a:srgbClr val="0D0D0D"/>
-                </a:solidFill>
-                <a:highlight>
-                  <a:srgbClr val="FFFFFF"/>
-                </a:highlight>
-                <a:latin typeface="ui-sans-serif"/>
-              </a:rPr>
-              <a:t>Construcción del Vocabulario: A partir de un corpus preprocesado y tokenizado.</a:t>
-            </a:r>
-          </a:p>
-          <a:p>
-            <a:pPr marL="742950" lvl="1" indent="-285750">
-              <a:buFont typeface="Arial" panose="020B0604020202020204" pitchFamily="34" charset="0"/>
-              <a:buChar char="•"/>
-            </a:pPr>
-            <a:r>
-              <a:rPr lang="es-MX" dirty="0">
-                <a:solidFill>
-                  <a:srgbClr val="0D0D0D"/>
-                </a:solidFill>
-                <a:highlight>
-                  <a:srgbClr val="FFFFFF"/>
-                </a:highlight>
-                <a:latin typeface="ui-sans-serif"/>
-              </a:rPr>
-              <a:t>Entrenamiento del Modelo: Realizado durante 10 épocas para optimizar la representación vectorial del texto.</a:t>
-            </a:r>
-          </a:p>
-          <a:p>
-            <a:pPr marL="457200" lvl="1"/>
-            <a:endParaRPr lang="es-MX" dirty="0">
-              <a:solidFill>
-                <a:srgbClr val="0D0D0D"/>
-              </a:solidFill>
-              <a:highlight>
-                <a:srgbClr val="FFFFFF"/>
-              </a:highlight>
-              <a:latin typeface="ui-sans-serif"/>
-            </a:endParaRPr>
+              <a:t>Nos sirvió como un análisis exploratorio más que para entender el texto, como sí nos ayudaron los dos puntos anteriores.</a:t>
+            </a:r>
           </a:p>
         </p:txBody>
       </p:sp>
@@ -9759,7 +9803,7 @@
         </p:nvSpPr>
         <p:spPr>
           <a:xfrm>
-            <a:off x="662940" y="585145"/>
+            <a:off x="670313" y="407229"/>
             <a:ext cx="4572000" cy="338554"/>
           </a:xfrm>
           <a:prstGeom prst="rect">
@@ -9826,8 +9870,8 @@
         </p:nvSpPr>
         <p:spPr>
           <a:xfrm>
-            <a:off x="670314" y="923699"/>
-            <a:ext cx="8016240" cy="3054672"/>
+            <a:off x="545623" y="745783"/>
+            <a:ext cx="8377821" cy="3812572"/>
           </a:xfrm>
           <a:prstGeom prst="rect">
             <a:avLst/>
@@ -9843,93 +9887,347 @@
           </a:bodyPr>
           <a:lstStyle/>
           <a:p>
-            <a:pPr marL="9525" marR="58579" algn="just">
+            <a:pPr marR="58579" lvl="1" algn="just">
               <a:lnSpc>
-                <a:spcPct val="200000"/>
+                <a:spcPct val="150000"/>
               </a:lnSpc>
               <a:spcBef>
                 <a:spcPts val="180"/>
               </a:spcBef>
             </a:pPr>
             <a:r>
-              <a:rPr lang="es-MX" sz="1600" b="1" dirty="0">
+              <a:rPr lang="es-MX" sz="1050" dirty="0">
                 <a:latin typeface="Helvetica Neue Light"/>
               </a:rPr>
-              <a:t>Word Embeddings con Word2Vec:</a:t>
-            </a:r>
-          </a:p>
-          <a:p>
-            <a:pPr marL="238125" marR="58579" indent="-228600" algn="just">
+              <a:t>Implementación de diferentes modelos de NLP.</a:t>
+            </a:r>
+          </a:p>
+          <a:p>
+            <a:pPr marR="58579" lvl="1" algn="just">
               <a:lnSpc>
-                <a:spcPct val="200000"/>
+                <a:spcPct val="150000"/>
               </a:lnSpc>
               <a:spcBef>
                 <a:spcPts val="180"/>
               </a:spcBef>
-              <a:buFont typeface="+mj-lt"/>
-              <a:buAutoNum type="arabicPeriod" startAt="2"/>
             </a:pPr>
             <a:r>
-              <a:rPr lang="es-MX" sz="1200" b="1" dirty="0">
+              <a:rPr lang="es-MX" sz="1050" dirty="0">
                 <a:latin typeface="Helvetica Neue Light"/>
               </a:rPr>
-              <a:t>O</a:t>
-            </a:r>
-            <a:r>
-              <a:rPr lang="es-UY" sz="1200" b="1" dirty="0">
+              <a:t>A. </a:t>
+            </a:r>
+            <a:r>
+              <a:rPr lang="es-MX" sz="1050" b="1" dirty="0">
                 <a:latin typeface="Helvetica Neue Light"/>
               </a:rPr>
-              <a:t>peraciones Post-Entrenamiento</a:t>
-            </a:r>
-            <a:r>
-              <a:rPr lang="es-MX" sz="1200" b="1" dirty="0">
+              <a:t>Modelo de Regresión Logística (</a:t>
+            </a:r>
+            <a:r>
+              <a:rPr lang="es-MX" sz="1050" b="1" dirty="0" err="1">
                 <a:latin typeface="Helvetica Neue Light"/>
               </a:rPr>
-              <a:t>:</a:t>
-            </a:r>
-          </a:p>
-          <a:p>
-            <a:pPr marL="742950" lvl="1" indent="-285750">
-              <a:buFont typeface="Arial" panose="020B0604020202020204" pitchFamily="34" charset="0"/>
-              <a:buChar char="•"/>
+              <a:t>Logistic</a:t>
+            </a:r>
+            <a:r>
+              <a:rPr lang="es-MX" sz="1050" b="1" dirty="0">
+                <a:latin typeface="Helvetica Neue Light"/>
+              </a:rPr>
+              <a:t> </a:t>
+            </a:r>
+            <a:r>
+              <a:rPr lang="es-MX" sz="1050" b="1" dirty="0" err="1">
+                <a:latin typeface="Helvetica Neue Light"/>
+              </a:rPr>
+              <a:t>Regression</a:t>
+            </a:r>
+            <a:r>
+              <a:rPr lang="es-MX" sz="1050" b="1" dirty="0">
+                <a:latin typeface="Helvetica Neue Light"/>
+              </a:rPr>
+              <a:t>)</a:t>
+            </a:r>
+            <a:r>
+              <a:rPr lang="es-MX" sz="1050" dirty="0">
+                <a:latin typeface="Helvetica Neue Light"/>
+              </a:rPr>
+              <a:t> El modelo de Regresión Logística se utiliza para la clasificación binaria. Calcula la probabilidad de que una observación pertenezca a una clase utilizando una función logística.</a:t>
+            </a:r>
+          </a:p>
+          <a:p>
+            <a:pPr marR="58579" lvl="1" algn="just">
+              <a:lnSpc>
+                <a:spcPct val="150000"/>
+              </a:lnSpc>
+              <a:spcBef>
+                <a:spcPts val="180"/>
+              </a:spcBef>
             </a:pPr>
             <a:r>
-              <a:rPr lang="es-MX" dirty="0">
-                <a:solidFill>
-                  <a:srgbClr val="0D0D0D"/>
-                </a:solidFill>
-                <a:highlight>
-                  <a:srgbClr val="FFFFFF"/>
-                </a:highlight>
-                <a:latin typeface="ui-sans-serif"/>
-              </a:rPr>
-              <a:t>Guardado y Carga: Modelo guardado como w2v_sg_model.pkl para reutilización futura sin reentrenamiento.</a:t>
-            </a:r>
-          </a:p>
-          <a:p>
-            <a:pPr marL="742950" lvl="1" indent="-285750">
-              <a:buFont typeface="Arial" panose="020B0604020202020204" pitchFamily="34" charset="0"/>
-              <a:buChar char="•"/>
+              <a:rPr lang="es-MX" sz="1050" dirty="0">
+                <a:latin typeface="Helvetica Neue Light"/>
+              </a:rPr>
+              <a:t>B. </a:t>
+            </a:r>
+            <a:r>
+              <a:rPr lang="es-MX" sz="1050" b="1" dirty="0">
+                <a:latin typeface="Helvetica Neue Light"/>
+              </a:rPr>
+              <a:t>Modelo de Clasificación </a:t>
+            </a:r>
+            <a:r>
+              <a:rPr lang="es-MX" sz="1050" b="1" dirty="0" err="1">
+                <a:latin typeface="Helvetica Neue Light"/>
+              </a:rPr>
+              <a:t>Gradient</a:t>
+            </a:r>
+            <a:r>
+              <a:rPr lang="es-MX" sz="1050" b="1" dirty="0">
+                <a:latin typeface="Helvetica Neue Light"/>
+              </a:rPr>
+              <a:t> </a:t>
+            </a:r>
+            <a:r>
+              <a:rPr lang="es-MX" sz="1050" b="1" dirty="0" err="1">
+                <a:latin typeface="Helvetica Neue Light"/>
+              </a:rPr>
+              <a:t>Boosting</a:t>
+            </a:r>
+            <a:r>
+              <a:rPr lang="es-MX" sz="1050" b="1" dirty="0">
+                <a:latin typeface="Helvetica Neue Light"/>
+              </a:rPr>
+              <a:t> </a:t>
+            </a:r>
+            <a:r>
+              <a:rPr lang="es-MX" sz="1050" dirty="0">
+                <a:latin typeface="Helvetica Neue Light"/>
+              </a:rPr>
+              <a:t>El modelo de Clasificación </a:t>
+            </a:r>
+            <a:r>
+              <a:rPr lang="es-MX" sz="1050" dirty="0" err="1">
+                <a:latin typeface="Helvetica Neue Light"/>
+              </a:rPr>
+              <a:t>Gradient</a:t>
+            </a:r>
+            <a:r>
+              <a:rPr lang="es-MX" sz="1050" dirty="0">
+                <a:latin typeface="Helvetica Neue Light"/>
+              </a:rPr>
+              <a:t> </a:t>
+            </a:r>
+            <a:r>
+              <a:rPr lang="es-MX" sz="1050" dirty="0" err="1">
+                <a:latin typeface="Helvetica Neue Light"/>
+              </a:rPr>
+              <a:t>Boosting</a:t>
+            </a:r>
+            <a:r>
+              <a:rPr lang="es-MX" sz="1050" dirty="0">
+                <a:latin typeface="Helvetica Neue Light"/>
+              </a:rPr>
+              <a:t> es un algoritmo de conjunto que combina múltiples árboles de decisión más débiles para construir un modelo predictivo más fuerte.</a:t>
+            </a:r>
+          </a:p>
+          <a:p>
+            <a:pPr marR="58579" lvl="1" algn="just">
+              <a:lnSpc>
+                <a:spcPct val="150000"/>
+              </a:lnSpc>
+              <a:spcBef>
+                <a:spcPts val="180"/>
+              </a:spcBef>
             </a:pPr>
             <a:r>
-              <a:rPr lang="es-MX" dirty="0">
-                <a:solidFill>
-                  <a:srgbClr val="0D0D0D"/>
-                </a:solidFill>
-                <a:highlight>
-                  <a:srgbClr val="FFFFFF"/>
-                </a:highlight>
-                <a:latin typeface="ui-sans-serif"/>
-              </a:rPr>
-              <a:t>Validación: Función print_sim_words para mostrar palabras semánticamente similares y validar la efectividad del modelo.</a:t>
-            </a:r>
-          </a:p>
-          <a:p>
-            <a:pPr marL="742950" lvl="1" indent="-285750">
-              <a:buFont typeface="Arial" panose="020B0604020202020204" pitchFamily="34" charset="0"/>
-              <a:buChar char="•"/>
+              <a:rPr lang="es-MX" sz="1050" dirty="0">
+                <a:latin typeface="Helvetica Neue Light"/>
+              </a:rPr>
+              <a:t>C. </a:t>
+            </a:r>
+            <a:r>
+              <a:rPr lang="es-MX" sz="1050" b="1" dirty="0">
+                <a:latin typeface="Helvetica Neue Light"/>
+              </a:rPr>
+              <a:t>Modelo de Deep </a:t>
+            </a:r>
+            <a:r>
+              <a:rPr lang="es-MX" sz="1050" b="1" dirty="0" err="1">
+                <a:latin typeface="Helvetica Neue Light"/>
+              </a:rPr>
+              <a:t>Learning</a:t>
+            </a:r>
+            <a:r>
+              <a:rPr lang="es-MX" sz="1050" b="1" dirty="0">
+                <a:latin typeface="Helvetica Neue Light"/>
+              </a:rPr>
+              <a:t> RNN </a:t>
+            </a:r>
+            <a:r>
+              <a:rPr lang="es-MX" sz="1050" dirty="0">
+                <a:latin typeface="Helvetica Neue Light"/>
+              </a:rPr>
+              <a:t>El modelo utiliza una red neuronal recurrente LSTM para procesar secuencias de texto, seguido de una capa densa de salida con activación sigmoide para clasificación binaria, y se compila con la función de pérdida de entropía cruzada binaria y el optimizador Adam.</a:t>
+            </a:r>
+          </a:p>
+          <a:p>
+            <a:pPr marR="58579" lvl="1" algn="just">
+              <a:lnSpc>
+                <a:spcPct val="150000"/>
+              </a:lnSpc>
+              <a:spcBef>
+                <a:spcPts val="180"/>
+              </a:spcBef>
             </a:pPr>
-            <a:endParaRPr lang="es-MX" dirty="0">
+            <a:r>
+              <a:rPr lang="es-MX" sz="1050" dirty="0">
+                <a:latin typeface="Helvetica Neue Light"/>
+              </a:rPr>
+              <a:t>D. </a:t>
+            </a:r>
+            <a:r>
+              <a:rPr lang="es-MX" sz="1050" b="1" dirty="0">
+                <a:latin typeface="Helvetica Neue Light"/>
+              </a:rPr>
+              <a:t>Modelo de Regresión Logística TF-IDF: </a:t>
+            </a:r>
+            <a:r>
+              <a:rPr lang="es-MX" sz="1050" dirty="0">
+                <a:latin typeface="Helvetica Neue Light"/>
+              </a:rPr>
+              <a:t>En este caso, implementaremos la técnica de TF-IDF (</a:t>
+            </a:r>
+            <a:r>
+              <a:rPr lang="es-MX" sz="1050" dirty="0" err="1">
+                <a:latin typeface="Helvetica Neue Light"/>
+              </a:rPr>
+              <a:t>Term</a:t>
+            </a:r>
+            <a:r>
+              <a:rPr lang="es-MX" sz="1050" dirty="0">
+                <a:latin typeface="Helvetica Neue Light"/>
+              </a:rPr>
+              <a:t> </a:t>
+            </a:r>
+            <a:r>
+              <a:rPr lang="es-MX" sz="1050" dirty="0" err="1">
+                <a:latin typeface="Helvetica Neue Light"/>
+              </a:rPr>
+              <a:t>Frequency</a:t>
+            </a:r>
+            <a:r>
+              <a:rPr lang="es-MX" sz="1050" dirty="0">
+                <a:latin typeface="Helvetica Neue Light"/>
+              </a:rPr>
+              <a:t>-Inverse </a:t>
+            </a:r>
+            <a:r>
+              <a:rPr lang="es-MX" sz="1050" dirty="0" err="1">
+                <a:latin typeface="Helvetica Neue Light"/>
+              </a:rPr>
+              <a:t>Document</a:t>
+            </a:r>
+            <a:r>
+              <a:rPr lang="es-MX" sz="1050" dirty="0">
+                <a:latin typeface="Helvetica Neue Light"/>
+              </a:rPr>
+              <a:t> </a:t>
+            </a:r>
+            <a:r>
+              <a:rPr lang="es-MX" sz="1050" dirty="0" err="1">
+                <a:latin typeface="Helvetica Neue Light"/>
+              </a:rPr>
+              <a:t>Frequency</a:t>
+            </a:r>
+            <a:r>
+              <a:rPr lang="es-MX" sz="1050" dirty="0">
+                <a:latin typeface="Helvetica Neue Light"/>
+              </a:rPr>
+              <a:t>) en el modelo de regresión logística. TF-IDF asigna pesos a palabras según su frecuencia en un documento y su rareza en el conjunto de documentos, destacando términos importantes en el análisis de texto.</a:t>
+            </a:r>
+          </a:p>
+          <a:p>
+            <a:pPr marR="58579" lvl="1" algn="just">
+              <a:lnSpc>
+                <a:spcPct val="150000"/>
+              </a:lnSpc>
+              <a:spcBef>
+                <a:spcPts val="180"/>
+              </a:spcBef>
+            </a:pPr>
+            <a:r>
+              <a:rPr lang="es-MX" sz="1050" dirty="0">
+                <a:latin typeface="Helvetica Neue Light"/>
+              </a:rPr>
+              <a:t>E. </a:t>
+            </a:r>
+            <a:r>
+              <a:rPr lang="es-MX" sz="1050" b="1" dirty="0">
+                <a:latin typeface="Helvetica Neue Light"/>
+              </a:rPr>
+              <a:t>Modelo Basado en BERT </a:t>
+            </a:r>
+            <a:r>
+              <a:rPr lang="es-MX" sz="1050" dirty="0" err="1">
+                <a:latin typeface="Helvetica Neue Light"/>
+              </a:rPr>
+              <a:t>Bidirectional</a:t>
+            </a:r>
+            <a:r>
+              <a:rPr lang="es-MX" sz="1050" dirty="0">
+                <a:latin typeface="Helvetica Neue Light"/>
+              </a:rPr>
+              <a:t> </a:t>
+            </a:r>
+            <a:r>
+              <a:rPr lang="es-MX" sz="1050" dirty="0" err="1">
+                <a:latin typeface="Helvetica Neue Light"/>
+              </a:rPr>
+              <a:t>Encoder</a:t>
+            </a:r>
+            <a:r>
+              <a:rPr lang="es-MX" sz="1050" dirty="0">
+                <a:latin typeface="Helvetica Neue Light"/>
+              </a:rPr>
+              <a:t> </a:t>
+            </a:r>
+            <a:r>
+              <a:rPr lang="es-MX" sz="1050" dirty="0" err="1">
+                <a:latin typeface="Helvetica Neue Light"/>
+              </a:rPr>
+              <a:t>Representations</a:t>
+            </a:r>
+            <a:r>
+              <a:rPr lang="es-MX" sz="1050" dirty="0">
+                <a:latin typeface="Helvetica Neue Light"/>
+              </a:rPr>
+              <a:t> </a:t>
+            </a:r>
+            <a:r>
+              <a:rPr lang="es-MX" sz="1050" dirty="0" err="1">
+                <a:latin typeface="Helvetica Neue Light"/>
+              </a:rPr>
+              <a:t>from</a:t>
+            </a:r>
+            <a:r>
+              <a:rPr lang="es-MX" sz="1050" dirty="0">
+                <a:latin typeface="Helvetica Neue Light"/>
+              </a:rPr>
+              <a:t> Transformers (BERT) es un modelo de lenguaje basado en transformadores que </a:t>
+            </a:r>
+            <a:r>
+              <a:rPr lang="es-MX" sz="1050" dirty="0" err="1">
+                <a:latin typeface="Helvetica Neue Light"/>
+              </a:rPr>
+              <a:t>preentrena</a:t>
+            </a:r>
+            <a:r>
+              <a:rPr lang="es-MX" sz="1050" dirty="0">
+                <a:latin typeface="Helvetica Neue Light"/>
+              </a:rPr>
+              <a:t> representaciones de texto bidireccionales para comprender mejor el contexto de las palabras en una oración. Este modelo es especialmente interesante para nosotros, dado el alto nivel técnico de las sentencias de la corte, ya que su tipo de análisis podría generar una representación más fiable del caso de estudio.</a:t>
+            </a:r>
+            <a:endParaRPr lang="es-MX" sz="1050" dirty="0">
               <a:solidFill>
                 <a:srgbClr val="0D0D0D"/>
               </a:solidFill>
@@ -9939,60 +10237,12 @@
               <a:latin typeface="ui-sans-serif"/>
             </a:endParaRPr>
           </a:p>
-          <a:p>
-            <a:pPr marL="238125" marR="58579" indent="-228600" algn="just">
-              <a:lnSpc>
-                <a:spcPct val="200000"/>
-              </a:lnSpc>
-              <a:spcBef>
-                <a:spcPts val="180"/>
-              </a:spcBef>
-              <a:buFont typeface="+mj-lt"/>
-              <a:buAutoNum type="arabicPeriod" startAt="2"/>
-            </a:pPr>
-            <a:r>
-              <a:rPr lang="es-MX" sz="1200" b="1" dirty="0">
-                <a:latin typeface="Helvetica Neue Light"/>
-              </a:rPr>
-              <a:t>Visualización de Embeddings:</a:t>
-            </a:r>
-          </a:p>
-          <a:p>
-            <a:pPr marL="742950" lvl="1" indent="-285750">
-              <a:buFont typeface="Arial" panose="020B0604020202020204" pitchFamily="34" charset="0"/>
-              <a:buChar char="•"/>
-            </a:pPr>
-            <a:r>
-              <a:rPr lang="es-MX" dirty="0">
-                <a:solidFill>
-                  <a:srgbClr val="0D0D0D"/>
-                </a:solidFill>
-                <a:highlight>
-                  <a:srgbClr val="FFFFFF"/>
-                </a:highlight>
-                <a:latin typeface="ui-sans-serif"/>
-              </a:rPr>
-              <a:t>Representación en 2D: Gráfica que muestra la agrupación semántica de palabras clave y sus similares para una interpretación visual clara de la semántica.</a:t>
-            </a:r>
-          </a:p>
-          <a:p>
-            <a:pPr marL="457200" lvl="1"/>
-            <a:endParaRPr lang="es-MX" dirty="0">
-              <a:solidFill>
-                <a:srgbClr val="0D0D0D"/>
-              </a:solidFill>
-              <a:highlight>
-                <a:srgbClr val="FFFFFF"/>
-              </a:highlight>
-              <a:latin typeface="ui-sans-serif"/>
-            </a:endParaRPr>
-          </a:p>
         </p:txBody>
       </p:sp>
     </p:spTree>
     <p:extLst>
       <p:ext uri="{BB962C8B-B14F-4D97-AF65-F5344CB8AC3E}">
-        <p14:creationId xmlns:p14="http://schemas.microsoft.com/office/powerpoint/2010/main" val="475667956"/>
+        <p14:creationId xmlns:p14="http://schemas.microsoft.com/office/powerpoint/2010/main" val="1686361473"/>
       </p:ext>
     </p:extLst>
   </p:cSld>
@@ -10082,10 +10332,10 @@
       </p:sp>
       <p:sp>
         <p:nvSpPr>
-          <p:cNvPr id="2" name="Google Shape;26;p6">
+          <p:cNvPr id="3" name="Google Shape;27;p6">
             <a:extLst>
               <a:ext uri="{FF2B5EF4-FFF2-40B4-BE49-F238E27FC236}">
-                <a16:creationId xmlns:a16="http://schemas.microsoft.com/office/drawing/2014/main" id="{760DE103-6E6E-8BC0-9DF6-7993C9336394}"/>
+                <a16:creationId xmlns:a16="http://schemas.microsoft.com/office/drawing/2014/main" id="{BFC825DE-4693-FC17-AEA7-CA6D9453F4DE}"/>
               </a:ext>
             </a:extLst>
           </p:cNvPr>
@@ -10094,8 +10344,8 @@
         </p:nvSpPr>
         <p:spPr>
           <a:xfrm>
-            <a:off x="545623" y="745783"/>
-            <a:ext cx="8377821" cy="3812572"/>
+            <a:off x="2808193" y="843647"/>
+            <a:ext cx="3527614" cy="338554"/>
           </a:xfrm>
           <a:prstGeom prst="rect">
             <a:avLst/>
@@ -10106,359 +10356,513 @@
           </a:ln>
         </p:spPr>
         <p:txBody>
-          <a:bodyPr spcFirstLastPara="1" wrap="square" lIns="0" tIns="22850" rIns="0" bIns="0" anchor="t" anchorCtr="0">
+          <a:bodyPr spcFirstLastPara="1" wrap="square" lIns="91425" tIns="45700" rIns="91425" bIns="45700" anchor="t" anchorCtr="0">
             <a:spAutoFit/>
           </a:bodyPr>
           <a:lstStyle/>
           <a:p>
-            <a:pPr marR="58579" lvl="1" algn="just">
+            <a:pPr marL="0" marR="0" lvl="0" indent="0" algn="l" rtl="0">
               <a:lnSpc>
-                <a:spcPct val="150000"/>
+                <a:spcPct val="100000"/>
               </a:lnSpc>
               <a:spcBef>
-                <a:spcPts val="180"/>
-              </a:spcBef>
+                <a:spcPts val="0"/>
+              </a:spcBef>
+              <a:spcAft>
+                <a:spcPts val="0"/>
+              </a:spcAft>
+              <a:buNone/>
             </a:pPr>
             <a:r>
-              <a:rPr lang="es-MX" sz="1050" dirty="0">
+              <a:rPr lang="es-ES" sz="1600" b="1" i="0" u="none" strike="noStrike" cap="none" dirty="0">
+                <a:solidFill>
+                  <a:srgbClr val="000000"/>
+                </a:solidFill>
                 <a:latin typeface="Helvetica Neue Light"/>
-              </a:rPr>
-              <a:t>Implementación de diferentes modelos de NLP.</a:t>
-            </a:r>
-          </a:p>
-          <a:p>
-            <a:pPr marR="58579" lvl="1" algn="just">
+                <a:ea typeface="Helvetica Neue Light"/>
+                <a:cs typeface="Helvetica Neue Light"/>
+                <a:sym typeface="Helvetica Neue Light"/>
+              </a:rPr>
+              <a:t>Resultados de Métricas con BERT</a:t>
+            </a:r>
+            <a:endParaRPr sz="1600" b="1" i="0" u="none" strike="noStrike" cap="none" dirty="0">
+              <a:solidFill>
+                <a:srgbClr val="000000"/>
+              </a:solidFill>
+              <a:latin typeface="Helvetica Neue Light"/>
+              <a:ea typeface="Helvetica Neue Light"/>
+              <a:cs typeface="Helvetica Neue Light"/>
+              <a:sym typeface="Helvetica Neue Light"/>
+            </a:endParaRPr>
+          </a:p>
+        </p:txBody>
+      </p:sp>
+      <p:sp>
+        <p:nvSpPr>
+          <p:cNvPr id="9" name="Rectangle 3">
+            <a:extLst>
+              <a:ext uri="{FF2B5EF4-FFF2-40B4-BE49-F238E27FC236}">
+                <a16:creationId xmlns:a16="http://schemas.microsoft.com/office/drawing/2014/main" id="{A350C2E0-60D7-9A21-6E22-BE056882BF70}"/>
+              </a:ext>
+            </a:extLst>
+          </p:cNvPr>
+          <p:cNvSpPr>
+            <a:spLocks noChangeArrowheads="1"/>
+          </p:cNvSpPr>
+          <p:nvPr/>
+        </p:nvSpPr>
+        <p:spPr bwMode="auto">
+          <a:xfrm>
+            <a:off x="3649856" y="1381083"/>
+            <a:ext cx="1844287" cy="984885"/>
+          </a:xfrm>
+          <a:prstGeom prst="rect">
+            <a:avLst/>
+          </a:prstGeom>
+          <a:solidFill>
+            <a:srgbClr val="FFFFFF"/>
+          </a:solidFill>
+          <a:ln>
+            <a:noFill/>
+          </a:ln>
+          <a:effectLst/>
+          <a:extLst>
+            <a:ext uri="{91240B29-F687-4F45-9708-019B960494DF}">
+              <a14:hiddenLine xmlns:a14="http://schemas.microsoft.com/office/drawing/2010/main" w="9525">
+                <a:solidFill>
+                  <a:schemeClr val="tx1"/>
+                </a:solidFill>
+                <a:miter lim="800000"/>
+                <a:headEnd/>
+                <a:tailEnd/>
+              </a14:hiddenLine>
+            </a:ext>
+            <a:ext uri="{AF507438-7753-43E0-B8FC-AC1667EBCBE1}">
+              <a14:hiddenEffects xmlns:a14="http://schemas.microsoft.com/office/drawing/2010/main">
+                <a:effectLst>
+                  <a:outerShdw dist="35921" dir="2700000" algn="ctr" rotWithShape="0">
+                    <a:schemeClr val="bg2"/>
+                  </a:outerShdw>
+                </a:effectLst>
+              </a14:hiddenEffects>
+            </a:ext>
+          </a:extLst>
+        </p:spPr>
+        <p:txBody>
+          <a:bodyPr vert="horz" wrap="square" lIns="0" tIns="0" rIns="0" bIns="0" numCol="1" anchor="ctr" anchorCtr="0" compatLnSpc="1">
+            <a:prstTxWarp prst="textNoShape">
+              <a:avLst/>
+            </a:prstTxWarp>
+            <a:spAutoFit/>
+          </a:bodyPr>
+          <a:lstStyle/>
+          <a:p>
+            <a:pPr marL="0" marR="0" lvl="0" indent="0" algn="l" defTabSz="914400" rtl="0" eaLnBrk="0" fontAlgn="base" latinLnBrk="0" hangingPunct="0">
               <a:lnSpc>
-                <a:spcPct val="150000"/>
+                <a:spcPct val="100000"/>
               </a:lnSpc>
               <a:spcBef>
-                <a:spcPts val="180"/>
-              </a:spcBef>
+                <a:spcPct val="0"/>
+              </a:spcBef>
+              <a:spcAft>
+                <a:spcPct val="0"/>
+              </a:spcAft>
+              <a:buClrTx/>
+              <a:buSzTx/>
+              <a:buFontTx/>
+              <a:buNone/>
+              <a:tabLst/>
             </a:pPr>
             <a:r>
-              <a:rPr lang="es-MX" sz="1050" dirty="0">
-                <a:latin typeface="Helvetica Neue Light"/>
-              </a:rPr>
-              <a:t>A. </a:t>
-            </a:r>
-            <a:r>
-              <a:rPr lang="es-MX" sz="1050" b="1" dirty="0">
-                <a:latin typeface="Helvetica Neue Light"/>
-              </a:rPr>
-              <a:t>Modelo de Regresión Logística (</a:t>
-            </a:r>
-            <a:r>
-              <a:rPr lang="es-MX" sz="1050" b="1" dirty="0" err="1">
-                <a:latin typeface="Helvetica Neue Light"/>
-              </a:rPr>
-              <a:t>Logistic</a:t>
-            </a:r>
-            <a:r>
-              <a:rPr lang="es-MX" sz="1050" b="1" dirty="0">
-                <a:latin typeface="Helvetica Neue Light"/>
+              <a:rPr kumimoji="0" lang="es-CO" altLang="es-CO" sz="1600" b="1" i="0" u="none" strike="noStrike" cap="none" normalizeH="0" baseline="0" dirty="0" err="1">
+                <a:ln>
+                  <a:noFill/>
+                </a:ln>
+                <a:solidFill>
+                  <a:schemeClr val="tx1"/>
+                </a:solidFill>
+                <a:effectLst/>
+                <a:latin typeface="Arial Unicode MS"/>
+              </a:rPr>
+              <a:t>Accuracy</a:t>
+            </a:r>
+            <a:r>
+              <a:rPr kumimoji="0" lang="es-CO" altLang="es-CO" sz="1600" b="0" i="0" u="none" strike="noStrike" cap="none" normalizeH="0" baseline="0" dirty="0">
+                <a:ln>
+                  <a:noFill/>
+                </a:ln>
+                <a:solidFill>
+                  <a:schemeClr val="tx1"/>
+                </a:solidFill>
+                <a:effectLst/>
+                <a:latin typeface="Arial Unicode MS"/>
+              </a:rPr>
+              <a:t>: 0.9500 </a:t>
+            </a:r>
+          </a:p>
+          <a:p>
+            <a:pPr marL="0" marR="0" lvl="0" indent="0" algn="l" defTabSz="914400" rtl="0" eaLnBrk="0" fontAlgn="base" latinLnBrk="0" hangingPunct="0">
+              <a:lnSpc>
+                <a:spcPct val="100000"/>
+              </a:lnSpc>
+              <a:spcBef>
+                <a:spcPct val="0"/>
+              </a:spcBef>
+              <a:spcAft>
+                <a:spcPct val="0"/>
+              </a:spcAft>
+              <a:buClrTx/>
+              <a:buSzTx/>
+              <a:buFontTx/>
+              <a:buNone/>
+              <a:tabLst/>
+            </a:pPr>
+            <a:r>
+              <a:rPr kumimoji="0" lang="es-CO" altLang="es-CO" sz="1600" b="1" i="0" u="none" strike="noStrike" cap="none" normalizeH="0" baseline="0" dirty="0" err="1">
+                <a:ln>
+                  <a:noFill/>
+                </a:ln>
+                <a:solidFill>
+                  <a:schemeClr val="tx1"/>
+                </a:solidFill>
+                <a:effectLst/>
+                <a:latin typeface="Arial Unicode MS"/>
+              </a:rPr>
+              <a:t>Precision</a:t>
+            </a:r>
+            <a:r>
+              <a:rPr kumimoji="0" lang="es-CO" altLang="es-CO" sz="1600" b="0" i="0" u="none" strike="noStrike" cap="none" normalizeH="0" baseline="0" dirty="0">
+                <a:ln>
+                  <a:noFill/>
+                </a:ln>
+                <a:solidFill>
+                  <a:schemeClr val="tx1"/>
+                </a:solidFill>
+                <a:effectLst/>
+                <a:latin typeface="Arial Unicode MS"/>
+              </a:rPr>
+              <a:t>: 0.9412 </a:t>
+            </a:r>
+          </a:p>
+          <a:p>
+            <a:pPr marL="0" marR="0" lvl="0" indent="0" algn="l" defTabSz="914400" rtl="0" eaLnBrk="0" fontAlgn="base" latinLnBrk="0" hangingPunct="0">
+              <a:lnSpc>
+                <a:spcPct val="100000"/>
+              </a:lnSpc>
+              <a:spcBef>
+                <a:spcPct val="0"/>
+              </a:spcBef>
+              <a:spcAft>
+                <a:spcPct val="0"/>
+              </a:spcAft>
+              <a:buClrTx/>
+              <a:buSzTx/>
+              <a:buFontTx/>
+              <a:buNone/>
+              <a:tabLst/>
+            </a:pPr>
+            <a:r>
+              <a:rPr kumimoji="0" lang="es-CO" altLang="es-CO" sz="1600" b="1" i="0" u="none" strike="noStrike" cap="none" normalizeH="0" baseline="0" dirty="0" err="1">
+                <a:ln>
+                  <a:noFill/>
+                </a:ln>
+                <a:solidFill>
+                  <a:schemeClr val="tx1"/>
+                </a:solidFill>
+                <a:effectLst/>
+                <a:latin typeface="Arial Unicode MS"/>
+              </a:rPr>
+              <a:t>Recall</a:t>
+            </a:r>
+            <a:r>
+              <a:rPr kumimoji="0" lang="es-CO" altLang="es-CO" sz="1600" b="0" i="0" u="none" strike="noStrike" cap="none" normalizeH="0" baseline="0" dirty="0">
+                <a:ln>
+                  <a:noFill/>
+                </a:ln>
+                <a:solidFill>
+                  <a:schemeClr val="tx1"/>
+                </a:solidFill>
+                <a:effectLst/>
+                <a:latin typeface="Arial Unicode MS"/>
+              </a:rPr>
+              <a:t>: 	  1.0000 </a:t>
+            </a:r>
+          </a:p>
+          <a:p>
+            <a:pPr marL="0" marR="0" lvl="0" indent="0" defTabSz="914400" rtl="0" eaLnBrk="0" fontAlgn="base" latinLnBrk="0" hangingPunct="0">
+              <a:lnSpc>
+                <a:spcPct val="100000"/>
+              </a:lnSpc>
+              <a:spcBef>
+                <a:spcPct val="0"/>
+              </a:spcBef>
+              <a:spcAft>
+                <a:spcPct val="0"/>
+              </a:spcAft>
+              <a:buClrTx/>
+              <a:buSzTx/>
+              <a:buFontTx/>
+              <a:buNone/>
+              <a:tabLst/>
+            </a:pPr>
+            <a:r>
+              <a:rPr kumimoji="0" lang="es-CO" altLang="es-CO" sz="1600" b="1" i="0" u="none" strike="noStrike" cap="none" normalizeH="0" baseline="0" dirty="0">
+                <a:ln>
+                  <a:noFill/>
+                </a:ln>
+                <a:solidFill>
+                  <a:schemeClr val="tx1"/>
+                </a:solidFill>
+                <a:effectLst/>
+                <a:latin typeface="Arial Unicode MS"/>
+              </a:rPr>
+              <a:t>F1-Score</a:t>
+            </a:r>
+            <a:r>
+              <a:rPr kumimoji="0" lang="es-CO" altLang="es-CO" sz="1600" b="0" i="0" u="none" strike="noStrike" cap="none" normalizeH="0" baseline="0" dirty="0">
+                <a:ln>
+                  <a:noFill/>
+                </a:ln>
+                <a:solidFill>
+                  <a:schemeClr val="tx1"/>
+                </a:solidFill>
+                <a:effectLst/>
+                <a:latin typeface="Arial Unicode MS"/>
+              </a:rPr>
+              <a:t>: </a:t>
+            </a:r>
+            <a:r>
+              <a:rPr lang="es-CO" altLang="es-CO" sz="1600" dirty="0">
+                <a:solidFill>
+                  <a:schemeClr val="tx1"/>
+                </a:solidFill>
+                <a:latin typeface="Arial Unicode MS"/>
               </a:rPr>
               <a:t> </a:t>
             </a:r>
             <a:r>
-              <a:rPr lang="es-MX" sz="1050" b="1" dirty="0" err="1">
-                <a:latin typeface="Helvetica Neue Light"/>
-              </a:rPr>
-              <a:t>Regression</a:t>
-            </a:r>
-            <a:r>
-              <a:rPr lang="es-MX" sz="1050" b="1" dirty="0">
-                <a:latin typeface="Helvetica Neue Light"/>
-              </a:rPr>
-              <a:t>)</a:t>
-            </a:r>
-            <a:r>
-              <a:rPr lang="es-MX" sz="1050" dirty="0">
-                <a:latin typeface="Helvetica Neue Light"/>
-              </a:rPr>
-              <a:t> El modelo de Regresión Logística se utiliza para la clasificación binaria. Calcula la probabilidad de que una observación pertenezca a una clase utilizando una función logística.</a:t>
-            </a:r>
-          </a:p>
-          <a:p>
-            <a:pPr marR="58579" lvl="1" algn="just">
+              <a:rPr kumimoji="0" lang="es-CO" altLang="es-CO" sz="1600" b="0" i="0" u="none" strike="noStrike" cap="none" normalizeH="0" baseline="0" dirty="0">
+                <a:ln>
+                  <a:noFill/>
+                </a:ln>
+                <a:solidFill>
+                  <a:schemeClr val="tx1"/>
+                </a:solidFill>
+                <a:effectLst/>
+                <a:latin typeface="Arial Unicode MS"/>
+              </a:rPr>
+              <a:t>0.9697</a:t>
+            </a:r>
+            <a:r>
+              <a:rPr kumimoji="0" lang="es-CO" altLang="es-CO" sz="1100" b="0" i="0" u="none" strike="noStrike" cap="none" normalizeH="0" baseline="0" dirty="0">
+                <a:ln>
+                  <a:noFill/>
+                </a:ln>
+                <a:solidFill>
+                  <a:schemeClr val="tx1"/>
+                </a:solidFill>
+                <a:effectLst/>
+              </a:rPr>
+              <a:t> </a:t>
+            </a:r>
+            <a:endParaRPr kumimoji="0" lang="es-CO" altLang="es-CO" sz="4000" b="0" i="0" u="none" strike="noStrike" cap="none" normalizeH="0" baseline="0" dirty="0">
+              <a:ln>
+                <a:noFill/>
+              </a:ln>
+              <a:solidFill>
+                <a:schemeClr val="tx1"/>
+              </a:solidFill>
+              <a:effectLst/>
+              <a:latin typeface="Arial" panose="020B0604020202020204" pitchFamily="34" charset="0"/>
+            </a:endParaRPr>
+          </a:p>
+        </p:txBody>
+      </p:sp>
+      <p:sp>
+        <p:nvSpPr>
+          <p:cNvPr id="10" name="Rectangle 4">
+            <a:extLst>
+              <a:ext uri="{FF2B5EF4-FFF2-40B4-BE49-F238E27FC236}">
+                <a16:creationId xmlns:a16="http://schemas.microsoft.com/office/drawing/2014/main" id="{86F9153F-ADDC-2892-108C-08C40F125730}"/>
+              </a:ext>
+            </a:extLst>
+          </p:cNvPr>
+          <p:cNvSpPr>
+            <a:spLocks noChangeArrowheads="1"/>
+          </p:cNvSpPr>
+          <p:nvPr/>
+        </p:nvSpPr>
+        <p:spPr bwMode="auto">
+          <a:xfrm>
+            <a:off x="3649856" y="2713004"/>
+            <a:ext cx="1732635" cy="738664"/>
+          </a:xfrm>
+          <a:prstGeom prst="rect">
+            <a:avLst/>
+          </a:prstGeom>
+          <a:solidFill>
+            <a:srgbClr val="FFFFFF"/>
+          </a:solidFill>
+          <a:ln>
+            <a:noFill/>
+          </a:ln>
+          <a:effectLst/>
+          <a:extLst>
+            <a:ext uri="{91240B29-F687-4F45-9708-019B960494DF}">
+              <a14:hiddenLine xmlns:a14="http://schemas.microsoft.com/office/drawing/2010/main" w="9525">
+                <a:solidFill>
+                  <a:schemeClr val="tx1"/>
+                </a:solidFill>
+                <a:miter lim="800000"/>
+                <a:headEnd/>
+                <a:tailEnd/>
+              </a14:hiddenLine>
+            </a:ext>
+            <a:ext uri="{AF507438-7753-43E0-B8FC-AC1667EBCBE1}">
+              <a14:hiddenEffects xmlns:a14="http://schemas.microsoft.com/office/drawing/2010/main">
+                <a:effectLst>
+                  <a:outerShdw dist="35921" dir="2700000" algn="ctr" rotWithShape="0">
+                    <a:schemeClr val="bg2"/>
+                  </a:outerShdw>
+                </a:effectLst>
+              </a14:hiddenEffects>
+            </a:ext>
+          </a:extLst>
+        </p:spPr>
+        <p:txBody>
+          <a:bodyPr vert="horz" wrap="square" lIns="0" tIns="0" rIns="0" bIns="0" numCol="1" anchor="ctr" anchorCtr="0" compatLnSpc="1">
+            <a:prstTxWarp prst="textNoShape">
+              <a:avLst/>
+            </a:prstTxWarp>
+            <a:spAutoFit/>
+          </a:bodyPr>
+          <a:lstStyle/>
+          <a:p>
+            <a:pPr marL="0" marR="0" lvl="0" indent="0" algn="l" defTabSz="914400" rtl="0" eaLnBrk="0" fontAlgn="base" latinLnBrk="0" hangingPunct="0">
               <a:lnSpc>
-                <a:spcPct val="150000"/>
+                <a:spcPct val="100000"/>
               </a:lnSpc>
               <a:spcBef>
-                <a:spcPts val="180"/>
-              </a:spcBef>
+                <a:spcPct val="0"/>
+              </a:spcBef>
+              <a:spcAft>
+                <a:spcPct val="0"/>
+              </a:spcAft>
+              <a:buClrTx/>
+              <a:buSzTx/>
+              <a:buFontTx/>
+              <a:buNone/>
+              <a:tabLst/>
             </a:pPr>
             <a:r>
-              <a:rPr lang="es-MX" sz="1050" dirty="0">
-                <a:latin typeface="Helvetica Neue Light"/>
-              </a:rPr>
-              <a:t>B. </a:t>
-            </a:r>
-            <a:r>
-              <a:rPr lang="es-MX" sz="1050" b="1" dirty="0">
-                <a:latin typeface="Helvetica Neue Light"/>
-              </a:rPr>
-              <a:t>Modelo de Clasificación </a:t>
-            </a:r>
-            <a:r>
-              <a:rPr lang="es-MX" sz="1050" b="1" dirty="0" err="1">
-                <a:latin typeface="Helvetica Neue Light"/>
-              </a:rPr>
-              <a:t>Gradient</a:t>
-            </a:r>
-            <a:r>
-              <a:rPr lang="es-MX" sz="1050" b="1" dirty="0">
-                <a:latin typeface="Helvetica Neue Light"/>
+              <a:rPr kumimoji="0" lang="es-CO" altLang="es-CO" sz="1600" b="1" i="0" u="none" strike="noStrike" cap="none" normalizeH="0" baseline="0" dirty="0" err="1">
+                <a:ln>
+                  <a:noFill/>
+                </a:ln>
+                <a:solidFill>
+                  <a:schemeClr val="tx1"/>
+                </a:solidFill>
+                <a:effectLst/>
+                <a:latin typeface="Arial Unicode MS"/>
+              </a:rPr>
+              <a:t>Confusion</a:t>
+            </a:r>
+            <a:r>
+              <a:rPr kumimoji="0" lang="es-CO" altLang="es-CO" sz="1600" b="1" i="0" u="none" strike="noStrike" cap="none" normalizeH="0" baseline="0" dirty="0">
+                <a:ln>
+                  <a:noFill/>
+                </a:ln>
+                <a:solidFill>
+                  <a:schemeClr val="tx1"/>
+                </a:solidFill>
+                <a:effectLst/>
+                <a:latin typeface="Arial Unicode MS"/>
+              </a:rPr>
+              <a:t> Matrix: </a:t>
+            </a:r>
+          </a:p>
+          <a:p>
+            <a:pPr marL="0" marR="0" lvl="0" indent="0" algn="ctr" defTabSz="914400" rtl="0" eaLnBrk="0" fontAlgn="base" latinLnBrk="0" hangingPunct="0">
+              <a:lnSpc>
+                <a:spcPct val="100000"/>
+              </a:lnSpc>
+              <a:spcBef>
+                <a:spcPct val="0"/>
+              </a:spcBef>
+              <a:spcAft>
+                <a:spcPct val="0"/>
+              </a:spcAft>
+              <a:buClrTx/>
+              <a:buSzTx/>
+              <a:buFontTx/>
+              <a:buNone/>
+              <a:tabLst/>
+            </a:pPr>
+            <a:r>
+              <a:rPr kumimoji="0" lang="es-CO" altLang="es-CO" sz="1600" b="0" i="0" u="none" strike="noStrike" cap="none" normalizeH="0" baseline="0" dirty="0">
+                <a:ln>
+                  <a:noFill/>
+                </a:ln>
+                <a:solidFill>
+                  <a:schemeClr val="tx1"/>
+                </a:solidFill>
+                <a:effectLst/>
+                <a:latin typeface="Arial Unicode MS"/>
+              </a:rPr>
+              <a:t>[[12 4] </a:t>
+            </a:r>
+          </a:p>
+          <a:p>
+            <a:pPr marL="0" marR="0" lvl="0" indent="0" algn="ctr" defTabSz="914400" rtl="0" eaLnBrk="0" fontAlgn="base" latinLnBrk="0" hangingPunct="0">
+              <a:lnSpc>
+                <a:spcPct val="100000"/>
+              </a:lnSpc>
+              <a:spcBef>
+                <a:spcPct val="0"/>
+              </a:spcBef>
+              <a:spcAft>
+                <a:spcPct val="0"/>
+              </a:spcAft>
+              <a:buClrTx/>
+              <a:buSzTx/>
+              <a:buFontTx/>
+              <a:buNone/>
+              <a:tabLst/>
+            </a:pPr>
+            <a:r>
+              <a:rPr kumimoji="0" lang="es-CO" altLang="es-CO" sz="1600" b="0" i="0" u="none" strike="noStrike" cap="none" normalizeH="0" baseline="0" dirty="0">
+                <a:ln>
+                  <a:noFill/>
+                </a:ln>
+                <a:solidFill>
+                  <a:schemeClr val="tx1"/>
+                </a:solidFill>
+                <a:effectLst/>
+                <a:latin typeface="Arial Unicode MS"/>
+              </a:rPr>
+              <a:t>[ 0 64]]</a:t>
+            </a:r>
+            <a:r>
+              <a:rPr kumimoji="0" lang="es-CO" altLang="es-CO" sz="1100" b="0" i="0" u="none" strike="noStrike" cap="none" normalizeH="0" baseline="0" dirty="0">
+                <a:ln>
+                  <a:noFill/>
+                </a:ln>
+                <a:solidFill>
+                  <a:schemeClr val="tx1"/>
+                </a:solidFill>
+                <a:effectLst/>
               </a:rPr>
               <a:t> </a:t>
             </a:r>
-            <a:r>
-              <a:rPr lang="es-MX" sz="1050" b="1" dirty="0" err="1">
-                <a:latin typeface="Helvetica Neue Light"/>
-              </a:rPr>
-              <a:t>Boosting</a:t>
-            </a:r>
-            <a:r>
-              <a:rPr lang="es-MX" sz="1050" b="1" dirty="0">
-                <a:latin typeface="Helvetica Neue Light"/>
-              </a:rPr>
-              <a:t> </a:t>
-            </a:r>
-            <a:r>
-              <a:rPr lang="es-MX" sz="1050" dirty="0">
-                <a:latin typeface="Helvetica Neue Light"/>
-              </a:rPr>
-              <a:t>El modelo de Clasificación </a:t>
-            </a:r>
-            <a:r>
-              <a:rPr lang="es-MX" sz="1050" dirty="0" err="1">
-                <a:latin typeface="Helvetica Neue Light"/>
-              </a:rPr>
-              <a:t>Gradient</a:t>
-            </a:r>
-            <a:r>
-              <a:rPr lang="es-MX" sz="1050" dirty="0">
-                <a:latin typeface="Helvetica Neue Light"/>
-              </a:rPr>
-              <a:t> </a:t>
-            </a:r>
-            <a:r>
-              <a:rPr lang="es-MX" sz="1050" dirty="0" err="1">
-                <a:latin typeface="Helvetica Neue Light"/>
-              </a:rPr>
-              <a:t>Boosting</a:t>
-            </a:r>
-            <a:r>
-              <a:rPr lang="es-MX" sz="1050" dirty="0">
-                <a:latin typeface="Helvetica Neue Light"/>
-              </a:rPr>
-              <a:t> es un algoritmo de conjunto que combina múltiples árboles de decisión más débiles para construir un modelo predictivo más fuerte.</a:t>
-            </a:r>
-          </a:p>
-          <a:p>
-            <a:pPr marR="58579" lvl="1" algn="just">
-              <a:lnSpc>
-                <a:spcPct val="150000"/>
-              </a:lnSpc>
-              <a:spcBef>
-                <a:spcPts val="180"/>
-              </a:spcBef>
-            </a:pPr>
-            <a:r>
-              <a:rPr lang="es-MX" sz="1050" dirty="0">
-                <a:latin typeface="Helvetica Neue Light"/>
-              </a:rPr>
-              <a:t>C. </a:t>
-            </a:r>
-            <a:r>
-              <a:rPr lang="es-MX" sz="1050" b="1" dirty="0">
-                <a:latin typeface="Helvetica Neue Light"/>
-              </a:rPr>
-              <a:t>Modelo de Deep </a:t>
-            </a:r>
-            <a:r>
-              <a:rPr lang="es-MX" sz="1050" b="1" dirty="0" err="1">
-                <a:latin typeface="Helvetica Neue Light"/>
-              </a:rPr>
-              <a:t>Learning</a:t>
-            </a:r>
-            <a:r>
-              <a:rPr lang="es-MX" sz="1050" b="1" dirty="0">
-                <a:latin typeface="Helvetica Neue Light"/>
-              </a:rPr>
-              <a:t> RNN </a:t>
-            </a:r>
-            <a:r>
-              <a:rPr lang="es-MX" sz="1050" dirty="0">
-                <a:latin typeface="Helvetica Neue Light"/>
-              </a:rPr>
-              <a:t>El modelo utiliza una red neuronal recurrente LSTM para procesar secuencias de texto, seguido de una capa densa de salida con activación sigmoide para clasificación binaria, y se compila con la función de pérdida de entropía cruzada binaria y el optimizador Adam.</a:t>
-            </a:r>
-          </a:p>
-          <a:p>
-            <a:pPr marR="58579" lvl="1" algn="just">
-              <a:lnSpc>
-                <a:spcPct val="150000"/>
-              </a:lnSpc>
-              <a:spcBef>
-                <a:spcPts val="180"/>
-              </a:spcBef>
-            </a:pPr>
-            <a:r>
-              <a:rPr lang="es-MX" sz="1050" dirty="0">
-                <a:latin typeface="Helvetica Neue Light"/>
-              </a:rPr>
-              <a:t>D. </a:t>
-            </a:r>
-            <a:r>
-              <a:rPr lang="es-MX" sz="1050" b="1" dirty="0">
-                <a:latin typeface="Helvetica Neue Light"/>
-              </a:rPr>
-              <a:t>Modelo de Regresión Logística TF-IDF: </a:t>
-            </a:r>
-            <a:r>
-              <a:rPr lang="es-MX" sz="1050" dirty="0">
-                <a:latin typeface="Helvetica Neue Light"/>
-              </a:rPr>
-              <a:t>En este caso, implementaremos la técnica de TF-IDF (</a:t>
-            </a:r>
-            <a:r>
-              <a:rPr lang="es-MX" sz="1050" dirty="0" err="1">
-                <a:latin typeface="Helvetica Neue Light"/>
-              </a:rPr>
-              <a:t>Term</a:t>
-            </a:r>
-            <a:r>
-              <a:rPr lang="es-MX" sz="1050" dirty="0">
-                <a:latin typeface="Helvetica Neue Light"/>
-              </a:rPr>
-              <a:t> </a:t>
-            </a:r>
-            <a:r>
-              <a:rPr lang="es-MX" sz="1050" dirty="0" err="1">
-                <a:latin typeface="Helvetica Neue Light"/>
-              </a:rPr>
-              <a:t>Frequency</a:t>
-            </a:r>
-            <a:r>
-              <a:rPr lang="es-MX" sz="1050" dirty="0">
-                <a:latin typeface="Helvetica Neue Light"/>
-              </a:rPr>
-              <a:t>-Inverse </a:t>
-            </a:r>
-            <a:r>
-              <a:rPr lang="es-MX" sz="1050" dirty="0" err="1">
-                <a:latin typeface="Helvetica Neue Light"/>
-              </a:rPr>
-              <a:t>Document</a:t>
-            </a:r>
-            <a:r>
-              <a:rPr lang="es-MX" sz="1050" dirty="0">
-                <a:latin typeface="Helvetica Neue Light"/>
-              </a:rPr>
-              <a:t> </a:t>
-            </a:r>
-            <a:r>
-              <a:rPr lang="es-MX" sz="1050" dirty="0" err="1">
-                <a:latin typeface="Helvetica Neue Light"/>
-              </a:rPr>
-              <a:t>Frequency</a:t>
-            </a:r>
-            <a:r>
-              <a:rPr lang="es-MX" sz="1050" dirty="0">
-                <a:latin typeface="Helvetica Neue Light"/>
-              </a:rPr>
-              <a:t>) en el modelo de regresión logística. TF-IDF asigna pesos a palabras según su frecuencia en un documento y su rareza en el conjunto de documentos, destacando términos importantes en el análisis de texto.</a:t>
-            </a:r>
-          </a:p>
-          <a:p>
-            <a:pPr marR="58579" lvl="1" algn="just">
-              <a:lnSpc>
-                <a:spcPct val="150000"/>
-              </a:lnSpc>
-              <a:spcBef>
-                <a:spcPts val="180"/>
-              </a:spcBef>
-            </a:pPr>
-            <a:r>
-              <a:rPr lang="es-MX" sz="1050" dirty="0">
-                <a:latin typeface="Helvetica Neue Light"/>
-              </a:rPr>
-              <a:t>E. </a:t>
-            </a:r>
-            <a:r>
-              <a:rPr lang="es-MX" sz="1050" b="1" dirty="0">
-                <a:latin typeface="Helvetica Neue Light"/>
-              </a:rPr>
-              <a:t>Modelo Basado en BERT </a:t>
-            </a:r>
-            <a:r>
-              <a:rPr lang="es-MX" sz="1050" dirty="0" err="1">
-                <a:latin typeface="Helvetica Neue Light"/>
-              </a:rPr>
-              <a:t>Bidirectional</a:t>
-            </a:r>
-            <a:r>
-              <a:rPr lang="es-MX" sz="1050" dirty="0">
-                <a:latin typeface="Helvetica Neue Light"/>
-              </a:rPr>
-              <a:t> </a:t>
-            </a:r>
-            <a:r>
-              <a:rPr lang="es-MX" sz="1050" dirty="0" err="1">
-                <a:latin typeface="Helvetica Neue Light"/>
-              </a:rPr>
-              <a:t>Encoder</a:t>
-            </a:r>
-            <a:r>
-              <a:rPr lang="es-MX" sz="1050" dirty="0">
-                <a:latin typeface="Helvetica Neue Light"/>
-              </a:rPr>
-              <a:t> </a:t>
-            </a:r>
-            <a:r>
-              <a:rPr lang="es-MX" sz="1050" dirty="0" err="1">
-                <a:latin typeface="Helvetica Neue Light"/>
-              </a:rPr>
-              <a:t>Representations</a:t>
-            </a:r>
-            <a:r>
-              <a:rPr lang="es-MX" sz="1050" dirty="0">
-                <a:latin typeface="Helvetica Neue Light"/>
-              </a:rPr>
-              <a:t> </a:t>
-            </a:r>
-            <a:r>
-              <a:rPr lang="es-MX" sz="1050" dirty="0" err="1">
-                <a:latin typeface="Helvetica Neue Light"/>
-              </a:rPr>
-              <a:t>from</a:t>
-            </a:r>
-            <a:r>
-              <a:rPr lang="es-MX" sz="1050" dirty="0">
-                <a:latin typeface="Helvetica Neue Light"/>
-              </a:rPr>
-              <a:t> Transformers (BERT) es un modelo de lenguaje basado en transformadores que </a:t>
-            </a:r>
-            <a:r>
-              <a:rPr lang="es-MX" sz="1050" dirty="0" err="1">
-                <a:latin typeface="Helvetica Neue Light"/>
-              </a:rPr>
-              <a:t>preentrena</a:t>
-            </a:r>
-            <a:r>
-              <a:rPr lang="es-MX" sz="1050" dirty="0">
-                <a:latin typeface="Helvetica Neue Light"/>
-              </a:rPr>
-              <a:t> representaciones de texto bidireccionales para comprender mejor el contexto de las palabras en una oración. Este modelo es especialmente interesante para nosotros, dado el alto nivel técnico de las sentencias de la corte, ya que su tipo de análisis podría generar una representación más fiable del caso de estudio.</a:t>
-            </a:r>
-            <a:endParaRPr lang="es-MX" sz="1050" dirty="0">
+            <a:endParaRPr kumimoji="0" lang="es-CO" altLang="es-CO" sz="4000" b="0" i="0" u="none" strike="noStrike" cap="none" normalizeH="0" baseline="0" dirty="0">
+              <a:ln>
+                <a:noFill/>
+              </a:ln>
               <a:solidFill>
-                <a:srgbClr val="0D0D0D"/>
+                <a:schemeClr val="tx1"/>
               </a:solidFill>
-              <a:highlight>
-                <a:srgbClr val="FFFFFF"/>
-              </a:highlight>
-              <a:latin typeface="ui-sans-serif"/>
+              <a:effectLst/>
+              <a:latin typeface="Arial" panose="020B0604020202020204" pitchFamily="34" charset="0"/>
             </a:endParaRPr>
           </a:p>
         </p:txBody>
@@ -10466,7 +10870,7 @@
     </p:spTree>
     <p:extLst>
       <p:ext uri="{BB962C8B-B14F-4D97-AF65-F5344CB8AC3E}">
-        <p14:creationId xmlns:p14="http://schemas.microsoft.com/office/powerpoint/2010/main" val="1686361473"/>
+        <p14:creationId xmlns:p14="http://schemas.microsoft.com/office/powerpoint/2010/main" val="1822766431"/>
       </p:ext>
     </p:extLst>
   </p:cSld>
@@ -10495,14 +10899,14 @@
       </p:grpSpPr>
       <p:sp>
         <p:nvSpPr>
-          <p:cNvPr id="26" name="Google Shape;26;p6"/>
+          <p:cNvPr id="27" name="Google Shape;27;p6"/>
           <p:cNvSpPr txBox="1"/>
           <p:nvPr/>
         </p:nvSpPr>
         <p:spPr>
           <a:xfrm>
-            <a:off x="662940" y="1519444"/>
-            <a:ext cx="8016240" cy="1638900"/>
+            <a:off x="670313" y="407229"/>
+            <a:ext cx="4572000" cy="338554"/>
           </a:xfrm>
           <a:prstGeom prst="rect">
             <a:avLst/>
@@ -10513,66 +10917,6 @@
           </a:ln>
         </p:spPr>
         <p:txBody>
-          <a:bodyPr spcFirstLastPara="1" wrap="square" lIns="0" tIns="22850" rIns="0" bIns="0" anchor="t" anchorCtr="0">
-            <a:spAutoFit/>
-          </a:bodyPr>
-          <a:lstStyle/>
-          <a:p>
-            <a:pPr marL="9525" marR="58579" lvl="0" indent="0" algn="just" rtl="0">
-              <a:lnSpc>
-                <a:spcPct val="150000"/>
-              </a:lnSpc>
-              <a:spcBef>
-                <a:spcPts val="0"/>
-              </a:spcBef>
-              <a:spcAft>
-                <a:spcPts val="0"/>
-              </a:spcAft>
-              <a:buNone/>
-            </a:pPr>
-            <a:r>
-              <a:rPr lang="es-MX" dirty="0"/>
-              <a:t>Conjunto al modelo BERT que usamos para clasificación de secuencias en un conjunto de datos judiciales, pudimos hacer el montaje de un modelo de </a:t>
-            </a:r>
-            <a:r>
-              <a:rPr lang="es-MX" dirty="0" err="1"/>
-              <a:t>Question</a:t>
-            </a:r>
-            <a:r>
-              <a:rPr lang="es-MX" dirty="0"/>
-              <a:t> &amp; </a:t>
-            </a:r>
-            <a:r>
-              <a:rPr lang="es-MX" dirty="0" err="1"/>
-              <a:t>Answering</a:t>
-            </a:r>
-            <a:r>
-              <a:rPr lang="es-MX" dirty="0"/>
-              <a:t> (Q&amp;A) para responder preguntas específicas relacionadas con las opiniones consultivas de la Corte Internacional de Justicia (CIJ). Los resultados fueron satisfactorios para todos nosotros puesto que cumplimos con nuestro objetivo principal</a:t>
-            </a:r>
-          </a:p>
-        </p:txBody>
-      </p:sp>
-      <p:sp>
-        <p:nvSpPr>
-          <p:cNvPr id="27" name="Google Shape;27;p6"/>
-          <p:cNvSpPr txBox="1"/>
-          <p:nvPr/>
-        </p:nvSpPr>
-        <p:spPr>
-          <a:xfrm>
-            <a:off x="662940" y="585145"/>
-            <a:ext cx="4572000" cy="338554"/>
-          </a:xfrm>
-          <a:prstGeom prst="rect">
-            <a:avLst/>
-          </a:prstGeom>
-          <a:noFill/>
-          <a:ln>
-            <a:noFill/>
-          </a:ln>
-        </p:spPr>
-        <p:txBody>
           <a:bodyPr spcFirstLastPara="1" wrap="square" lIns="91425" tIns="45700" rIns="91425" bIns="45700" anchor="t" anchorCtr="0">
             <a:spAutoFit/>
           </a:bodyPr>
@@ -10600,7 +10944,7 @@
                 <a:cs typeface="Helvetica Neue Light"/>
                 <a:sym typeface="Helvetica Neue Light"/>
               </a:rPr>
-              <a:t>Informe</a:t>
+              <a:t>Modelado</a:t>
             </a:r>
             <a:endParaRPr sz="1600" b="1" i="0" u="none" strike="noStrike" cap="none" dirty="0">
               <a:solidFill>
@@ -10614,10 +10958,137 @@
           </a:p>
         </p:txBody>
       </p:sp>
+      <p:sp>
+        <p:nvSpPr>
+          <p:cNvPr id="3" name="Google Shape;27;p6">
+            <a:extLst>
+              <a:ext uri="{FF2B5EF4-FFF2-40B4-BE49-F238E27FC236}">
+                <a16:creationId xmlns:a16="http://schemas.microsoft.com/office/drawing/2014/main" id="{BFC825DE-4693-FC17-AEA7-CA6D9453F4DE}"/>
+              </a:ext>
+            </a:extLst>
+          </p:cNvPr>
+          <p:cNvSpPr txBox="1"/>
+          <p:nvPr/>
+        </p:nvSpPr>
+        <p:spPr>
+          <a:xfrm>
+            <a:off x="2602513" y="864790"/>
+            <a:ext cx="3938971" cy="338514"/>
+          </a:xfrm>
+          <a:prstGeom prst="rect">
+            <a:avLst/>
+          </a:prstGeom>
+          <a:noFill/>
+          <a:ln>
+            <a:noFill/>
+          </a:ln>
+        </p:spPr>
+        <p:txBody>
+          <a:bodyPr spcFirstLastPara="1" wrap="square" lIns="91425" tIns="45700" rIns="91425" bIns="45700" anchor="t" anchorCtr="0">
+            <a:spAutoFit/>
+          </a:bodyPr>
+          <a:lstStyle/>
+          <a:p>
+            <a:pPr marL="0" marR="0" lvl="0" indent="0" algn="l" rtl="0">
+              <a:lnSpc>
+                <a:spcPct val="100000"/>
+              </a:lnSpc>
+              <a:spcBef>
+                <a:spcPts val="0"/>
+              </a:spcBef>
+              <a:spcAft>
+                <a:spcPts val="0"/>
+              </a:spcAft>
+              <a:buNone/>
+            </a:pPr>
+            <a:r>
+              <a:rPr lang="es-ES" sz="1600" b="1" i="0" u="none" strike="noStrike" cap="none" dirty="0">
+                <a:solidFill>
+                  <a:srgbClr val="000000"/>
+                </a:solidFill>
+                <a:latin typeface="Helvetica Neue Light"/>
+                <a:ea typeface="Helvetica Neue Light"/>
+                <a:cs typeface="Helvetica Neue Light"/>
+                <a:sym typeface="Helvetica Neue Light"/>
+              </a:rPr>
+              <a:t>Predicciones de preguntas con BERT</a:t>
+            </a:r>
+            <a:endParaRPr sz="1600" b="1" i="0" u="none" strike="noStrike" cap="none" dirty="0">
+              <a:solidFill>
+                <a:srgbClr val="000000"/>
+              </a:solidFill>
+              <a:latin typeface="Helvetica Neue Light"/>
+              <a:ea typeface="Helvetica Neue Light"/>
+              <a:cs typeface="Helvetica Neue Light"/>
+              <a:sym typeface="Helvetica Neue Light"/>
+            </a:endParaRPr>
+          </a:p>
+        </p:txBody>
+      </p:sp>
+      <p:pic>
+        <p:nvPicPr>
+          <p:cNvPr id="4" name="Imagen 3">
+            <a:extLst>
+              <a:ext uri="{FF2B5EF4-FFF2-40B4-BE49-F238E27FC236}">
+                <a16:creationId xmlns:a16="http://schemas.microsoft.com/office/drawing/2014/main" id="{D221167B-923E-69CA-A77B-A45766554EC0}"/>
+              </a:ext>
+            </a:extLst>
+          </p:cNvPr>
+          <p:cNvPicPr>
+            <a:picLocks noChangeAspect="1"/>
+          </p:cNvPicPr>
+          <p:nvPr/>
+        </p:nvPicPr>
+        <p:blipFill>
+          <a:blip r:embed="rId3"/>
+          <a:stretch>
+            <a:fillRect/>
+          </a:stretch>
+        </p:blipFill>
+        <p:spPr>
+          <a:xfrm>
+            <a:off x="2152310" y="1725742"/>
+            <a:ext cx="4839375" cy="209579"/>
+          </a:xfrm>
+          <a:prstGeom prst="rect">
+            <a:avLst/>
+          </a:prstGeom>
+        </p:spPr>
+      </p:pic>
+      <p:pic>
+        <p:nvPicPr>
+          <p:cNvPr id="6" name="Imagen 5">
+            <a:extLst>
+              <a:ext uri="{FF2B5EF4-FFF2-40B4-BE49-F238E27FC236}">
+                <a16:creationId xmlns:a16="http://schemas.microsoft.com/office/drawing/2014/main" id="{5A7680BB-8B54-530F-9409-346B868E25D4}"/>
+              </a:ext>
+            </a:extLst>
+          </p:cNvPr>
+          <p:cNvPicPr>
+            <a:picLocks noChangeAspect="1"/>
+          </p:cNvPicPr>
+          <p:nvPr/>
+        </p:nvPicPr>
+        <p:blipFill>
+          <a:blip r:embed="rId4"/>
+          <a:stretch>
+            <a:fillRect/>
+          </a:stretch>
+        </p:blipFill>
+        <p:spPr>
+          <a:xfrm>
+            <a:off x="2142783" y="2264636"/>
+            <a:ext cx="4858428" cy="181000"/>
+          </a:xfrm>
+          <a:prstGeom prst="rect">
+            <a:avLst/>
+          </a:prstGeom>
+        </p:spPr>
+      </p:pic>
     </p:spTree>
     <p:extLst>
       <p:ext uri="{BB962C8B-B14F-4D97-AF65-F5344CB8AC3E}">
-        <p14:creationId xmlns:p14="http://schemas.microsoft.com/office/powerpoint/2010/main" val="32837543"/>
+        <p14:creationId xmlns:p14="http://schemas.microsoft.com/office/powerpoint/2010/main" val="2767184646"/>
       </p:ext>
     </p:extLst>
   </p:cSld>
@@ -10783,8 +11254,8 @@
         </p:nvSpPr>
         <p:spPr>
           <a:xfrm>
-            <a:off x="563880" y="836664"/>
-            <a:ext cx="8016240" cy="3470171"/>
+            <a:off x="662940" y="1519444"/>
+            <a:ext cx="8016240" cy="1638900"/>
           </a:xfrm>
           <a:prstGeom prst="rect">
             <a:avLst/>
@@ -10801,6 +11272,9 @@
           <a:lstStyle/>
           <a:p>
             <a:pPr marL="9525" marR="58579" lvl="0" indent="0" algn="just" rtl="0">
+              <a:lnSpc>
+                <a:spcPct val="150000"/>
+              </a:lnSpc>
               <a:spcBef>
                 <a:spcPts val="0"/>
               </a:spcBef>
@@ -10810,113 +11284,25 @@
               <a:buNone/>
             </a:pPr>
             <a:r>
-              <a:rPr lang="en-US" b="1" dirty="0" err="1"/>
-              <a:t>Pregunta</a:t>
-            </a:r>
-            <a:r>
-              <a:rPr lang="en-US" b="1" dirty="0"/>
-              <a:t>: </a:t>
-            </a:r>
-            <a:r>
-              <a:rPr lang="en-US" dirty="0"/>
-              <a:t>What are the legal consequences arising from the construction of the wall being built by Israel, the occupying Power, in the Occupied Palestinian Territory, including in and around East Jerusalem, as described in the report of the Secretary-General, considering the rules and principles of international law, including the Fourth Geneva Convention of 1949, and relevant Security Council and General Assembly resolutions?</a:t>
-            </a:r>
-          </a:p>
-          <a:p>
-            <a:pPr marL="9525" marR="58579" lvl="0" indent="0" algn="just" rtl="0">
-              <a:spcBef>
-                <a:spcPts val="0"/>
-              </a:spcBef>
-              <a:spcAft>
-                <a:spcPts val="0"/>
-              </a:spcAft>
-              <a:buNone/>
-            </a:pPr>
-            <a:endParaRPr lang="en-US" dirty="0"/>
-          </a:p>
-          <a:p>
-            <a:pPr marL="9525" marR="58579" lvl="0" indent="0" algn="just" rtl="0">
-              <a:spcBef>
-                <a:spcPts val="0"/>
-              </a:spcBef>
-              <a:spcAft>
-                <a:spcPts val="0"/>
-              </a:spcAft>
-              <a:buNone/>
-            </a:pPr>
-            <a:r>
-              <a:rPr lang="en-US" b="1" dirty="0"/>
-              <a:t>Respuesta: </a:t>
-            </a:r>
-            <a:r>
-              <a:rPr lang="en-US" dirty="0"/>
-              <a:t>[CLS] what are the legal consequences arising from the construction of the wall being built by </a:t>
-            </a:r>
-            <a:r>
-              <a:rPr lang="en-US" dirty="0" err="1"/>
-              <a:t>israel</a:t>
-            </a:r>
-            <a:r>
-              <a:rPr lang="en-US" dirty="0"/>
-              <a:t> , the occupying power , in the occupied </a:t>
-            </a:r>
-            <a:r>
-              <a:rPr lang="en-US" dirty="0" err="1"/>
-              <a:t>palestinian</a:t>
-            </a:r>
-            <a:r>
-              <a:rPr lang="en-US" dirty="0"/>
-              <a:t> territory , including in and around east </a:t>
-            </a:r>
-            <a:r>
-              <a:rPr lang="en-US" dirty="0" err="1"/>
-              <a:t>jerusalem</a:t>
-            </a:r>
-            <a:r>
-              <a:rPr lang="en-US" dirty="0"/>
-              <a:t> , as described in the report of the secretary - general , considering the rules and principles of international law , including the fourth </a:t>
-            </a:r>
-            <a:r>
-              <a:rPr lang="en-US" dirty="0" err="1"/>
-              <a:t>geneva</a:t>
-            </a:r>
-            <a:r>
-              <a:rPr lang="en-US" dirty="0"/>
-              <a:t> convention of 1949 , and relevant security council and general assembly resolutions ? [SEP] have raised the further argument that the court should decline to exercise its jurisdiction because it does not have at its disposal the requisite facts and evidence to enable it to reach its conclusions . in particular , </a:t>
-            </a:r>
-            <a:r>
-              <a:rPr lang="en-US" dirty="0" err="1"/>
-              <a:t>israel</a:t>
-            </a:r>
-            <a:r>
-              <a:rPr lang="en-US" dirty="0"/>
-              <a:t> has contended , referring to the advisory opinion on t he interpretation of peace treaties with </a:t>
-            </a:r>
-            <a:r>
-              <a:rPr lang="en-US" dirty="0" err="1"/>
-              <a:t>bulgaria</a:t>
-            </a:r>
-            <a:r>
-              <a:rPr lang="en-US" dirty="0"/>
-              <a:t> , </a:t>
-            </a:r>
-            <a:r>
-              <a:rPr lang="en-US" dirty="0" err="1"/>
-              <a:t>hungary</a:t>
-            </a:r>
-            <a:r>
-              <a:rPr lang="en-US" dirty="0"/>
-              <a:t> and </a:t>
-            </a:r>
-            <a:r>
-              <a:rPr lang="en-US" dirty="0" err="1"/>
-              <a:t>romania</a:t>
-            </a:r>
-            <a:r>
-              <a:rPr lang="en-US" dirty="0"/>
-              <a:t> , that the court could not give an opinion on issues which raise questions of fact that cannot be elucidated without hearing all parties to the conflict . accord [SEP] </a:t>
-            </a:r>
-            <a:endParaRPr lang="es-MX" dirty="0"/>
+              <a:rPr lang="es-MX" dirty="0"/>
+              <a:t>Conjunto al modelo BERT que usamos para clasificación de secuencias en un conjunto de datos judiciales, pudimos hacer el montaje de un modelo de </a:t>
+            </a:r>
+            <a:r>
+              <a:rPr lang="es-MX" dirty="0" err="1"/>
+              <a:t>Question</a:t>
+            </a:r>
+            <a:r>
+              <a:rPr lang="es-MX" dirty="0"/>
+              <a:t> &amp; </a:t>
+            </a:r>
+            <a:r>
+              <a:rPr lang="es-MX" dirty="0" err="1"/>
+              <a:t>Answering</a:t>
+            </a:r>
+            <a:r>
+              <a:rPr lang="es-MX" dirty="0"/>
+              <a:t> (Q&amp;A) para responder preguntas específicas relacionadas con las opiniones consultivas de la Corte Internacional de Justicia (CIJ). Los resultados fueron satisfactorios para todos nosotros puesto que cumplimos con nuestro objetivo principal</a:t>
+            </a:r>
           </a:p>
         </p:txBody>
       </p:sp>
@@ -10928,7 +11314,7 @@
         </p:nvSpPr>
         <p:spPr>
           <a:xfrm>
-            <a:off x="510540" y="349617"/>
+            <a:off x="662940" y="585145"/>
             <a:ext cx="4572000" cy="338554"/>
           </a:xfrm>
           <a:prstGeom prst="rect">
@@ -10968,15 +11354,6 @@
                 <a:sym typeface="Helvetica Neue Light"/>
               </a:rPr>
               <a:t>Informe</a:t>
-            </a:r>
-            <a:r>
-              <a:rPr lang="es-ES" sz="1600" b="1" dirty="0">
-                <a:latin typeface="Helvetica Neue Light"/>
-                <a:ea typeface="Helvetica Neue Light"/>
-                <a:cs typeface="Helvetica Neue Light"/>
-                <a:sym typeface="Helvetica Neue Light"/>
-              </a:rPr>
-              <a:t> – Respuesta 1 Q&amp;A</a:t>
             </a:r>
             <a:endParaRPr sz="1600" b="1" i="0" u="none" strike="noStrike" cap="none" dirty="0">
               <a:solidFill>
@@ -10993,7 +11370,7 @@
     </p:spTree>
     <p:extLst>
       <p:ext uri="{BB962C8B-B14F-4D97-AF65-F5344CB8AC3E}">
-        <p14:creationId xmlns:p14="http://schemas.microsoft.com/office/powerpoint/2010/main" val="324133137"/>
+        <p14:creationId xmlns:p14="http://schemas.microsoft.com/office/powerpoint/2010/main" val="32837543"/>
       </p:ext>
     </p:extLst>
   </p:cSld>
@@ -11029,7 +11406,7 @@
         <p:spPr>
           <a:xfrm>
             <a:off x="563880" y="836664"/>
-            <a:ext cx="8016240" cy="2823840"/>
+            <a:ext cx="8016240" cy="3470171"/>
           </a:xfrm>
           <a:prstGeom prst="rect">
             <a:avLst/>
@@ -11095,7 +11472,31 @@
             </a:r>
             <a:r>
               <a:rPr lang="en-US" dirty="0"/>
-              <a:t>the rules and principles of international law , including the fourth </a:t>
+              <a:t>[CLS] what are the legal consequences arising from the construction of the wall being built by </a:t>
+            </a:r>
+            <a:r>
+              <a:rPr lang="en-US" dirty="0" err="1"/>
+              <a:t>israel</a:t>
+            </a:r>
+            <a:r>
+              <a:rPr lang="en-US" dirty="0"/>
+              <a:t> , the occupying power , in the occupied </a:t>
+            </a:r>
+            <a:r>
+              <a:rPr lang="en-US" dirty="0" err="1"/>
+              <a:t>palestinian</a:t>
+            </a:r>
+            <a:r>
+              <a:rPr lang="en-US" dirty="0"/>
+              <a:t> territory , including in and around east </a:t>
+            </a:r>
+            <a:r>
+              <a:rPr lang="en-US" dirty="0" err="1"/>
+              <a:t>jerusalem</a:t>
+            </a:r>
+            <a:r>
+              <a:rPr lang="en-US" dirty="0"/>
+              <a:t> , as described in the report of the secretary - general , considering the rules and principles of international law , including the fourth </a:t>
             </a:r>
             <a:r>
               <a:rPr lang="en-US" dirty="0" err="1"/>
@@ -11103,47 +11504,39 @@
             </a:r>
             <a:r>
               <a:rPr lang="en-US" dirty="0"/>
-              <a:t> convention of 1949 , and relevant security council and general assembly resolutions ? k in time , the latest provisions relating thereto having been incorporated into article 62 of the treaty of berlin of 13 </a:t>
+              <a:t> convention of 1949 , and relevant security council and general assembly resolutions ? [SEP] have raised the further argument that the court should decline to exercise its jurisdiction because it does not have at its disposal the requisite facts and evidence to enable it to reach its conclusions . in particular , </a:t>
             </a:r>
             <a:r>
               <a:rPr lang="en-US" dirty="0" err="1"/>
-              <a:t>july</a:t>
+              <a:t>israel</a:t>
             </a:r>
             <a:r>
               <a:rPr lang="en-US" dirty="0"/>
-              <a:t> 1878 . the mandate for </a:t>
+              <a:t> has contended , referring to the advisory opinion on t he interpretation of peace treaties with </a:t>
             </a:r>
             <a:r>
               <a:rPr lang="en-US" dirty="0" err="1"/>
-              <a:t>palestine</a:t>
+              <a:t>bulgaria</a:t>
             </a:r>
             <a:r>
               <a:rPr lang="en-US" dirty="0"/>
-              <a:t> given to the </a:t>
+              <a:t> , </a:t>
             </a:r>
             <a:r>
               <a:rPr lang="en-US" dirty="0" err="1"/>
-              <a:t>british</a:t>
+              <a:t>hungary</a:t>
             </a:r>
             <a:r>
               <a:rPr lang="en-US" dirty="0"/>
-              <a:t> government on 24 </a:t>
+              <a:t> and </a:t>
             </a:r>
             <a:r>
               <a:rPr lang="en-US" dirty="0" err="1"/>
-              <a:t>july</a:t>
+              <a:t>romania</a:t>
             </a:r>
             <a:r>
               <a:rPr lang="en-US" dirty="0"/>
-              <a:t> 1922 included an article 13 , under which : all responsibility in connection with the holy places and religious buildings or sites in </a:t>
-            </a:r>
-            <a:r>
-              <a:rPr lang="en-US" dirty="0" err="1"/>
-              <a:t>palestine</a:t>
-            </a:r>
-            <a:r>
-              <a:rPr lang="en-US" dirty="0"/>
-              <a:t> , including that of preserving existing rights and of securing free access to the holy places , religious buildings and sites and the free exercise of worship</a:t>
+              <a:t> , that the court could not give an opinion on issues which raise questions of fact that cannot be elucidated without hearing all parties to the conflict . accord [SEP] </a:t>
             </a:r>
             <a:endParaRPr lang="es-MX" dirty="0"/>
           </a:p>
@@ -11205,7 +11598,7 @@
                 <a:cs typeface="Helvetica Neue Light"/>
                 <a:sym typeface="Helvetica Neue Light"/>
               </a:rPr>
-              <a:t> – Respuesta 2 Q&amp;A</a:t>
+              <a:t> – Respuesta 1 Q&amp;A</a:t>
             </a:r>
             <a:endParaRPr sz="1600" b="1" i="0" u="none" strike="noStrike" cap="none" dirty="0">
               <a:solidFill>
@@ -11222,7 +11615,7 @@
     </p:spTree>
     <p:extLst>
       <p:ext uri="{BB962C8B-B14F-4D97-AF65-F5344CB8AC3E}">
-        <p14:creationId xmlns:p14="http://schemas.microsoft.com/office/powerpoint/2010/main" val="3867588320"/>
+        <p14:creationId xmlns:p14="http://schemas.microsoft.com/office/powerpoint/2010/main" val="324133137"/>
       </p:ext>
     </p:extLst>
   </p:cSld>
@@ -11257,8 +11650,8 @@
         </p:nvSpPr>
         <p:spPr>
           <a:xfrm>
-            <a:off x="662940" y="1441012"/>
-            <a:ext cx="8016240" cy="1373699"/>
+            <a:off x="563880" y="836664"/>
+            <a:ext cx="8016240" cy="2823840"/>
           </a:xfrm>
           <a:prstGeom prst="rect">
             <a:avLst/>
@@ -11275,11 +11668,8 @@
           <a:lstStyle/>
           <a:p>
             <a:pPr marL="9525" marR="58579" lvl="0" indent="0" algn="just" rtl="0">
-              <a:lnSpc>
-                <a:spcPct val="204642"/>
-              </a:lnSpc>
-              <a:spcBef>
-                <a:spcPts val="180"/>
+              <a:spcBef>
+                <a:spcPts val="0"/>
               </a:spcBef>
               <a:spcAft>
                 <a:spcPts val="0"/>
@@ -11287,26 +11677,97 @@
               <a:buNone/>
             </a:pPr>
             <a:r>
-              <a:rPr lang="es-MX" sz="1400" b="0" i="0" u="none" strike="noStrike" cap="none" dirty="0">
-                <a:solidFill>
-                  <a:srgbClr val="000000"/>
-                </a:solidFill>
-                <a:latin typeface="Helvetica Neue Light"/>
-                <a:ea typeface="Helvetica Neue Light"/>
-                <a:cs typeface="Helvetica Neue Light"/>
-                <a:sym typeface="Helvetica Neue Light"/>
-              </a:rPr>
-              <a:t>En términos generales, el modelo cumplió con nuestras expectativas para el análisis de los datos judiciales. Sin embargo, reconocemos la necesidad de enriquecerlo con una mayor cantidad de datos para asegurar que pueda generalizar de manera más precisa los casos negativos.</a:t>
-            </a:r>
-            <a:endParaRPr sz="1400" b="0" i="0" u="none" strike="noStrike" cap="none" dirty="0">
-              <a:solidFill>
-                <a:srgbClr val="000000"/>
-              </a:solidFill>
-              <a:latin typeface="Helvetica Neue Light"/>
-              <a:ea typeface="Helvetica Neue Light"/>
-              <a:cs typeface="Helvetica Neue Light"/>
-              <a:sym typeface="Helvetica Neue Light"/>
-            </a:endParaRPr>
+              <a:rPr lang="en-US" b="1" dirty="0" err="1"/>
+              <a:t>Pregunta</a:t>
+            </a:r>
+            <a:r>
+              <a:rPr lang="en-US" b="1" dirty="0"/>
+              <a:t>: </a:t>
+            </a:r>
+            <a:r>
+              <a:rPr lang="en-US" dirty="0"/>
+              <a:t>What are the legal consequences arising from the construction of the wall being built by Israel, the occupying Power, in the Occupied Palestinian Territory, including in and around East Jerusalem, as described in the report of the Secretary-General, considering the rules and principles of international law, including the Fourth Geneva Convention of 1949, and relevant Security Council and General Assembly resolutions?</a:t>
+            </a:r>
+          </a:p>
+          <a:p>
+            <a:pPr marL="9525" marR="58579" lvl="0" indent="0" algn="just" rtl="0">
+              <a:spcBef>
+                <a:spcPts val="0"/>
+              </a:spcBef>
+              <a:spcAft>
+                <a:spcPts val="0"/>
+              </a:spcAft>
+              <a:buNone/>
+            </a:pPr>
+            <a:endParaRPr lang="en-US" dirty="0"/>
+          </a:p>
+          <a:p>
+            <a:pPr marL="9525" marR="58579" lvl="0" indent="0" algn="just" rtl="0">
+              <a:spcBef>
+                <a:spcPts val="0"/>
+              </a:spcBef>
+              <a:spcAft>
+                <a:spcPts val="0"/>
+              </a:spcAft>
+              <a:buNone/>
+            </a:pPr>
+            <a:r>
+              <a:rPr lang="en-US" b="1" dirty="0"/>
+              <a:t>Respuesta: </a:t>
+            </a:r>
+            <a:r>
+              <a:rPr lang="en-US" dirty="0"/>
+              <a:t>the rules and principles of international law , including the fourth </a:t>
+            </a:r>
+            <a:r>
+              <a:rPr lang="en-US" dirty="0" err="1"/>
+              <a:t>geneva</a:t>
+            </a:r>
+            <a:r>
+              <a:rPr lang="en-US" dirty="0"/>
+              <a:t> convention of 1949 , and relevant security council and general assembly resolutions ? k in time , the latest provisions relating thereto having been incorporated into article 62 of the treaty of berlin of 13 </a:t>
+            </a:r>
+            <a:r>
+              <a:rPr lang="en-US" dirty="0" err="1"/>
+              <a:t>july</a:t>
+            </a:r>
+            <a:r>
+              <a:rPr lang="en-US" dirty="0"/>
+              <a:t> 1878 . the mandate for </a:t>
+            </a:r>
+            <a:r>
+              <a:rPr lang="en-US" dirty="0" err="1"/>
+              <a:t>palestine</a:t>
+            </a:r>
+            <a:r>
+              <a:rPr lang="en-US" dirty="0"/>
+              <a:t> given to the </a:t>
+            </a:r>
+            <a:r>
+              <a:rPr lang="en-US" dirty="0" err="1"/>
+              <a:t>british</a:t>
+            </a:r>
+            <a:r>
+              <a:rPr lang="en-US" dirty="0"/>
+              <a:t> government on 24 </a:t>
+            </a:r>
+            <a:r>
+              <a:rPr lang="en-US" dirty="0" err="1"/>
+              <a:t>july</a:t>
+            </a:r>
+            <a:r>
+              <a:rPr lang="en-US" dirty="0"/>
+              <a:t> 1922 included an article 13 , under which : all responsibility in connection with the holy places and religious buildings or sites in </a:t>
+            </a:r>
+            <a:r>
+              <a:rPr lang="en-US" dirty="0" err="1"/>
+              <a:t>palestine</a:t>
+            </a:r>
+            <a:r>
+              <a:rPr lang="en-US" dirty="0"/>
+              <a:t> , including that of preserving existing rights and of securing free access to the holy places , religious buildings and sites and the free exercise of worship</a:t>
+            </a:r>
+            <a:endParaRPr lang="es-MX" dirty="0"/>
           </a:p>
         </p:txBody>
       </p:sp>
@@ -11318,7 +11779,7 @@
         </p:nvSpPr>
         <p:spPr>
           <a:xfrm>
-            <a:off x="662940" y="585145"/>
+            <a:off x="510540" y="349617"/>
             <a:ext cx="4572000" cy="338554"/>
           </a:xfrm>
           <a:prstGeom prst="rect">
@@ -11357,7 +11818,16 @@
                 <a:cs typeface="Helvetica Neue Light"/>
                 <a:sym typeface="Helvetica Neue Light"/>
               </a:rPr>
-              <a:t>Conclusiones</a:t>
+              <a:t>Informe</a:t>
+            </a:r>
+            <a:r>
+              <a:rPr lang="es-ES" sz="1600" b="1" dirty="0">
+                <a:latin typeface="Helvetica Neue Light"/>
+                <a:ea typeface="Helvetica Neue Light"/>
+                <a:cs typeface="Helvetica Neue Light"/>
+                <a:sym typeface="Helvetica Neue Light"/>
+              </a:rPr>
+              <a:t> – Respuesta 2 Q&amp;A</a:t>
             </a:r>
             <a:endParaRPr sz="1600" b="1" i="0" u="none" strike="noStrike" cap="none" dirty="0">
               <a:solidFill>
@@ -11374,7 +11844,7 @@
     </p:spTree>
     <p:extLst>
       <p:ext uri="{BB962C8B-B14F-4D97-AF65-F5344CB8AC3E}">
-        <p14:creationId xmlns:p14="http://schemas.microsoft.com/office/powerpoint/2010/main" val="15957449"/>
+        <p14:creationId xmlns:p14="http://schemas.microsoft.com/office/powerpoint/2010/main" val="3867588320"/>
       </p:ext>
     </p:extLst>
   </p:cSld>
@@ -11409,8 +11879,8 @@
         </p:nvSpPr>
         <p:spPr>
           <a:xfrm>
-            <a:off x="662940" y="1309393"/>
-            <a:ext cx="8016240" cy="2231370"/>
+            <a:off x="662940" y="1441012"/>
+            <a:ext cx="8016240" cy="1373699"/>
           </a:xfrm>
           <a:prstGeom prst="rect">
             <a:avLst/>
@@ -11426,13 +11896,20 @@
           </a:bodyPr>
           <a:lstStyle/>
           <a:p>
-            <a:pPr marL="9525" marR="58579" algn="just">
+            <a:pPr marL="9525" marR="58579" lvl="0" indent="0" algn="just" rtl="0">
               <a:lnSpc>
                 <a:spcPct val="204642"/>
               </a:lnSpc>
+              <a:spcBef>
+                <a:spcPts val="180"/>
+              </a:spcBef>
+              <a:spcAft>
+                <a:spcPts val="0"/>
+              </a:spcAft>
+              <a:buNone/>
             </a:pPr>
             <a:r>
-              <a:rPr lang="es-ES" sz="1400" b="1" i="0" u="none" strike="noStrike" cap="none" dirty="0">
+              <a:rPr lang="es-MX" sz="1400" b="0" i="0" u="none" strike="noStrike" cap="none" dirty="0">
                 <a:solidFill>
                   <a:srgbClr val="000000"/>
                 </a:solidFill>
@@ -11441,118 +11918,17 @@
                 <a:cs typeface="Helvetica Neue Light"/>
                 <a:sym typeface="Helvetica Neue Light"/>
               </a:rPr>
-              <a:t>Biblioteca Digital de Naciones Unidas</a:t>
-            </a:r>
-            <a:r>
-              <a:rPr lang="es-ES" sz="1400" b="0" i="0" u="none" strike="noStrike" cap="none" dirty="0">
-                <a:solidFill>
-                  <a:srgbClr val="000000"/>
-                </a:solidFill>
-                <a:latin typeface="Helvetica Neue Light"/>
-                <a:ea typeface="Helvetica Neue Light"/>
-                <a:cs typeface="Helvetica Neue Light"/>
-                <a:sym typeface="Helvetica Neue Light"/>
-              </a:rPr>
-              <a:t> </a:t>
-            </a:r>
-            <a:r>
-              <a:rPr lang="es-ES" dirty="0">
-                <a:sym typeface="Helvetica Neue Light"/>
-                <a:hlinkClick r:id="rId3"/>
-              </a:rPr>
-              <a:t>https://digitallibrary.un.org/?ln=en</a:t>
-            </a:r>
-            <a:endParaRPr lang="es-ES" dirty="0">
+              <a:t>En términos generales, el modelo cumplió con nuestras expectativas para el análisis de los datos judiciales. Sin embargo, reconocemos la necesidad de enriquecerlo con una mayor cantidad de datos para asegurar que pueda generalizar de manera más precisa los casos negativos.</a:t>
+            </a:r>
+            <a:endParaRPr sz="1400" b="0" i="0" u="none" strike="noStrike" cap="none" dirty="0">
+              <a:solidFill>
+                <a:srgbClr val="000000"/>
+              </a:solidFill>
+              <a:latin typeface="Helvetica Neue Light"/>
+              <a:ea typeface="Helvetica Neue Light"/>
+              <a:cs typeface="Helvetica Neue Light"/>
               <a:sym typeface="Helvetica Neue Light"/>
             </a:endParaRPr>
-          </a:p>
-          <a:p>
-            <a:pPr marL="9525" marR="58579" lvl="0" algn="just" rtl="0">
-              <a:lnSpc>
-                <a:spcPct val="204642"/>
-              </a:lnSpc>
-              <a:spcBef>
-                <a:spcPts val="0"/>
-              </a:spcBef>
-              <a:spcAft>
-                <a:spcPts val="0"/>
-              </a:spcAft>
-            </a:pPr>
-            <a:r>
-              <a:rPr lang="es-ES" b="1" dirty="0">
-                <a:latin typeface="Helvetica Neue Light"/>
-                <a:sym typeface="Helvetica Neue Light"/>
-              </a:rPr>
-              <a:t>Corte Internacional de Justicia</a:t>
-            </a:r>
-            <a:r>
-              <a:rPr lang="es-ES" dirty="0">
-                <a:latin typeface="Helvetica Neue Light"/>
-                <a:sym typeface="Helvetica Neue Light"/>
-              </a:rPr>
-              <a:t>	</a:t>
-            </a:r>
-            <a:r>
-              <a:rPr lang="es-UY" dirty="0">
-                <a:hlinkClick r:id="rId4"/>
-              </a:rPr>
-              <a:t>https://www.icj-cij.org/advisory-proceedings</a:t>
-            </a:r>
-            <a:endParaRPr lang="es-UY" dirty="0"/>
-          </a:p>
-          <a:p>
-            <a:pPr marL="9525" marR="58579" lvl="4" algn="just">
-              <a:lnSpc>
-                <a:spcPct val="204642"/>
-              </a:lnSpc>
-            </a:pPr>
-            <a:r>
-              <a:rPr lang="es-UY" dirty="0"/>
-              <a:t>			</a:t>
-            </a:r>
-            <a:r>
-              <a:rPr lang="es-UY" dirty="0">
-                <a:hlinkClick r:id="rId5"/>
-              </a:rPr>
-              <a:t>https://www.icj-cij.org/case/131/written-proceedings</a:t>
-            </a:r>
-            <a:endParaRPr lang="es-UY" dirty="0"/>
-          </a:p>
-          <a:p>
-            <a:pPr marL="9525" marR="58579" lvl="4" algn="just">
-              <a:lnSpc>
-                <a:spcPct val="204642"/>
-              </a:lnSpc>
-            </a:pPr>
-            <a:r>
-              <a:rPr lang="es-UY" dirty="0"/>
-              <a:t>			</a:t>
-            </a:r>
-            <a:r>
-              <a:rPr lang="es-UY" dirty="0">
-                <a:hlinkClick r:id="rId6"/>
-              </a:rPr>
-              <a:t>https://www.icj-cij.org/case/131/oral-proceedings</a:t>
-            </a:r>
-            <a:endParaRPr lang="es-UY" dirty="0"/>
-          </a:p>
-          <a:p>
-            <a:pPr marL="9525" marR="58579" lvl="4" algn="just">
-              <a:lnSpc>
-                <a:spcPct val="204642"/>
-              </a:lnSpc>
-            </a:pPr>
-            <a:r>
-              <a:rPr lang="es-UY" dirty="0"/>
-              <a:t>			</a:t>
-            </a:r>
-            <a:r>
-              <a:rPr lang="es-UY" dirty="0">
-                <a:hlinkClick r:id="rId7"/>
-              </a:rPr>
-              <a:t>https://www.icj-cij.org/case/131/advisory-opinions</a:t>
-            </a:r>
-            <a:endParaRPr dirty="0"/>
           </a:p>
         </p:txBody>
       </p:sp>
@@ -11603,7 +11979,7 @@
                 <a:cs typeface="Helvetica Neue Light"/>
                 <a:sym typeface="Helvetica Neue Light"/>
               </a:rPr>
-              <a:t>Materiales de interés</a:t>
+              <a:t>Conclusiones</a:t>
             </a:r>
             <a:endParaRPr sz="1600" b="1" i="0" u="none" strike="noStrike" cap="none" dirty="0">
               <a:solidFill>
@@ -11620,7 +11996,7 @@
     </p:spTree>
     <p:extLst>
       <p:ext uri="{BB962C8B-B14F-4D97-AF65-F5344CB8AC3E}">
-        <p14:creationId xmlns:p14="http://schemas.microsoft.com/office/powerpoint/2010/main" val="2993859501"/>
+        <p14:creationId xmlns:p14="http://schemas.microsoft.com/office/powerpoint/2010/main" val="15957449"/>
       </p:ext>
     </p:extLst>
   </p:cSld>
@@ -11649,6 +12025,252 @@
       </p:grpSpPr>
       <p:sp>
         <p:nvSpPr>
+          <p:cNvPr id="26" name="Google Shape;26;p6"/>
+          <p:cNvSpPr txBox="1"/>
+          <p:nvPr/>
+        </p:nvSpPr>
+        <p:spPr>
+          <a:xfrm>
+            <a:off x="662940" y="1309393"/>
+            <a:ext cx="8016240" cy="2231370"/>
+          </a:xfrm>
+          <a:prstGeom prst="rect">
+            <a:avLst/>
+          </a:prstGeom>
+          <a:noFill/>
+          <a:ln>
+            <a:noFill/>
+          </a:ln>
+        </p:spPr>
+        <p:txBody>
+          <a:bodyPr spcFirstLastPara="1" wrap="square" lIns="0" tIns="22850" rIns="0" bIns="0" anchor="t" anchorCtr="0">
+            <a:spAutoFit/>
+          </a:bodyPr>
+          <a:lstStyle/>
+          <a:p>
+            <a:pPr marL="9525" marR="58579" algn="just">
+              <a:lnSpc>
+                <a:spcPct val="204642"/>
+              </a:lnSpc>
+            </a:pPr>
+            <a:r>
+              <a:rPr lang="es-ES" sz="1400" b="1" i="0" u="none" strike="noStrike" cap="none" dirty="0">
+                <a:solidFill>
+                  <a:srgbClr val="000000"/>
+                </a:solidFill>
+                <a:latin typeface="Helvetica Neue Light"/>
+                <a:ea typeface="Helvetica Neue Light"/>
+                <a:cs typeface="Helvetica Neue Light"/>
+                <a:sym typeface="Helvetica Neue Light"/>
+              </a:rPr>
+              <a:t>Biblioteca Digital de Naciones Unidas</a:t>
+            </a:r>
+            <a:r>
+              <a:rPr lang="es-ES" sz="1400" b="0" i="0" u="none" strike="noStrike" cap="none" dirty="0">
+                <a:solidFill>
+                  <a:srgbClr val="000000"/>
+                </a:solidFill>
+                <a:latin typeface="Helvetica Neue Light"/>
+                <a:ea typeface="Helvetica Neue Light"/>
+                <a:cs typeface="Helvetica Neue Light"/>
+                <a:sym typeface="Helvetica Neue Light"/>
+              </a:rPr>
+              <a:t> </a:t>
+            </a:r>
+            <a:r>
+              <a:rPr lang="es-ES" dirty="0">
+                <a:sym typeface="Helvetica Neue Light"/>
+                <a:hlinkClick r:id="rId3"/>
+              </a:rPr>
+              <a:t>https://digitallibrary.un.org/?ln=en</a:t>
+            </a:r>
+            <a:endParaRPr lang="es-ES" dirty="0">
+              <a:sym typeface="Helvetica Neue Light"/>
+            </a:endParaRPr>
+          </a:p>
+          <a:p>
+            <a:pPr marL="9525" marR="58579" lvl="0" algn="just" rtl="0">
+              <a:lnSpc>
+                <a:spcPct val="204642"/>
+              </a:lnSpc>
+              <a:spcBef>
+                <a:spcPts val="0"/>
+              </a:spcBef>
+              <a:spcAft>
+                <a:spcPts val="0"/>
+              </a:spcAft>
+            </a:pPr>
+            <a:r>
+              <a:rPr lang="es-ES" b="1" dirty="0">
+                <a:latin typeface="Helvetica Neue Light"/>
+                <a:sym typeface="Helvetica Neue Light"/>
+              </a:rPr>
+              <a:t>Corte Internacional de Justicia</a:t>
+            </a:r>
+            <a:r>
+              <a:rPr lang="es-ES" dirty="0">
+                <a:latin typeface="Helvetica Neue Light"/>
+                <a:sym typeface="Helvetica Neue Light"/>
+              </a:rPr>
+              <a:t>	</a:t>
+            </a:r>
+            <a:r>
+              <a:rPr lang="es-UY" dirty="0">
+                <a:hlinkClick r:id="rId4"/>
+              </a:rPr>
+              <a:t>https://www.icj-cij.org/advisory-proceedings</a:t>
+            </a:r>
+            <a:endParaRPr lang="es-UY" dirty="0"/>
+          </a:p>
+          <a:p>
+            <a:pPr marL="9525" marR="58579" lvl="4" algn="just">
+              <a:lnSpc>
+                <a:spcPct val="204642"/>
+              </a:lnSpc>
+            </a:pPr>
+            <a:r>
+              <a:rPr lang="es-UY" dirty="0"/>
+              <a:t>			</a:t>
+            </a:r>
+            <a:r>
+              <a:rPr lang="es-UY" dirty="0">
+                <a:hlinkClick r:id="rId5"/>
+              </a:rPr>
+              <a:t>https://www.icj-cij.org/case/131/written-proceedings</a:t>
+            </a:r>
+            <a:endParaRPr lang="es-UY" dirty="0"/>
+          </a:p>
+          <a:p>
+            <a:pPr marL="9525" marR="58579" lvl="4" algn="just">
+              <a:lnSpc>
+                <a:spcPct val="204642"/>
+              </a:lnSpc>
+            </a:pPr>
+            <a:r>
+              <a:rPr lang="es-UY" dirty="0"/>
+              <a:t>			</a:t>
+            </a:r>
+            <a:r>
+              <a:rPr lang="es-UY" dirty="0">
+                <a:hlinkClick r:id="rId6"/>
+              </a:rPr>
+              <a:t>https://www.icj-cij.org/case/131/oral-proceedings</a:t>
+            </a:r>
+            <a:endParaRPr lang="es-UY" dirty="0"/>
+          </a:p>
+          <a:p>
+            <a:pPr marL="9525" marR="58579" lvl="4" algn="just">
+              <a:lnSpc>
+                <a:spcPct val="204642"/>
+              </a:lnSpc>
+            </a:pPr>
+            <a:r>
+              <a:rPr lang="es-UY" dirty="0"/>
+              <a:t>			</a:t>
+            </a:r>
+            <a:r>
+              <a:rPr lang="es-UY" dirty="0">
+                <a:hlinkClick r:id="rId7"/>
+              </a:rPr>
+              <a:t>https://www.icj-cij.org/case/131/advisory-opinions</a:t>
+            </a:r>
+            <a:endParaRPr dirty="0"/>
+          </a:p>
+        </p:txBody>
+      </p:sp>
+      <p:sp>
+        <p:nvSpPr>
+          <p:cNvPr id="27" name="Google Shape;27;p6"/>
+          <p:cNvSpPr txBox="1"/>
+          <p:nvPr/>
+        </p:nvSpPr>
+        <p:spPr>
+          <a:xfrm>
+            <a:off x="662940" y="585145"/>
+            <a:ext cx="4572000" cy="338554"/>
+          </a:xfrm>
+          <a:prstGeom prst="rect">
+            <a:avLst/>
+          </a:prstGeom>
+          <a:noFill/>
+          <a:ln>
+            <a:noFill/>
+          </a:ln>
+        </p:spPr>
+        <p:txBody>
+          <a:bodyPr spcFirstLastPara="1" wrap="square" lIns="91425" tIns="45700" rIns="91425" bIns="45700" anchor="t" anchorCtr="0">
+            <a:spAutoFit/>
+          </a:bodyPr>
+          <a:lstStyle/>
+          <a:p>
+            <a:pPr marL="0" marR="0" lvl="0" indent="0" algn="l" rtl="0">
+              <a:lnSpc>
+                <a:spcPct val="100000"/>
+              </a:lnSpc>
+              <a:spcBef>
+                <a:spcPts val="0"/>
+              </a:spcBef>
+              <a:spcAft>
+                <a:spcPts val="0"/>
+              </a:spcAft>
+              <a:buNone/>
+            </a:pPr>
+            <a:r>
+              <a:rPr lang="es-ES" sz="1600" b="1" i="0" u="none" strike="noStrike" cap="none" dirty="0">
+                <a:solidFill>
+                  <a:srgbClr val="000000"/>
+                </a:solidFill>
+                <a:latin typeface="Helvetica Neue Light"/>
+                <a:ea typeface="Helvetica Neue Light"/>
+                <a:cs typeface="Helvetica Neue Light"/>
+                <a:sym typeface="Helvetica Neue Light"/>
+              </a:rPr>
+              <a:t>Materiales de interés</a:t>
+            </a:r>
+            <a:endParaRPr sz="1600" b="1" i="0" u="none" strike="noStrike" cap="none" dirty="0">
+              <a:solidFill>
+                <a:srgbClr val="000000"/>
+              </a:solidFill>
+              <a:latin typeface="Helvetica Neue Light"/>
+              <a:ea typeface="Helvetica Neue Light"/>
+              <a:cs typeface="Helvetica Neue Light"/>
+              <a:sym typeface="Helvetica Neue Light"/>
+            </a:endParaRPr>
+          </a:p>
+        </p:txBody>
+      </p:sp>
+    </p:spTree>
+    <p:extLst>
+      <p:ext uri="{BB962C8B-B14F-4D97-AF65-F5344CB8AC3E}">
+        <p14:creationId xmlns:p14="http://schemas.microsoft.com/office/powerpoint/2010/main" val="2993859501"/>
+      </p:ext>
+    </p:extLst>
+  </p:cSld>
+  <p:clrMapOvr>
+    <a:masterClrMapping/>
+  </p:clrMapOvr>
+</p:sld>
+</file>
+
+<file path=ppt/slides/slide25.xml><?xml version="1.0" encoding="utf-8"?>
+<p:sld xmlns:a="http://schemas.openxmlformats.org/drawingml/2006/main" xmlns:r="http://schemas.openxmlformats.org/officeDocument/2006/relationships" xmlns:p="http://schemas.openxmlformats.org/presentationml/2006/main">
+  <p:cSld>
+    <p:spTree>
+      <p:nvGrpSpPr>
+        <p:cNvPr id="1" name="Shape 24"/>
+        <p:cNvGrpSpPr/>
+        <p:nvPr/>
+      </p:nvGrpSpPr>
+      <p:grpSpPr>
+        <a:xfrm>
+          <a:off x="0" y="0"/>
+          <a:ext cx="0" cy="0"/>
+          <a:chOff x="0" y="0"/>
+          <a:chExt cx="0" cy="0"/>
+        </a:xfrm>
+      </p:grpSpPr>
+      <p:sp>
+        <p:nvSpPr>
           <p:cNvPr id="27" name="Google Shape;27;p6"/>
           <p:cNvSpPr txBox="1"/>
           <p:nvPr/>
@@ -11773,7 +12395,7 @@
 </p:sld>
 </file>
 
-<file path=ppt/slides/slide25.xml><?xml version="1.0" encoding="utf-8"?>
+<file path=ppt/slides/slide26.xml><?xml version="1.0" encoding="utf-8"?>
 <p:sld xmlns:a="http://schemas.openxmlformats.org/drawingml/2006/main" xmlns:r="http://schemas.openxmlformats.org/officeDocument/2006/relationships" xmlns:p="http://schemas.openxmlformats.org/presentationml/2006/main">
   <p:cSld>
     <p:spTree>
